--- a/打卡.pptx
+++ b/打卡.pptx
@@ -9,8 +9,8 @@
   </p:notesMasterIdLst>
   <p:sldIdLst>
     <p:sldId id="256" r:id="rId2"/>
-    <p:sldId id="257" r:id="rId3"/>
-    <p:sldId id="258" r:id="rId4"/>
+    <p:sldId id="258" r:id="rId3"/>
+    <p:sldId id="257" r:id="rId4"/>
     <p:sldId id="259" r:id="rId5"/>
     <p:sldId id="260" r:id="rId6"/>
   </p:sldIdLst>
@@ -6580,6 +6580,9864 @@
           <a:chExt cx="0" cy="0"/>
         </a:xfrm>
       </p:grpSpPr>
+      <p:grpSp>
+        <p:nvGrpSpPr>
+          <p:cNvPr id="558" name="组合 557">
+            <a:extLst>
+              <a:ext uri="{FF2B5EF4-FFF2-40B4-BE49-F238E27FC236}">
+                <a16:creationId xmlns:a16="http://schemas.microsoft.com/office/drawing/2014/main" id="{F5A3F713-52BE-48DE-8F1C-61DA1A36B4C3}"/>
+              </a:ext>
+            </a:extLst>
+          </p:cNvPr>
+          <p:cNvGrpSpPr/>
+          <p:nvPr/>
+        </p:nvGrpSpPr>
+        <p:grpSpPr>
+          <a:xfrm>
+            <a:off x="-181822" y="473768"/>
+            <a:ext cx="11840530" cy="4818219"/>
+            <a:chOff x="-181822" y="473768"/>
+            <a:chExt cx="11840530" cy="4818219"/>
+          </a:xfrm>
+        </p:grpSpPr>
+        <p:sp>
+          <p:nvSpPr>
+            <p:cNvPr id="556" name="矩形: 圆角 555">
+              <a:extLst>
+                <a:ext uri="{FF2B5EF4-FFF2-40B4-BE49-F238E27FC236}">
+                  <a16:creationId xmlns:a16="http://schemas.microsoft.com/office/drawing/2014/main" id="{3787CE2C-30EC-4C93-AA29-1E040A6D5551}"/>
+                </a:ext>
+              </a:extLst>
+            </p:cNvPr>
+            <p:cNvSpPr/>
+            <p:nvPr/>
+          </p:nvSpPr>
+          <p:spPr>
+            <a:xfrm>
+              <a:off x="4787846" y="1616503"/>
+              <a:ext cx="3753901" cy="3675484"/>
+            </a:xfrm>
+            <a:prstGeom prst="roundRect">
+              <a:avLst>
+                <a:gd name="adj" fmla="val 15659"/>
+              </a:avLst>
+            </a:prstGeom>
+            <a:solidFill>
+              <a:srgbClr val="993366">
+                <a:alpha val="14902"/>
+              </a:srgbClr>
+            </a:solidFill>
+          </p:spPr>
+          <p:style>
+            <a:lnRef idx="2">
+              <a:schemeClr val="accent1">
+                <a:shade val="50000"/>
+              </a:schemeClr>
+            </a:lnRef>
+            <a:fillRef idx="1">
+              <a:schemeClr val="accent1"/>
+            </a:fillRef>
+            <a:effectRef idx="0">
+              <a:schemeClr val="accent1"/>
+            </a:effectRef>
+            <a:fontRef idx="minor">
+              <a:schemeClr val="lt1"/>
+            </a:fontRef>
+          </p:style>
+          <p:txBody>
+            <a:bodyPr rtlCol="0" anchor="ctr"/>
+            <a:lstStyle/>
+            <a:p>
+              <a:pPr algn="ctr"/>
+              <a:endParaRPr lang="zh-CN" altLang="en-US" dirty="0"/>
+            </a:p>
+          </p:txBody>
+        </p:sp>
+        <p:grpSp>
+          <p:nvGrpSpPr>
+            <p:cNvPr id="68" name="组合 67">
+              <a:extLst>
+                <a:ext uri="{FF2B5EF4-FFF2-40B4-BE49-F238E27FC236}">
+                  <a16:creationId xmlns:a16="http://schemas.microsoft.com/office/drawing/2014/main" id="{AE5615B3-E89B-422A-997B-6A5AB99FEE9D}"/>
+                </a:ext>
+              </a:extLst>
+            </p:cNvPr>
+            <p:cNvGrpSpPr/>
+            <p:nvPr/>
+          </p:nvGrpSpPr>
+          <p:grpSpPr>
+            <a:xfrm>
+              <a:off x="4720924" y="473768"/>
+              <a:ext cx="1416462" cy="1092241"/>
+              <a:chOff x="238893" y="3443577"/>
+              <a:chExt cx="1416462" cy="1092241"/>
+            </a:xfrm>
+          </p:grpSpPr>
+          <p:sp>
+            <p:nvSpPr>
+              <p:cNvPr id="7" name="立方体 6">
+                <a:extLst>
+                  <a:ext uri="{FF2B5EF4-FFF2-40B4-BE49-F238E27FC236}">
+                    <a16:creationId xmlns:a16="http://schemas.microsoft.com/office/drawing/2014/main" id="{67425548-C9CA-4E71-8C09-2D512DB8183B}"/>
+                  </a:ext>
+                </a:extLst>
+              </p:cNvPr>
+              <p:cNvSpPr/>
+              <p:nvPr/>
+            </p:nvSpPr>
+            <p:spPr>
+              <a:xfrm>
+                <a:off x="634566" y="3720738"/>
+                <a:ext cx="295190" cy="815080"/>
+              </a:xfrm>
+              <a:prstGeom prst="cube">
+                <a:avLst>
+                  <a:gd name="adj" fmla="val 82396"/>
+                </a:avLst>
+              </a:prstGeom>
+              <a:gradFill flip="none" rotWithShape="1">
+                <a:gsLst>
+                  <a:gs pos="0">
+                    <a:schemeClr val="accent2">
+                      <a:lumMod val="60000"/>
+                      <a:lumOff val="40000"/>
+                      <a:tint val="66000"/>
+                      <a:satMod val="160000"/>
+                    </a:schemeClr>
+                  </a:gs>
+                  <a:gs pos="50000">
+                    <a:schemeClr val="accent2">
+                      <a:lumMod val="60000"/>
+                      <a:lumOff val="40000"/>
+                      <a:tint val="44500"/>
+                      <a:satMod val="160000"/>
+                    </a:schemeClr>
+                  </a:gs>
+                  <a:gs pos="100000">
+                    <a:schemeClr val="accent2">
+                      <a:lumMod val="60000"/>
+                      <a:lumOff val="40000"/>
+                      <a:tint val="23500"/>
+                      <a:satMod val="160000"/>
+                    </a:schemeClr>
+                  </a:gs>
+                </a:gsLst>
+                <a:lin ang="10800000" scaled="1"/>
+                <a:tileRect/>
+              </a:gradFill>
+              <a:scene3d>
+                <a:camera prst="isometricOffAxis2Left"/>
+                <a:lightRig rig="threePt" dir="t"/>
+              </a:scene3d>
+            </p:spPr>
+            <p:style>
+              <a:lnRef idx="2">
+                <a:schemeClr val="accent1">
+                  <a:shade val="50000"/>
+                </a:schemeClr>
+              </a:lnRef>
+              <a:fillRef idx="1">
+                <a:schemeClr val="accent1"/>
+              </a:fillRef>
+              <a:effectRef idx="0">
+                <a:schemeClr val="accent1"/>
+              </a:effectRef>
+              <a:fontRef idx="minor">
+                <a:schemeClr val="lt1"/>
+              </a:fontRef>
+            </p:style>
+            <p:txBody>
+              <a:bodyPr rot="0" spcFirstLastPara="0" vertOverflow="overflow" horzOverflow="overflow" vert="horz" wrap="square" lIns="91440" tIns="45720" rIns="91440" bIns="45720" numCol="1" spcCol="0" rtlCol="0" fromWordArt="0" anchor="ctr" anchorCtr="0" forceAA="0" compatLnSpc="1">
+                <a:prstTxWarp prst="textNoShape">
+                  <a:avLst/>
+                </a:prstTxWarp>
+                <a:noAutofit/>
+              </a:bodyPr>
+              <a:lstStyle/>
+              <a:p>
+                <a:pPr algn="ctr"/>
+                <a:endParaRPr lang="zh-CN" altLang="en-US" dirty="0"/>
+              </a:p>
+            </p:txBody>
+          </p:sp>
+          <mc:AlternateContent xmlns:mc="http://schemas.openxmlformats.org/markup-compatibility/2006">
+            <mc:Choice xmlns:a14="http://schemas.microsoft.com/office/drawing/2010/main" Requires="a14">
+              <p:sp>
+                <p:nvSpPr>
+                  <p:cNvPr id="10" name="文本框 9">
+                    <a:extLst>
+                      <a:ext uri="{FF2B5EF4-FFF2-40B4-BE49-F238E27FC236}">
+                        <a16:creationId xmlns:a16="http://schemas.microsoft.com/office/drawing/2014/main" id="{0EAF35CF-B054-4155-803B-6ACA7ADC6AA5}"/>
+                      </a:ext>
+                    </a:extLst>
+                  </p:cNvPr>
+                  <p:cNvSpPr txBox="1"/>
+                  <p:nvPr/>
+                </p:nvSpPr>
+                <p:spPr>
+                  <a:xfrm>
+                    <a:off x="238893" y="3443577"/>
+                    <a:ext cx="1416462" cy="246221"/>
+                  </a:xfrm>
+                  <a:prstGeom prst="rect">
+                    <a:avLst/>
+                  </a:prstGeom>
+                  <a:noFill/>
+                </p:spPr>
+                <p:txBody>
+                  <a:bodyPr wrap="square" rtlCol="0">
+                    <a:spAutoFit/>
+                  </a:bodyPr>
+                  <a:lstStyle/>
+                  <a:p>
+                    <a:r>
+                      <a:rPr lang="en-US" altLang="zh-CN" sz="1000" dirty="0">
+                        <a:latin typeface="Calibri" panose="020F0502020204030204" pitchFamily="34" charset="0"/>
+                        <a:ea typeface="Cambria Math" panose="02040503050406030204" pitchFamily="18" charset="0"/>
+                        <a:cs typeface="Calibri" panose="020F0502020204030204" pitchFamily="34" charset="0"/>
+                      </a:rPr>
+                      <a:t>motion feature</a:t>
+                    </a:r>
+                    <a:r>
+                      <a:rPr lang="en-US" altLang="zh-CN" sz="1000" dirty="0">
+                        <a:latin typeface="Avenir Next LT Pro Light" panose="020B0304020202020204" pitchFamily="34" charset="0"/>
+                        <a:ea typeface="Cambria Math" panose="02040503050406030204" pitchFamily="18" charset="0"/>
+                        <a:cs typeface="Calibri" panose="020F0502020204030204" pitchFamily="34" charset="0"/>
+                      </a:rPr>
+                      <a:t> </a:t>
+                    </a:r>
+                    <a14:m>
+                      <m:oMath xmlns:m="http://schemas.openxmlformats.org/officeDocument/2006/math">
+                        <m:sSub>
+                          <m:sSubPr>
+                            <m:ctrlPr>
+                              <a:rPr lang="en-US" altLang="zh-CN" sz="1000" i="1">
+                                <a:latin typeface="Cambria Math" panose="02040503050406030204" pitchFamily="18" charset="0"/>
+                                <a:ea typeface="Cambria Math" panose="02040503050406030204" pitchFamily="18" charset="0"/>
+                                <a:cs typeface="Calibri" panose="020F0502020204030204" pitchFamily="34" charset="0"/>
+                              </a:rPr>
+                            </m:ctrlPr>
+                          </m:sSubPr>
+                          <m:e>
+                            <m:r>
+                              <a:rPr lang="en-US" altLang="zh-CN" sz="1000" i="1">
+                                <a:latin typeface="Cambria Math" panose="02040503050406030204" pitchFamily="18" charset="0"/>
+                                <a:ea typeface="Cambria Math" panose="02040503050406030204" pitchFamily="18" charset="0"/>
+                                <a:cs typeface="Calibri" panose="020F0502020204030204" pitchFamily="34" charset="0"/>
+                              </a:rPr>
+                              <m:t>𝑓</m:t>
+                            </m:r>
+                          </m:e>
+                          <m:sub>
+                            <m:r>
+                              <a:rPr lang="en-US" altLang="zh-CN" sz="1000" i="1">
+                                <a:latin typeface="Cambria Math" panose="02040503050406030204" pitchFamily="18" charset="0"/>
+                                <a:ea typeface="Cambria Math" panose="02040503050406030204" pitchFamily="18" charset="0"/>
+                                <a:cs typeface="Calibri" panose="020F0502020204030204" pitchFamily="34" charset="0"/>
+                              </a:rPr>
+                              <m:t>𝑡</m:t>
+                            </m:r>
+                            <m:r>
+                              <a:rPr lang="en-US" altLang="zh-CN" sz="1000" b="0" i="1" smtClean="0">
+                                <a:latin typeface="Cambria Math" panose="02040503050406030204" pitchFamily="18" charset="0"/>
+                                <a:ea typeface="Cambria Math" panose="02040503050406030204" pitchFamily="18" charset="0"/>
+                                <a:cs typeface="Calibri" panose="020F0502020204030204" pitchFamily="34" charset="0"/>
+                              </a:rPr>
+                              <m:t>−1</m:t>
+                            </m:r>
+                          </m:sub>
+                        </m:sSub>
+                      </m:oMath>
+                    </a14:m>
+                    <a:endParaRPr lang="zh-CN" altLang="en-US" sz="1000" dirty="0">
+                      <a:latin typeface="Calibri" panose="020F0502020204030204" pitchFamily="34" charset="0"/>
+                      <a:cs typeface="Calibri" panose="020F0502020204030204" pitchFamily="34" charset="0"/>
+                    </a:endParaRPr>
+                  </a:p>
+                </p:txBody>
+              </p:sp>
+            </mc:Choice>
+            <mc:Fallback>
+              <p:sp>
+                <p:nvSpPr>
+                  <p:cNvPr id="10" name="文本框 9">
+                    <a:extLst>
+                      <a:ext uri="{FF2B5EF4-FFF2-40B4-BE49-F238E27FC236}">
+                        <a16:creationId xmlns:a16="http://schemas.microsoft.com/office/drawing/2014/main" id="{0EAF35CF-B054-4155-803B-6ACA7ADC6AA5}"/>
+                      </a:ext>
+                    </a:extLst>
+                  </p:cNvPr>
+                  <p:cNvSpPr txBox="1">
+                    <a:spLocks noRot="1" noChangeAspect="1" noMove="1" noResize="1" noEditPoints="1" noAdjustHandles="1" noChangeArrowheads="1" noChangeShapeType="1" noTextEdit="1"/>
+                  </p:cNvSpPr>
+                  <p:nvPr/>
+                </p:nvSpPr>
+                <p:spPr>
+                  <a:xfrm>
+                    <a:off x="238893" y="3443577"/>
+                    <a:ext cx="1416462" cy="246221"/>
+                  </a:xfrm>
+                  <a:prstGeom prst="rect">
+                    <a:avLst/>
+                  </a:prstGeom>
+                  <a:blipFill>
+                    <a:blip r:embed="rId2"/>
+                    <a:stretch>
+                      <a:fillRect b="-15000"/>
+                    </a:stretch>
+                  </a:blipFill>
+                </p:spPr>
+                <p:txBody>
+                  <a:bodyPr/>
+                  <a:lstStyle/>
+                  <a:p>
+                    <a:r>
+                      <a:rPr lang="zh-CN" altLang="en-US">
+                        <a:noFill/>
+                      </a:rPr>
+                      <a:t> </a:t>
+                    </a:r>
+                  </a:p>
+                </p:txBody>
+              </p:sp>
+            </mc:Fallback>
+          </mc:AlternateContent>
+        </p:grpSp>
+        <p:sp>
+          <p:nvSpPr>
+            <p:cNvPr id="54" name="文本框 53">
+              <a:extLst>
+                <a:ext uri="{FF2B5EF4-FFF2-40B4-BE49-F238E27FC236}">
+                  <a16:creationId xmlns:a16="http://schemas.microsoft.com/office/drawing/2014/main" id="{7D329174-5382-4A46-A3A4-8C4AD1C19764}"/>
+                </a:ext>
+              </a:extLst>
+            </p:cNvPr>
+            <p:cNvSpPr txBox="1"/>
+            <p:nvPr/>
+          </p:nvSpPr>
+          <p:spPr>
+            <a:xfrm>
+              <a:off x="6948881" y="3724854"/>
+              <a:ext cx="355867" cy="246221"/>
+            </a:xfrm>
+            <a:prstGeom prst="rect">
+              <a:avLst/>
+            </a:prstGeom>
+            <a:noFill/>
+          </p:spPr>
+          <p:txBody>
+            <a:bodyPr wrap="square" rtlCol="0">
+              <a:spAutoFit/>
+            </a:bodyPr>
+            <a:lstStyle/>
+            <a:p>
+              <a:r>
+                <a:rPr lang="en-US" altLang="zh-CN" sz="1000" dirty="0">
+                  <a:latin typeface="Calibri" panose="020F0502020204030204" pitchFamily="34" charset="0"/>
+                  <a:ea typeface="Cambria Math" panose="02040503050406030204" pitchFamily="18" charset="0"/>
+                  <a:cs typeface="Calibri" panose="020F0502020204030204" pitchFamily="34" charset="0"/>
+                </a:rPr>
+                <a:t>Q</a:t>
+              </a:r>
+              <a:endParaRPr lang="zh-CN" altLang="en-US" sz="1000" dirty="0">
+                <a:latin typeface="Calibri" panose="020F0502020204030204" pitchFamily="34" charset="0"/>
+                <a:cs typeface="Calibri" panose="020F0502020204030204" pitchFamily="34" charset="0"/>
+              </a:endParaRPr>
+            </a:p>
+          </p:txBody>
+        </p:sp>
+        <p:sp>
+          <p:nvSpPr>
+            <p:cNvPr id="9" name="立方体 8">
+              <a:extLst>
+                <a:ext uri="{FF2B5EF4-FFF2-40B4-BE49-F238E27FC236}">
+                  <a16:creationId xmlns:a16="http://schemas.microsoft.com/office/drawing/2014/main" id="{48E6C3E1-3FFE-4992-A971-3887C1FCCB5A}"/>
+                </a:ext>
+              </a:extLst>
+            </p:cNvPr>
+            <p:cNvSpPr/>
+            <p:nvPr/>
+          </p:nvSpPr>
+          <p:spPr>
+            <a:xfrm>
+              <a:off x="4326942" y="4010686"/>
+              <a:ext cx="295190" cy="815080"/>
+            </a:xfrm>
+            <a:prstGeom prst="cube">
+              <a:avLst>
+                <a:gd name="adj" fmla="val 82396"/>
+              </a:avLst>
+            </a:prstGeom>
+            <a:gradFill flip="none" rotWithShape="1">
+              <a:gsLst>
+                <a:gs pos="0">
+                  <a:schemeClr val="accent5">
+                    <a:lumMod val="60000"/>
+                    <a:lumOff val="40000"/>
+                    <a:shade val="30000"/>
+                    <a:satMod val="115000"/>
+                  </a:schemeClr>
+                </a:gs>
+                <a:gs pos="50000">
+                  <a:schemeClr val="accent5">
+                    <a:lumMod val="60000"/>
+                    <a:lumOff val="40000"/>
+                    <a:shade val="67500"/>
+                    <a:satMod val="115000"/>
+                  </a:schemeClr>
+                </a:gs>
+                <a:gs pos="100000">
+                  <a:schemeClr val="accent5">
+                    <a:lumMod val="60000"/>
+                    <a:lumOff val="40000"/>
+                    <a:shade val="100000"/>
+                    <a:satMod val="115000"/>
+                  </a:schemeClr>
+                </a:gs>
+              </a:gsLst>
+              <a:path path="circle">
+                <a:fillToRect l="50000" t="50000" r="50000" b="50000"/>
+              </a:path>
+              <a:tileRect/>
+            </a:gradFill>
+            <a:scene3d>
+              <a:camera prst="isometricOffAxis2Left"/>
+              <a:lightRig rig="threePt" dir="t"/>
+            </a:scene3d>
+          </p:spPr>
+          <p:style>
+            <a:lnRef idx="2">
+              <a:schemeClr val="accent1">
+                <a:shade val="50000"/>
+              </a:schemeClr>
+            </a:lnRef>
+            <a:fillRef idx="1">
+              <a:schemeClr val="accent1"/>
+            </a:fillRef>
+            <a:effectRef idx="0">
+              <a:schemeClr val="accent1"/>
+            </a:effectRef>
+            <a:fontRef idx="minor">
+              <a:schemeClr val="lt1"/>
+            </a:fontRef>
+          </p:style>
+          <p:txBody>
+            <a:bodyPr rot="0" spcFirstLastPara="0" vertOverflow="overflow" horzOverflow="overflow" vert="horz" wrap="square" lIns="91440" tIns="45720" rIns="91440" bIns="45720" numCol="1" spcCol="0" rtlCol="0" fromWordArt="0" anchor="ctr" anchorCtr="0" forceAA="0" compatLnSpc="1">
+              <a:prstTxWarp prst="textNoShape">
+                <a:avLst/>
+              </a:prstTxWarp>
+              <a:noAutofit/>
+            </a:bodyPr>
+            <a:lstStyle/>
+            <a:p>
+              <a:pPr algn="ctr"/>
+              <a:endParaRPr lang="zh-CN" altLang="en-US" dirty="0"/>
+            </a:p>
+          </p:txBody>
+        </p:sp>
+        <mc:AlternateContent xmlns:mc="http://schemas.openxmlformats.org/markup-compatibility/2006">
+          <mc:Choice xmlns:a14="http://schemas.microsoft.com/office/drawing/2010/main" Requires="a14">
+            <p:sp>
+              <p:nvSpPr>
+                <p:cNvPr id="15" name="文本框 14">
+                  <a:extLst>
+                    <a:ext uri="{FF2B5EF4-FFF2-40B4-BE49-F238E27FC236}">
+                      <a16:creationId xmlns:a16="http://schemas.microsoft.com/office/drawing/2014/main" id="{602C4906-6570-49D8-91B3-B7975405CB09}"/>
+                    </a:ext>
+                  </a:extLst>
+                </p:cNvPr>
+                <p:cNvSpPr txBox="1"/>
+                <p:nvPr/>
+              </p:nvSpPr>
+              <p:spPr>
+                <a:xfrm>
+                  <a:off x="3970111" y="4829248"/>
+                  <a:ext cx="1511600" cy="246221"/>
+                </a:xfrm>
+                <a:prstGeom prst="rect">
+                  <a:avLst/>
+                </a:prstGeom>
+                <a:noFill/>
+              </p:spPr>
+              <p:txBody>
+                <a:bodyPr wrap="square" rtlCol="0">
+                  <a:spAutoFit/>
+                </a:bodyPr>
+                <a:lstStyle/>
+                <a:p>
+                  <a:r>
+                    <a:rPr lang="en-US" altLang="zh-CN" sz="1000" dirty="0">
+                      <a:latin typeface="Calibri" panose="020F0502020204030204" pitchFamily="34" charset="0"/>
+                      <a:ea typeface="Cambria Math" panose="02040503050406030204" pitchFamily="18" charset="0"/>
+                      <a:cs typeface="Calibri" panose="020F0502020204030204" pitchFamily="34" charset="0"/>
+                    </a:rPr>
+                    <a:t>motion feature</a:t>
+                  </a:r>
+                  <a:r>
+                    <a:rPr lang="en-US" altLang="zh-CN" sz="1000" dirty="0">
+                      <a:latin typeface="Avenir Next LT Pro Light" panose="020B0304020202020204" pitchFamily="34" charset="0"/>
+                      <a:ea typeface="Cambria Math" panose="02040503050406030204" pitchFamily="18" charset="0"/>
+                      <a:cs typeface="Calibri" panose="020F0502020204030204" pitchFamily="34" charset="0"/>
+                    </a:rPr>
+                    <a:t> </a:t>
+                  </a:r>
+                  <a14:m>
+                    <m:oMath xmlns:m="http://schemas.openxmlformats.org/officeDocument/2006/math">
+                      <m:sSub>
+                        <m:sSubPr>
+                          <m:ctrlPr>
+                            <a:rPr lang="en-US" altLang="zh-CN" sz="1000" b="0" i="1" smtClean="0">
+                              <a:latin typeface="Cambria Math" panose="02040503050406030204" pitchFamily="18" charset="0"/>
+                              <a:ea typeface="Cambria Math" panose="02040503050406030204" pitchFamily="18" charset="0"/>
+                              <a:cs typeface="Calibri" panose="020F0502020204030204" pitchFamily="34" charset="0"/>
+                            </a:rPr>
+                          </m:ctrlPr>
+                        </m:sSubPr>
+                        <m:e>
+                          <m:r>
+                            <a:rPr lang="en-US" altLang="zh-CN" sz="1000" b="0" i="1" smtClean="0">
+                              <a:latin typeface="Cambria Math" panose="02040503050406030204" pitchFamily="18" charset="0"/>
+                              <a:ea typeface="Cambria Math" panose="02040503050406030204" pitchFamily="18" charset="0"/>
+                              <a:cs typeface="Calibri" panose="020F0502020204030204" pitchFamily="34" charset="0"/>
+                            </a:rPr>
+                            <m:t>𝑓</m:t>
+                          </m:r>
+                        </m:e>
+                        <m:sub>
+                          <m:r>
+                            <a:rPr lang="en-US" altLang="zh-CN" sz="1000" b="0" i="1" smtClean="0">
+                              <a:latin typeface="Cambria Math" panose="02040503050406030204" pitchFamily="18" charset="0"/>
+                              <a:ea typeface="Cambria Math" panose="02040503050406030204" pitchFamily="18" charset="0"/>
+                              <a:cs typeface="Calibri" panose="020F0502020204030204" pitchFamily="34" charset="0"/>
+                            </a:rPr>
+                            <m:t>𝑡</m:t>
+                          </m:r>
+                        </m:sub>
+                      </m:sSub>
+                    </m:oMath>
+                  </a14:m>
+                  <a:endParaRPr lang="zh-CN" altLang="en-US" sz="1000" dirty="0">
+                    <a:latin typeface="Calibri" panose="020F0502020204030204" pitchFamily="34" charset="0"/>
+                    <a:cs typeface="Calibri" panose="020F0502020204030204" pitchFamily="34" charset="0"/>
+                  </a:endParaRPr>
+                </a:p>
+              </p:txBody>
+            </p:sp>
+          </mc:Choice>
+          <mc:Fallback>
+            <p:sp>
+              <p:nvSpPr>
+                <p:cNvPr id="15" name="文本框 14">
+                  <a:extLst>
+                    <a:ext uri="{FF2B5EF4-FFF2-40B4-BE49-F238E27FC236}">
+                      <a16:creationId xmlns:a16="http://schemas.microsoft.com/office/drawing/2014/main" id="{602C4906-6570-49D8-91B3-B7975405CB09}"/>
+                    </a:ext>
+                  </a:extLst>
+                </p:cNvPr>
+                <p:cNvSpPr txBox="1">
+                  <a:spLocks noRot="1" noChangeAspect="1" noMove="1" noResize="1" noEditPoints="1" noAdjustHandles="1" noChangeArrowheads="1" noChangeShapeType="1" noTextEdit="1"/>
+                </p:cNvSpPr>
+                <p:nvPr/>
+              </p:nvSpPr>
+              <p:spPr>
+                <a:xfrm>
+                  <a:off x="3970111" y="4829248"/>
+                  <a:ext cx="1511600" cy="246221"/>
+                </a:xfrm>
+                <a:prstGeom prst="rect">
+                  <a:avLst/>
+                </a:prstGeom>
+                <a:blipFill>
+                  <a:blip r:embed="rId3"/>
+                  <a:stretch>
+                    <a:fillRect b="-14634"/>
+                  </a:stretch>
+                </a:blipFill>
+              </p:spPr>
+              <p:txBody>
+                <a:bodyPr/>
+                <a:lstStyle/>
+                <a:p>
+                  <a:r>
+                    <a:rPr lang="zh-CN" altLang="en-US">
+                      <a:noFill/>
+                    </a:rPr>
+                    <a:t> </a:t>
+                  </a:r>
+                </a:p>
+              </p:txBody>
+            </p:sp>
+          </mc:Fallback>
+        </mc:AlternateContent>
+        <p:sp>
+          <p:nvSpPr>
+            <p:cNvPr id="27" name="矩形: 圆角 26">
+              <a:extLst>
+                <a:ext uri="{FF2B5EF4-FFF2-40B4-BE49-F238E27FC236}">
+                  <a16:creationId xmlns:a16="http://schemas.microsoft.com/office/drawing/2014/main" id="{3799BB1F-3473-4FDA-ABF0-A996CB6A2311}"/>
+                </a:ext>
+              </a:extLst>
+            </p:cNvPr>
+            <p:cNvSpPr/>
+            <p:nvPr/>
+          </p:nvSpPr>
+          <p:spPr>
+            <a:xfrm>
+              <a:off x="5308613" y="3729608"/>
+              <a:ext cx="942433" cy="482935"/>
+            </a:xfrm>
+            <a:prstGeom prst="roundRect">
+              <a:avLst/>
+            </a:prstGeom>
+            <a:solidFill>
+              <a:srgbClr val="969696">
+                <a:alpha val="50196"/>
+              </a:srgbClr>
+            </a:solidFill>
+          </p:spPr>
+          <p:style>
+            <a:lnRef idx="2">
+              <a:schemeClr val="accent1">
+                <a:shade val="50000"/>
+              </a:schemeClr>
+            </a:lnRef>
+            <a:fillRef idx="1">
+              <a:schemeClr val="accent1"/>
+            </a:fillRef>
+            <a:effectRef idx="0">
+              <a:schemeClr val="accent1"/>
+            </a:effectRef>
+            <a:fontRef idx="minor">
+              <a:schemeClr val="lt1"/>
+            </a:fontRef>
+          </p:style>
+          <p:txBody>
+            <a:bodyPr rtlCol="0" anchor="ctr"/>
+            <a:lstStyle/>
+            <a:p>
+              <a:pPr algn="ctr"/>
+              <a:r>
+                <a:rPr lang="en-US" altLang="zh-CN" sz="1000" dirty="0">
+                  <a:solidFill>
+                    <a:schemeClr val="tx1"/>
+                  </a:solidFill>
+                  <a:latin typeface="Calibri" panose="020F0502020204030204" pitchFamily="34" charset="0"/>
+                  <a:cs typeface="Calibri" panose="020F0502020204030204" pitchFamily="34" charset="0"/>
+                </a:rPr>
+                <a:t>Query </a:t>
+              </a:r>
+            </a:p>
+            <a:p>
+              <a:pPr algn="ctr"/>
+              <a:r>
+                <a:rPr lang="en-US" altLang="zh-CN" sz="1000" dirty="0">
+                  <a:solidFill>
+                    <a:schemeClr val="tx1"/>
+                  </a:solidFill>
+                  <a:latin typeface="Calibri" panose="020F0502020204030204" pitchFamily="34" charset="0"/>
+                  <a:cs typeface="Calibri" panose="020F0502020204030204" pitchFamily="34" charset="0"/>
+                </a:rPr>
+                <a:t>Projector</a:t>
+              </a:r>
+              <a:endParaRPr lang="zh-CN" altLang="en-US" sz="1000" dirty="0">
+                <a:solidFill>
+                  <a:schemeClr val="tx1"/>
+                </a:solidFill>
+                <a:latin typeface="Calibri" panose="020F0502020204030204" pitchFamily="34" charset="0"/>
+                <a:cs typeface="Calibri" panose="020F0502020204030204" pitchFamily="34" charset="0"/>
+              </a:endParaRPr>
+            </a:p>
+          </p:txBody>
+        </p:sp>
+        <p:sp>
+          <p:nvSpPr>
+            <p:cNvPr id="28" name="矩形: 圆角 27">
+              <a:extLst>
+                <a:ext uri="{FF2B5EF4-FFF2-40B4-BE49-F238E27FC236}">
+                  <a16:creationId xmlns:a16="http://schemas.microsoft.com/office/drawing/2014/main" id="{8AA5E28C-BA71-481E-B6CD-33CDEC894A02}"/>
+                </a:ext>
+              </a:extLst>
+            </p:cNvPr>
+            <p:cNvSpPr/>
+            <p:nvPr/>
+          </p:nvSpPr>
+          <p:spPr>
+            <a:xfrm>
+              <a:off x="5296983" y="4455386"/>
+              <a:ext cx="942433" cy="482935"/>
+            </a:xfrm>
+            <a:prstGeom prst="roundRect">
+              <a:avLst/>
+            </a:prstGeom>
+            <a:solidFill>
+              <a:srgbClr val="969696">
+                <a:alpha val="50196"/>
+              </a:srgbClr>
+            </a:solidFill>
+          </p:spPr>
+          <p:style>
+            <a:lnRef idx="2">
+              <a:schemeClr val="accent1">
+                <a:shade val="50000"/>
+              </a:schemeClr>
+            </a:lnRef>
+            <a:fillRef idx="1">
+              <a:schemeClr val="accent1"/>
+            </a:fillRef>
+            <a:effectRef idx="0">
+              <a:schemeClr val="accent1"/>
+            </a:effectRef>
+            <a:fontRef idx="minor">
+              <a:schemeClr val="lt1"/>
+            </a:fontRef>
+          </p:style>
+          <p:txBody>
+            <a:bodyPr rot="0" spcFirstLastPara="0" vert="horz" wrap="square" lIns="91440" tIns="45720" rIns="91440" bIns="45720" numCol="1" spcCol="0" rtlCol="0" fromWordArt="0" anchor="ctr" anchorCtr="0" forceAA="0" compatLnSpc="1">
+              <a:prstTxWarp prst="textNoShape">
+                <a:avLst/>
+              </a:prstTxWarp>
+              <a:noAutofit/>
+            </a:bodyPr>
+            <a:lstStyle>
+              <a:defPPr>
+                <a:defRPr lang="zh-CN"/>
+              </a:defPPr>
+              <a:lvl1pPr marL="0" algn="l" defTabSz="914400" rtl="0" eaLnBrk="1" latinLnBrk="0" hangingPunct="1">
+                <a:defRPr sz="1800" kern="1200">
+                  <a:solidFill>
+                    <a:schemeClr val="lt1"/>
+                  </a:solidFill>
+                  <a:latin typeface="+mn-lt"/>
+                  <a:ea typeface="+mn-ea"/>
+                  <a:cs typeface="+mn-cs"/>
+                </a:defRPr>
+              </a:lvl1pPr>
+              <a:lvl2pPr marL="457200" algn="l" defTabSz="914400" rtl="0" eaLnBrk="1" latinLnBrk="0" hangingPunct="1">
+                <a:defRPr sz="1800" kern="1200">
+                  <a:solidFill>
+                    <a:schemeClr val="lt1"/>
+                  </a:solidFill>
+                  <a:latin typeface="+mn-lt"/>
+                  <a:ea typeface="+mn-ea"/>
+                  <a:cs typeface="+mn-cs"/>
+                </a:defRPr>
+              </a:lvl2pPr>
+              <a:lvl3pPr marL="914400" algn="l" defTabSz="914400" rtl="0" eaLnBrk="1" latinLnBrk="0" hangingPunct="1">
+                <a:defRPr sz="1800" kern="1200">
+                  <a:solidFill>
+                    <a:schemeClr val="lt1"/>
+                  </a:solidFill>
+                  <a:latin typeface="+mn-lt"/>
+                  <a:ea typeface="+mn-ea"/>
+                  <a:cs typeface="+mn-cs"/>
+                </a:defRPr>
+              </a:lvl3pPr>
+              <a:lvl4pPr marL="1371600" algn="l" defTabSz="914400" rtl="0" eaLnBrk="1" latinLnBrk="0" hangingPunct="1">
+                <a:defRPr sz="1800" kern="1200">
+                  <a:solidFill>
+                    <a:schemeClr val="lt1"/>
+                  </a:solidFill>
+                  <a:latin typeface="+mn-lt"/>
+                  <a:ea typeface="+mn-ea"/>
+                  <a:cs typeface="+mn-cs"/>
+                </a:defRPr>
+              </a:lvl4pPr>
+              <a:lvl5pPr marL="1828800" algn="l" defTabSz="914400" rtl="0" eaLnBrk="1" latinLnBrk="0" hangingPunct="1">
+                <a:defRPr sz="1800" kern="1200">
+                  <a:solidFill>
+                    <a:schemeClr val="lt1"/>
+                  </a:solidFill>
+                  <a:latin typeface="+mn-lt"/>
+                  <a:ea typeface="+mn-ea"/>
+                  <a:cs typeface="+mn-cs"/>
+                </a:defRPr>
+              </a:lvl5pPr>
+              <a:lvl6pPr marL="2286000" algn="l" defTabSz="914400" rtl="0" eaLnBrk="1" latinLnBrk="0" hangingPunct="1">
+                <a:defRPr sz="1800" kern="1200">
+                  <a:solidFill>
+                    <a:schemeClr val="lt1"/>
+                  </a:solidFill>
+                  <a:latin typeface="+mn-lt"/>
+                  <a:ea typeface="+mn-ea"/>
+                  <a:cs typeface="+mn-cs"/>
+                </a:defRPr>
+              </a:lvl6pPr>
+              <a:lvl7pPr marL="2743200" algn="l" defTabSz="914400" rtl="0" eaLnBrk="1" latinLnBrk="0" hangingPunct="1">
+                <a:defRPr sz="1800" kern="1200">
+                  <a:solidFill>
+                    <a:schemeClr val="lt1"/>
+                  </a:solidFill>
+                  <a:latin typeface="+mn-lt"/>
+                  <a:ea typeface="+mn-ea"/>
+                  <a:cs typeface="+mn-cs"/>
+                </a:defRPr>
+              </a:lvl7pPr>
+              <a:lvl8pPr marL="3200400" algn="l" defTabSz="914400" rtl="0" eaLnBrk="1" latinLnBrk="0" hangingPunct="1">
+                <a:defRPr sz="1800" kern="1200">
+                  <a:solidFill>
+                    <a:schemeClr val="lt1"/>
+                  </a:solidFill>
+                  <a:latin typeface="+mn-lt"/>
+                  <a:ea typeface="+mn-ea"/>
+                  <a:cs typeface="+mn-cs"/>
+                </a:defRPr>
+              </a:lvl8pPr>
+              <a:lvl9pPr marL="3657600" algn="l" defTabSz="914400" rtl="0" eaLnBrk="1" latinLnBrk="0" hangingPunct="1">
+                <a:defRPr sz="1800" kern="1200">
+                  <a:solidFill>
+                    <a:schemeClr val="lt1"/>
+                  </a:solidFill>
+                  <a:latin typeface="+mn-lt"/>
+                  <a:ea typeface="+mn-ea"/>
+                  <a:cs typeface="+mn-cs"/>
+                </a:defRPr>
+              </a:lvl9pPr>
+            </a:lstStyle>
+            <a:p>
+              <a:pPr algn="ctr"/>
+              <a:r>
+                <a:rPr lang="en-US" altLang="zh-CN" sz="1000" dirty="0">
+                  <a:solidFill>
+                    <a:schemeClr val="tx1"/>
+                  </a:solidFill>
+                  <a:latin typeface="Calibri" panose="020F0502020204030204" pitchFamily="34" charset="0"/>
+                  <a:cs typeface="Calibri" panose="020F0502020204030204" pitchFamily="34" charset="0"/>
+                </a:rPr>
+                <a:t>Value</a:t>
+              </a:r>
+              <a:r>
+                <a:rPr lang="en-US" altLang="zh-CN" dirty="0">
+                  <a:solidFill>
+                    <a:schemeClr val="tx1"/>
+                  </a:solidFill>
+                  <a:latin typeface="Calibri" panose="020F0502020204030204" pitchFamily="34" charset="0"/>
+                  <a:cs typeface="Calibri" panose="020F0502020204030204" pitchFamily="34" charset="0"/>
+                </a:rPr>
+                <a:t> </a:t>
+              </a:r>
+            </a:p>
+            <a:p>
+              <a:pPr algn="ctr"/>
+              <a:r>
+                <a:rPr lang="en-US" altLang="zh-CN" sz="1000" dirty="0">
+                  <a:solidFill>
+                    <a:schemeClr val="tx1"/>
+                  </a:solidFill>
+                  <a:latin typeface="Calibri" panose="020F0502020204030204" pitchFamily="34" charset="0"/>
+                  <a:cs typeface="Calibri" panose="020F0502020204030204" pitchFamily="34" charset="0"/>
+                </a:rPr>
+                <a:t>Projector</a:t>
+              </a:r>
+              <a:endParaRPr lang="zh-CN" altLang="en-US" sz="1000" dirty="0">
+                <a:solidFill>
+                  <a:schemeClr val="tx1"/>
+                </a:solidFill>
+                <a:latin typeface="Calibri" panose="020F0502020204030204" pitchFamily="34" charset="0"/>
+                <a:cs typeface="Calibri" panose="020F0502020204030204" pitchFamily="34" charset="0"/>
+              </a:endParaRPr>
+            </a:p>
+          </p:txBody>
+        </p:sp>
+        <p:cxnSp>
+          <p:nvCxnSpPr>
+            <p:cNvPr id="18" name="连接符: 肘形 17">
+              <a:extLst>
+                <a:ext uri="{FF2B5EF4-FFF2-40B4-BE49-F238E27FC236}">
+                  <a16:creationId xmlns:a16="http://schemas.microsoft.com/office/drawing/2014/main" id="{3F8F81B5-80CD-4AC0-AD3E-D0287036E38D}"/>
+                </a:ext>
+              </a:extLst>
+            </p:cNvPr>
+            <p:cNvCxnSpPr>
+              <a:cxnSpLocks/>
+            </p:cNvCxnSpPr>
+            <p:nvPr/>
+          </p:nvCxnSpPr>
+          <p:spPr>
+            <a:xfrm flipV="1">
+              <a:off x="4691396" y="4023729"/>
+              <a:ext cx="477118" cy="393754"/>
+            </a:xfrm>
+            <a:prstGeom prst="bentConnector3">
+              <a:avLst>
+                <a:gd name="adj1" fmla="val 50000"/>
+              </a:avLst>
+            </a:prstGeom>
+            <a:ln>
+              <a:tailEnd type="triangle"/>
+            </a:ln>
+          </p:spPr>
+          <p:style>
+            <a:lnRef idx="1">
+              <a:schemeClr val="dk1"/>
+            </a:lnRef>
+            <a:fillRef idx="0">
+              <a:schemeClr val="dk1"/>
+            </a:fillRef>
+            <a:effectRef idx="0">
+              <a:schemeClr val="dk1"/>
+            </a:effectRef>
+            <a:fontRef idx="minor">
+              <a:schemeClr val="tx1"/>
+            </a:fontRef>
+          </p:style>
+        </p:cxnSp>
+        <p:cxnSp>
+          <p:nvCxnSpPr>
+            <p:cNvPr id="29" name="连接符: 肘形 28">
+              <a:extLst>
+                <a:ext uri="{FF2B5EF4-FFF2-40B4-BE49-F238E27FC236}">
+                  <a16:creationId xmlns:a16="http://schemas.microsoft.com/office/drawing/2014/main" id="{8EA1E2C2-722F-497D-B399-91D4FA30F570}"/>
+                </a:ext>
+              </a:extLst>
+            </p:cNvPr>
+            <p:cNvCxnSpPr>
+              <a:cxnSpLocks/>
+            </p:cNvCxnSpPr>
+            <p:nvPr/>
+          </p:nvCxnSpPr>
+          <p:spPr>
+            <a:xfrm>
+              <a:off x="4691396" y="4417482"/>
+              <a:ext cx="491024" cy="230922"/>
+            </a:xfrm>
+            <a:prstGeom prst="bentConnector3">
+              <a:avLst>
+                <a:gd name="adj1" fmla="val 48119"/>
+              </a:avLst>
+            </a:prstGeom>
+            <a:ln>
+              <a:tailEnd type="triangle"/>
+            </a:ln>
+          </p:spPr>
+          <p:style>
+            <a:lnRef idx="1">
+              <a:schemeClr val="dk1"/>
+            </a:lnRef>
+            <a:fillRef idx="0">
+              <a:schemeClr val="dk1"/>
+            </a:fillRef>
+            <a:effectRef idx="0">
+              <a:schemeClr val="dk1"/>
+            </a:effectRef>
+            <a:fontRef idx="minor">
+              <a:schemeClr val="tx1"/>
+            </a:fontRef>
+          </p:style>
+        </p:cxnSp>
+        <p:sp>
+          <p:nvSpPr>
+            <p:cNvPr id="46" name="立方体 45">
+              <a:extLst>
+                <a:ext uri="{FF2B5EF4-FFF2-40B4-BE49-F238E27FC236}">
+                  <a16:creationId xmlns:a16="http://schemas.microsoft.com/office/drawing/2014/main" id="{5CFF8CA2-C436-4E44-8556-8CEB31AECA12}"/>
+                </a:ext>
+              </a:extLst>
+            </p:cNvPr>
+            <p:cNvSpPr/>
+            <p:nvPr/>
+          </p:nvSpPr>
+          <p:spPr>
+            <a:xfrm>
+              <a:off x="6793430" y="3622605"/>
+              <a:ext cx="180587" cy="491278"/>
+            </a:xfrm>
+            <a:prstGeom prst="cube">
+              <a:avLst>
+                <a:gd name="adj" fmla="val 82396"/>
+              </a:avLst>
+            </a:prstGeom>
+            <a:solidFill>
+              <a:schemeClr val="accent6">
+                <a:lumMod val="50000"/>
+              </a:schemeClr>
+            </a:solidFill>
+            <a:scene3d>
+              <a:camera prst="isometricOffAxis2Left"/>
+              <a:lightRig rig="threePt" dir="t"/>
+            </a:scene3d>
+          </p:spPr>
+          <p:style>
+            <a:lnRef idx="2">
+              <a:schemeClr val="accent1">
+                <a:shade val="50000"/>
+              </a:schemeClr>
+            </a:lnRef>
+            <a:fillRef idx="1">
+              <a:schemeClr val="accent1"/>
+            </a:fillRef>
+            <a:effectRef idx="0">
+              <a:schemeClr val="accent1"/>
+            </a:effectRef>
+            <a:fontRef idx="minor">
+              <a:schemeClr val="lt1"/>
+            </a:fontRef>
+          </p:style>
+          <p:txBody>
+            <a:bodyPr rot="0" spcFirstLastPara="0" vertOverflow="overflow" horzOverflow="overflow" vert="horz" wrap="square" lIns="91440" tIns="45720" rIns="91440" bIns="45720" numCol="1" spcCol="0" rtlCol="0" fromWordArt="0" anchor="ctr" anchorCtr="0" forceAA="0" compatLnSpc="1">
+              <a:prstTxWarp prst="textNoShape">
+                <a:avLst/>
+              </a:prstTxWarp>
+              <a:noAutofit/>
+            </a:bodyPr>
+            <a:lstStyle/>
+            <a:p>
+              <a:pPr algn="ctr"/>
+              <a:endParaRPr lang="zh-CN" altLang="en-US" dirty="0"/>
+            </a:p>
+          </p:txBody>
+        </p:sp>
+        <p:sp>
+          <p:nvSpPr>
+            <p:cNvPr id="47" name="立方体 46">
+              <a:extLst>
+                <a:ext uri="{FF2B5EF4-FFF2-40B4-BE49-F238E27FC236}">
+                  <a16:creationId xmlns:a16="http://schemas.microsoft.com/office/drawing/2014/main" id="{2FE5F235-1E4E-46C8-A3A7-5993318CEA52}"/>
+                </a:ext>
+              </a:extLst>
+            </p:cNvPr>
+            <p:cNvSpPr/>
+            <p:nvPr/>
+          </p:nvSpPr>
+          <p:spPr>
+            <a:xfrm>
+              <a:off x="6791384" y="4384004"/>
+              <a:ext cx="180587" cy="491278"/>
+            </a:xfrm>
+            <a:prstGeom prst="cube">
+              <a:avLst>
+                <a:gd name="adj" fmla="val 82396"/>
+              </a:avLst>
+            </a:prstGeom>
+            <a:solidFill>
+              <a:schemeClr val="accent4">
+                <a:lumMod val="60000"/>
+                <a:lumOff val="40000"/>
+              </a:schemeClr>
+            </a:solidFill>
+            <a:scene3d>
+              <a:camera prst="isometricOffAxis2Left"/>
+              <a:lightRig rig="threePt" dir="t"/>
+            </a:scene3d>
+          </p:spPr>
+          <p:style>
+            <a:lnRef idx="2">
+              <a:schemeClr val="accent1">
+                <a:shade val="50000"/>
+              </a:schemeClr>
+            </a:lnRef>
+            <a:fillRef idx="1">
+              <a:schemeClr val="accent1"/>
+            </a:fillRef>
+            <a:effectRef idx="0">
+              <a:schemeClr val="accent1"/>
+            </a:effectRef>
+            <a:fontRef idx="minor">
+              <a:schemeClr val="lt1"/>
+            </a:fontRef>
+          </p:style>
+          <p:txBody>
+            <a:bodyPr rot="0" spcFirstLastPara="0" vertOverflow="overflow" horzOverflow="overflow" vert="horz" wrap="square" lIns="91440" tIns="45720" rIns="91440" bIns="45720" numCol="1" spcCol="0" rtlCol="0" fromWordArt="0" anchor="ctr" anchorCtr="0" forceAA="0" compatLnSpc="1">
+              <a:prstTxWarp prst="textNoShape">
+                <a:avLst/>
+              </a:prstTxWarp>
+              <a:noAutofit/>
+            </a:bodyPr>
+            <a:lstStyle/>
+            <a:p>
+              <a:pPr algn="ctr"/>
+              <a:endParaRPr lang="zh-CN" altLang="en-US" dirty="0"/>
+            </a:p>
+          </p:txBody>
+        </p:sp>
+        <p:cxnSp>
+          <p:nvCxnSpPr>
+            <p:cNvPr id="50" name="直接箭头连接符 49">
+              <a:extLst>
+                <a:ext uri="{FF2B5EF4-FFF2-40B4-BE49-F238E27FC236}">
+                  <a16:creationId xmlns:a16="http://schemas.microsoft.com/office/drawing/2014/main" id="{AC130102-A0DE-418B-8070-A03CAAA3594D}"/>
+                </a:ext>
+              </a:extLst>
+            </p:cNvPr>
+            <p:cNvCxnSpPr>
+              <a:cxnSpLocks/>
+            </p:cNvCxnSpPr>
+            <p:nvPr/>
+          </p:nvCxnSpPr>
+          <p:spPr>
+            <a:xfrm>
+              <a:off x="6344639" y="3948027"/>
+              <a:ext cx="360718" cy="0"/>
+            </a:xfrm>
+            <a:prstGeom prst="straightConnector1">
+              <a:avLst/>
+            </a:prstGeom>
+            <a:ln>
+              <a:tailEnd type="triangle"/>
+            </a:ln>
+          </p:spPr>
+          <p:style>
+            <a:lnRef idx="1">
+              <a:schemeClr val="dk1"/>
+            </a:lnRef>
+            <a:fillRef idx="0">
+              <a:schemeClr val="dk1"/>
+            </a:fillRef>
+            <a:effectRef idx="0">
+              <a:schemeClr val="dk1"/>
+            </a:effectRef>
+            <a:fontRef idx="minor">
+              <a:schemeClr val="tx1"/>
+            </a:fontRef>
+          </p:style>
+        </p:cxnSp>
+        <p:cxnSp>
+          <p:nvCxnSpPr>
+            <p:cNvPr id="51" name="直接箭头连接符 50">
+              <a:extLst>
+                <a:ext uri="{FF2B5EF4-FFF2-40B4-BE49-F238E27FC236}">
+                  <a16:creationId xmlns:a16="http://schemas.microsoft.com/office/drawing/2014/main" id="{1D50E4B0-7E40-4ECB-94DB-3F9228CED5B2}"/>
+                </a:ext>
+              </a:extLst>
+            </p:cNvPr>
+            <p:cNvCxnSpPr>
+              <a:cxnSpLocks/>
+            </p:cNvCxnSpPr>
+            <p:nvPr/>
+          </p:nvCxnSpPr>
+          <p:spPr>
+            <a:xfrm flipV="1">
+              <a:off x="6316344" y="4656251"/>
+              <a:ext cx="404348" cy="2982"/>
+            </a:xfrm>
+            <a:prstGeom prst="straightConnector1">
+              <a:avLst/>
+            </a:prstGeom>
+            <a:ln>
+              <a:tailEnd type="triangle"/>
+            </a:ln>
+          </p:spPr>
+          <p:style>
+            <a:lnRef idx="1">
+              <a:schemeClr val="dk1"/>
+            </a:lnRef>
+            <a:fillRef idx="0">
+              <a:schemeClr val="dk1"/>
+            </a:fillRef>
+            <a:effectRef idx="0">
+              <a:schemeClr val="dk1"/>
+            </a:effectRef>
+            <a:fontRef idx="minor">
+              <a:schemeClr val="tx1"/>
+            </a:fontRef>
+          </p:style>
+        </p:cxnSp>
+        <p:sp>
+          <p:nvSpPr>
+            <p:cNvPr id="55" name="文本框 54">
+              <a:extLst>
+                <a:ext uri="{FF2B5EF4-FFF2-40B4-BE49-F238E27FC236}">
+                  <a16:creationId xmlns:a16="http://schemas.microsoft.com/office/drawing/2014/main" id="{AD3B63A8-EFD8-4EA3-8D0B-FCEDF73CE682}"/>
+                </a:ext>
+              </a:extLst>
+            </p:cNvPr>
+            <p:cNvSpPr txBox="1"/>
+            <p:nvPr/>
+          </p:nvSpPr>
+          <p:spPr>
+            <a:xfrm>
+              <a:off x="6958814" y="4497316"/>
+              <a:ext cx="355867" cy="246221"/>
+            </a:xfrm>
+            <a:prstGeom prst="rect">
+              <a:avLst/>
+            </a:prstGeom>
+            <a:noFill/>
+          </p:spPr>
+          <p:txBody>
+            <a:bodyPr wrap="square" rtlCol="0">
+              <a:spAutoFit/>
+            </a:bodyPr>
+            <a:lstStyle/>
+            <a:p>
+              <a:r>
+                <a:rPr lang="en-US" altLang="zh-CN" sz="1000" dirty="0">
+                  <a:latin typeface="Calibri" panose="020F0502020204030204" pitchFamily="34" charset="0"/>
+                  <a:ea typeface="Cambria Math" panose="02040503050406030204" pitchFamily="18" charset="0"/>
+                  <a:cs typeface="Calibri" panose="020F0502020204030204" pitchFamily="34" charset="0"/>
+                </a:rPr>
+                <a:t>V</a:t>
+              </a:r>
+              <a:endParaRPr lang="zh-CN" altLang="en-US" sz="1000" dirty="0">
+                <a:latin typeface="Calibri" panose="020F0502020204030204" pitchFamily="34" charset="0"/>
+                <a:cs typeface="Calibri" panose="020F0502020204030204" pitchFamily="34" charset="0"/>
+              </a:endParaRPr>
+            </a:p>
+          </p:txBody>
+        </p:sp>
+        <p:pic>
+          <p:nvPicPr>
+            <p:cNvPr id="74" name="图片 73">
+              <a:extLst>
+                <a:ext uri="{FF2B5EF4-FFF2-40B4-BE49-F238E27FC236}">
+                  <a16:creationId xmlns:a16="http://schemas.microsoft.com/office/drawing/2014/main" id="{D0AA3703-E881-4CFC-B45E-2B87E64F164B}"/>
+                </a:ext>
+              </a:extLst>
+            </p:cNvPr>
+            <p:cNvPicPr>
+              <a:picLocks noChangeAspect="1"/>
+            </p:cNvPicPr>
+            <p:nvPr/>
+          </p:nvPicPr>
+          <p:blipFill>
+            <a:blip r:embed="rId4">
+              <a:extLst>
+                <a:ext uri="{28A0092B-C50C-407E-A947-70E740481C1C}">
+                  <a14:useLocalDpi xmlns:a14="http://schemas.microsoft.com/office/drawing/2010/main" val="0"/>
+                </a:ext>
+              </a:extLst>
+            </a:blip>
+            <a:stretch>
+              <a:fillRect/>
+            </a:stretch>
+          </p:blipFill>
+          <p:spPr>
+            <a:xfrm>
+              <a:off x="-181822" y="943161"/>
+              <a:ext cx="1463043" cy="622936"/>
+            </a:xfrm>
+            <a:prstGeom prst="rect">
+              <a:avLst/>
+            </a:prstGeom>
+            <a:ln w="28575">
+              <a:solidFill>
+                <a:schemeClr val="tx1"/>
+              </a:solidFill>
+            </a:ln>
+            <a:scene3d>
+              <a:camera prst="orthographicFront">
+                <a:rot lat="21000000" lon="4200000" rev="0"/>
+              </a:camera>
+              <a:lightRig rig="threePt" dir="t"/>
+            </a:scene3d>
+          </p:spPr>
+        </p:pic>
+        <p:pic>
+          <p:nvPicPr>
+            <p:cNvPr id="75" name="图片 74">
+              <a:extLst>
+                <a:ext uri="{FF2B5EF4-FFF2-40B4-BE49-F238E27FC236}">
+                  <a16:creationId xmlns:a16="http://schemas.microsoft.com/office/drawing/2014/main" id="{4267EBD1-903D-488D-A978-4B7342ABFDFC}"/>
+                </a:ext>
+              </a:extLst>
+            </p:cNvPr>
+            <p:cNvPicPr>
+              <a:picLocks noChangeAspect="1"/>
+            </p:cNvPicPr>
+            <p:nvPr/>
+          </p:nvPicPr>
+          <p:blipFill>
+            <a:blip r:embed="rId5">
+              <a:extLst>
+                <a:ext uri="{28A0092B-C50C-407E-A947-70E740481C1C}">
+                  <a14:useLocalDpi xmlns:a14="http://schemas.microsoft.com/office/drawing/2010/main" val="0"/>
+                </a:ext>
+              </a:extLst>
+            </a:blip>
+            <a:stretch>
+              <a:fillRect/>
+            </a:stretch>
+          </p:blipFill>
+          <p:spPr>
+            <a:xfrm>
+              <a:off x="-181822" y="2564504"/>
+              <a:ext cx="1463043" cy="622936"/>
+            </a:xfrm>
+            <a:prstGeom prst="rect">
+              <a:avLst/>
+            </a:prstGeom>
+            <a:ln w="28575">
+              <a:solidFill>
+                <a:schemeClr val="tx1"/>
+              </a:solidFill>
+            </a:ln>
+            <a:scene3d>
+              <a:camera prst="orthographicFront">
+                <a:rot lat="21000000" lon="4200000" rev="0"/>
+              </a:camera>
+              <a:lightRig rig="threePt" dir="t"/>
+            </a:scene3d>
+          </p:spPr>
+        </p:pic>
+        <p:pic>
+          <p:nvPicPr>
+            <p:cNvPr id="76" name="图片 75">
+              <a:extLst>
+                <a:ext uri="{FF2B5EF4-FFF2-40B4-BE49-F238E27FC236}">
+                  <a16:creationId xmlns:a16="http://schemas.microsoft.com/office/drawing/2014/main" id="{1E127D24-3910-41C7-AA56-A62D11D555F5}"/>
+                </a:ext>
+              </a:extLst>
+            </p:cNvPr>
+            <p:cNvPicPr>
+              <a:picLocks noChangeAspect="1"/>
+            </p:cNvPicPr>
+            <p:nvPr/>
+          </p:nvPicPr>
+          <p:blipFill>
+            <a:blip r:embed="rId6">
+              <a:extLst>
+                <a:ext uri="{28A0092B-C50C-407E-A947-70E740481C1C}">
+                  <a14:useLocalDpi xmlns:a14="http://schemas.microsoft.com/office/drawing/2010/main" val="0"/>
+                </a:ext>
+              </a:extLst>
+            </a:blip>
+            <a:stretch>
+              <a:fillRect/>
+            </a:stretch>
+          </p:blipFill>
+          <p:spPr>
+            <a:xfrm>
+              <a:off x="-181822" y="4185848"/>
+              <a:ext cx="1463043" cy="622936"/>
+            </a:xfrm>
+            <a:prstGeom prst="rect">
+              <a:avLst/>
+            </a:prstGeom>
+            <a:ln w="28575">
+              <a:solidFill>
+                <a:schemeClr val="tx1"/>
+              </a:solidFill>
+            </a:ln>
+            <a:scene3d>
+              <a:camera prst="orthographicFront">
+                <a:rot lat="21000000" lon="4200000" rev="0"/>
+              </a:camera>
+              <a:lightRig rig="threePt" dir="t"/>
+            </a:scene3d>
+          </p:spPr>
+        </p:pic>
+        <p:sp>
+          <p:nvSpPr>
+            <p:cNvPr id="78" name="梯形 77">
+              <a:extLst>
+                <a:ext uri="{FF2B5EF4-FFF2-40B4-BE49-F238E27FC236}">
+                  <a16:creationId xmlns:a16="http://schemas.microsoft.com/office/drawing/2014/main" id="{4E0D1223-519E-4132-B931-D7118C00F0C7}"/>
+                </a:ext>
+              </a:extLst>
+            </p:cNvPr>
+            <p:cNvSpPr/>
+            <p:nvPr/>
+          </p:nvSpPr>
+          <p:spPr>
+            <a:xfrm rot="5400000">
+              <a:off x="1122370" y="931093"/>
+              <a:ext cx="640079" cy="381133"/>
+            </a:xfrm>
+            <a:prstGeom prst="trapezoid">
+              <a:avLst>
+                <a:gd name="adj" fmla="val 49001"/>
+              </a:avLst>
+            </a:prstGeom>
+            <a:solidFill>
+              <a:schemeClr val="accent6">
+                <a:lumMod val="60000"/>
+                <a:lumOff val="40000"/>
+              </a:schemeClr>
+            </a:solidFill>
+          </p:spPr>
+          <p:style>
+            <a:lnRef idx="2">
+              <a:schemeClr val="accent1">
+                <a:shade val="50000"/>
+              </a:schemeClr>
+            </a:lnRef>
+            <a:fillRef idx="1">
+              <a:schemeClr val="accent1"/>
+            </a:fillRef>
+            <a:effectRef idx="0">
+              <a:schemeClr val="accent1"/>
+            </a:effectRef>
+            <a:fontRef idx="minor">
+              <a:schemeClr val="lt1"/>
+            </a:fontRef>
+          </p:style>
+          <p:txBody>
+            <a:bodyPr rot="0" spcFirstLastPara="0" vertOverflow="overflow" horzOverflow="overflow" vert="horz" wrap="square" lIns="91440" tIns="45720" rIns="91440" bIns="45720" numCol="1" spcCol="0" rtlCol="0" fromWordArt="0" anchor="ctr" anchorCtr="0" forceAA="0" compatLnSpc="1">
+              <a:prstTxWarp prst="textNoShape">
+                <a:avLst/>
+              </a:prstTxWarp>
+              <a:noAutofit/>
+            </a:bodyPr>
+            <a:lstStyle/>
+            <a:p>
+              <a:pPr algn="ctr"/>
+              <a:endParaRPr lang="zh-CN" altLang="en-US"/>
+            </a:p>
+          </p:txBody>
+        </p:sp>
+        <p:cxnSp>
+          <p:nvCxnSpPr>
+            <p:cNvPr id="79" name="直接箭头连接符 78">
+              <a:extLst>
+                <a:ext uri="{FF2B5EF4-FFF2-40B4-BE49-F238E27FC236}">
+                  <a16:creationId xmlns:a16="http://schemas.microsoft.com/office/drawing/2014/main" id="{A5352694-3876-4C50-8383-51F77E1325A3}"/>
+                </a:ext>
+              </a:extLst>
+            </p:cNvPr>
+            <p:cNvCxnSpPr>
+              <a:cxnSpLocks/>
+            </p:cNvCxnSpPr>
+            <p:nvPr/>
+          </p:nvCxnSpPr>
+          <p:spPr>
+            <a:xfrm>
+              <a:off x="864265" y="1121660"/>
+              <a:ext cx="289731" cy="0"/>
+            </a:xfrm>
+            <a:prstGeom prst="straightConnector1">
+              <a:avLst/>
+            </a:prstGeom>
+            <a:ln>
+              <a:tailEnd type="triangle"/>
+            </a:ln>
+          </p:spPr>
+          <p:style>
+            <a:lnRef idx="1">
+              <a:schemeClr val="dk1"/>
+            </a:lnRef>
+            <a:fillRef idx="0">
+              <a:schemeClr val="dk1"/>
+            </a:fillRef>
+            <a:effectRef idx="0">
+              <a:schemeClr val="dk1"/>
+            </a:effectRef>
+            <a:fontRef idx="minor">
+              <a:schemeClr val="tx1"/>
+            </a:fontRef>
+          </p:style>
+        </p:cxnSp>
+        <p:sp>
+          <p:nvSpPr>
+            <p:cNvPr id="81" name="梯形 80">
+              <a:extLst>
+                <a:ext uri="{FF2B5EF4-FFF2-40B4-BE49-F238E27FC236}">
+                  <a16:creationId xmlns:a16="http://schemas.microsoft.com/office/drawing/2014/main" id="{28724317-57D8-4C3C-BB16-AAC88C2DBE90}"/>
+                </a:ext>
+              </a:extLst>
+            </p:cNvPr>
+            <p:cNvSpPr/>
+            <p:nvPr/>
+          </p:nvSpPr>
+          <p:spPr>
+            <a:xfrm rot="5400000">
+              <a:off x="1122370" y="2536539"/>
+              <a:ext cx="640079" cy="381133"/>
+            </a:xfrm>
+            <a:prstGeom prst="trapezoid">
+              <a:avLst>
+                <a:gd name="adj" fmla="val 49001"/>
+              </a:avLst>
+            </a:prstGeom>
+            <a:solidFill>
+              <a:schemeClr val="accent6">
+                <a:lumMod val="60000"/>
+                <a:lumOff val="40000"/>
+              </a:schemeClr>
+            </a:solidFill>
+          </p:spPr>
+          <p:style>
+            <a:lnRef idx="2">
+              <a:schemeClr val="accent1">
+                <a:shade val="50000"/>
+              </a:schemeClr>
+            </a:lnRef>
+            <a:fillRef idx="1">
+              <a:schemeClr val="accent1"/>
+            </a:fillRef>
+            <a:effectRef idx="0">
+              <a:schemeClr val="accent1"/>
+            </a:effectRef>
+            <a:fontRef idx="minor">
+              <a:schemeClr val="lt1"/>
+            </a:fontRef>
+          </p:style>
+          <p:txBody>
+            <a:bodyPr rot="0" spcFirstLastPara="0" vertOverflow="overflow" horzOverflow="overflow" vert="horz" wrap="square" lIns="91440" tIns="45720" rIns="91440" bIns="45720" numCol="1" spcCol="0" rtlCol="0" fromWordArt="0" anchor="ctr" anchorCtr="0" forceAA="0" compatLnSpc="1">
+              <a:prstTxWarp prst="textNoShape">
+                <a:avLst/>
+              </a:prstTxWarp>
+              <a:noAutofit/>
+            </a:bodyPr>
+            <a:lstStyle/>
+            <a:p>
+              <a:pPr algn="ctr"/>
+              <a:endParaRPr lang="zh-CN" altLang="en-US"/>
+            </a:p>
+          </p:txBody>
+        </p:sp>
+        <p:sp>
+          <p:nvSpPr>
+            <p:cNvPr id="83" name="梯形 82">
+              <a:extLst>
+                <a:ext uri="{FF2B5EF4-FFF2-40B4-BE49-F238E27FC236}">
+                  <a16:creationId xmlns:a16="http://schemas.microsoft.com/office/drawing/2014/main" id="{EB313833-FC1C-43DC-9118-DC6354C0B3F1}"/>
+                </a:ext>
+              </a:extLst>
+            </p:cNvPr>
+            <p:cNvSpPr/>
+            <p:nvPr/>
+          </p:nvSpPr>
+          <p:spPr>
+            <a:xfrm rot="5400000">
+              <a:off x="1107339" y="4248840"/>
+              <a:ext cx="640079" cy="381133"/>
+            </a:xfrm>
+            <a:prstGeom prst="trapezoid">
+              <a:avLst>
+                <a:gd name="adj" fmla="val 49001"/>
+              </a:avLst>
+            </a:prstGeom>
+            <a:solidFill>
+              <a:schemeClr val="accent6">
+                <a:lumMod val="60000"/>
+                <a:lumOff val="40000"/>
+              </a:schemeClr>
+            </a:solidFill>
+          </p:spPr>
+          <p:style>
+            <a:lnRef idx="2">
+              <a:schemeClr val="accent1">
+                <a:shade val="50000"/>
+              </a:schemeClr>
+            </a:lnRef>
+            <a:fillRef idx="1">
+              <a:schemeClr val="accent1"/>
+            </a:fillRef>
+            <a:effectRef idx="0">
+              <a:schemeClr val="accent1"/>
+            </a:effectRef>
+            <a:fontRef idx="minor">
+              <a:schemeClr val="lt1"/>
+            </a:fontRef>
+          </p:style>
+          <p:txBody>
+            <a:bodyPr rot="0" spcFirstLastPara="0" vertOverflow="overflow" horzOverflow="overflow" vert="horz" wrap="square" lIns="91440" tIns="45720" rIns="91440" bIns="45720" numCol="1" spcCol="0" rtlCol="0" fromWordArt="0" anchor="ctr" anchorCtr="0" forceAA="0" compatLnSpc="1">
+              <a:prstTxWarp prst="textNoShape">
+                <a:avLst/>
+              </a:prstTxWarp>
+              <a:noAutofit/>
+            </a:bodyPr>
+            <a:lstStyle/>
+            <a:p>
+              <a:pPr algn="ctr"/>
+              <a:endParaRPr lang="zh-CN" altLang="en-US"/>
+            </a:p>
+          </p:txBody>
+        </p:sp>
+        <p:sp>
+          <p:nvSpPr>
+            <p:cNvPr id="85" name="矩形: 圆角 84">
+              <a:extLst>
+                <a:ext uri="{FF2B5EF4-FFF2-40B4-BE49-F238E27FC236}">
+                  <a16:creationId xmlns:a16="http://schemas.microsoft.com/office/drawing/2014/main" id="{8B754AB0-B04D-4464-A246-EA4B241702AE}"/>
+                </a:ext>
+              </a:extLst>
+            </p:cNvPr>
+            <p:cNvSpPr/>
+            <p:nvPr/>
+          </p:nvSpPr>
+          <p:spPr>
+            <a:xfrm>
+              <a:off x="1713576" y="974971"/>
+              <a:ext cx="942434" cy="279658"/>
+            </a:xfrm>
+            <a:prstGeom prst="roundRect">
+              <a:avLst/>
+            </a:prstGeom>
+            <a:gradFill flip="none" rotWithShape="1">
+              <a:gsLst>
+                <a:gs pos="0">
+                  <a:schemeClr val="accent3">
+                    <a:lumMod val="40000"/>
+                    <a:lumOff val="60000"/>
+                    <a:shade val="30000"/>
+                    <a:satMod val="115000"/>
+                  </a:schemeClr>
+                </a:gs>
+                <a:gs pos="50000">
+                  <a:schemeClr val="accent3">
+                    <a:lumMod val="40000"/>
+                    <a:lumOff val="60000"/>
+                    <a:shade val="67500"/>
+                    <a:satMod val="115000"/>
+                  </a:schemeClr>
+                </a:gs>
+                <a:gs pos="100000">
+                  <a:schemeClr val="accent3">
+                    <a:lumMod val="40000"/>
+                    <a:lumOff val="60000"/>
+                    <a:shade val="100000"/>
+                    <a:satMod val="115000"/>
+                  </a:schemeClr>
+                </a:gs>
+              </a:gsLst>
+              <a:path path="circle">
+                <a:fillToRect l="50000" t="50000" r="50000" b="50000"/>
+              </a:path>
+              <a:tileRect/>
+            </a:gradFill>
+          </p:spPr>
+          <p:style>
+            <a:lnRef idx="2">
+              <a:schemeClr val="accent1">
+                <a:shade val="50000"/>
+              </a:schemeClr>
+            </a:lnRef>
+            <a:fillRef idx="1">
+              <a:schemeClr val="accent1"/>
+            </a:fillRef>
+            <a:effectRef idx="0">
+              <a:schemeClr val="accent1"/>
+            </a:effectRef>
+            <a:fontRef idx="minor">
+              <a:schemeClr val="lt1"/>
+            </a:fontRef>
+          </p:style>
+          <p:txBody>
+            <a:bodyPr rot="0" spcFirstLastPara="0" vertOverflow="overflow" horzOverflow="overflow" vert="horz" wrap="square" lIns="91440" tIns="45720" rIns="91440" bIns="45720" numCol="1" spcCol="0" rtlCol="0" fromWordArt="0" anchor="ctr" anchorCtr="0" forceAA="0" compatLnSpc="1">
+              <a:prstTxWarp prst="textNoShape">
+                <a:avLst/>
+              </a:prstTxWarp>
+              <a:noAutofit/>
+            </a:bodyPr>
+            <a:lstStyle/>
+            <a:p>
+              <a:pPr algn="ctr"/>
+              <a:r>
+                <a:rPr lang="en-US" altLang="zh-CN" sz="1000" dirty="0">
+                  <a:solidFill>
+                    <a:schemeClr val="tx1"/>
+                  </a:solidFill>
+                  <a:latin typeface="Calibri" panose="020F0502020204030204" pitchFamily="34" charset="0"/>
+                  <a:cs typeface="Calibri" panose="020F0502020204030204" pitchFamily="34" charset="0"/>
+                </a:rPr>
+                <a:t>Feature Extraction</a:t>
+              </a:r>
+            </a:p>
+          </p:txBody>
+        </p:sp>
+        <p:sp>
+          <p:nvSpPr>
+            <p:cNvPr id="86" name="矩形: 圆角 85">
+              <a:extLst>
+                <a:ext uri="{FF2B5EF4-FFF2-40B4-BE49-F238E27FC236}">
+                  <a16:creationId xmlns:a16="http://schemas.microsoft.com/office/drawing/2014/main" id="{BC8D3B1A-9210-4EDB-8B74-27E167623231}"/>
+                </a:ext>
+              </a:extLst>
+            </p:cNvPr>
+            <p:cNvSpPr/>
+            <p:nvPr/>
+          </p:nvSpPr>
+          <p:spPr>
+            <a:xfrm>
+              <a:off x="1701306" y="2596314"/>
+              <a:ext cx="942434" cy="279658"/>
+            </a:xfrm>
+            <a:prstGeom prst="roundRect">
+              <a:avLst/>
+            </a:prstGeom>
+            <a:gradFill flip="none" rotWithShape="1">
+              <a:gsLst>
+                <a:gs pos="0">
+                  <a:schemeClr val="accent3">
+                    <a:lumMod val="40000"/>
+                    <a:lumOff val="60000"/>
+                    <a:shade val="30000"/>
+                    <a:satMod val="115000"/>
+                  </a:schemeClr>
+                </a:gs>
+                <a:gs pos="50000">
+                  <a:schemeClr val="accent3">
+                    <a:lumMod val="40000"/>
+                    <a:lumOff val="60000"/>
+                    <a:shade val="67500"/>
+                    <a:satMod val="115000"/>
+                  </a:schemeClr>
+                </a:gs>
+                <a:gs pos="100000">
+                  <a:schemeClr val="accent3">
+                    <a:lumMod val="40000"/>
+                    <a:lumOff val="60000"/>
+                    <a:shade val="100000"/>
+                    <a:satMod val="115000"/>
+                  </a:schemeClr>
+                </a:gs>
+              </a:gsLst>
+              <a:path path="circle">
+                <a:fillToRect l="50000" t="50000" r="50000" b="50000"/>
+              </a:path>
+              <a:tileRect/>
+            </a:gradFill>
+          </p:spPr>
+          <p:style>
+            <a:lnRef idx="2">
+              <a:schemeClr val="accent1">
+                <a:shade val="50000"/>
+              </a:schemeClr>
+            </a:lnRef>
+            <a:fillRef idx="1">
+              <a:schemeClr val="accent1"/>
+            </a:fillRef>
+            <a:effectRef idx="0">
+              <a:schemeClr val="accent1"/>
+            </a:effectRef>
+            <a:fontRef idx="minor">
+              <a:schemeClr val="lt1"/>
+            </a:fontRef>
+          </p:style>
+          <p:txBody>
+            <a:bodyPr rot="0" spcFirstLastPara="0" vertOverflow="overflow" horzOverflow="overflow" vert="horz" wrap="square" lIns="91440" tIns="45720" rIns="91440" bIns="45720" numCol="1" spcCol="0" rtlCol="0" fromWordArt="0" anchor="ctr" anchorCtr="0" forceAA="0" compatLnSpc="1">
+              <a:prstTxWarp prst="textNoShape">
+                <a:avLst/>
+              </a:prstTxWarp>
+              <a:noAutofit/>
+            </a:bodyPr>
+            <a:lstStyle/>
+            <a:p>
+              <a:pPr algn="ctr"/>
+              <a:r>
+                <a:rPr lang="en-US" altLang="zh-CN" sz="1000" dirty="0">
+                  <a:solidFill>
+                    <a:schemeClr val="tx1"/>
+                  </a:solidFill>
+                  <a:latin typeface="Calibri" panose="020F0502020204030204" pitchFamily="34" charset="0"/>
+                  <a:cs typeface="Calibri" panose="020F0502020204030204" pitchFamily="34" charset="0"/>
+                </a:rPr>
+                <a:t>Feature Extraction</a:t>
+              </a:r>
+            </a:p>
+          </p:txBody>
+        </p:sp>
+        <p:sp>
+          <p:nvSpPr>
+            <p:cNvPr id="87" name="矩形: 圆角 86">
+              <a:extLst>
+                <a:ext uri="{FF2B5EF4-FFF2-40B4-BE49-F238E27FC236}">
+                  <a16:creationId xmlns:a16="http://schemas.microsoft.com/office/drawing/2014/main" id="{21F8520F-7BC3-47A3-80B6-B028266142F2}"/>
+                </a:ext>
+              </a:extLst>
+            </p:cNvPr>
+            <p:cNvSpPr/>
+            <p:nvPr/>
+          </p:nvSpPr>
+          <p:spPr>
+            <a:xfrm>
+              <a:off x="1654435" y="4312341"/>
+              <a:ext cx="942434" cy="279658"/>
+            </a:xfrm>
+            <a:prstGeom prst="roundRect">
+              <a:avLst/>
+            </a:prstGeom>
+            <a:gradFill flip="none" rotWithShape="1">
+              <a:gsLst>
+                <a:gs pos="0">
+                  <a:schemeClr val="accent3">
+                    <a:lumMod val="40000"/>
+                    <a:lumOff val="60000"/>
+                    <a:shade val="30000"/>
+                    <a:satMod val="115000"/>
+                  </a:schemeClr>
+                </a:gs>
+                <a:gs pos="50000">
+                  <a:schemeClr val="accent3">
+                    <a:lumMod val="40000"/>
+                    <a:lumOff val="60000"/>
+                    <a:shade val="67500"/>
+                    <a:satMod val="115000"/>
+                  </a:schemeClr>
+                </a:gs>
+                <a:gs pos="100000">
+                  <a:schemeClr val="accent3">
+                    <a:lumMod val="40000"/>
+                    <a:lumOff val="60000"/>
+                    <a:shade val="100000"/>
+                    <a:satMod val="115000"/>
+                  </a:schemeClr>
+                </a:gs>
+              </a:gsLst>
+              <a:path path="circle">
+                <a:fillToRect l="50000" t="50000" r="50000" b="50000"/>
+              </a:path>
+              <a:tileRect/>
+            </a:gradFill>
+          </p:spPr>
+          <p:style>
+            <a:lnRef idx="2">
+              <a:schemeClr val="accent1">
+                <a:shade val="50000"/>
+              </a:schemeClr>
+            </a:lnRef>
+            <a:fillRef idx="1">
+              <a:schemeClr val="accent1"/>
+            </a:fillRef>
+            <a:effectRef idx="0">
+              <a:schemeClr val="accent1"/>
+            </a:effectRef>
+            <a:fontRef idx="minor">
+              <a:schemeClr val="lt1"/>
+            </a:fontRef>
+          </p:style>
+          <p:txBody>
+            <a:bodyPr rot="0" spcFirstLastPara="0" vertOverflow="overflow" horzOverflow="overflow" vert="horz" wrap="square" lIns="91440" tIns="45720" rIns="91440" bIns="45720" numCol="1" spcCol="0" rtlCol="0" fromWordArt="0" anchor="ctr" anchorCtr="0" forceAA="0" compatLnSpc="1">
+              <a:prstTxWarp prst="textNoShape">
+                <a:avLst/>
+              </a:prstTxWarp>
+              <a:noAutofit/>
+            </a:bodyPr>
+            <a:lstStyle/>
+            <a:p>
+              <a:pPr algn="ctr"/>
+              <a:r>
+                <a:rPr lang="en-US" altLang="zh-CN" sz="1000" dirty="0">
+                  <a:solidFill>
+                    <a:schemeClr val="tx1"/>
+                  </a:solidFill>
+                  <a:latin typeface="Calibri" panose="020F0502020204030204" pitchFamily="34" charset="0"/>
+                  <a:cs typeface="Calibri" panose="020F0502020204030204" pitchFamily="34" charset="0"/>
+                </a:rPr>
+                <a:t>Feature Extraction</a:t>
+              </a:r>
+            </a:p>
+          </p:txBody>
+        </p:sp>
+        <p:cxnSp>
+          <p:nvCxnSpPr>
+            <p:cNvPr id="91" name="直接箭头连接符 90">
+              <a:extLst>
+                <a:ext uri="{FF2B5EF4-FFF2-40B4-BE49-F238E27FC236}">
+                  <a16:creationId xmlns:a16="http://schemas.microsoft.com/office/drawing/2014/main" id="{D5B62762-5B27-4027-80AE-D3FFF613A7AF}"/>
+                </a:ext>
+              </a:extLst>
+            </p:cNvPr>
+            <p:cNvCxnSpPr>
+              <a:cxnSpLocks/>
+            </p:cNvCxnSpPr>
+            <p:nvPr/>
+          </p:nvCxnSpPr>
+          <p:spPr>
+            <a:xfrm>
+              <a:off x="2698859" y="1107701"/>
+              <a:ext cx="332911" cy="0"/>
+            </a:xfrm>
+            <a:prstGeom prst="straightConnector1">
+              <a:avLst/>
+            </a:prstGeom>
+            <a:ln>
+              <a:tailEnd type="triangle"/>
+            </a:ln>
+          </p:spPr>
+          <p:style>
+            <a:lnRef idx="1">
+              <a:schemeClr val="dk1"/>
+            </a:lnRef>
+            <a:fillRef idx="0">
+              <a:schemeClr val="dk1"/>
+            </a:fillRef>
+            <a:effectRef idx="0">
+              <a:schemeClr val="dk1"/>
+            </a:effectRef>
+            <a:fontRef idx="minor">
+              <a:schemeClr val="tx1"/>
+            </a:fontRef>
+          </p:style>
+        </p:cxnSp>
+        <p:grpSp>
+          <p:nvGrpSpPr>
+            <p:cNvPr id="117" name="Google Shape;6630;p130">
+              <a:extLst>
+                <a:ext uri="{FF2B5EF4-FFF2-40B4-BE49-F238E27FC236}">
+                  <a16:creationId xmlns:a16="http://schemas.microsoft.com/office/drawing/2014/main" id="{7825C848-3E5E-4832-B122-9F95E2AE46C0}"/>
+                </a:ext>
+              </a:extLst>
+            </p:cNvPr>
+            <p:cNvGrpSpPr/>
+            <p:nvPr/>
+          </p:nvGrpSpPr>
+          <p:grpSpPr>
+            <a:xfrm>
+              <a:off x="3066305" y="663313"/>
+              <a:ext cx="921407" cy="797461"/>
+              <a:chOff x="3229840" y="362425"/>
+              <a:chExt cx="921407" cy="797461"/>
+            </a:xfrm>
+          </p:grpSpPr>
+          <p:sp>
+            <p:nvSpPr>
+              <p:cNvPr id="118" name="Google Shape;6631;p130">
+                <a:extLst>
+                  <a:ext uri="{FF2B5EF4-FFF2-40B4-BE49-F238E27FC236}">
+                    <a16:creationId xmlns:a16="http://schemas.microsoft.com/office/drawing/2014/main" id="{E4205C86-C188-418C-8EDB-F0C2EB302285}"/>
+                  </a:ext>
+                </a:extLst>
+              </p:cNvPr>
+              <p:cNvSpPr/>
+              <p:nvPr/>
+            </p:nvSpPr>
+            <p:spPr>
+              <a:xfrm flipH="1">
+                <a:off x="3311643" y="445855"/>
+                <a:ext cx="757800" cy="630600"/>
+              </a:xfrm>
+              <a:prstGeom prst="rect">
+                <a:avLst/>
+              </a:prstGeom>
+              <a:gradFill>
+                <a:gsLst>
+                  <a:gs pos="0">
+                    <a:srgbClr val="69D4F4">
+                      <a:alpha val="26274"/>
+                    </a:srgbClr>
+                  </a:gs>
+                  <a:gs pos="100000">
+                    <a:srgbClr val="9F39D5">
+                      <a:alpha val="16862"/>
+                    </a:srgbClr>
+                  </a:gs>
+                </a:gsLst>
+                <a:lin ang="13500032" scaled="0"/>
+              </a:gradFill>
+              <a:ln w="9525" cap="flat" cmpd="sng">
+                <a:solidFill>
+                  <a:srgbClr val="595959"/>
+                </a:solidFill>
+                <a:prstDash val="solid"/>
+                <a:round/>
+                <a:headEnd type="none" w="sm" len="sm"/>
+                <a:tailEnd type="none" w="sm" len="sm"/>
+              </a:ln>
+            </p:spPr>
+            <p:txBody>
+              <a:bodyPr spcFirstLastPara="1" wrap="square" lIns="91425" tIns="91425" rIns="91425" bIns="91425" anchor="ctr" anchorCtr="0">
+                <a:noAutofit/>
+              </a:bodyPr>
+              <a:lstStyle/>
+              <a:p>
+                <a:pPr marL="0" lvl="0" indent="0" algn="l" rtl="0">
+                  <a:spcBef>
+                    <a:spcPts val="0"/>
+                  </a:spcBef>
+                  <a:spcAft>
+                    <a:spcPts val="0"/>
+                  </a:spcAft>
+                  <a:buNone/>
+                </a:pPr>
+                <a:endParaRPr/>
+              </a:p>
+            </p:txBody>
+          </p:sp>
+          <p:sp>
+            <p:nvSpPr>
+              <p:cNvPr id="119" name="Google Shape;6632;p130">
+                <a:extLst>
+                  <a:ext uri="{FF2B5EF4-FFF2-40B4-BE49-F238E27FC236}">
+                    <a16:creationId xmlns:a16="http://schemas.microsoft.com/office/drawing/2014/main" id="{41BA223D-B3EB-4CF9-8B7F-6E78720D47BE}"/>
+                  </a:ext>
+                </a:extLst>
+              </p:cNvPr>
+              <p:cNvSpPr/>
+              <p:nvPr/>
+            </p:nvSpPr>
+            <p:spPr>
+              <a:xfrm flipH="1">
+                <a:off x="3393447" y="362425"/>
+                <a:ext cx="757800" cy="630600"/>
+              </a:xfrm>
+              <a:prstGeom prst="rect">
+                <a:avLst/>
+              </a:prstGeom>
+              <a:gradFill>
+                <a:gsLst>
+                  <a:gs pos="0">
+                    <a:srgbClr val="69D4F4">
+                      <a:alpha val="26274"/>
+                    </a:srgbClr>
+                  </a:gs>
+                  <a:gs pos="100000">
+                    <a:srgbClr val="9F39D5">
+                      <a:alpha val="16862"/>
+                    </a:srgbClr>
+                  </a:gs>
+                </a:gsLst>
+                <a:lin ang="13500032" scaled="0"/>
+              </a:gradFill>
+              <a:ln w="9525" cap="flat" cmpd="sng">
+                <a:solidFill>
+                  <a:srgbClr val="595959"/>
+                </a:solidFill>
+                <a:prstDash val="solid"/>
+                <a:round/>
+                <a:headEnd type="none" w="sm" len="sm"/>
+                <a:tailEnd type="none" w="sm" len="sm"/>
+              </a:ln>
+            </p:spPr>
+            <p:txBody>
+              <a:bodyPr spcFirstLastPara="1" wrap="square" lIns="91425" tIns="91425" rIns="91425" bIns="91425" anchor="ctr" anchorCtr="0">
+                <a:noAutofit/>
+              </a:bodyPr>
+              <a:lstStyle/>
+              <a:p>
+                <a:pPr marL="0" lvl="0" indent="0" algn="l" rtl="0">
+                  <a:spcBef>
+                    <a:spcPts val="0"/>
+                  </a:spcBef>
+                  <a:spcAft>
+                    <a:spcPts val="0"/>
+                  </a:spcAft>
+                  <a:buNone/>
+                </a:pPr>
+                <a:endParaRPr/>
+              </a:p>
+            </p:txBody>
+          </p:sp>
+          <p:sp>
+            <p:nvSpPr>
+              <p:cNvPr id="120" name="Google Shape;6633;p130">
+                <a:extLst>
+                  <a:ext uri="{FF2B5EF4-FFF2-40B4-BE49-F238E27FC236}">
+                    <a16:creationId xmlns:a16="http://schemas.microsoft.com/office/drawing/2014/main" id="{2D7626A5-8ED6-4C27-BEAB-2193B67FAFC6}"/>
+                  </a:ext>
+                </a:extLst>
+              </p:cNvPr>
+              <p:cNvSpPr/>
+              <p:nvPr/>
+            </p:nvSpPr>
+            <p:spPr>
+              <a:xfrm flipH="1">
+                <a:off x="3229840" y="529286"/>
+                <a:ext cx="757800" cy="630600"/>
+              </a:xfrm>
+              <a:prstGeom prst="rect">
+                <a:avLst/>
+              </a:prstGeom>
+              <a:gradFill>
+                <a:gsLst>
+                  <a:gs pos="0">
+                    <a:srgbClr val="69D4F4">
+                      <a:alpha val="26274"/>
+                    </a:srgbClr>
+                  </a:gs>
+                  <a:gs pos="100000">
+                    <a:srgbClr val="9F39D5">
+                      <a:alpha val="16862"/>
+                    </a:srgbClr>
+                  </a:gs>
+                </a:gsLst>
+                <a:lin ang="13500032" scaled="0"/>
+              </a:gradFill>
+              <a:ln w="9525" cap="flat" cmpd="sng">
+                <a:solidFill>
+                  <a:srgbClr val="595959"/>
+                </a:solidFill>
+                <a:prstDash val="solid"/>
+                <a:round/>
+                <a:headEnd type="none" w="sm" len="sm"/>
+                <a:tailEnd type="none" w="sm" len="sm"/>
+              </a:ln>
+            </p:spPr>
+            <p:txBody>
+              <a:bodyPr spcFirstLastPara="1" wrap="square" lIns="91425" tIns="91425" rIns="91425" bIns="91425" anchor="ctr" anchorCtr="0">
+                <a:noAutofit/>
+              </a:bodyPr>
+              <a:lstStyle/>
+              <a:p>
+                <a:pPr marL="0" lvl="0" indent="0" algn="l" rtl="0">
+                  <a:spcBef>
+                    <a:spcPts val="0"/>
+                  </a:spcBef>
+                  <a:spcAft>
+                    <a:spcPts val="0"/>
+                  </a:spcAft>
+                  <a:buNone/>
+                </a:pPr>
+                <a:endParaRPr/>
+              </a:p>
+            </p:txBody>
+          </p:sp>
+        </p:grpSp>
+        <p:grpSp>
+          <p:nvGrpSpPr>
+            <p:cNvPr id="121" name="Google Shape;6634;p130">
+              <a:extLst>
+                <a:ext uri="{FF2B5EF4-FFF2-40B4-BE49-F238E27FC236}">
+                  <a16:creationId xmlns:a16="http://schemas.microsoft.com/office/drawing/2014/main" id="{BB0A8C26-0223-4653-A46E-22D32CCC36DD}"/>
+                </a:ext>
+              </a:extLst>
+            </p:cNvPr>
+            <p:cNvGrpSpPr/>
+            <p:nvPr/>
+          </p:nvGrpSpPr>
+          <p:grpSpPr>
+            <a:xfrm>
+              <a:off x="3046327" y="2318023"/>
+              <a:ext cx="921400" cy="785200"/>
+              <a:chOff x="2467840" y="1786561"/>
+              <a:chExt cx="921400" cy="785200"/>
+            </a:xfrm>
+          </p:grpSpPr>
+          <p:sp>
+            <p:nvSpPr>
+              <p:cNvPr id="122" name="Google Shape;6635;p130">
+                <a:extLst>
+                  <a:ext uri="{FF2B5EF4-FFF2-40B4-BE49-F238E27FC236}">
+                    <a16:creationId xmlns:a16="http://schemas.microsoft.com/office/drawing/2014/main" id="{51B2D1A2-E36E-4513-A6BE-5B7E3233BAB5}"/>
+                  </a:ext>
+                </a:extLst>
+              </p:cNvPr>
+              <p:cNvSpPr/>
+              <p:nvPr/>
+            </p:nvSpPr>
+            <p:spPr>
+              <a:xfrm flipH="1">
+                <a:off x="2631440" y="1786561"/>
+                <a:ext cx="757800" cy="630600"/>
+              </a:xfrm>
+              <a:prstGeom prst="rect">
+                <a:avLst/>
+              </a:prstGeom>
+              <a:gradFill>
+                <a:gsLst>
+                  <a:gs pos="0">
+                    <a:srgbClr val="FFF2CC"/>
+                  </a:gs>
+                  <a:gs pos="100000">
+                    <a:srgbClr val="9F39D5">
+                      <a:alpha val="16862"/>
+                    </a:srgbClr>
+                  </a:gs>
+                </a:gsLst>
+                <a:lin ang="13500032" scaled="0"/>
+              </a:gradFill>
+              <a:ln w="9525" cap="flat" cmpd="sng">
+                <a:solidFill>
+                  <a:srgbClr val="595959"/>
+                </a:solidFill>
+                <a:prstDash val="solid"/>
+                <a:round/>
+                <a:headEnd type="none" w="sm" len="sm"/>
+                <a:tailEnd type="none" w="sm" len="sm"/>
+              </a:ln>
+            </p:spPr>
+            <p:txBody>
+              <a:bodyPr spcFirstLastPara="1" wrap="square" lIns="91425" tIns="91425" rIns="91425" bIns="91425" anchor="ctr" anchorCtr="0">
+                <a:noAutofit/>
+              </a:bodyPr>
+              <a:lstStyle/>
+              <a:p>
+                <a:pPr marL="0" lvl="0" indent="0" algn="l" rtl="0">
+                  <a:spcBef>
+                    <a:spcPts val="0"/>
+                  </a:spcBef>
+                  <a:spcAft>
+                    <a:spcPts val="0"/>
+                  </a:spcAft>
+                  <a:buNone/>
+                </a:pPr>
+                <a:endParaRPr/>
+              </a:p>
+            </p:txBody>
+          </p:sp>
+          <p:sp>
+            <p:nvSpPr>
+              <p:cNvPr id="123" name="Google Shape;6636;p130">
+                <a:extLst>
+                  <a:ext uri="{FF2B5EF4-FFF2-40B4-BE49-F238E27FC236}">
+                    <a16:creationId xmlns:a16="http://schemas.microsoft.com/office/drawing/2014/main" id="{094F2466-20C0-4875-A9C4-6B6A90772F80}"/>
+                  </a:ext>
+                </a:extLst>
+              </p:cNvPr>
+              <p:cNvSpPr/>
+              <p:nvPr/>
+            </p:nvSpPr>
+            <p:spPr>
+              <a:xfrm flipH="1">
+                <a:off x="2549640" y="1863861"/>
+                <a:ext cx="757800" cy="630600"/>
+              </a:xfrm>
+              <a:prstGeom prst="rect">
+                <a:avLst/>
+              </a:prstGeom>
+              <a:gradFill>
+                <a:gsLst>
+                  <a:gs pos="0">
+                    <a:srgbClr val="FFF2CC"/>
+                  </a:gs>
+                  <a:gs pos="100000">
+                    <a:srgbClr val="9F39D5">
+                      <a:alpha val="16862"/>
+                    </a:srgbClr>
+                  </a:gs>
+                </a:gsLst>
+                <a:lin ang="13500032" scaled="0"/>
+              </a:gradFill>
+              <a:ln w="9525" cap="flat" cmpd="sng">
+                <a:solidFill>
+                  <a:srgbClr val="595959"/>
+                </a:solidFill>
+                <a:prstDash val="solid"/>
+                <a:round/>
+                <a:headEnd type="none" w="sm" len="sm"/>
+                <a:tailEnd type="none" w="sm" len="sm"/>
+              </a:ln>
+            </p:spPr>
+            <p:txBody>
+              <a:bodyPr spcFirstLastPara="1" wrap="square" lIns="91425" tIns="91425" rIns="91425" bIns="91425" anchor="ctr" anchorCtr="0">
+                <a:noAutofit/>
+              </a:bodyPr>
+              <a:lstStyle/>
+              <a:p>
+                <a:pPr marL="0" lvl="0" indent="0" algn="l" rtl="0">
+                  <a:spcBef>
+                    <a:spcPts val="0"/>
+                  </a:spcBef>
+                  <a:spcAft>
+                    <a:spcPts val="0"/>
+                  </a:spcAft>
+                  <a:buNone/>
+                </a:pPr>
+                <a:endParaRPr/>
+              </a:p>
+            </p:txBody>
+          </p:sp>
+          <p:sp>
+            <p:nvSpPr>
+              <p:cNvPr id="124" name="Google Shape;6637;p130">
+                <a:extLst>
+                  <a:ext uri="{FF2B5EF4-FFF2-40B4-BE49-F238E27FC236}">
+                    <a16:creationId xmlns:a16="http://schemas.microsoft.com/office/drawing/2014/main" id="{7B3E289E-9DE1-4DB6-B351-BF80A86421B8}"/>
+                  </a:ext>
+                </a:extLst>
+              </p:cNvPr>
+              <p:cNvSpPr/>
+              <p:nvPr/>
+            </p:nvSpPr>
+            <p:spPr>
+              <a:xfrm flipH="1">
+                <a:off x="2467840" y="1941161"/>
+                <a:ext cx="757800" cy="630600"/>
+              </a:xfrm>
+              <a:prstGeom prst="rect">
+                <a:avLst/>
+              </a:prstGeom>
+              <a:gradFill>
+                <a:gsLst>
+                  <a:gs pos="0">
+                    <a:srgbClr val="FFF2CC"/>
+                  </a:gs>
+                  <a:gs pos="100000">
+                    <a:srgbClr val="9F39D5">
+                      <a:alpha val="16862"/>
+                    </a:srgbClr>
+                  </a:gs>
+                </a:gsLst>
+                <a:lin ang="13500032" scaled="0"/>
+              </a:gradFill>
+              <a:ln w="9525" cap="flat" cmpd="sng">
+                <a:solidFill>
+                  <a:srgbClr val="595959"/>
+                </a:solidFill>
+                <a:prstDash val="solid"/>
+                <a:round/>
+                <a:headEnd type="none" w="sm" len="sm"/>
+                <a:tailEnd type="none" w="sm" len="sm"/>
+              </a:ln>
+            </p:spPr>
+            <p:txBody>
+              <a:bodyPr spcFirstLastPara="1" wrap="square" lIns="91425" tIns="91425" rIns="91425" bIns="91425" anchor="ctr" anchorCtr="0">
+                <a:noAutofit/>
+              </a:bodyPr>
+              <a:lstStyle/>
+              <a:p>
+                <a:pPr marL="0" lvl="0" indent="0" algn="l" rtl="0">
+                  <a:spcBef>
+                    <a:spcPts val="0"/>
+                  </a:spcBef>
+                  <a:spcAft>
+                    <a:spcPts val="0"/>
+                  </a:spcAft>
+                  <a:buNone/>
+                </a:pPr>
+                <a:endParaRPr/>
+              </a:p>
+            </p:txBody>
+          </p:sp>
+        </p:grpSp>
+        <p:cxnSp>
+          <p:nvCxnSpPr>
+            <p:cNvPr id="130" name="直接箭头连接符 129">
+              <a:extLst>
+                <a:ext uri="{FF2B5EF4-FFF2-40B4-BE49-F238E27FC236}">
+                  <a16:creationId xmlns:a16="http://schemas.microsoft.com/office/drawing/2014/main" id="{61E737A4-AB87-4A72-8CAC-6D2DA0D16051}"/>
+                </a:ext>
+              </a:extLst>
+            </p:cNvPr>
+            <p:cNvCxnSpPr>
+              <a:cxnSpLocks/>
+            </p:cNvCxnSpPr>
+            <p:nvPr/>
+          </p:nvCxnSpPr>
+          <p:spPr>
+            <a:xfrm>
+              <a:off x="2698858" y="2727105"/>
+              <a:ext cx="332911" cy="0"/>
+            </a:xfrm>
+            <a:prstGeom prst="straightConnector1">
+              <a:avLst/>
+            </a:prstGeom>
+            <a:ln>
+              <a:tailEnd type="triangle"/>
+            </a:ln>
+          </p:spPr>
+          <p:style>
+            <a:lnRef idx="1">
+              <a:schemeClr val="dk1"/>
+            </a:lnRef>
+            <a:fillRef idx="0">
+              <a:schemeClr val="dk1"/>
+            </a:fillRef>
+            <a:effectRef idx="0">
+              <a:schemeClr val="dk1"/>
+            </a:effectRef>
+            <a:fontRef idx="minor">
+              <a:schemeClr val="tx1"/>
+            </a:fontRef>
+          </p:style>
+        </p:cxnSp>
+        <p:cxnSp>
+          <p:nvCxnSpPr>
+            <p:cNvPr id="131" name="直接箭头连接符 130">
+              <a:extLst>
+                <a:ext uri="{FF2B5EF4-FFF2-40B4-BE49-F238E27FC236}">
+                  <a16:creationId xmlns:a16="http://schemas.microsoft.com/office/drawing/2014/main" id="{6295BFDD-6174-4D92-9532-003777FD8AC1}"/>
+                </a:ext>
+              </a:extLst>
+            </p:cNvPr>
+            <p:cNvCxnSpPr>
+              <a:cxnSpLocks/>
+            </p:cNvCxnSpPr>
+            <p:nvPr/>
+          </p:nvCxnSpPr>
+          <p:spPr>
+            <a:xfrm>
+              <a:off x="2643083" y="4452170"/>
+              <a:ext cx="332911" cy="0"/>
+            </a:xfrm>
+            <a:prstGeom prst="straightConnector1">
+              <a:avLst/>
+            </a:prstGeom>
+            <a:ln>
+              <a:tailEnd type="triangle"/>
+            </a:ln>
+          </p:spPr>
+          <p:style>
+            <a:lnRef idx="1">
+              <a:schemeClr val="dk1"/>
+            </a:lnRef>
+            <a:fillRef idx="0">
+              <a:schemeClr val="dk1"/>
+            </a:fillRef>
+            <a:effectRef idx="0">
+              <a:schemeClr val="dk1"/>
+            </a:effectRef>
+            <a:fontRef idx="minor">
+              <a:schemeClr val="tx1"/>
+            </a:fontRef>
+          </p:style>
+        </p:cxnSp>
+        <p:grpSp>
+          <p:nvGrpSpPr>
+            <p:cNvPr id="132" name="Google Shape;6634;p130">
+              <a:extLst>
+                <a:ext uri="{FF2B5EF4-FFF2-40B4-BE49-F238E27FC236}">
+                  <a16:creationId xmlns:a16="http://schemas.microsoft.com/office/drawing/2014/main" id="{28C8B138-59F0-4D27-BD0E-6F6D89738A1A}"/>
+                </a:ext>
+              </a:extLst>
+            </p:cNvPr>
+            <p:cNvGrpSpPr/>
+            <p:nvPr/>
+          </p:nvGrpSpPr>
+          <p:grpSpPr>
+            <a:xfrm>
+              <a:off x="3012657" y="4052290"/>
+              <a:ext cx="921400" cy="785200"/>
+              <a:chOff x="2467840" y="1786561"/>
+              <a:chExt cx="921400" cy="785200"/>
+            </a:xfrm>
+            <a:gradFill flip="none" rotWithShape="1">
+              <a:gsLst>
+                <a:gs pos="0">
+                  <a:schemeClr val="accent2">
+                    <a:lumMod val="75000"/>
+                    <a:tint val="66000"/>
+                    <a:satMod val="160000"/>
+                  </a:schemeClr>
+                </a:gs>
+                <a:gs pos="50000">
+                  <a:schemeClr val="accent2">
+                    <a:lumMod val="75000"/>
+                    <a:tint val="44500"/>
+                    <a:satMod val="160000"/>
+                  </a:schemeClr>
+                </a:gs>
+                <a:gs pos="100000">
+                  <a:schemeClr val="accent2">
+                    <a:lumMod val="75000"/>
+                    <a:tint val="23500"/>
+                    <a:satMod val="160000"/>
+                  </a:schemeClr>
+                </a:gs>
+              </a:gsLst>
+              <a:lin ang="10800000" scaled="1"/>
+              <a:tileRect/>
+            </a:gradFill>
+          </p:grpSpPr>
+          <p:sp>
+            <p:nvSpPr>
+              <p:cNvPr id="133" name="Google Shape;6635;p130">
+                <a:extLst>
+                  <a:ext uri="{FF2B5EF4-FFF2-40B4-BE49-F238E27FC236}">
+                    <a16:creationId xmlns:a16="http://schemas.microsoft.com/office/drawing/2014/main" id="{34235626-7364-475D-BB60-8A4EC1140E42}"/>
+                  </a:ext>
+                </a:extLst>
+              </p:cNvPr>
+              <p:cNvSpPr/>
+              <p:nvPr/>
+            </p:nvSpPr>
+            <p:spPr>
+              <a:xfrm flipH="1">
+                <a:off x="2631440" y="1786561"/>
+                <a:ext cx="757800" cy="630600"/>
+              </a:xfrm>
+              <a:prstGeom prst="rect">
+                <a:avLst/>
+              </a:prstGeom>
+              <a:grpFill/>
+              <a:ln w="9525" cap="flat" cmpd="sng">
+                <a:solidFill>
+                  <a:srgbClr val="595959"/>
+                </a:solidFill>
+                <a:prstDash val="solid"/>
+                <a:round/>
+                <a:headEnd type="none" w="sm" len="sm"/>
+                <a:tailEnd type="none" w="sm" len="sm"/>
+              </a:ln>
+            </p:spPr>
+            <p:txBody>
+              <a:bodyPr spcFirstLastPara="1" wrap="square" lIns="91425" tIns="91425" rIns="91425" bIns="91425" anchor="ctr" anchorCtr="0">
+                <a:noAutofit/>
+              </a:bodyPr>
+              <a:lstStyle/>
+              <a:p>
+                <a:pPr marL="0" lvl="0" indent="0" algn="l" rtl="0">
+                  <a:spcBef>
+                    <a:spcPts val="0"/>
+                  </a:spcBef>
+                  <a:spcAft>
+                    <a:spcPts val="0"/>
+                  </a:spcAft>
+                  <a:buNone/>
+                </a:pPr>
+                <a:endParaRPr/>
+              </a:p>
+            </p:txBody>
+          </p:sp>
+          <p:sp>
+            <p:nvSpPr>
+              <p:cNvPr id="134" name="Google Shape;6636;p130">
+                <a:extLst>
+                  <a:ext uri="{FF2B5EF4-FFF2-40B4-BE49-F238E27FC236}">
+                    <a16:creationId xmlns:a16="http://schemas.microsoft.com/office/drawing/2014/main" id="{A5FF3857-11BC-4E37-8C8B-5EB84BE6DD88}"/>
+                  </a:ext>
+                </a:extLst>
+              </p:cNvPr>
+              <p:cNvSpPr/>
+              <p:nvPr/>
+            </p:nvSpPr>
+            <p:spPr>
+              <a:xfrm flipH="1">
+                <a:off x="2549640" y="1863861"/>
+                <a:ext cx="757800" cy="630600"/>
+              </a:xfrm>
+              <a:prstGeom prst="rect">
+                <a:avLst/>
+              </a:prstGeom>
+              <a:grpFill/>
+              <a:ln w="9525" cap="flat" cmpd="sng">
+                <a:solidFill>
+                  <a:srgbClr val="595959"/>
+                </a:solidFill>
+                <a:prstDash val="solid"/>
+                <a:round/>
+                <a:headEnd type="none" w="sm" len="sm"/>
+                <a:tailEnd type="none" w="sm" len="sm"/>
+              </a:ln>
+            </p:spPr>
+            <p:txBody>
+              <a:bodyPr spcFirstLastPara="1" wrap="square" lIns="91425" tIns="91425" rIns="91425" bIns="91425" anchor="ctr" anchorCtr="0">
+                <a:noAutofit/>
+              </a:bodyPr>
+              <a:lstStyle/>
+              <a:p>
+                <a:pPr marL="0" lvl="0" indent="0" algn="l" rtl="0">
+                  <a:spcBef>
+                    <a:spcPts val="0"/>
+                  </a:spcBef>
+                  <a:spcAft>
+                    <a:spcPts val="0"/>
+                  </a:spcAft>
+                  <a:buNone/>
+                </a:pPr>
+                <a:endParaRPr/>
+              </a:p>
+            </p:txBody>
+          </p:sp>
+          <p:sp>
+            <p:nvSpPr>
+              <p:cNvPr id="135" name="Google Shape;6637;p130">
+                <a:extLst>
+                  <a:ext uri="{FF2B5EF4-FFF2-40B4-BE49-F238E27FC236}">
+                    <a16:creationId xmlns:a16="http://schemas.microsoft.com/office/drawing/2014/main" id="{299176AC-89C8-4150-A68B-B63EE5A140EA}"/>
+                  </a:ext>
+                </a:extLst>
+              </p:cNvPr>
+              <p:cNvSpPr/>
+              <p:nvPr/>
+            </p:nvSpPr>
+            <p:spPr>
+              <a:xfrm flipH="1">
+                <a:off x="2467840" y="1941161"/>
+                <a:ext cx="757800" cy="630600"/>
+              </a:xfrm>
+              <a:prstGeom prst="rect">
+                <a:avLst/>
+              </a:prstGeom>
+              <a:grpFill/>
+              <a:ln w="9525" cap="flat" cmpd="sng">
+                <a:solidFill>
+                  <a:srgbClr val="595959"/>
+                </a:solidFill>
+                <a:prstDash val="solid"/>
+                <a:round/>
+                <a:headEnd type="none" w="sm" len="sm"/>
+                <a:tailEnd type="none" w="sm" len="sm"/>
+              </a:ln>
+            </p:spPr>
+            <p:txBody>
+              <a:bodyPr spcFirstLastPara="1" wrap="square" lIns="91425" tIns="91425" rIns="91425" bIns="91425" anchor="ctr" anchorCtr="0">
+                <a:noAutofit/>
+              </a:bodyPr>
+              <a:lstStyle/>
+              <a:p>
+                <a:pPr marL="0" lvl="0" indent="0" algn="l" rtl="0">
+                  <a:spcBef>
+                    <a:spcPts val="0"/>
+                  </a:spcBef>
+                  <a:spcAft>
+                    <a:spcPts val="0"/>
+                  </a:spcAft>
+                  <a:buNone/>
+                </a:pPr>
+                <a:endParaRPr/>
+              </a:p>
+            </p:txBody>
+          </p:sp>
+        </p:grpSp>
+        <p:cxnSp>
+          <p:nvCxnSpPr>
+            <p:cNvPr id="140" name="Google Shape;6817;p130">
+              <a:extLst>
+                <a:ext uri="{FF2B5EF4-FFF2-40B4-BE49-F238E27FC236}">
+                  <a16:creationId xmlns:a16="http://schemas.microsoft.com/office/drawing/2014/main" id="{431BB484-B842-4248-A747-3EF6D248BD66}"/>
+                </a:ext>
+              </a:extLst>
+            </p:cNvPr>
+            <p:cNvCxnSpPr>
+              <a:cxnSpLocks/>
+            </p:cNvCxnSpPr>
+            <p:nvPr/>
+          </p:nvCxnSpPr>
+          <p:spPr>
+            <a:xfrm>
+              <a:off x="4054297" y="1105564"/>
+              <a:ext cx="1002942" cy="0"/>
+            </a:xfrm>
+            <a:prstGeom prst="straightConnector1">
+              <a:avLst/>
+            </a:prstGeom>
+            <a:noFill/>
+            <a:ln w="9525" cap="flat" cmpd="sng">
+              <a:solidFill>
+                <a:schemeClr val="tx1"/>
+              </a:solidFill>
+              <a:prstDash val="dash"/>
+              <a:round/>
+              <a:headEnd type="none" w="med" len="med"/>
+              <a:tailEnd type="triangle" w="med" len="med"/>
+            </a:ln>
+          </p:spPr>
+        </p:cxnSp>
+        <mc:AlternateContent xmlns:mc="http://schemas.openxmlformats.org/markup-compatibility/2006">
+          <mc:Choice xmlns:a14="http://schemas.microsoft.com/office/drawing/2010/main" Requires="a14">
+            <p:sp>
+              <p:nvSpPr>
+                <p:cNvPr id="144" name="矩形 143">
+                  <a:extLst>
+                    <a:ext uri="{FF2B5EF4-FFF2-40B4-BE49-F238E27FC236}">
+                      <a16:creationId xmlns:a16="http://schemas.microsoft.com/office/drawing/2014/main" id="{54D7B69D-DB28-4B3C-B0F1-55233E8C678E}"/>
+                    </a:ext>
+                  </a:extLst>
+                </p:cNvPr>
+                <p:cNvSpPr/>
+                <p:nvPr/>
+              </p:nvSpPr>
+              <p:spPr>
+                <a:xfrm>
+                  <a:off x="3052358" y="1454643"/>
+                  <a:ext cx="1186863" cy="246221"/>
+                </a:xfrm>
+                <a:prstGeom prst="rect">
+                  <a:avLst/>
+                </a:prstGeom>
+              </p:spPr>
+              <p:txBody>
+                <a:bodyPr wrap="none">
+                  <a:spAutoFit/>
+                </a:bodyPr>
+                <a:lstStyle/>
+                <a:p>
+                  <a:r>
+                    <a:rPr lang="en-US" altLang="zh-CN" sz="1000" dirty="0">
+                      <a:latin typeface="Calibri" panose="020F0502020204030204" pitchFamily="34" charset="0"/>
+                      <a:ea typeface="Cambria Math" panose="02040503050406030204" pitchFamily="18" charset="0"/>
+                      <a:cs typeface="Calibri" panose="020F0502020204030204" pitchFamily="34" charset="0"/>
+                    </a:rPr>
+                    <a:t>Image feature </a:t>
+                  </a:r>
+                  <a14:m>
+                    <m:oMath xmlns:m="http://schemas.openxmlformats.org/officeDocument/2006/math">
+                      <m:sSub>
+                        <m:sSubPr>
+                          <m:ctrlPr>
+                            <a:rPr lang="en-US" altLang="zh-CN" sz="1000" i="1" smtClean="0">
+                              <a:latin typeface="Cambria Math" panose="02040503050406030204" pitchFamily="18" charset="0"/>
+                              <a:ea typeface="Cambria Math" panose="02040503050406030204" pitchFamily="18" charset="0"/>
+                              <a:cs typeface="Calibri" panose="020F0502020204030204" pitchFamily="34" charset="0"/>
+                            </a:rPr>
+                          </m:ctrlPr>
+                        </m:sSubPr>
+                        <m:e>
+                          <m:r>
+                            <a:rPr lang="en-US" altLang="zh-CN" sz="1000" b="0" i="1" smtClean="0">
+                              <a:latin typeface="Cambria Math" panose="02040503050406030204" pitchFamily="18" charset="0"/>
+                              <a:ea typeface="Cambria Math" panose="02040503050406030204" pitchFamily="18" charset="0"/>
+                              <a:cs typeface="Calibri" panose="020F0502020204030204" pitchFamily="34" charset="0"/>
+                            </a:rPr>
+                            <m:t>𝐼</m:t>
+                          </m:r>
+                        </m:e>
+                        <m:sub>
+                          <m:r>
+                            <a:rPr lang="en-US" altLang="zh-CN" sz="1000" i="1">
+                              <a:latin typeface="Cambria Math" panose="02040503050406030204" pitchFamily="18" charset="0"/>
+                              <a:ea typeface="Cambria Math" panose="02040503050406030204" pitchFamily="18" charset="0"/>
+                              <a:cs typeface="Calibri" panose="020F0502020204030204" pitchFamily="34" charset="0"/>
+                            </a:rPr>
+                            <m:t>𝑡</m:t>
+                          </m:r>
+                          <m:r>
+                            <a:rPr lang="en-US" altLang="zh-CN" sz="1000" i="1">
+                              <a:latin typeface="Cambria Math" panose="02040503050406030204" pitchFamily="18" charset="0"/>
+                              <a:ea typeface="Cambria Math" panose="02040503050406030204" pitchFamily="18" charset="0"/>
+                              <a:cs typeface="Calibri" panose="020F0502020204030204" pitchFamily="34" charset="0"/>
+                            </a:rPr>
+                            <m:t>−1</m:t>
+                          </m:r>
+                        </m:sub>
+                      </m:sSub>
+                    </m:oMath>
+                  </a14:m>
+                  <a:r>
+                    <a:rPr lang="en-US" altLang="zh-CN" sz="1000" dirty="0">
+                      <a:latin typeface="Calibri" panose="020F0502020204030204" pitchFamily="34" charset="0"/>
+                      <a:ea typeface="Cambria Math" panose="02040503050406030204" pitchFamily="18" charset="0"/>
+                      <a:cs typeface="Calibri" panose="020F0502020204030204" pitchFamily="34" charset="0"/>
+                    </a:rPr>
+                    <a:t> </a:t>
+                  </a:r>
+                  <a:endParaRPr lang="zh-CN" altLang="en-US" sz="1000" dirty="0">
+                    <a:latin typeface="Calibri" panose="020F0502020204030204" pitchFamily="34" charset="0"/>
+                    <a:cs typeface="Calibri" panose="020F0502020204030204" pitchFamily="34" charset="0"/>
+                  </a:endParaRPr>
+                </a:p>
+              </p:txBody>
+            </p:sp>
+          </mc:Choice>
+          <mc:Fallback>
+            <p:sp>
+              <p:nvSpPr>
+                <p:cNvPr id="144" name="矩形 143">
+                  <a:extLst>
+                    <a:ext uri="{FF2B5EF4-FFF2-40B4-BE49-F238E27FC236}">
+                      <a16:creationId xmlns:a16="http://schemas.microsoft.com/office/drawing/2014/main" id="{54D7B69D-DB28-4B3C-B0F1-55233E8C678E}"/>
+                    </a:ext>
+                  </a:extLst>
+                </p:cNvPr>
+                <p:cNvSpPr>
+                  <a:spLocks noRot="1" noChangeAspect="1" noMove="1" noResize="1" noEditPoints="1" noAdjustHandles="1" noChangeArrowheads="1" noChangeShapeType="1" noTextEdit="1"/>
+                </p:cNvSpPr>
+                <p:nvPr/>
+              </p:nvSpPr>
+              <p:spPr>
+                <a:xfrm>
+                  <a:off x="3052358" y="1454643"/>
+                  <a:ext cx="1186863" cy="246221"/>
+                </a:xfrm>
+                <a:prstGeom prst="rect">
+                  <a:avLst/>
+                </a:prstGeom>
+                <a:blipFill>
+                  <a:blip r:embed="rId7"/>
+                  <a:stretch>
+                    <a:fillRect b="-15000"/>
+                  </a:stretch>
+                </a:blipFill>
+              </p:spPr>
+              <p:txBody>
+                <a:bodyPr/>
+                <a:lstStyle/>
+                <a:p>
+                  <a:r>
+                    <a:rPr lang="zh-CN" altLang="en-US">
+                      <a:noFill/>
+                    </a:rPr>
+                    <a:t> </a:t>
+                  </a:r>
+                </a:p>
+              </p:txBody>
+            </p:sp>
+          </mc:Fallback>
+        </mc:AlternateContent>
+        <mc:AlternateContent xmlns:mc="http://schemas.openxmlformats.org/markup-compatibility/2006">
+          <mc:Choice xmlns:a14="http://schemas.microsoft.com/office/drawing/2010/main" Requires="a14">
+            <p:sp>
+              <p:nvSpPr>
+                <p:cNvPr id="145" name="矩形 144">
+                  <a:extLst>
+                    <a:ext uri="{FF2B5EF4-FFF2-40B4-BE49-F238E27FC236}">
+                      <a16:creationId xmlns:a16="http://schemas.microsoft.com/office/drawing/2014/main" id="{12C342C0-81E3-4D7C-BAE8-9216DD469288}"/>
+                    </a:ext>
+                  </a:extLst>
+                </p:cNvPr>
+                <p:cNvSpPr/>
+                <p:nvPr/>
+              </p:nvSpPr>
+              <p:spPr>
+                <a:xfrm>
+                  <a:off x="2995395" y="3123552"/>
+                  <a:ext cx="1065035" cy="246221"/>
+                </a:xfrm>
+                <a:prstGeom prst="rect">
+                  <a:avLst/>
+                </a:prstGeom>
+              </p:spPr>
+              <p:txBody>
+                <a:bodyPr wrap="none">
+                  <a:spAutoFit/>
+                </a:bodyPr>
+                <a:lstStyle/>
+                <a:p>
+                  <a:r>
+                    <a:rPr lang="en-US" altLang="zh-CN" sz="1000" dirty="0">
+                      <a:latin typeface="Calibri" panose="020F0502020204030204" pitchFamily="34" charset="0"/>
+                      <a:ea typeface="Cambria Math" panose="02040503050406030204" pitchFamily="18" charset="0"/>
+                      <a:cs typeface="Calibri" panose="020F0502020204030204" pitchFamily="34" charset="0"/>
+                    </a:rPr>
+                    <a:t>Image feature </a:t>
+                  </a:r>
+                  <a14:m>
+                    <m:oMath xmlns:m="http://schemas.openxmlformats.org/officeDocument/2006/math">
+                      <m:sSub>
+                        <m:sSubPr>
+                          <m:ctrlPr>
+                            <a:rPr lang="en-US" altLang="zh-CN" sz="1000" i="1" smtClean="0">
+                              <a:latin typeface="Cambria Math" panose="02040503050406030204" pitchFamily="18" charset="0"/>
+                              <a:ea typeface="Cambria Math" panose="02040503050406030204" pitchFamily="18" charset="0"/>
+                              <a:cs typeface="Calibri" panose="020F0502020204030204" pitchFamily="34" charset="0"/>
+                            </a:rPr>
+                          </m:ctrlPr>
+                        </m:sSubPr>
+                        <m:e>
+                          <m:r>
+                            <a:rPr lang="en-US" altLang="zh-CN" sz="1000" b="0" i="1" smtClean="0">
+                              <a:latin typeface="Cambria Math" panose="02040503050406030204" pitchFamily="18" charset="0"/>
+                              <a:ea typeface="Cambria Math" panose="02040503050406030204" pitchFamily="18" charset="0"/>
+                              <a:cs typeface="Calibri" panose="020F0502020204030204" pitchFamily="34" charset="0"/>
+                            </a:rPr>
+                            <m:t>𝐼</m:t>
+                          </m:r>
+                        </m:e>
+                        <m:sub>
+                          <m:r>
+                            <a:rPr lang="en-US" altLang="zh-CN" sz="1000" i="1">
+                              <a:latin typeface="Cambria Math" panose="02040503050406030204" pitchFamily="18" charset="0"/>
+                              <a:ea typeface="Cambria Math" panose="02040503050406030204" pitchFamily="18" charset="0"/>
+                              <a:cs typeface="Calibri" panose="020F0502020204030204" pitchFamily="34" charset="0"/>
+                            </a:rPr>
+                            <m:t>𝑡</m:t>
+                          </m:r>
+                        </m:sub>
+                      </m:sSub>
+                    </m:oMath>
+                  </a14:m>
+                  <a:r>
+                    <a:rPr lang="en-US" altLang="zh-CN" sz="1000" dirty="0">
+                      <a:latin typeface="Calibri" panose="020F0502020204030204" pitchFamily="34" charset="0"/>
+                      <a:ea typeface="Cambria Math" panose="02040503050406030204" pitchFamily="18" charset="0"/>
+                      <a:cs typeface="Calibri" panose="020F0502020204030204" pitchFamily="34" charset="0"/>
+                    </a:rPr>
+                    <a:t> </a:t>
+                  </a:r>
+                  <a:endParaRPr lang="zh-CN" altLang="en-US" sz="1000" dirty="0">
+                    <a:latin typeface="Calibri" panose="020F0502020204030204" pitchFamily="34" charset="0"/>
+                    <a:cs typeface="Calibri" panose="020F0502020204030204" pitchFamily="34" charset="0"/>
+                  </a:endParaRPr>
+                </a:p>
+              </p:txBody>
+            </p:sp>
+          </mc:Choice>
+          <mc:Fallback>
+            <p:sp>
+              <p:nvSpPr>
+                <p:cNvPr id="145" name="矩形 144">
+                  <a:extLst>
+                    <a:ext uri="{FF2B5EF4-FFF2-40B4-BE49-F238E27FC236}">
+                      <a16:creationId xmlns:a16="http://schemas.microsoft.com/office/drawing/2014/main" id="{12C342C0-81E3-4D7C-BAE8-9216DD469288}"/>
+                    </a:ext>
+                  </a:extLst>
+                </p:cNvPr>
+                <p:cNvSpPr>
+                  <a:spLocks noRot="1" noChangeAspect="1" noMove="1" noResize="1" noEditPoints="1" noAdjustHandles="1" noChangeArrowheads="1" noChangeShapeType="1" noTextEdit="1"/>
+                </p:cNvSpPr>
+                <p:nvPr/>
+              </p:nvSpPr>
+              <p:spPr>
+                <a:xfrm>
+                  <a:off x="2995395" y="3123552"/>
+                  <a:ext cx="1065035" cy="246221"/>
+                </a:xfrm>
+                <a:prstGeom prst="rect">
+                  <a:avLst/>
+                </a:prstGeom>
+                <a:blipFill>
+                  <a:blip r:embed="rId8"/>
+                  <a:stretch>
+                    <a:fillRect b="-14634"/>
+                  </a:stretch>
+                </a:blipFill>
+              </p:spPr>
+              <p:txBody>
+                <a:bodyPr/>
+                <a:lstStyle/>
+                <a:p>
+                  <a:r>
+                    <a:rPr lang="zh-CN" altLang="en-US">
+                      <a:noFill/>
+                    </a:rPr>
+                    <a:t> </a:t>
+                  </a:r>
+                </a:p>
+              </p:txBody>
+            </p:sp>
+          </mc:Fallback>
+        </mc:AlternateContent>
+        <mc:AlternateContent xmlns:mc="http://schemas.openxmlformats.org/markup-compatibility/2006">
+          <mc:Choice xmlns:a14="http://schemas.microsoft.com/office/drawing/2010/main" Requires="a14">
+            <p:sp>
+              <p:nvSpPr>
+                <p:cNvPr id="146" name="矩形 145">
+                  <a:extLst>
+                    <a:ext uri="{FF2B5EF4-FFF2-40B4-BE49-F238E27FC236}">
+                      <a16:creationId xmlns:a16="http://schemas.microsoft.com/office/drawing/2014/main" id="{54D7B69D-DB28-4B3C-B0F1-55233E8C678E}"/>
+                    </a:ext>
+                  </a:extLst>
+                </p:cNvPr>
+                <p:cNvSpPr/>
+                <p:nvPr/>
+              </p:nvSpPr>
+              <p:spPr>
+                <a:xfrm>
+                  <a:off x="2947326" y="4837490"/>
+                  <a:ext cx="1186863" cy="246221"/>
+                </a:xfrm>
+                <a:prstGeom prst="rect">
+                  <a:avLst/>
+                </a:prstGeom>
+              </p:spPr>
+              <p:txBody>
+                <a:bodyPr wrap="none">
+                  <a:spAutoFit/>
+                </a:bodyPr>
+                <a:lstStyle>
+                  <a:defPPr>
+                    <a:defRPr lang="zh-CN"/>
+                  </a:defPPr>
+                  <a:lvl1pPr marL="0" algn="l" defTabSz="914400" rtl="0" eaLnBrk="1" latinLnBrk="0" hangingPunct="1">
+                    <a:defRPr sz="1800" kern="1200">
+                      <a:solidFill>
+                        <a:schemeClr val="tx1"/>
+                      </a:solidFill>
+                      <a:latin typeface="+mn-lt"/>
+                      <a:ea typeface="+mn-ea"/>
+                      <a:cs typeface="+mn-cs"/>
+                    </a:defRPr>
+                  </a:lvl1pPr>
+                  <a:lvl2pPr marL="457200" algn="l" defTabSz="914400" rtl="0" eaLnBrk="1" latinLnBrk="0" hangingPunct="1">
+                    <a:defRPr sz="1800" kern="1200">
+                      <a:solidFill>
+                        <a:schemeClr val="tx1"/>
+                      </a:solidFill>
+                      <a:latin typeface="+mn-lt"/>
+                      <a:ea typeface="+mn-ea"/>
+                      <a:cs typeface="+mn-cs"/>
+                    </a:defRPr>
+                  </a:lvl2pPr>
+                  <a:lvl3pPr marL="914400" algn="l" defTabSz="914400" rtl="0" eaLnBrk="1" latinLnBrk="0" hangingPunct="1">
+                    <a:defRPr sz="1800" kern="1200">
+                      <a:solidFill>
+                        <a:schemeClr val="tx1"/>
+                      </a:solidFill>
+                      <a:latin typeface="+mn-lt"/>
+                      <a:ea typeface="+mn-ea"/>
+                      <a:cs typeface="+mn-cs"/>
+                    </a:defRPr>
+                  </a:lvl3pPr>
+                  <a:lvl4pPr marL="1371600" algn="l" defTabSz="914400" rtl="0" eaLnBrk="1" latinLnBrk="0" hangingPunct="1">
+                    <a:defRPr sz="1800" kern="1200">
+                      <a:solidFill>
+                        <a:schemeClr val="tx1"/>
+                      </a:solidFill>
+                      <a:latin typeface="+mn-lt"/>
+                      <a:ea typeface="+mn-ea"/>
+                      <a:cs typeface="+mn-cs"/>
+                    </a:defRPr>
+                  </a:lvl4pPr>
+                  <a:lvl5pPr marL="1828800" algn="l" defTabSz="914400" rtl="0" eaLnBrk="1" latinLnBrk="0" hangingPunct="1">
+                    <a:defRPr sz="1800" kern="1200">
+                      <a:solidFill>
+                        <a:schemeClr val="tx1"/>
+                      </a:solidFill>
+                      <a:latin typeface="+mn-lt"/>
+                      <a:ea typeface="+mn-ea"/>
+                      <a:cs typeface="+mn-cs"/>
+                    </a:defRPr>
+                  </a:lvl5pPr>
+                  <a:lvl6pPr marL="2286000" algn="l" defTabSz="914400" rtl="0" eaLnBrk="1" latinLnBrk="0" hangingPunct="1">
+                    <a:defRPr sz="1800" kern="1200">
+                      <a:solidFill>
+                        <a:schemeClr val="tx1"/>
+                      </a:solidFill>
+                      <a:latin typeface="+mn-lt"/>
+                      <a:ea typeface="+mn-ea"/>
+                      <a:cs typeface="+mn-cs"/>
+                    </a:defRPr>
+                  </a:lvl6pPr>
+                  <a:lvl7pPr marL="2743200" algn="l" defTabSz="914400" rtl="0" eaLnBrk="1" latinLnBrk="0" hangingPunct="1">
+                    <a:defRPr sz="1800" kern="1200">
+                      <a:solidFill>
+                        <a:schemeClr val="tx1"/>
+                      </a:solidFill>
+                      <a:latin typeface="+mn-lt"/>
+                      <a:ea typeface="+mn-ea"/>
+                      <a:cs typeface="+mn-cs"/>
+                    </a:defRPr>
+                  </a:lvl7pPr>
+                  <a:lvl8pPr marL="3200400" algn="l" defTabSz="914400" rtl="0" eaLnBrk="1" latinLnBrk="0" hangingPunct="1">
+                    <a:defRPr sz="1800" kern="1200">
+                      <a:solidFill>
+                        <a:schemeClr val="tx1"/>
+                      </a:solidFill>
+                      <a:latin typeface="+mn-lt"/>
+                      <a:ea typeface="+mn-ea"/>
+                      <a:cs typeface="+mn-cs"/>
+                    </a:defRPr>
+                  </a:lvl8pPr>
+                  <a:lvl9pPr marL="3657600" algn="l" defTabSz="914400" rtl="0" eaLnBrk="1" latinLnBrk="0" hangingPunct="1">
+                    <a:defRPr sz="1800" kern="1200">
+                      <a:solidFill>
+                        <a:schemeClr val="tx1"/>
+                      </a:solidFill>
+                      <a:latin typeface="+mn-lt"/>
+                      <a:ea typeface="+mn-ea"/>
+                      <a:cs typeface="+mn-cs"/>
+                    </a:defRPr>
+                  </a:lvl9pPr>
+                </a:lstStyle>
+                <a:p>
+                  <a:r>
+                    <a:rPr lang="en-US" altLang="zh-CN" sz="1000" dirty="0">
+                      <a:latin typeface="Calibri" panose="020F0502020204030204" pitchFamily="34" charset="0"/>
+                      <a:ea typeface="Cambria Math" panose="02040503050406030204" pitchFamily="18" charset="0"/>
+                      <a:cs typeface="Calibri" panose="020F0502020204030204" pitchFamily="34" charset="0"/>
+                    </a:rPr>
+                    <a:t>Image feature </a:t>
+                  </a:r>
+                  <a14:m>
+                    <m:oMath xmlns:m="http://schemas.openxmlformats.org/officeDocument/2006/math">
+                      <m:sSub>
+                        <m:sSubPr>
+                          <m:ctrlPr>
+                            <a:rPr lang="en-US" altLang="zh-CN" sz="1000" i="1" smtClean="0">
+                              <a:latin typeface="Cambria Math" panose="02040503050406030204" pitchFamily="18" charset="0"/>
+                              <a:ea typeface="Cambria Math" panose="02040503050406030204" pitchFamily="18" charset="0"/>
+                              <a:cs typeface="Calibri" panose="020F0502020204030204" pitchFamily="34" charset="0"/>
+                            </a:rPr>
+                          </m:ctrlPr>
+                        </m:sSubPr>
+                        <m:e>
+                          <m:r>
+                            <a:rPr lang="en-US" altLang="zh-CN" sz="1000" b="0" i="1" smtClean="0">
+                              <a:latin typeface="Cambria Math" panose="02040503050406030204" pitchFamily="18" charset="0"/>
+                              <a:ea typeface="Cambria Math" panose="02040503050406030204" pitchFamily="18" charset="0"/>
+                              <a:cs typeface="Calibri" panose="020F0502020204030204" pitchFamily="34" charset="0"/>
+                            </a:rPr>
+                            <m:t>𝐼</m:t>
+                          </m:r>
+                        </m:e>
+                        <m:sub>
+                          <m:r>
+                            <a:rPr lang="en-US" altLang="zh-CN" sz="1000" i="1">
+                              <a:latin typeface="Cambria Math" panose="02040503050406030204" pitchFamily="18" charset="0"/>
+                              <a:ea typeface="Cambria Math" panose="02040503050406030204" pitchFamily="18" charset="0"/>
+                              <a:cs typeface="Calibri" panose="020F0502020204030204" pitchFamily="34" charset="0"/>
+                            </a:rPr>
+                            <m:t>𝑡</m:t>
+                          </m:r>
+                          <m:r>
+                            <a:rPr lang="en-US" altLang="zh-CN" sz="1000" b="0" i="1" smtClean="0">
+                              <a:latin typeface="Cambria Math" panose="02040503050406030204" pitchFamily="18" charset="0"/>
+                              <a:ea typeface="Cambria Math" panose="02040503050406030204" pitchFamily="18" charset="0"/>
+                              <a:cs typeface="Calibri" panose="020F0502020204030204" pitchFamily="34" charset="0"/>
+                            </a:rPr>
+                            <m:t>+</m:t>
+                          </m:r>
+                          <m:r>
+                            <a:rPr lang="en-US" altLang="zh-CN" sz="1000" i="1">
+                              <a:latin typeface="Cambria Math" panose="02040503050406030204" pitchFamily="18" charset="0"/>
+                              <a:ea typeface="Cambria Math" panose="02040503050406030204" pitchFamily="18" charset="0"/>
+                              <a:cs typeface="Calibri" panose="020F0502020204030204" pitchFamily="34" charset="0"/>
+                            </a:rPr>
+                            <m:t>1</m:t>
+                          </m:r>
+                        </m:sub>
+                      </m:sSub>
+                    </m:oMath>
+                  </a14:m>
+                  <a:r>
+                    <a:rPr lang="en-US" altLang="zh-CN" sz="1000" dirty="0">
+                      <a:latin typeface="Calibri" panose="020F0502020204030204" pitchFamily="34" charset="0"/>
+                      <a:ea typeface="Cambria Math" panose="02040503050406030204" pitchFamily="18" charset="0"/>
+                      <a:cs typeface="Calibri" panose="020F0502020204030204" pitchFamily="34" charset="0"/>
+                    </a:rPr>
+                    <a:t> </a:t>
+                  </a:r>
+                  <a:endParaRPr lang="zh-CN" altLang="en-US" sz="1000" dirty="0">
+                    <a:latin typeface="Calibri" panose="020F0502020204030204" pitchFamily="34" charset="0"/>
+                    <a:cs typeface="Calibri" panose="020F0502020204030204" pitchFamily="34" charset="0"/>
+                  </a:endParaRPr>
+                </a:p>
+              </p:txBody>
+            </p:sp>
+          </mc:Choice>
+          <mc:Fallback>
+            <p:sp>
+              <p:nvSpPr>
+                <p:cNvPr id="146" name="矩形 145">
+                  <a:extLst>
+                    <a:ext uri="{FF2B5EF4-FFF2-40B4-BE49-F238E27FC236}">
+                      <a16:creationId xmlns:a16="http://schemas.microsoft.com/office/drawing/2014/main" id="{54D7B69D-DB28-4B3C-B0F1-55233E8C678E}"/>
+                    </a:ext>
+                  </a:extLst>
+                </p:cNvPr>
+                <p:cNvSpPr>
+                  <a:spLocks noRot="1" noChangeAspect="1" noMove="1" noResize="1" noEditPoints="1" noAdjustHandles="1" noChangeArrowheads="1" noChangeShapeType="1" noTextEdit="1"/>
+                </p:cNvSpPr>
+                <p:nvPr/>
+              </p:nvSpPr>
+              <p:spPr>
+                <a:xfrm>
+                  <a:off x="2947326" y="4837490"/>
+                  <a:ext cx="1186863" cy="246221"/>
+                </a:xfrm>
+                <a:prstGeom prst="rect">
+                  <a:avLst/>
+                </a:prstGeom>
+                <a:blipFill>
+                  <a:blip r:embed="rId9"/>
+                  <a:stretch>
+                    <a:fillRect b="-15000"/>
+                  </a:stretch>
+                </a:blipFill>
+              </p:spPr>
+              <p:txBody>
+                <a:bodyPr/>
+                <a:lstStyle/>
+                <a:p>
+                  <a:r>
+                    <a:rPr lang="zh-CN" altLang="en-US">
+                      <a:noFill/>
+                    </a:rPr>
+                    <a:t> </a:t>
+                  </a:r>
+                </a:p>
+              </p:txBody>
+            </p:sp>
+          </mc:Fallback>
+        </mc:AlternateContent>
+        <p:cxnSp>
+          <p:nvCxnSpPr>
+            <p:cNvPr id="151" name="连接符: 肘形 150">
+              <a:extLst>
+                <a:ext uri="{FF2B5EF4-FFF2-40B4-BE49-F238E27FC236}">
+                  <a16:creationId xmlns:a16="http://schemas.microsoft.com/office/drawing/2014/main" id="{17662416-0E57-4CE8-8558-D42D13761286}"/>
+                </a:ext>
+              </a:extLst>
+            </p:cNvPr>
+            <p:cNvCxnSpPr>
+              <a:cxnSpLocks/>
+            </p:cNvCxnSpPr>
+            <p:nvPr/>
+          </p:nvCxnSpPr>
+          <p:spPr>
+            <a:xfrm flipV="1">
+              <a:off x="3994916" y="1247491"/>
+              <a:ext cx="1054240" cy="1422886"/>
+            </a:xfrm>
+            <a:prstGeom prst="bentConnector3">
+              <a:avLst>
+                <a:gd name="adj1" fmla="val 41497"/>
+              </a:avLst>
+            </a:prstGeom>
+            <a:ln w="9525">
+              <a:solidFill>
+                <a:schemeClr val="tx1"/>
+              </a:solidFill>
+              <a:prstDash val="dash"/>
+              <a:tailEnd type="triangle"/>
+            </a:ln>
+          </p:spPr>
+          <p:style>
+            <a:lnRef idx="1">
+              <a:schemeClr val="accent1"/>
+            </a:lnRef>
+            <a:fillRef idx="0">
+              <a:schemeClr val="accent1"/>
+            </a:fillRef>
+            <a:effectRef idx="0">
+              <a:schemeClr val="accent1"/>
+            </a:effectRef>
+            <a:fontRef idx="minor">
+              <a:schemeClr val="tx1"/>
+            </a:fontRef>
+          </p:style>
+        </p:cxnSp>
+        <p:sp>
+          <p:nvSpPr>
+            <p:cNvPr id="229" name="矩形: 圆角 228">
+              <a:extLst>
+                <a:ext uri="{FF2B5EF4-FFF2-40B4-BE49-F238E27FC236}">
+                  <a16:creationId xmlns:a16="http://schemas.microsoft.com/office/drawing/2014/main" id="{B0469EDC-AF1C-4A9E-8C28-2A9575CA89AB}"/>
+                </a:ext>
+              </a:extLst>
+            </p:cNvPr>
+            <p:cNvSpPr/>
+            <p:nvPr/>
+          </p:nvSpPr>
+          <p:spPr>
+            <a:xfrm>
+              <a:off x="9408090" y="965735"/>
+              <a:ext cx="942434" cy="279658"/>
+            </a:xfrm>
+            <a:prstGeom prst="roundRect">
+              <a:avLst/>
+            </a:prstGeom>
+            <a:gradFill flip="none" rotWithShape="1">
+              <a:gsLst>
+                <a:gs pos="0">
+                  <a:schemeClr val="accent5">
+                    <a:lumMod val="75000"/>
+                    <a:tint val="66000"/>
+                    <a:satMod val="160000"/>
+                  </a:schemeClr>
+                </a:gs>
+                <a:gs pos="50000">
+                  <a:schemeClr val="accent5">
+                    <a:lumMod val="75000"/>
+                    <a:tint val="44500"/>
+                    <a:satMod val="160000"/>
+                  </a:schemeClr>
+                </a:gs>
+                <a:gs pos="100000">
+                  <a:schemeClr val="accent5">
+                    <a:lumMod val="75000"/>
+                    <a:tint val="23500"/>
+                    <a:satMod val="160000"/>
+                  </a:schemeClr>
+                </a:gs>
+              </a:gsLst>
+              <a:lin ang="13500000" scaled="1"/>
+              <a:tileRect/>
+            </a:gradFill>
+          </p:spPr>
+          <p:style>
+            <a:lnRef idx="2">
+              <a:schemeClr val="accent1">
+                <a:shade val="50000"/>
+              </a:schemeClr>
+            </a:lnRef>
+            <a:fillRef idx="1">
+              <a:schemeClr val="accent1"/>
+            </a:fillRef>
+            <a:effectRef idx="0">
+              <a:schemeClr val="accent1"/>
+            </a:effectRef>
+            <a:fontRef idx="minor">
+              <a:schemeClr val="lt1"/>
+            </a:fontRef>
+          </p:style>
+          <p:txBody>
+            <a:bodyPr rot="0" spcFirstLastPara="0" vertOverflow="overflow" horzOverflow="overflow" vert="horz" wrap="square" lIns="91440" tIns="45720" rIns="91440" bIns="45720" numCol="1" spcCol="0" rtlCol="0" fromWordArt="0" anchor="ctr" anchorCtr="0" forceAA="0" compatLnSpc="1">
+              <a:prstTxWarp prst="textNoShape">
+                <a:avLst/>
+              </a:prstTxWarp>
+              <a:noAutofit/>
+            </a:bodyPr>
+            <a:lstStyle/>
+            <a:p>
+              <a:pPr algn="ctr"/>
+              <a:r>
+                <a:rPr lang="en-US" altLang="zh-CN" sz="1000" dirty="0">
+                  <a:solidFill>
+                    <a:schemeClr val="tx1"/>
+                  </a:solidFill>
+                  <a:latin typeface="Calibri" panose="020F0502020204030204" pitchFamily="34" charset="0"/>
+                  <a:cs typeface="Calibri" panose="020F0502020204030204" pitchFamily="34" charset="0"/>
+                </a:rPr>
+                <a:t>Update Block</a:t>
+              </a:r>
+            </a:p>
+          </p:txBody>
+        </p:sp>
+        <p:pic>
+          <p:nvPicPr>
+            <p:cNvPr id="230" name="图片 229">
+              <a:extLst>
+                <a:ext uri="{FF2B5EF4-FFF2-40B4-BE49-F238E27FC236}">
+                  <a16:creationId xmlns:a16="http://schemas.microsoft.com/office/drawing/2014/main" id="{CF734431-8B84-44BC-8B57-43D9712F6F2D}"/>
+                </a:ext>
+              </a:extLst>
+            </p:cNvPr>
+            <p:cNvPicPr>
+              <a:picLocks noChangeAspect="1"/>
+            </p:cNvPicPr>
+            <p:nvPr/>
+          </p:nvPicPr>
+          <p:blipFill>
+            <a:blip r:embed="rId10">
+              <a:extLst>
+                <a:ext uri="{28A0092B-C50C-407E-A947-70E740481C1C}">
+                  <a14:useLocalDpi xmlns:a14="http://schemas.microsoft.com/office/drawing/2010/main" val="0"/>
+                </a:ext>
+              </a:extLst>
+            </a:blip>
+            <a:stretch>
+              <a:fillRect/>
+            </a:stretch>
+          </p:blipFill>
+          <p:spPr>
+            <a:xfrm>
+              <a:off x="10462039" y="860662"/>
+              <a:ext cx="1195165" cy="508879"/>
+            </a:xfrm>
+            <a:prstGeom prst="rect">
+              <a:avLst/>
+            </a:prstGeom>
+            <a:ln w="28575">
+              <a:solidFill>
+                <a:schemeClr val="tx1"/>
+              </a:solidFill>
+            </a:ln>
+          </p:spPr>
+        </p:pic>
+        <p:pic>
+          <p:nvPicPr>
+            <p:cNvPr id="231" name="图片 230">
+              <a:extLst>
+                <a:ext uri="{FF2B5EF4-FFF2-40B4-BE49-F238E27FC236}">
+                  <a16:creationId xmlns:a16="http://schemas.microsoft.com/office/drawing/2014/main" id="{76AF35D4-6DAD-4201-A5C5-FC39BF717DA8}"/>
+                </a:ext>
+              </a:extLst>
+            </p:cNvPr>
+            <p:cNvPicPr>
+              <a:picLocks noChangeAspect="1"/>
+            </p:cNvPicPr>
+            <p:nvPr/>
+          </p:nvPicPr>
+          <p:blipFill>
+            <a:blip r:embed="rId11">
+              <a:extLst>
+                <a:ext uri="{28A0092B-C50C-407E-A947-70E740481C1C}">
+                  <a14:useLocalDpi xmlns:a14="http://schemas.microsoft.com/office/drawing/2010/main" val="0"/>
+                </a:ext>
+              </a:extLst>
+            </a:blip>
+            <a:stretch>
+              <a:fillRect/>
+            </a:stretch>
+          </p:blipFill>
+          <p:spPr>
+            <a:xfrm>
+              <a:off x="10463543" y="4380777"/>
+              <a:ext cx="1195165" cy="508879"/>
+            </a:xfrm>
+            <a:prstGeom prst="rect">
+              <a:avLst/>
+            </a:prstGeom>
+            <a:ln w="28575">
+              <a:solidFill>
+                <a:schemeClr val="tx1"/>
+              </a:solidFill>
+            </a:ln>
+          </p:spPr>
+        </p:pic>
+        <p:sp>
+          <p:nvSpPr>
+            <p:cNvPr id="246" name="流程图: 或者 245">
+              <a:extLst>
+                <a:ext uri="{FF2B5EF4-FFF2-40B4-BE49-F238E27FC236}">
+                  <a16:creationId xmlns:a16="http://schemas.microsoft.com/office/drawing/2014/main" id="{E0E2A627-C9E4-4D5B-8574-91136F00A79A}"/>
+                </a:ext>
+              </a:extLst>
+            </p:cNvPr>
+            <p:cNvSpPr/>
+            <p:nvPr/>
+          </p:nvSpPr>
+          <p:spPr>
+            <a:xfrm flipH="1">
+              <a:off x="8195862" y="4529126"/>
+              <a:ext cx="246942" cy="279658"/>
+            </a:xfrm>
+            <a:prstGeom prst="flowChartOr">
+              <a:avLst/>
+            </a:prstGeom>
+            <a:solidFill>
+              <a:schemeClr val="accent4">
+                <a:lumMod val="60000"/>
+                <a:lumOff val="40000"/>
+              </a:schemeClr>
+            </a:solidFill>
+          </p:spPr>
+          <p:style>
+            <a:lnRef idx="2">
+              <a:schemeClr val="accent1">
+                <a:shade val="50000"/>
+              </a:schemeClr>
+            </a:lnRef>
+            <a:fillRef idx="1">
+              <a:schemeClr val="accent1"/>
+            </a:fillRef>
+            <a:effectRef idx="0">
+              <a:schemeClr val="accent1"/>
+            </a:effectRef>
+            <a:fontRef idx="minor">
+              <a:schemeClr val="lt1"/>
+            </a:fontRef>
+          </p:style>
+          <p:txBody>
+            <a:bodyPr rtlCol="0" anchor="ctr"/>
+            <a:lstStyle/>
+            <a:p>
+              <a:pPr algn="ctr"/>
+              <a:endParaRPr lang="zh-CN" altLang="en-US" dirty="0"/>
+            </a:p>
+          </p:txBody>
+        </p:sp>
+        <p:sp>
+          <p:nvSpPr>
+            <p:cNvPr id="248" name="箭头: 下 247">
+              <a:extLst>
+                <a:ext uri="{FF2B5EF4-FFF2-40B4-BE49-F238E27FC236}">
+                  <a16:creationId xmlns:a16="http://schemas.microsoft.com/office/drawing/2014/main" id="{69F6ED32-9511-4C4B-9558-6F92B459C4B5}"/>
+                </a:ext>
+              </a:extLst>
+            </p:cNvPr>
+            <p:cNvSpPr/>
+            <p:nvPr/>
+          </p:nvSpPr>
+          <p:spPr>
+            <a:xfrm>
+              <a:off x="5168514" y="1566009"/>
+              <a:ext cx="197324" cy="353142"/>
+            </a:xfrm>
+            <a:prstGeom prst="downArrow">
+              <a:avLst/>
+            </a:prstGeom>
+            <a:gradFill flip="none" rotWithShape="1">
+              <a:gsLst>
+                <a:gs pos="0">
+                  <a:srgbClr val="0070C0">
+                    <a:tint val="66000"/>
+                    <a:satMod val="160000"/>
+                  </a:srgbClr>
+                </a:gs>
+                <a:gs pos="50000">
+                  <a:srgbClr val="0070C0">
+                    <a:tint val="44500"/>
+                    <a:satMod val="160000"/>
+                  </a:srgbClr>
+                </a:gs>
+                <a:gs pos="100000">
+                  <a:srgbClr val="0070C0">
+                    <a:tint val="23500"/>
+                    <a:satMod val="160000"/>
+                  </a:srgbClr>
+                </a:gs>
+              </a:gsLst>
+              <a:path path="circle">
+                <a:fillToRect l="100000" b="100000"/>
+              </a:path>
+              <a:tileRect t="-100000" r="-100000"/>
+            </a:gradFill>
+          </p:spPr>
+          <p:style>
+            <a:lnRef idx="2">
+              <a:schemeClr val="accent1">
+                <a:shade val="50000"/>
+              </a:schemeClr>
+            </a:lnRef>
+            <a:fillRef idx="1">
+              <a:schemeClr val="accent1"/>
+            </a:fillRef>
+            <a:effectRef idx="0">
+              <a:schemeClr val="accent1"/>
+            </a:effectRef>
+            <a:fontRef idx="minor">
+              <a:schemeClr val="lt1"/>
+            </a:fontRef>
+          </p:style>
+          <p:txBody>
+            <a:bodyPr rtlCol="0" anchor="ctr"/>
+            <a:lstStyle/>
+            <a:p>
+              <a:pPr algn="ctr"/>
+              <a:endParaRPr lang="zh-CN" altLang="en-US"/>
+            </a:p>
+          </p:txBody>
+        </p:sp>
+        <p:grpSp>
+          <p:nvGrpSpPr>
+            <p:cNvPr id="351" name="组合 350">
+              <a:extLst>
+                <a:ext uri="{FF2B5EF4-FFF2-40B4-BE49-F238E27FC236}">
+                  <a16:creationId xmlns:a16="http://schemas.microsoft.com/office/drawing/2014/main" id="{6B62DB1B-3120-4942-9E9A-B3618B71B9F0}"/>
+                </a:ext>
+              </a:extLst>
+            </p:cNvPr>
+            <p:cNvGrpSpPr/>
+            <p:nvPr/>
+          </p:nvGrpSpPr>
+          <p:grpSpPr>
+            <a:xfrm>
+              <a:off x="7401127" y="1992043"/>
+              <a:ext cx="696347" cy="687104"/>
+              <a:chOff x="3405686" y="2731504"/>
+              <a:chExt cx="1918857" cy="2025477"/>
+            </a:xfrm>
+          </p:grpSpPr>
+          <p:grpSp>
+            <p:nvGrpSpPr>
+              <p:cNvPr id="249" name="Google Shape;4173;p92">
+                <a:extLst>
+                  <a:ext uri="{FF2B5EF4-FFF2-40B4-BE49-F238E27FC236}">
+                    <a16:creationId xmlns:a16="http://schemas.microsoft.com/office/drawing/2014/main" id="{D9D9FC87-EDB1-4C4A-BB13-506B46B28F38}"/>
+                  </a:ext>
+                </a:extLst>
+              </p:cNvPr>
+              <p:cNvGrpSpPr/>
+              <p:nvPr/>
+            </p:nvGrpSpPr>
+            <p:grpSpPr>
+              <a:xfrm>
+                <a:off x="3718744" y="2731504"/>
+                <a:ext cx="1605799" cy="1679186"/>
+                <a:chOff x="608609" y="2370079"/>
+                <a:chExt cx="458224" cy="523616"/>
+              </a:xfrm>
+            </p:grpSpPr>
+            <p:grpSp>
+              <p:nvGrpSpPr>
+                <p:cNvPr id="250" name="Google Shape;4174;p92">
+                  <a:extLst>
+                    <a:ext uri="{FF2B5EF4-FFF2-40B4-BE49-F238E27FC236}">
+                      <a16:creationId xmlns:a16="http://schemas.microsoft.com/office/drawing/2014/main" id="{7CE0581E-6A3E-4C4C-A5C1-FA2861F9CA43}"/>
+                    </a:ext>
+                  </a:extLst>
+                </p:cNvPr>
+                <p:cNvGrpSpPr/>
+                <p:nvPr/>
+              </p:nvGrpSpPr>
+              <p:grpSpPr>
+                <a:xfrm>
+                  <a:off x="608609" y="2665704"/>
+                  <a:ext cx="458224" cy="227991"/>
+                  <a:chOff x="5668659" y="1713442"/>
+                  <a:chExt cx="458224" cy="227991"/>
+                </a:xfrm>
+              </p:grpSpPr>
+              <p:grpSp>
+                <p:nvGrpSpPr>
+                  <p:cNvPr id="273" name="Google Shape;4175;p92">
+                    <a:extLst>
+                      <a:ext uri="{FF2B5EF4-FFF2-40B4-BE49-F238E27FC236}">
+                        <a16:creationId xmlns:a16="http://schemas.microsoft.com/office/drawing/2014/main" id="{B89C6C0F-00A7-417C-AD80-87927E4FE4C1}"/>
+                      </a:ext>
+                    </a:extLst>
+                  </p:cNvPr>
+                  <p:cNvGrpSpPr/>
+                  <p:nvPr/>
+                </p:nvGrpSpPr>
+                <p:grpSpPr>
+                  <a:xfrm>
+                    <a:off x="5802485" y="1713507"/>
+                    <a:ext cx="188679" cy="227926"/>
+                    <a:chOff x="5802485" y="1713507"/>
+                    <a:chExt cx="188679" cy="227926"/>
+                  </a:xfrm>
+                </p:grpSpPr>
+                <p:sp>
+                  <p:nvSpPr>
+                    <p:cNvPr id="281" name="Google Shape;4176;p92">
+                      <a:extLst>
+                        <a:ext uri="{FF2B5EF4-FFF2-40B4-BE49-F238E27FC236}">
+                          <a16:creationId xmlns:a16="http://schemas.microsoft.com/office/drawing/2014/main" id="{F9498B98-7979-4B86-90E3-90B5BA9DCCB0}"/>
+                        </a:ext>
+                      </a:extLst>
+                    </p:cNvPr>
+                    <p:cNvSpPr/>
+                    <p:nvPr/>
+                  </p:nvSpPr>
+                  <p:spPr>
+                    <a:xfrm>
+                      <a:off x="5802485" y="1775533"/>
+                      <a:ext cx="133800" cy="165900"/>
+                    </a:xfrm>
+                    <a:prstGeom prst="rect">
+                      <a:avLst/>
+                    </a:prstGeom>
+                    <a:gradFill>
+                      <a:gsLst>
+                        <a:gs pos="0">
+                          <a:srgbClr val="DBD4EB"/>
+                        </a:gs>
+                        <a:gs pos="100000">
+                          <a:srgbClr val="9180BB"/>
+                        </a:gs>
+                      </a:gsLst>
+                      <a:lin ang="16198662" scaled="0"/>
+                    </a:gradFill>
+                    <a:ln w="28575" cap="flat" cmpd="sng">
+                      <a:solidFill>
+                        <a:schemeClr val="dk2"/>
+                      </a:solidFill>
+                      <a:prstDash val="solid"/>
+                      <a:round/>
+                      <a:headEnd type="none" w="sm" len="sm"/>
+                      <a:tailEnd type="none" w="sm" len="sm"/>
+                    </a:ln>
+                  </p:spPr>
+                  <p:txBody>
+                    <a:bodyPr spcFirstLastPara="1" wrap="square" lIns="91425" tIns="91425" rIns="91425" bIns="91425" anchor="ctr" anchorCtr="0">
+                      <a:noAutofit/>
+                    </a:bodyPr>
+                    <a:lstStyle/>
+                    <a:p>
+                      <a:pPr marL="0" lvl="0" indent="0" algn="l" rtl="0">
+                        <a:spcBef>
+                          <a:spcPts val="0"/>
+                        </a:spcBef>
+                        <a:spcAft>
+                          <a:spcPts val="0"/>
+                        </a:spcAft>
+                        <a:buNone/>
+                      </a:pPr>
+                      <a:endParaRPr/>
+                    </a:p>
+                  </p:txBody>
+                </p:sp>
+                <p:sp>
+                  <p:nvSpPr>
+                    <p:cNvPr id="282" name="Google Shape;4177;p92">
+                      <a:extLst>
+                        <a:ext uri="{FF2B5EF4-FFF2-40B4-BE49-F238E27FC236}">
+                          <a16:creationId xmlns:a16="http://schemas.microsoft.com/office/drawing/2014/main" id="{E15CF63E-CFFC-4F24-A10B-FA8CD23D4D70}"/>
+                        </a:ext>
+                      </a:extLst>
+                    </p:cNvPr>
+                    <p:cNvSpPr/>
+                    <p:nvPr/>
+                  </p:nvSpPr>
+                  <p:spPr>
+                    <a:xfrm>
+                      <a:off x="5806065" y="1713507"/>
+                      <a:ext cx="185100" cy="55200"/>
+                    </a:xfrm>
+                    <a:prstGeom prst="parallelogram">
+                      <a:avLst>
+                        <a:gd name="adj" fmla="val 99657"/>
+                      </a:avLst>
+                    </a:prstGeom>
+                    <a:gradFill>
+                      <a:gsLst>
+                        <a:gs pos="0">
+                          <a:srgbClr val="DBD4EB"/>
+                        </a:gs>
+                        <a:gs pos="100000">
+                          <a:srgbClr val="9180BB"/>
+                        </a:gs>
+                      </a:gsLst>
+                      <a:lin ang="16198662" scaled="0"/>
+                    </a:gradFill>
+                    <a:ln w="28575" cap="flat" cmpd="sng">
+                      <a:solidFill>
+                        <a:schemeClr val="dk2"/>
+                      </a:solidFill>
+                      <a:prstDash val="solid"/>
+                      <a:round/>
+                      <a:headEnd type="none" w="sm" len="sm"/>
+                      <a:tailEnd type="none" w="sm" len="sm"/>
+                    </a:ln>
+                  </p:spPr>
+                  <p:txBody>
+                    <a:bodyPr spcFirstLastPara="1" wrap="square" lIns="91425" tIns="91425" rIns="91425" bIns="91425" anchor="ctr" anchorCtr="0">
+                      <a:noAutofit/>
+                    </a:bodyPr>
+                    <a:lstStyle/>
+                    <a:p>
+                      <a:pPr marL="0" lvl="0" indent="0" algn="l" rtl="0">
+                        <a:spcBef>
+                          <a:spcPts val="0"/>
+                        </a:spcBef>
+                        <a:spcAft>
+                          <a:spcPts val="0"/>
+                        </a:spcAft>
+                        <a:buNone/>
+                      </a:pPr>
+                      <a:endParaRPr/>
+                    </a:p>
+                  </p:txBody>
+                </p:sp>
+              </p:grpSp>
+              <p:grpSp>
+                <p:nvGrpSpPr>
+                  <p:cNvPr id="274" name="Google Shape;4178;p92">
+                    <a:extLst>
+                      <a:ext uri="{FF2B5EF4-FFF2-40B4-BE49-F238E27FC236}">
+                        <a16:creationId xmlns:a16="http://schemas.microsoft.com/office/drawing/2014/main" id="{E1704948-266B-4CCD-9578-D0D686C9D4F9}"/>
+                      </a:ext>
+                    </a:extLst>
+                  </p:cNvPr>
+                  <p:cNvGrpSpPr/>
+                  <p:nvPr/>
+                </p:nvGrpSpPr>
+                <p:grpSpPr>
+                  <a:xfrm>
+                    <a:off x="5936312" y="1713442"/>
+                    <a:ext cx="190570" cy="227991"/>
+                    <a:chOff x="5936312" y="1713442"/>
+                    <a:chExt cx="190570" cy="227991"/>
+                  </a:xfrm>
+                </p:grpSpPr>
+                <p:sp>
+                  <p:nvSpPr>
+                    <p:cNvPr id="278" name="Google Shape;4179;p92">
+                      <a:extLst>
+                        <a:ext uri="{FF2B5EF4-FFF2-40B4-BE49-F238E27FC236}">
+                          <a16:creationId xmlns:a16="http://schemas.microsoft.com/office/drawing/2014/main" id="{059D35C2-C96B-4DF6-A1E8-8DAE9C760BA5}"/>
+                        </a:ext>
+                      </a:extLst>
+                    </p:cNvPr>
+                    <p:cNvSpPr/>
+                    <p:nvPr/>
+                  </p:nvSpPr>
+                  <p:spPr>
+                    <a:xfrm>
+                      <a:off x="5936312" y="1775533"/>
+                      <a:ext cx="133800" cy="165900"/>
+                    </a:xfrm>
+                    <a:prstGeom prst="rect">
+                      <a:avLst/>
+                    </a:prstGeom>
+                    <a:gradFill>
+                      <a:gsLst>
+                        <a:gs pos="0">
+                          <a:srgbClr val="E0EDBA"/>
+                        </a:gs>
+                        <a:gs pos="100000">
+                          <a:srgbClr val="DE87F1"/>
+                        </a:gs>
+                      </a:gsLst>
+                      <a:lin ang="13500032" scaled="0"/>
+                    </a:gradFill>
+                    <a:ln w="28575" cap="flat" cmpd="sng">
+                      <a:solidFill>
+                        <a:schemeClr val="dk2"/>
+                      </a:solidFill>
+                      <a:prstDash val="solid"/>
+                      <a:round/>
+                      <a:headEnd type="none" w="sm" len="sm"/>
+                      <a:tailEnd type="none" w="sm" len="sm"/>
+                    </a:ln>
+                  </p:spPr>
+                  <p:txBody>
+                    <a:bodyPr spcFirstLastPara="1" wrap="square" lIns="91425" tIns="91425" rIns="91425" bIns="91425" anchor="ctr" anchorCtr="0">
+                      <a:noAutofit/>
+                    </a:bodyPr>
+                    <a:lstStyle/>
+                    <a:p>
+                      <a:pPr marL="0" lvl="0" indent="0" algn="l" rtl="0">
+                        <a:spcBef>
+                          <a:spcPts val="0"/>
+                        </a:spcBef>
+                        <a:spcAft>
+                          <a:spcPts val="0"/>
+                        </a:spcAft>
+                        <a:buNone/>
+                      </a:pPr>
+                      <a:endParaRPr/>
+                    </a:p>
+                  </p:txBody>
+                </p:sp>
+                <p:sp>
+                  <p:nvSpPr>
+                    <p:cNvPr id="279" name="Google Shape;4180;p92">
+                      <a:extLst>
+                        <a:ext uri="{FF2B5EF4-FFF2-40B4-BE49-F238E27FC236}">
+                          <a16:creationId xmlns:a16="http://schemas.microsoft.com/office/drawing/2014/main" id="{D4714C31-49FC-4925-9E6B-19B521EF3EB3}"/>
+                        </a:ext>
+                      </a:extLst>
+                    </p:cNvPr>
+                    <p:cNvSpPr/>
+                    <p:nvPr/>
+                  </p:nvSpPr>
+                  <p:spPr>
+                    <a:xfrm>
+                      <a:off x="5939251" y="1713442"/>
+                      <a:ext cx="185100" cy="55200"/>
+                    </a:xfrm>
+                    <a:prstGeom prst="parallelogram">
+                      <a:avLst>
+                        <a:gd name="adj" fmla="val 91890"/>
+                      </a:avLst>
+                    </a:prstGeom>
+                    <a:gradFill>
+                      <a:gsLst>
+                        <a:gs pos="0">
+                          <a:srgbClr val="E0EDBA"/>
+                        </a:gs>
+                        <a:gs pos="100000">
+                          <a:srgbClr val="DE87F1"/>
+                        </a:gs>
+                      </a:gsLst>
+                      <a:lin ang="13500032" scaled="0"/>
+                    </a:gradFill>
+                    <a:ln w="28575" cap="flat" cmpd="sng">
+                      <a:solidFill>
+                        <a:schemeClr val="dk2"/>
+                      </a:solidFill>
+                      <a:prstDash val="solid"/>
+                      <a:round/>
+                      <a:headEnd type="none" w="sm" len="sm"/>
+                      <a:tailEnd type="none" w="sm" len="sm"/>
+                    </a:ln>
+                  </p:spPr>
+                  <p:txBody>
+                    <a:bodyPr spcFirstLastPara="1" wrap="square" lIns="91425" tIns="91425" rIns="91425" bIns="91425" anchor="ctr" anchorCtr="0">
+                      <a:noAutofit/>
+                    </a:bodyPr>
+                    <a:lstStyle/>
+                    <a:p>
+                      <a:pPr marL="0" lvl="0" indent="0" algn="l" rtl="0">
+                        <a:spcBef>
+                          <a:spcPts val="0"/>
+                        </a:spcBef>
+                        <a:spcAft>
+                          <a:spcPts val="0"/>
+                        </a:spcAft>
+                        <a:buNone/>
+                      </a:pPr>
+                      <a:endParaRPr/>
+                    </a:p>
+                  </p:txBody>
+                </p:sp>
+                <p:sp>
+                  <p:nvSpPr>
+                    <p:cNvPr id="280" name="Google Shape;4181;p92">
+                      <a:extLst>
+                        <a:ext uri="{FF2B5EF4-FFF2-40B4-BE49-F238E27FC236}">
+                          <a16:creationId xmlns:a16="http://schemas.microsoft.com/office/drawing/2014/main" id="{B1ABD8AA-D7D9-4732-8C8B-006E0F637279}"/>
+                        </a:ext>
+                      </a:extLst>
+                    </p:cNvPr>
+                    <p:cNvSpPr/>
+                    <p:nvPr/>
+                  </p:nvSpPr>
+                  <p:spPr>
+                    <a:xfrm>
+                      <a:off x="6072171" y="1714983"/>
+                      <a:ext cx="54712" cy="221916"/>
+                    </a:xfrm>
+                    <a:custGeom>
+                      <a:avLst/>
+                      <a:gdLst/>
+                      <a:ahLst/>
+                      <a:cxnLst/>
+                      <a:rect l="l" t="t" r="r" b="b"/>
+                      <a:pathLst>
+                        <a:path w="3501" h="12382" extrusionOk="0">
+                          <a:moveTo>
+                            <a:pt x="0" y="3453"/>
+                          </a:moveTo>
+                          <a:lnTo>
+                            <a:pt x="3501" y="0"/>
+                          </a:lnTo>
+                          <a:lnTo>
+                            <a:pt x="3501" y="9001"/>
+                          </a:lnTo>
+                          <a:lnTo>
+                            <a:pt x="167" y="12382"/>
+                          </a:lnTo>
+                          <a:close/>
+                        </a:path>
+                      </a:pathLst>
+                    </a:custGeom>
+                    <a:gradFill>
+                      <a:gsLst>
+                        <a:gs pos="0">
+                          <a:srgbClr val="E0EDBA"/>
+                        </a:gs>
+                        <a:gs pos="100000">
+                          <a:srgbClr val="DE87F1"/>
+                        </a:gs>
+                      </a:gsLst>
+                      <a:lin ang="13500032" scaled="0"/>
+                    </a:gradFill>
+                    <a:ln w="28575" cap="flat" cmpd="sng">
+                      <a:solidFill>
+                        <a:schemeClr val="dk2"/>
+                      </a:solidFill>
+                      <a:prstDash val="solid"/>
+                      <a:round/>
+                      <a:headEnd type="none" w="med" len="med"/>
+                      <a:tailEnd type="none" w="med" len="med"/>
+                    </a:ln>
+                  </p:spPr>
+                </p:sp>
+              </p:grpSp>
+              <p:grpSp>
+                <p:nvGrpSpPr>
+                  <p:cNvPr id="275" name="Google Shape;4182;p92">
+                    <a:extLst>
+                      <a:ext uri="{FF2B5EF4-FFF2-40B4-BE49-F238E27FC236}">
+                        <a16:creationId xmlns:a16="http://schemas.microsoft.com/office/drawing/2014/main" id="{BA9DD7C0-8DF9-45AE-9C64-246AD0BECE9B}"/>
+                      </a:ext>
+                    </a:extLst>
+                  </p:cNvPr>
+                  <p:cNvGrpSpPr/>
+                  <p:nvPr/>
+                </p:nvGrpSpPr>
+                <p:grpSpPr>
+                  <a:xfrm>
+                    <a:off x="5668659" y="1714000"/>
+                    <a:ext cx="193488" cy="227433"/>
+                    <a:chOff x="5668659" y="1714000"/>
+                    <a:chExt cx="193488" cy="227433"/>
+                  </a:xfrm>
+                </p:grpSpPr>
+                <p:sp>
+                  <p:nvSpPr>
+                    <p:cNvPr id="276" name="Google Shape;4183;p92">
+                      <a:extLst>
+                        <a:ext uri="{FF2B5EF4-FFF2-40B4-BE49-F238E27FC236}">
+                          <a16:creationId xmlns:a16="http://schemas.microsoft.com/office/drawing/2014/main" id="{F1581C26-96DE-44B0-943F-546EB671E450}"/>
+                        </a:ext>
+                      </a:extLst>
+                    </p:cNvPr>
+                    <p:cNvSpPr/>
+                    <p:nvPr/>
+                  </p:nvSpPr>
+                  <p:spPr>
+                    <a:xfrm>
+                      <a:off x="5673447" y="1714000"/>
+                      <a:ext cx="188700" cy="55200"/>
+                    </a:xfrm>
+                    <a:prstGeom prst="parallelogram">
+                      <a:avLst>
+                        <a:gd name="adj" fmla="val 94805"/>
+                      </a:avLst>
+                    </a:prstGeom>
+                    <a:gradFill>
+                      <a:gsLst>
+                        <a:gs pos="0">
+                          <a:srgbClr val="D8EDBA"/>
+                        </a:gs>
+                        <a:gs pos="100000">
+                          <a:srgbClr val="FE9696"/>
+                        </a:gs>
+                      </a:gsLst>
+                      <a:lin ang="13500032" scaled="0"/>
+                    </a:gradFill>
+                    <a:ln w="28575" cap="flat" cmpd="sng">
+                      <a:solidFill>
+                        <a:schemeClr val="dk2"/>
+                      </a:solidFill>
+                      <a:prstDash val="solid"/>
+                      <a:round/>
+                      <a:headEnd type="none" w="sm" len="sm"/>
+                      <a:tailEnd type="none" w="sm" len="sm"/>
+                    </a:ln>
+                  </p:spPr>
+                  <p:txBody>
+                    <a:bodyPr spcFirstLastPara="1" wrap="square" lIns="91425" tIns="91425" rIns="91425" bIns="91425" anchor="ctr" anchorCtr="0">
+                      <a:noAutofit/>
+                    </a:bodyPr>
+                    <a:lstStyle/>
+                    <a:p>
+                      <a:pPr marL="0" lvl="0" indent="0" algn="l" rtl="0">
+                        <a:spcBef>
+                          <a:spcPts val="0"/>
+                        </a:spcBef>
+                        <a:spcAft>
+                          <a:spcPts val="0"/>
+                        </a:spcAft>
+                        <a:buNone/>
+                      </a:pPr>
+                      <a:endParaRPr/>
+                    </a:p>
+                  </p:txBody>
+                </p:sp>
+                <p:sp>
+                  <p:nvSpPr>
+                    <p:cNvPr id="277" name="Google Shape;4184;p92">
+                      <a:extLst>
+                        <a:ext uri="{FF2B5EF4-FFF2-40B4-BE49-F238E27FC236}">
+                          <a16:creationId xmlns:a16="http://schemas.microsoft.com/office/drawing/2014/main" id="{275F86B7-0EC5-4E60-84B7-14369C43D427}"/>
+                        </a:ext>
+                      </a:extLst>
+                    </p:cNvPr>
+                    <p:cNvSpPr/>
+                    <p:nvPr/>
+                  </p:nvSpPr>
+                  <p:spPr>
+                    <a:xfrm>
+                      <a:off x="5668659" y="1775533"/>
+                      <a:ext cx="133800" cy="165900"/>
+                    </a:xfrm>
+                    <a:prstGeom prst="rect">
+                      <a:avLst/>
+                    </a:prstGeom>
+                    <a:gradFill>
+                      <a:gsLst>
+                        <a:gs pos="0">
+                          <a:srgbClr val="D8EDBA"/>
+                        </a:gs>
+                        <a:gs pos="100000">
+                          <a:srgbClr val="FE9696"/>
+                        </a:gs>
+                      </a:gsLst>
+                      <a:lin ang="13500032" scaled="0"/>
+                    </a:gradFill>
+                    <a:ln w="28575" cap="flat" cmpd="sng">
+                      <a:solidFill>
+                        <a:schemeClr val="dk2"/>
+                      </a:solidFill>
+                      <a:prstDash val="solid"/>
+                      <a:round/>
+                      <a:headEnd type="none" w="sm" len="sm"/>
+                      <a:tailEnd type="none" w="sm" len="sm"/>
+                    </a:ln>
+                  </p:spPr>
+                  <p:txBody>
+                    <a:bodyPr spcFirstLastPara="1" wrap="square" lIns="91425" tIns="91425" rIns="91425" bIns="91425" anchor="ctr" anchorCtr="0">
+                      <a:noAutofit/>
+                    </a:bodyPr>
+                    <a:lstStyle/>
+                    <a:p>
+                      <a:pPr marL="0" lvl="0" indent="0" algn="l" rtl="0">
+                        <a:spcBef>
+                          <a:spcPts val="0"/>
+                        </a:spcBef>
+                        <a:spcAft>
+                          <a:spcPts val="0"/>
+                        </a:spcAft>
+                        <a:buNone/>
+                      </a:pPr>
+                      <a:endParaRPr/>
+                    </a:p>
+                  </p:txBody>
+                </p:sp>
+              </p:grpSp>
+            </p:grpSp>
+            <p:grpSp>
+              <p:nvGrpSpPr>
+                <p:cNvPr id="251" name="Google Shape;4185;p92">
+                  <a:extLst>
+                    <a:ext uri="{FF2B5EF4-FFF2-40B4-BE49-F238E27FC236}">
+                      <a16:creationId xmlns:a16="http://schemas.microsoft.com/office/drawing/2014/main" id="{DBF87832-8BEC-485B-B519-8BADCA58B70B}"/>
+                    </a:ext>
+                  </a:extLst>
+                </p:cNvPr>
+                <p:cNvGrpSpPr/>
+                <p:nvPr/>
+              </p:nvGrpSpPr>
+              <p:grpSpPr>
+                <a:xfrm>
+                  <a:off x="608609" y="2511879"/>
+                  <a:ext cx="458224" cy="227991"/>
+                  <a:chOff x="5668659" y="1713442"/>
+                  <a:chExt cx="458224" cy="227991"/>
+                </a:xfrm>
+              </p:grpSpPr>
+              <p:grpSp>
+                <p:nvGrpSpPr>
+                  <p:cNvPr id="263" name="Google Shape;4186;p92">
+                    <a:extLst>
+                      <a:ext uri="{FF2B5EF4-FFF2-40B4-BE49-F238E27FC236}">
+                        <a16:creationId xmlns:a16="http://schemas.microsoft.com/office/drawing/2014/main" id="{B22B4C10-FF8E-4849-98F9-9C8DBC8A48AC}"/>
+                      </a:ext>
+                    </a:extLst>
+                  </p:cNvPr>
+                  <p:cNvGrpSpPr/>
+                  <p:nvPr/>
+                </p:nvGrpSpPr>
+                <p:grpSpPr>
+                  <a:xfrm>
+                    <a:off x="5802485" y="1713507"/>
+                    <a:ext cx="188679" cy="227926"/>
+                    <a:chOff x="5802485" y="1713507"/>
+                    <a:chExt cx="188679" cy="227926"/>
+                  </a:xfrm>
+                </p:grpSpPr>
+                <p:sp>
+                  <p:nvSpPr>
+                    <p:cNvPr id="271" name="Google Shape;4187;p92">
+                      <a:extLst>
+                        <a:ext uri="{FF2B5EF4-FFF2-40B4-BE49-F238E27FC236}">
+                          <a16:creationId xmlns:a16="http://schemas.microsoft.com/office/drawing/2014/main" id="{49178A89-42C9-4FA2-8E49-05772513ADA6}"/>
+                        </a:ext>
+                      </a:extLst>
+                    </p:cNvPr>
+                    <p:cNvSpPr/>
+                    <p:nvPr/>
+                  </p:nvSpPr>
+                  <p:spPr>
+                    <a:xfrm>
+                      <a:off x="5802485" y="1775533"/>
+                      <a:ext cx="133800" cy="165900"/>
+                    </a:xfrm>
+                    <a:prstGeom prst="rect">
+                      <a:avLst/>
+                    </a:prstGeom>
+                    <a:gradFill>
+                      <a:gsLst>
+                        <a:gs pos="0">
+                          <a:srgbClr val="DBD4EB"/>
+                        </a:gs>
+                        <a:gs pos="100000">
+                          <a:srgbClr val="9180BB"/>
+                        </a:gs>
+                      </a:gsLst>
+                      <a:lin ang="16198662" scaled="0"/>
+                    </a:gradFill>
+                    <a:ln w="28575" cap="flat" cmpd="sng">
+                      <a:solidFill>
+                        <a:schemeClr val="dk2"/>
+                      </a:solidFill>
+                      <a:prstDash val="solid"/>
+                      <a:round/>
+                      <a:headEnd type="none" w="sm" len="sm"/>
+                      <a:tailEnd type="none" w="sm" len="sm"/>
+                    </a:ln>
+                  </p:spPr>
+                  <p:txBody>
+                    <a:bodyPr spcFirstLastPara="1" wrap="square" lIns="91425" tIns="91425" rIns="91425" bIns="91425" anchor="ctr" anchorCtr="0">
+                      <a:noAutofit/>
+                    </a:bodyPr>
+                    <a:lstStyle/>
+                    <a:p>
+                      <a:pPr marL="0" lvl="0" indent="0" algn="l" rtl="0">
+                        <a:spcBef>
+                          <a:spcPts val="0"/>
+                        </a:spcBef>
+                        <a:spcAft>
+                          <a:spcPts val="0"/>
+                        </a:spcAft>
+                        <a:buNone/>
+                      </a:pPr>
+                      <a:endParaRPr/>
+                    </a:p>
+                  </p:txBody>
+                </p:sp>
+                <p:sp>
+                  <p:nvSpPr>
+                    <p:cNvPr id="272" name="Google Shape;4188;p92">
+                      <a:extLst>
+                        <a:ext uri="{FF2B5EF4-FFF2-40B4-BE49-F238E27FC236}">
+                          <a16:creationId xmlns:a16="http://schemas.microsoft.com/office/drawing/2014/main" id="{FD39447F-62C3-4269-ADD4-B46E00D5798D}"/>
+                        </a:ext>
+                      </a:extLst>
+                    </p:cNvPr>
+                    <p:cNvSpPr/>
+                    <p:nvPr/>
+                  </p:nvSpPr>
+                  <p:spPr>
+                    <a:xfrm>
+                      <a:off x="5806065" y="1713507"/>
+                      <a:ext cx="185100" cy="55200"/>
+                    </a:xfrm>
+                    <a:prstGeom prst="parallelogram">
+                      <a:avLst>
+                        <a:gd name="adj" fmla="val 99657"/>
+                      </a:avLst>
+                    </a:prstGeom>
+                    <a:gradFill>
+                      <a:gsLst>
+                        <a:gs pos="0">
+                          <a:srgbClr val="DBD4EB"/>
+                        </a:gs>
+                        <a:gs pos="100000">
+                          <a:srgbClr val="9180BB"/>
+                        </a:gs>
+                      </a:gsLst>
+                      <a:lin ang="16198662" scaled="0"/>
+                    </a:gradFill>
+                    <a:ln w="28575" cap="flat" cmpd="sng">
+                      <a:solidFill>
+                        <a:schemeClr val="dk2"/>
+                      </a:solidFill>
+                      <a:prstDash val="solid"/>
+                      <a:round/>
+                      <a:headEnd type="none" w="sm" len="sm"/>
+                      <a:tailEnd type="none" w="sm" len="sm"/>
+                    </a:ln>
+                  </p:spPr>
+                  <p:txBody>
+                    <a:bodyPr spcFirstLastPara="1" wrap="square" lIns="91425" tIns="91425" rIns="91425" bIns="91425" anchor="ctr" anchorCtr="0">
+                      <a:noAutofit/>
+                    </a:bodyPr>
+                    <a:lstStyle/>
+                    <a:p>
+                      <a:pPr marL="0" lvl="0" indent="0" algn="l" rtl="0">
+                        <a:spcBef>
+                          <a:spcPts val="0"/>
+                        </a:spcBef>
+                        <a:spcAft>
+                          <a:spcPts val="0"/>
+                        </a:spcAft>
+                        <a:buNone/>
+                      </a:pPr>
+                      <a:endParaRPr/>
+                    </a:p>
+                  </p:txBody>
+                </p:sp>
+              </p:grpSp>
+              <p:grpSp>
+                <p:nvGrpSpPr>
+                  <p:cNvPr id="264" name="Google Shape;4189;p92">
+                    <a:extLst>
+                      <a:ext uri="{FF2B5EF4-FFF2-40B4-BE49-F238E27FC236}">
+                        <a16:creationId xmlns:a16="http://schemas.microsoft.com/office/drawing/2014/main" id="{98F95390-99A4-47CC-8895-86A8584F9194}"/>
+                      </a:ext>
+                    </a:extLst>
+                  </p:cNvPr>
+                  <p:cNvGrpSpPr/>
+                  <p:nvPr/>
+                </p:nvGrpSpPr>
+                <p:grpSpPr>
+                  <a:xfrm>
+                    <a:off x="5936312" y="1713442"/>
+                    <a:ext cx="190570" cy="227991"/>
+                    <a:chOff x="5936312" y="1713442"/>
+                    <a:chExt cx="190570" cy="227991"/>
+                  </a:xfrm>
+                </p:grpSpPr>
+                <p:sp>
+                  <p:nvSpPr>
+                    <p:cNvPr id="268" name="Google Shape;4190;p92">
+                      <a:extLst>
+                        <a:ext uri="{FF2B5EF4-FFF2-40B4-BE49-F238E27FC236}">
+                          <a16:creationId xmlns:a16="http://schemas.microsoft.com/office/drawing/2014/main" id="{6EE3FA57-8D19-4085-AB8F-E71ECEF7E689}"/>
+                        </a:ext>
+                      </a:extLst>
+                    </p:cNvPr>
+                    <p:cNvSpPr/>
+                    <p:nvPr/>
+                  </p:nvSpPr>
+                  <p:spPr>
+                    <a:xfrm>
+                      <a:off x="5936312" y="1775533"/>
+                      <a:ext cx="133800" cy="165900"/>
+                    </a:xfrm>
+                    <a:prstGeom prst="rect">
+                      <a:avLst/>
+                    </a:prstGeom>
+                    <a:gradFill>
+                      <a:gsLst>
+                        <a:gs pos="0">
+                          <a:srgbClr val="E0EDBA"/>
+                        </a:gs>
+                        <a:gs pos="100000">
+                          <a:srgbClr val="DE87F1"/>
+                        </a:gs>
+                      </a:gsLst>
+                      <a:lin ang="13500032" scaled="0"/>
+                    </a:gradFill>
+                    <a:ln w="28575" cap="flat" cmpd="sng">
+                      <a:solidFill>
+                        <a:schemeClr val="dk2"/>
+                      </a:solidFill>
+                      <a:prstDash val="solid"/>
+                      <a:round/>
+                      <a:headEnd type="none" w="sm" len="sm"/>
+                      <a:tailEnd type="none" w="sm" len="sm"/>
+                    </a:ln>
+                  </p:spPr>
+                  <p:txBody>
+                    <a:bodyPr spcFirstLastPara="1" wrap="square" lIns="91425" tIns="91425" rIns="91425" bIns="91425" anchor="ctr" anchorCtr="0">
+                      <a:noAutofit/>
+                    </a:bodyPr>
+                    <a:lstStyle/>
+                    <a:p>
+                      <a:pPr marL="0" lvl="0" indent="0" algn="l" rtl="0">
+                        <a:spcBef>
+                          <a:spcPts val="0"/>
+                        </a:spcBef>
+                        <a:spcAft>
+                          <a:spcPts val="0"/>
+                        </a:spcAft>
+                        <a:buNone/>
+                      </a:pPr>
+                      <a:endParaRPr/>
+                    </a:p>
+                  </p:txBody>
+                </p:sp>
+                <p:sp>
+                  <p:nvSpPr>
+                    <p:cNvPr id="269" name="Google Shape;4191;p92">
+                      <a:extLst>
+                        <a:ext uri="{FF2B5EF4-FFF2-40B4-BE49-F238E27FC236}">
+                          <a16:creationId xmlns:a16="http://schemas.microsoft.com/office/drawing/2014/main" id="{760F3357-DD5D-4AAB-84A3-EFFE1DD1DCEA}"/>
+                        </a:ext>
+                      </a:extLst>
+                    </p:cNvPr>
+                    <p:cNvSpPr/>
+                    <p:nvPr/>
+                  </p:nvSpPr>
+                  <p:spPr>
+                    <a:xfrm>
+                      <a:off x="5939251" y="1713442"/>
+                      <a:ext cx="185100" cy="55200"/>
+                    </a:xfrm>
+                    <a:prstGeom prst="parallelogram">
+                      <a:avLst>
+                        <a:gd name="adj" fmla="val 91890"/>
+                      </a:avLst>
+                    </a:prstGeom>
+                    <a:gradFill>
+                      <a:gsLst>
+                        <a:gs pos="0">
+                          <a:srgbClr val="E0EDBA"/>
+                        </a:gs>
+                        <a:gs pos="100000">
+                          <a:srgbClr val="DE87F1"/>
+                        </a:gs>
+                      </a:gsLst>
+                      <a:lin ang="13500032" scaled="0"/>
+                    </a:gradFill>
+                    <a:ln w="28575" cap="flat" cmpd="sng">
+                      <a:solidFill>
+                        <a:schemeClr val="dk2"/>
+                      </a:solidFill>
+                      <a:prstDash val="solid"/>
+                      <a:round/>
+                      <a:headEnd type="none" w="sm" len="sm"/>
+                      <a:tailEnd type="none" w="sm" len="sm"/>
+                    </a:ln>
+                  </p:spPr>
+                  <p:txBody>
+                    <a:bodyPr spcFirstLastPara="1" wrap="square" lIns="91425" tIns="91425" rIns="91425" bIns="91425" anchor="ctr" anchorCtr="0">
+                      <a:noAutofit/>
+                    </a:bodyPr>
+                    <a:lstStyle/>
+                    <a:p>
+                      <a:pPr marL="0" lvl="0" indent="0" algn="l" rtl="0">
+                        <a:spcBef>
+                          <a:spcPts val="0"/>
+                        </a:spcBef>
+                        <a:spcAft>
+                          <a:spcPts val="0"/>
+                        </a:spcAft>
+                        <a:buNone/>
+                      </a:pPr>
+                      <a:endParaRPr/>
+                    </a:p>
+                  </p:txBody>
+                </p:sp>
+                <p:sp>
+                  <p:nvSpPr>
+                    <p:cNvPr id="270" name="Google Shape;4192;p92">
+                      <a:extLst>
+                        <a:ext uri="{FF2B5EF4-FFF2-40B4-BE49-F238E27FC236}">
+                          <a16:creationId xmlns:a16="http://schemas.microsoft.com/office/drawing/2014/main" id="{6C4F2880-C387-4D3A-9F2A-FF937F032594}"/>
+                        </a:ext>
+                      </a:extLst>
+                    </p:cNvPr>
+                    <p:cNvSpPr/>
+                    <p:nvPr/>
+                  </p:nvSpPr>
+                  <p:spPr>
+                    <a:xfrm>
+                      <a:off x="6072171" y="1714983"/>
+                      <a:ext cx="54712" cy="221916"/>
+                    </a:xfrm>
+                    <a:custGeom>
+                      <a:avLst/>
+                      <a:gdLst/>
+                      <a:ahLst/>
+                      <a:cxnLst/>
+                      <a:rect l="l" t="t" r="r" b="b"/>
+                      <a:pathLst>
+                        <a:path w="3501" h="12382" extrusionOk="0">
+                          <a:moveTo>
+                            <a:pt x="0" y="3453"/>
+                          </a:moveTo>
+                          <a:lnTo>
+                            <a:pt x="3501" y="0"/>
+                          </a:lnTo>
+                          <a:lnTo>
+                            <a:pt x="3501" y="9001"/>
+                          </a:lnTo>
+                          <a:lnTo>
+                            <a:pt x="167" y="12382"/>
+                          </a:lnTo>
+                          <a:close/>
+                        </a:path>
+                      </a:pathLst>
+                    </a:custGeom>
+                    <a:gradFill>
+                      <a:gsLst>
+                        <a:gs pos="0">
+                          <a:srgbClr val="E0EDBA"/>
+                        </a:gs>
+                        <a:gs pos="100000">
+                          <a:srgbClr val="DE87F1"/>
+                        </a:gs>
+                      </a:gsLst>
+                      <a:lin ang="13500032" scaled="0"/>
+                    </a:gradFill>
+                    <a:ln w="28575" cap="flat" cmpd="sng">
+                      <a:solidFill>
+                        <a:schemeClr val="dk2"/>
+                      </a:solidFill>
+                      <a:prstDash val="solid"/>
+                      <a:round/>
+                      <a:headEnd type="none" w="med" len="med"/>
+                      <a:tailEnd type="none" w="med" len="med"/>
+                    </a:ln>
+                  </p:spPr>
+                </p:sp>
+              </p:grpSp>
+              <p:grpSp>
+                <p:nvGrpSpPr>
+                  <p:cNvPr id="265" name="Google Shape;4193;p92">
+                    <a:extLst>
+                      <a:ext uri="{FF2B5EF4-FFF2-40B4-BE49-F238E27FC236}">
+                        <a16:creationId xmlns:a16="http://schemas.microsoft.com/office/drawing/2014/main" id="{819EEC01-DEF4-4B49-B8D0-EBA4794E65CF}"/>
+                      </a:ext>
+                    </a:extLst>
+                  </p:cNvPr>
+                  <p:cNvGrpSpPr/>
+                  <p:nvPr/>
+                </p:nvGrpSpPr>
+                <p:grpSpPr>
+                  <a:xfrm>
+                    <a:off x="5668659" y="1714000"/>
+                    <a:ext cx="193488" cy="227433"/>
+                    <a:chOff x="5668659" y="1714000"/>
+                    <a:chExt cx="193488" cy="227433"/>
+                  </a:xfrm>
+                </p:grpSpPr>
+                <p:sp>
+                  <p:nvSpPr>
+                    <p:cNvPr id="266" name="Google Shape;4194;p92">
+                      <a:extLst>
+                        <a:ext uri="{FF2B5EF4-FFF2-40B4-BE49-F238E27FC236}">
+                          <a16:creationId xmlns:a16="http://schemas.microsoft.com/office/drawing/2014/main" id="{1950546A-0B68-492F-8849-16AB909EA7AE}"/>
+                        </a:ext>
+                      </a:extLst>
+                    </p:cNvPr>
+                    <p:cNvSpPr/>
+                    <p:nvPr/>
+                  </p:nvSpPr>
+                  <p:spPr>
+                    <a:xfrm>
+                      <a:off x="5673447" y="1714000"/>
+                      <a:ext cx="188700" cy="55200"/>
+                    </a:xfrm>
+                    <a:prstGeom prst="parallelogram">
+                      <a:avLst>
+                        <a:gd name="adj" fmla="val 94805"/>
+                      </a:avLst>
+                    </a:prstGeom>
+                    <a:gradFill>
+                      <a:gsLst>
+                        <a:gs pos="0">
+                          <a:srgbClr val="D8EDBA"/>
+                        </a:gs>
+                        <a:gs pos="100000">
+                          <a:srgbClr val="FE9696"/>
+                        </a:gs>
+                      </a:gsLst>
+                      <a:lin ang="13500032" scaled="0"/>
+                    </a:gradFill>
+                    <a:ln w="28575" cap="flat" cmpd="sng">
+                      <a:solidFill>
+                        <a:schemeClr val="dk2"/>
+                      </a:solidFill>
+                      <a:prstDash val="solid"/>
+                      <a:round/>
+                      <a:headEnd type="none" w="sm" len="sm"/>
+                      <a:tailEnd type="none" w="sm" len="sm"/>
+                    </a:ln>
+                  </p:spPr>
+                  <p:txBody>
+                    <a:bodyPr spcFirstLastPara="1" wrap="square" lIns="91425" tIns="91425" rIns="91425" bIns="91425" anchor="ctr" anchorCtr="0">
+                      <a:noAutofit/>
+                    </a:bodyPr>
+                    <a:lstStyle/>
+                    <a:p>
+                      <a:pPr marL="0" lvl="0" indent="0" algn="l" rtl="0">
+                        <a:spcBef>
+                          <a:spcPts val="0"/>
+                        </a:spcBef>
+                        <a:spcAft>
+                          <a:spcPts val="0"/>
+                        </a:spcAft>
+                        <a:buNone/>
+                      </a:pPr>
+                      <a:endParaRPr/>
+                    </a:p>
+                  </p:txBody>
+                </p:sp>
+                <p:sp>
+                  <p:nvSpPr>
+                    <p:cNvPr id="267" name="Google Shape;4195;p92">
+                      <a:extLst>
+                        <a:ext uri="{FF2B5EF4-FFF2-40B4-BE49-F238E27FC236}">
+                          <a16:creationId xmlns:a16="http://schemas.microsoft.com/office/drawing/2014/main" id="{54337409-CE77-4702-92B4-F7E81C63725C}"/>
+                        </a:ext>
+                      </a:extLst>
+                    </p:cNvPr>
+                    <p:cNvSpPr/>
+                    <p:nvPr/>
+                  </p:nvSpPr>
+                  <p:spPr>
+                    <a:xfrm>
+                      <a:off x="5668659" y="1775533"/>
+                      <a:ext cx="133800" cy="165900"/>
+                    </a:xfrm>
+                    <a:prstGeom prst="rect">
+                      <a:avLst/>
+                    </a:prstGeom>
+                    <a:gradFill>
+                      <a:gsLst>
+                        <a:gs pos="0">
+                          <a:srgbClr val="D8EDBA"/>
+                        </a:gs>
+                        <a:gs pos="100000">
+                          <a:srgbClr val="FE9696"/>
+                        </a:gs>
+                      </a:gsLst>
+                      <a:lin ang="13500032" scaled="0"/>
+                    </a:gradFill>
+                    <a:ln w="28575" cap="flat" cmpd="sng">
+                      <a:solidFill>
+                        <a:schemeClr val="dk2"/>
+                      </a:solidFill>
+                      <a:prstDash val="solid"/>
+                      <a:round/>
+                      <a:headEnd type="none" w="sm" len="sm"/>
+                      <a:tailEnd type="none" w="sm" len="sm"/>
+                    </a:ln>
+                  </p:spPr>
+                  <p:txBody>
+                    <a:bodyPr spcFirstLastPara="1" wrap="square" lIns="91425" tIns="91425" rIns="91425" bIns="91425" anchor="ctr" anchorCtr="0">
+                      <a:noAutofit/>
+                    </a:bodyPr>
+                    <a:lstStyle/>
+                    <a:p>
+                      <a:pPr marL="0" lvl="0" indent="0" algn="l" rtl="0">
+                        <a:spcBef>
+                          <a:spcPts val="0"/>
+                        </a:spcBef>
+                        <a:spcAft>
+                          <a:spcPts val="0"/>
+                        </a:spcAft>
+                        <a:buNone/>
+                      </a:pPr>
+                      <a:endParaRPr/>
+                    </a:p>
+                  </p:txBody>
+                </p:sp>
+              </p:grpSp>
+            </p:grpSp>
+            <p:grpSp>
+              <p:nvGrpSpPr>
+                <p:cNvPr id="252" name="Google Shape;4196;p92">
+                  <a:extLst>
+                    <a:ext uri="{FF2B5EF4-FFF2-40B4-BE49-F238E27FC236}">
+                      <a16:creationId xmlns:a16="http://schemas.microsoft.com/office/drawing/2014/main" id="{97E476A8-92FA-4257-B874-F629AA9FBB64}"/>
+                    </a:ext>
+                  </a:extLst>
+                </p:cNvPr>
+                <p:cNvGrpSpPr/>
+                <p:nvPr/>
+              </p:nvGrpSpPr>
+              <p:grpSpPr>
+                <a:xfrm>
+                  <a:off x="608609" y="2370079"/>
+                  <a:ext cx="458224" cy="227991"/>
+                  <a:chOff x="5668659" y="1713442"/>
+                  <a:chExt cx="458224" cy="227991"/>
+                </a:xfrm>
+              </p:grpSpPr>
+              <p:grpSp>
+                <p:nvGrpSpPr>
+                  <p:cNvPr id="253" name="Google Shape;4197;p92">
+                    <a:extLst>
+                      <a:ext uri="{FF2B5EF4-FFF2-40B4-BE49-F238E27FC236}">
+                        <a16:creationId xmlns:a16="http://schemas.microsoft.com/office/drawing/2014/main" id="{83D3715A-175A-4465-B16C-C7C44C11D5E9}"/>
+                      </a:ext>
+                    </a:extLst>
+                  </p:cNvPr>
+                  <p:cNvGrpSpPr/>
+                  <p:nvPr/>
+                </p:nvGrpSpPr>
+                <p:grpSpPr>
+                  <a:xfrm>
+                    <a:off x="5802485" y="1713507"/>
+                    <a:ext cx="188679" cy="227926"/>
+                    <a:chOff x="5802485" y="1713507"/>
+                    <a:chExt cx="188679" cy="227926"/>
+                  </a:xfrm>
+                </p:grpSpPr>
+                <p:sp>
+                  <p:nvSpPr>
+                    <p:cNvPr id="261" name="Google Shape;4198;p92">
+                      <a:extLst>
+                        <a:ext uri="{FF2B5EF4-FFF2-40B4-BE49-F238E27FC236}">
+                          <a16:creationId xmlns:a16="http://schemas.microsoft.com/office/drawing/2014/main" id="{4F8F001F-16DB-4280-BE65-0BC049493688}"/>
+                        </a:ext>
+                      </a:extLst>
+                    </p:cNvPr>
+                    <p:cNvSpPr/>
+                    <p:nvPr/>
+                  </p:nvSpPr>
+                  <p:spPr>
+                    <a:xfrm>
+                      <a:off x="5802485" y="1775533"/>
+                      <a:ext cx="133800" cy="165900"/>
+                    </a:xfrm>
+                    <a:prstGeom prst="rect">
+                      <a:avLst/>
+                    </a:prstGeom>
+                    <a:gradFill>
+                      <a:gsLst>
+                        <a:gs pos="0">
+                          <a:srgbClr val="DBD4EB"/>
+                        </a:gs>
+                        <a:gs pos="100000">
+                          <a:srgbClr val="9180BB"/>
+                        </a:gs>
+                      </a:gsLst>
+                      <a:lin ang="16198662" scaled="0"/>
+                    </a:gradFill>
+                    <a:ln w="28575" cap="flat" cmpd="sng">
+                      <a:solidFill>
+                        <a:schemeClr val="dk2"/>
+                      </a:solidFill>
+                      <a:prstDash val="solid"/>
+                      <a:round/>
+                      <a:headEnd type="none" w="sm" len="sm"/>
+                      <a:tailEnd type="none" w="sm" len="sm"/>
+                    </a:ln>
+                  </p:spPr>
+                  <p:txBody>
+                    <a:bodyPr spcFirstLastPara="1" wrap="square" lIns="91425" tIns="91425" rIns="91425" bIns="91425" anchor="ctr" anchorCtr="0">
+                      <a:noAutofit/>
+                    </a:bodyPr>
+                    <a:lstStyle/>
+                    <a:p>
+                      <a:pPr marL="0" lvl="0" indent="0" algn="l" rtl="0">
+                        <a:spcBef>
+                          <a:spcPts val="0"/>
+                        </a:spcBef>
+                        <a:spcAft>
+                          <a:spcPts val="0"/>
+                        </a:spcAft>
+                        <a:buNone/>
+                      </a:pPr>
+                      <a:endParaRPr/>
+                    </a:p>
+                  </p:txBody>
+                </p:sp>
+                <p:sp>
+                  <p:nvSpPr>
+                    <p:cNvPr id="262" name="Google Shape;4199;p92">
+                      <a:extLst>
+                        <a:ext uri="{FF2B5EF4-FFF2-40B4-BE49-F238E27FC236}">
+                          <a16:creationId xmlns:a16="http://schemas.microsoft.com/office/drawing/2014/main" id="{D7EEC04C-F9FE-42EB-8D1E-DB07DA6BF152}"/>
+                        </a:ext>
+                      </a:extLst>
+                    </p:cNvPr>
+                    <p:cNvSpPr/>
+                    <p:nvPr/>
+                  </p:nvSpPr>
+                  <p:spPr>
+                    <a:xfrm>
+                      <a:off x="5806065" y="1713507"/>
+                      <a:ext cx="185100" cy="55200"/>
+                    </a:xfrm>
+                    <a:prstGeom prst="parallelogram">
+                      <a:avLst>
+                        <a:gd name="adj" fmla="val 99657"/>
+                      </a:avLst>
+                    </a:prstGeom>
+                    <a:gradFill>
+                      <a:gsLst>
+                        <a:gs pos="0">
+                          <a:srgbClr val="DBD4EB"/>
+                        </a:gs>
+                        <a:gs pos="100000">
+                          <a:srgbClr val="9180BB"/>
+                        </a:gs>
+                      </a:gsLst>
+                      <a:lin ang="16198662" scaled="0"/>
+                    </a:gradFill>
+                    <a:ln w="28575" cap="flat" cmpd="sng">
+                      <a:solidFill>
+                        <a:schemeClr val="dk2"/>
+                      </a:solidFill>
+                      <a:prstDash val="solid"/>
+                      <a:round/>
+                      <a:headEnd type="none" w="sm" len="sm"/>
+                      <a:tailEnd type="none" w="sm" len="sm"/>
+                    </a:ln>
+                  </p:spPr>
+                  <p:txBody>
+                    <a:bodyPr spcFirstLastPara="1" wrap="square" lIns="91425" tIns="91425" rIns="91425" bIns="91425" anchor="ctr" anchorCtr="0">
+                      <a:noAutofit/>
+                    </a:bodyPr>
+                    <a:lstStyle/>
+                    <a:p>
+                      <a:pPr marL="0" lvl="0" indent="0" algn="l" rtl="0">
+                        <a:spcBef>
+                          <a:spcPts val="0"/>
+                        </a:spcBef>
+                        <a:spcAft>
+                          <a:spcPts val="0"/>
+                        </a:spcAft>
+                        <a:buNone/>
+                      </a:pPr>
+                      <a:endParaRPr/>
+                    </a:p>
+                  </p:txBody>
+                </p:sp>
+              </p:grpSp>
+              <p:grpSp>
+                <p:nvGrpSpPr>
+                  <p:cNvPr id="254" name="Google Shape;4200;p92">
+                    <a:extLst>
+                      <a:ext uri="{FF2B5EF4-FFF2-40B4-BE49-F238E27FC236}">
+                        <a16:creationId xmlns:a16="http://schemas.microsoft.com/office/drawing/2014/main" id="{F9F83253-0AB5-43DC-94FC-3F5891701E6C}"/>
+                      </a:ext>
+                    </a:extLst>
+                  </p:cNvPr>
+                  <p:cNvGrpSpPr/>
+                  <p:nvPr/>
+                </p:nvGrpSpPr>
+                <p:grpSpPr>
+                  <a:xfrm>
+                    <a:off x="5936312" y="1713442"/>
+                    <a:ext cx="190570" cy="227991"/>
+                    <a:chOff x="5936312" y="1713442"/>
+                    <a:chExt cx="190570" cy="227991"/>
+                  </a:xfrm>
+                </p:grpSpPr>
+                <p:sp>
+                  <p:nvSpPr>
+                    <p:cNvPr id="258" name="Google Shape;4201;p92">
+                      <a:extLst>
+                        <a:ext uri="{FF2B5EF4-FFF2-40B4-BE49-F238E27FC236}">
+                          <a16:creationId xmlns:a16="http://schemas.microsoft.com/office/drawing/2014/main" id="{7A11E348-1D0C-43B7-99BD-E0B7D9BF7CFC}"/>
+                        </a:ext>
+                      </a:extLst>
+                    </p:cNvPr>
+                    <p:cNvSpPr/>
+                    <p:nvPr/>
+                  </p:nvSpPr>
+                  <p:spPr>
+                    <a:xfrm>
+                      <a:off x="5936312" y="1775533"/>
+                      <a:ext cx="133800" cy="165900"/>
+                    </a:xfrm>
+                    <a:prstGeom prst="rect">
+                      <a:avLst/>
+                    </a:prstGeom>
+                    <a:gradFill>
+                      <a:gsLst>
+                        <a:gs pos="0">
+                          <a:srgbClr val="E0EDBA"/>
+                        </a:gs>
+                        <a:gs pos="100000">
+                          <a:srgbClr val="DE87F1"/>
+                        </a:gs>
+                      </a:gsLst>
+                      <a:lin ang="13500032" scaled="0"/>
+                    </a:gradFill>
+                    <a:ln w="28575" cap="flat" cmpd="sng">
+                      <a:solidFill>
+                        <a:schemeClr val="dk2"/>
+                      </a:solidFill>
+                      <a:prstDash val="solid"/>
+                      <a:round/>
+                      <a:headEnd type="none" w="sm" len="sm"/>
+                      <a:tailEnd type="none" w="sm" len="sm"/>
+                    </a:ln>
+                  </p:spPr>
+                  <p:txBody>
+                    <a:bodyPr spcFirstLastPara="1" wrap="square" lIns="91425" tIns="91425" rIns="91425" bIns="91425" anchor="ctr" anchorCtr="0">
+                      <a:noAutofit/>
+                    </a:bodyPr>
+                    <a:lstStyle/>
+                    <a:p>
+                      <a:pPr marL="0" lvl="0" indent="0" algn="l" rtl="0">
+                        <a:spcBef>
+                          <a:spcPts val="0"/>
+                        </a:spcBef>
+                        <a:spcAft>
+                          <a:spcPts val="0"/>
+                        </a:spcAft>
+                        <a:buNone/>
+                      </a:pPr>
+                      <a:endParaRPr/>
+                    </a:p>
+                  </p:txBody>
+                </p:sp>
+                <p:sp>
+                  <p:nvSpPr>
+                    <p:cNvPr id="259" name="Google Shape;4202;p92">
+                      <a:extLst>
+                        <a:ext uri="{FF2B5EF4-FFF2-40B4-BE49-F238E27FC236}">
+                          <a16:creationId xmlns:a16="http://schemas.microsoft.com/office/drawing/2014/main" id="{779D4EF2-3AD4-410C-8845-8876C2B5A34E}"/>
+                        </a:ext>
+                      </a:extLst>
+                    </p:cNvPr>
+                    <p:cNvSpPr/>
+                    <p:nvPr/>
+                  </p:nvSpPr>
+                  <p:spPr>
+                    <a:xfrm>
+                      <a:off x="5939251" y="1713442"/>
+                      <a:ext cx="185100" cy="55200"/>
+                    </a:xfrm>
+                    <a:prstGeom prst="parallelogram">
+                      <a:avLst>
+                        <a:gd name="adj" fmla="val 91890"/>
+                      </a:avLst>
+                    </a:prstGeom>
+                    <a:gradFill>
+                      <a:gsLst>
+                        <a:gs pos="0">
+                          <a:srgbClr val="E0EDBA"/>
+                        </a:gs>
+                        <a:gs pos="100000">
+                          <a:srgbClr val="DE87F1"/>
+                        </a:gs>
+                      </a:gsLst>
+                      <a:lin ang="13500032" scaled="0"/>
+                    </a:gradFill>
+                    <a:ln w="28575" cap="flat" cmpd="sng">
+                      <a:solidFill>
+                        <a:schemeClr val="dk2"/>
+                      </a:solidFill>
+                      <a:prstDash val="solid"/>
+                      <a:round/>
+                      <a:headEnd type="none" w="sm" len="sm"/>
+                      <a:tailEnd type="none" w="sm" len="sm"/>
+                    </a:ln>
+                  </p:spPr>
+                  <p:txBody>
+                    <a:bodyPr spcFirstLastPara="1" wrap="square" lIns="91425" tIns="91425" rIns="91425" bIns="91425" anchor="ctr" anchorCtr="0">
+                      <a:noAutofit/>
+                    </a:bodyPr>
+                    <a:lstStyle/>
+                    <a:p>
+                      <a:pPr marL="0" lvl="0" indent="0" algn="l" rtl="0">
+                        <a:spcBef>
+                          <a:spcPts val="0"/>
+                        </a:spcBef>
+                        <a:spcAft>
+                          <a:spcPts val="0"/>
+                        </a:spcAft>
+                        <a:buNone/>
+                      </a:pPr>
+                      <a:endParaRPr/>
+                    </a:p>
+                  </p:txBody>
+                </p:sp>
+                <p:sp>
+                  <p:nvSpPr>
+                    <p:cNvPr id="260" name="Google Shape;4203;p92">
+                      <a:extLst>
+                        <a:ext uri="{FF2B5EF4-FFF2-40B4-BE49-F238E27FC236}">
+                          <a16:creationId xmlns:a16="http://schemas.microsoft.com/office/drawing/2014/main" id="{EEDA7394-1A22-4549-9DD0-4AA3559B0106}"/>
+                        </a:ext>
+                      </a:extLst>
+                    </p:cNvPr>
+                    <p:cNvSpPr/>
+                    <p:nvPr/>
+                  </p:nvSpPr>
+                  <p:spPr>
+                    <a:xfrm>
+                      <a:off x="6072171" y="1714983"/>
+                      <a:ext cx="54712" cy="221916"/>
+                    </a:xfrm>
+                    <a:custGeom>
+                      <a:avLst/>
+                      <a:gdLst/>
+                      <a:ahLst/>
+                      <a:cxnLst/>
+                      <a:rect l="l" t="t" r="r" b="b"/>
+                      <a:pathLst>
+                        <a:path w="3501" h="12382" extrusionOk="0">
+                          <a:moveTo>
+                            <a:pt x="0" y="3453"/>
+                          </a:moveTo>
+                          <a:lnTo>
+                            <a:pt x="3501" y="0"/>
+                          </a:lnTo>
+                          <a:lnTo>
+                            <a:pt x="3501" y="9001"/>
+                          </a:lnTo>
+                          <a:lnTo>
+                            <a:pt x="167" y="12382"/>
+                          </a:lnTo>
+                          <a:close/>
+                        </a:path>
+                      </a:pathLst>
+                    </a:custGeom>
+                    <a:gradFill>
+                      <a:gsLst>
+                        <a:gs pos="0">
+                          <a:srgbClr val="E0EDBA"/>
+                        </a:gs>
+                        <a:gs pos="100000">
+                          <a:srgbClr val="DE87F1"/>
+                        </a:gs>
+                      </a:gsLst>
+                      <a:lin ang="13500032" scaled="0"/>
+                    </a:gradFill>
+                    <a:ln w="28575" cap="flat" cmpd="sng">
+                      <a:solidFill>
+                        <a:schemeClr val="dk2"/>
+                      </a:solidFill>
+                      <a:prstDash val="solid"/>
+                      <a:round/>
+                      <a:headEnd type="none" w="med" len="med"/>
+                      <a:tailEnd type="none" w="med" len="med"/>
+                    </a:ln>
+                  </p:spPr>
+                </p:sp>
+              </p:grpSp>
+              <p:grpSp>
+                <p:nvGrpSpPr>
+                  <p:cNvPr id="255" name="Google Shape;4204;p92">
+                    <a:extLst>
+                      <a:ext uri="{FF2B5EF4-FFF2-40B4-BE49-F238E27FC236}">
+                        <a16:creationId xmlns:a16="http://schemas.microsoft.com/office/drawing/2014/main" id="{0EC7DDC3-8AAF-4E38-9CFE-E341E50F5327}"/>
+                      </a:ext>
+                    </a:extLst>
+                  </p:cNvPr>
+                  <p:cNvGrpSpPr/>
+                  <p:nvPr/>
+                </p:nvGrpSpPr>
+                <p:grpSpPr>
+                  <a:xfrm>
+                    <a:off x="5668659" y="1714000"/>
+                    <a:ext cx="193488" cy="227433"/>
+                    <a:chOff x="5668659" y="1714000"/>
+                    <a:chExt cx="193488" cy="227433"/>
+                  </a:xfrm>
+                </p:grpSpPr>
+                <p:sp>
+                  <p:nvSpPr>
+                    <p:cNvPr id="256" name="Google Shape;4205;p92">
+                      <a:extLst>
+                        <a:ext uri="{FF2B5EF4-FFF2-40B4-BE49-F238E27FC236}">
+                          <a16:creationId xmlns:a16="http://schemas.microsoft.com/office/drawing/2014/main" id="{9F3C0732-D969-4A05-8CF2-9FA3451145EF}"/>
+                        </a:ext>
+                      </a:extLst>
+                    </p:cNvPr>
+                    <p:cNvSpPr/>
+                    <p:nvPr/>
+                  </p:nvSpPr>
+                  <p:spPr>
+                    <a:xfrm>
+                      <a:off x="5673447" y="1714000"/>
+                      <a:ext cx="188700" cy="55200"/>
+                    </a:xfrm>
+                    <a:prstGeom prst="parallelogram">
+                      <a:avLst>
+                        <a:gd name="adj" fmla="val 94805"/>
+                      </a:avLst>
+                    </a:prstGeom>
+                    <a:gradFill>
+                      <a:gsLst>
+                        <a:gs pos="0">
+                          <a:srgbClr val="D8EDBA"/>
+                        </a:gs>
+                        <a:gs pos="100000">
+                          <a:srgbClr val="FE9696"/>
+                        </a:gs>
+                      </a:gsLst>
+                      <a:lin ang="13500032" scaled="0"/>
+                    </a:gradFill>
+                    <a:ln w="28575" cap="flat" cmpd="sng">
+                      <a:solidFill>
+                        <a:schemeClr val="dk2"/>
+                      </a:solidFill>
+                      <a:prstDash val="solid"/>
+                      <a:round/>
+                      <a:headEnd type="none" w="sm" len="sm"/>
+                      <a:tailEnd type="none" w="sm" len="sm"/>
+                    </a:ln>
+                  </p:spPr>
+                  <p:txBody>
+                    <a:bodyPr spcFirstLastPara="1" wrap="square" lIns="91425" tIns="91425" rIns="91425" bIns="91425" anchor="ctr" anchorCtr="0">
+                      <a:noAutofit/>
+                    </a:bodyPr>
+                    <a:lstStyle/>
+                    <a:p>
+                      <a:pPr marL="0" lvl="0" indent="0" algn="l" rtl="0">
+                        <a:spcBef>
+                          <a:spcPts val="0"/>
+                        </a:spcBef>
+                        <a:spcAft>
+                          <a:spcPts val="0"/>
+                        </a:spcAft>
+                        <a:buNone/>
+                      </a:pPr>
+                      <a:endParaRPr/>
+                    </a:p>
+                  </p:txBody>
+                </p:sp>
+                <p:sp>
+                  <p:nvSpPr>
+                    <p:cNvPr id="257" name="Google Shape;4206;p92">
+                      <a:extLst>
+                        <a:ext uri="{FF2B5EF4-FFF2-40B4-BE49-F238E27FC236}">
+                          <a16:creationId xmlns:a16="http://schemas.microsoft.com/office/drawing/2014/main" id="{1AF71176-DFF5-4410-BFDC-64CDA0983B38}"/>
+                        </a:ext>
+                      </a:extLst>
+                    </p:cNvPr>
+                    <p:cNvSpPr/>
+                    <p:nvPr/>
+                  </p:nvSpPr>
+                  <p:spPr>
+                    <a:xfrm>
+                      <a:off x="5668659" y="1775533"/>
+                      <a:ext cx="133800" cy="165900"/>
+                    </a:xfrm>
+                    <a:prstGeom prst="rect">
+                      <a:avLst/>
+                    </a:prstGeom>
+                    <a:gradFill>
+                      <a:gsLst>
+                        <a:gs pos="0">
+                          <a:srgbClr val="D8EDBA"/>
+                        </a:gs>
+                        <a:gs pos="100000">
+                          <a:srgbClr val="FE9696"/>
+                        </a:gs>
+                      </a:gsLst>
+                      <a:lin ang="13500032" scaled="0"/>
+                    </a:gradFill>
+                    <a:ln w="28575" cap="flat" cmpd="sng">
+                      <a:solidFill>
+                        <a:schemeClr val="dk2"/>
+                      </a:solidFill>
+                      <a:prstDash val="solid"/>
+                      <a:round/>
+                      <a:headEnd type="none" w="sm" len="sm"/>
+                      <a:tailEnd type="none" w="sm" len="sm"/>
+                    </a:ln>
+                  </p:spPr>
+                  <p:txBody>
+                    <a:bodyPr spcFirstLastPara="1" wrap="square" lIns="91425" tIns="91425" rIns="91425" bIns="91425" anchor="ctr" anchorCtr="0">
+                      <a:noAutofit/>
+                    </a:bodyPr>
+                    <a:lstStyle/>
+                    <a:p>
+                      <a:pPr marL="0" lvl="0" indent="0" algn="l" rtl="0">
+                        <a:spcBef>
+                          <a:spcPts val="0"/>
+                        </a:spcBef>
+                        <a:spcAft>
+                          <a:spcPts val="0"/>
+                        </a:spcAft>
+                        <a:buNone/>
+                      </a:pPr>
+                      <a:endParaRPr/>
+                    </a:p>
+                  </p:txBody>
+                </p:sp>
+              </p:grpSp>
+            </p:grpSp>
+          </p:grpSp>
+          <p:grpSp>
+            <p:nvGrpSpPr>
+              <p:cNvPr id="283" name="Google Shape;4207;p92">
+                <a:extLst>
+                  <a:ext uri="{FF2B5EF4-FFF2-40B4-BE49-F238E27FC236}">
+                    <a16:creationId xmlns:a16="http://schemas.microsoft.com/office/drawing/2014/main" id="{94D44F24-3E62-478C-8131-BF956DCF4407}"/>
+                  </a:ext>
+                </a:extLst>
+              </p:cNvPr>
+              <p:cNvGrpSpPr/>
+              <p:nvPr/>
+            </p:nvGrpSpPr>
+            <p:grpSpPr>
+              <a:xfrm>
+                <a:off x="3560034" y="2908935"/>
+                <a:ext cx="1605799" cy="1679186"/>
+                <a:chOff x="608609" y="2370079"/>
+                <a:chExt cx="458224" cy="523616"/>
+              </a:xfrm>
+            </p:grpSpPr>
+            <p:grpSp>
+              <p:nvGrpSpPr>
+                <p:cNvPr id="284" name="Google Shape;4208;p92">
+                  <a:extLst>
+                    <a:ext uri="{FF2B5EF4-FFF2-40B4-BE49-F238E27FC236}">
+                      <a16:creationId xmlns:a16="http://schemas.microsoft.com/office/drawing/2014/main" id="{1495CD95-46AC-4CF0-81A5-71B393330A6B}"/>
+                    </a:ext>
+                  </a:extLst>
+                </p:cNvPr>
+                <p:cNvGrpSpPr/>
+                <p:nvPr/>
+              </p:nvGrpSpPr>
+              <p:grpSpPr>
+                <a:xfrm>
+                  <a:off x="608609" y="2665704"/>
+                  <a:ext cx="458224" cy="227991"/>
+                  <a:chOff x="5668659" y="1713442"/>
+                  <a:chExt cx="458224" cy="227991"/>
+                </a:xfrm>
+              </p:grpSpPr>
+              <p:grpSp>
+                <p:nvGrpSpPr>
+                  <p:cNvPr id="307" name="Google Shape;4209;p92">
+                    <a:extLst>
+                      <a:ext uri="{FF2B5EF4-FFF2-40B4-BE49-F238E27FC236}">
+                        <a16:creationId xmlns:a16="http://schemas.microsoft.com/office/drawing/2014/main" id="{10DCA01C-2600-46E6-9941-80D29C461DB5}"/>
+                      </a:ext>
+                    </a:extLst>
+                  </p:cNvPr>
+                  <p:cNvGrpSpPr/>
+                  <p:nvPr/>
+                </p:nvGrpSpPr>
+                <p:grpSpPr>
+                  <a:xfrm>
+                    <a:off x="5802485" y="1713507"/>
+                    <a:ext cx="188679" cy="227926"/>
+                    <a:chOff x="5802485" y="1713507"/>
+                    <a:chExt cx="188679" cy="227926"/>
+                  </a:xfrm>
+                </p:grpSpPr>
+                <p:sp>
+                  <p:nvSpPr>
+                    <p:cNvPr id="315" name="Google Shape;4210;p92">
+                      <a:extLst>
+                        <a:ext uri="{FF2B5EF4-FFF2-40B4-BE49-F238E27FC236}">
+                          <a16:creationId xmlns:a16="http://schemas.microsoft.com/office/drawing/2014/main" id="{9D32255D-D506-48C7-9572-D1CE169D0CEC}"/>
+                        </a:ext>
+                      </a:extLst>
+                    </p:cNvPr>
+                    <p:cNvSpPr/>
+                    <p:nvPr/>
+                  </p:nvSpPr>
+                  <p:spPr>
+                    <a:xfrm>
+                      <a:off x="5802485" y="1775533"/>
+                      <a:ext cx="133800" cy="165900"/>
+                    </a:xfrm>
+                    <a:prstGeom prst="rect">
+                      <a:avLst/>
+                    </a:prstGeom>
+                    <a:gradFill>
+                      <a:gsLst>
+                        <a:gs pos="0">
+                          <a:srgbClr val="DBD4EB"/>
+                        </a:gs>
+                        <a:gs pos="100000">
+                          <a:srgbClr val="9180BB"/>
+                        </a:gs>
+                      </a:gsLst>
+                      <a:lin ang="16198662" scaled="0"/>
+                    </a:gradFill>
+                    <a:ln w="28575" cap="flat" cmpd="sng">
+                      <a:solidFill>
+                        <a:schemeClr val="dk2"/>
+                      </a:solidFill>
+                      <a:prstDash val="solid"/>
+                      <a:round/>
+                      <a:headEnd type="none" w="sm" len="sm"/>
+                      <a:tailEnd type="none" w="sm" len="sm"/>
+                    </a:ln>
+                  </p:spPr>
+                  <p:txBody>
+                    <a:bodyPr spcFirstLastPara="1" wrap="square" lIns="91425" tIns="91425" rIns="91425" bIns="91425" anchor="ctr" anchorCtr="0">
+                      <a:noAutofit/>
+                    </a:bodyPr>
+                    <a:lstStyle/>
+                    <a:p>
+                      <a:pPr marL="0" lvl="0" indent="0" algn="l" rtl="0">
+                        <a:spcBef>
+                          <a:spcPts val="0"/>
+                        </a:spcBef>
+                        <a:spcAft>
+                          <a:spcPts val="0"/>
+                        </a:spcAft>
+                        <a:buNone/>
+                      </a:pPr>
+                      <a:endParaRPr/>
+                    </a:p>
+                  </p:txBody>
+                </p:sp>
+                <p:sp>
+                  <p:nvSpPr>
+                    <p:cNvPr id="316" name="Google Shape;4211;p92">
+                      <a:extLst>
+                        <a:ext uri="{FF2B5EF4-FFF2-40B4-BE49-F238E27FC236}">
+                          <a16:creationId xmlns:a16="http://schemas.microsoft.com/office/drawing/2014/main" id="{14099B13-F727-44C5-89AD-9968ADC32BF4}"/>
+                        </a:ext>
+                      </a:extLst>
+                    </p:cNvPr>
+                    <p:cNvSpPr/>
+                    <p:nvPr/>
+                  </p:nvSpPr>
+                  <p:spPr>
+                    <a:xfrm>
+                      <a:off x="5806065" y="1713507"/>
+                      <a:ext cx="185100" cy="55200"/>
+                    </a:xfrm>
+                    <a:prstGeom prst="parallelogram">
+                      <a:avLst>
+                        <a:gd name="adj" fmla="val 99657"/>
+                      </a:avLst>
+                    </a:prstGeom>
+                    <a:gradFill>
+                      <a:gsLst>
+                        <a:gs pos="0">
+                          <a:srgbClr val="DBD4EB"/>
+                        </a:gs>
+                        <a:gs pos="100000">
+                          <a:srgbClr val="9180BB"/>
+                        </a:gs>
+                      </a:gsLst>
+                      <a:lin ang="16198662" scaled="0"/>
+                    </a:gradFill>
+                    <a:ln w="28575" cap="flat" cmpd="sng">
+                      <a:solidFill>
+                        <a:schemeClr val="dk2"/>
+                      </a:solidFill>
+                      <a:prstDash val="solid"/>
+                      <a:round/>
+                      <a:headEnd type="none" w="sm" len="sm"/>
+                      <a:tailEnd type="none" w="sm" len="sm"/>
+                    </a:ln>
+                  </p:spPr>
+                  <p:txBody>
+                    <a:bodyPr spcFirstLastPara="1" wrap="square" lIns="91425" tIns="91425" rIns="91425" bIns="91425" anchor="ctr" anchorCtr="0">
+                      <a:noAutofit/>
+                    </a:bodyPr>
+                    <a:lstStyle/>
+                    <a:p>
+                      <a:pPr marL="0" lvl="0" indent="0" algn="l" rtl="0">
+                        <a:spcBef>
+                          <a:spcPts val="0"/>
+                        </a:spcBef>
+                        <a:spcAft>
+                          <a:spcPts val="0"/>
+                        </a:spcAft>
+                        <a:buNone/>
+                      </a:pPr>
+                      <a:endParaRPr/>
+                    </a:p>
+                  </p:txBody>
+                </p:sp>
+              </p:grpSp>
+              <p:grpSp>
+                <p:nvGrpSpPr>
+                  <p:cNvPr id="308" name="Google Shape;4212;p92">
+                    <a:extLst>
+                      <a:ext uri="{FF2B5EF4-FFF2-40B4-BE49-F238E27FC236}">
+                        <a16:creationId xmlns:a16="http://schemas.microsoft.com/office/drawing/2014/main" id="{69EAEAAA-3CE9-40DC-9812-54D5E3C42CF5}"/>
+                      </a:ext>
+                    </a:extLst>
+                  </p:cNvPr>
+                  <p:cNvGrpSpPr/>
+                  <p:nvPr/>
+                </p:nvGrpSpPr>
+                <p:grpSpPr>
+                  <a:xfrm>
+                    <a:off x="5936312" y="1713442"/>
+                    <a:ext cx="190570" cy="227991"/>
+                    <a:chOff x="5936312" y="1713442"/>
+                    <a:chExt cx="190570" cy="227991"/>
+                  </a:xfrm>
+                </p:grpSpPr>
+                <p:sp>
+                  <p:nvSpPr>
+                    <p:cNvPr id="312" name="Google Shape;4213;p92">
+                      <a:extLst>
+                        <a:ext uri="{FF2B5EF4-FFF2-40B4-BE49-F238E27FC236}">
+                          <a16:creationId xmlns:a16="http://schemas.microsoft.com/office/drawing/2014/main" id="{0F46D4A0-DF7C-457A-932E-539CA13C11F5}"/>
+                        </a:ext>
+                      </a:extLst>
+                    </p:cNvPr>
+                    <p:cNvSpPr/>
+                    <p:nvPr/>
+                  </p:nvSpPr>
+                  <p:spPr>
+                    <a:xfrm>
+                      <a:off x="5936312" y="1775533"/>
+                      <a:ext cx="133800" cy="165900"/>
+                    </a:xfrm>
+                    <a:prstGeom prst="rect">
+                      <a:avLst/>
+                    </a:prstGeom>
+                    <a:gradFill>
+                      <a:gsLst>
+                        <a:gs pos="0">
+                          <a:srgbClr val="E0EDBA"/>
+                        </a:gs>
+                        <a:gs pos="100000">
+                          <a:srgbClr val="DE87F1"/>
+                        </a:gs>
+                      </a:gsLst>
+                      <a:lin ang="13500032" scaled="0"/>
+                    </a:gradFill>
+                    <a:ln w="28575" cap="flat" cmpd="sng">
+                      <a:solidFill>
+                        <a:schemeClr val="dk2"/>
+                      </a:solidFill>
+                      <a:prstDash val="solid"/>
+                      <a:round/>
+                      <a:headEnd type="none" w="sm" len="sm"/>
+                      <a:tailEnd type="none" w="sm" len="sm"/>
+                    </a:ln>
+                  </p:spPr>
+                  <p:txBody>
+                    <a:bodyPr spcFirstLastPara="1" wrap="square" lIns="91425" tIns="91425" rIns="91425" bIns="91425" anchor="ctr" anchorCtr="0">
+                      <a:noAutofit/>
+                    </a:bodyPr>
+                    <a:lstStyle/>
+                    <a:p>
+                      <a:pPr marL="0" lvl="0" indent="0" algn="l" rtl="0">
+                        <a:spcBef>
+                          <a:spcPts val="0"/>
+                        </a:spcBef>
+                        <a:spcAft>
+                          <a:spcPts val="0"/>
+                        </a:spcAft>
+                        <a:buNone/>
+                      </a:pPr>
+                      <a:endParaRPr/>
+                    </a:p>
+                  </p:txBody>
+                </p:sp>
+                <p:sp>
+                  <p:nvSpPr>
+                    <p:cNvPr id="313" name="Google Shape;4214;p92">
+                      <a:extLst>
+                        <a:ext uri="{FF2B5EF4-FFF2-40B4-BE49-F238E27FC236}">
+                          <a16:creationId xmlns:a16="http://schemas.microsoft.com/office/drawing/2014/main" id="{01FD54B3-59DF-4AF6-AA65-E6063855B7FD}"/>
+                        </a:ext>
+                      </a:extLst>
+                    </p:cNvPr>
+                    <p:cNvSpPr/>
+                    <p:nvPr/>
+                  </p:nvSpPr>
+                  <p:spPr>
+                    <a:xfrm>
+                      <a:off x="5939251" y="1713442"/>
+                      <a:ext cx="185100" cy="55200"/>
+                    </a:xfrm>
+                    <a:prstGeom prst="parallelogram">
+                      <a:avLst>
+                        <a:gd name="adj" fmla="val 91890"/>
+                      </a:avLst>
+                    </a:prstGeom>
+                    <a:gradFill>
+                      <a:gsLst>
+                        <a:gs pos="0">
+                          <a:srgbClr val="E0EDBA"/>
+                        </a:gs>
+                        <a:gs pos="100000">
+                          <a:srgbClr val="DE87F1"/>
+                        </a:gs>
+                      </a:gsLst>
+                      <a:lin ang="13500032" scaled="0"/>
+                    </a:gradFill>
+                    <a:ln w="28575" cap="flat" cmpd="sng">
+                      <a:solidFill>
+                        <a:schemeClr val="dk2"/>
+                      </a:solidFill>
+                      <a:prstDash val="solid"/>
+                      <a:round/>
+                      <a:headEnd type="none" w="sm" len="sm"/>
+                      <a:tailEnd type="none" w="sm" len="sm"/>
+                    </a:ln>
+                  </p:spPr>
+                  <p:txBody>
+                    <a:bodyPr spcFirstLastPara="1" wrap="square" lIns="91425" tIns="91425" rIns="91425" bIns="91425" anchor="ctr" anchorCtr="0">
+                      <a:noAutofit/>
+                    </a:bodyPr>
+                    <a:lstStyle/>
+                    <a:p>
+                      <a:pPr marL="0" lvl="0" indent="0" algn="l" rtl="0">
+                        <a:spcBef>
+                          <a:spcPts val="0"/>
+                        </a:spcBef>
+                        <a:spcAft>
+                          <a:spcPts val="0"/>
+                        </a:spcAft>
+                        <a:buNone/>
+                      </a:pPr>
+                      <a:endParaRPr/>
+                    </a:p>
+                  </p:txBody>
+                </p:sp>
+                <p:sp>
+                  <p:nvSpPr>
+                    <p:cNvPr id="314" name="Google Shape;4215;p92">
+                      <a:extLst>
+                        <a:ext uri="{FF2B5EF4-FFF2-40B4-BE49-F238E27FC236}">
+                          <a16:creationId xmlns:a16="http://schemas.microsoft.com/office/drawing/2014/main" id="{462275FD-F1E5-45B9-9FBA-187805C07A5D}"/>
+                        </a:ext>
+                      </a:extLst>
+                    </p:cNvPr>
+                    <p:cNvSpPr/>
+                    <p:nvPr/>
+                  </p:nvSpPr>
+                  <p:spPr>
+                    <a:xfrm>
+                      <a:off x="6072171" y="1714983"/>
+                      <a:ext cx="54712" cy="221916"/>
+                    </a:xfrm>
+                    <a:custGeom>
+                      <a:avLst/>
+                      <a:gdLst/>
+                      <a:ahLst/>
+                      <a:cxnLst/>
+                      <a:rect l="l" t="t" r="r" b="b"/>
+                      <a:pathLst>
+                        <a:path w="3501" h="12382" extrusionOk="0">
+                          <a:moveTo>
+                            <a:pt x="0" y="3453"/>
+                          </a:moveTo>
+                          <a:lnTo>
+                            <a:pt x="3501" y="0"/>
+                          </a:lnTo>
+                          <a:lnTo>
+                            <a:pt x="3501" y="9001"/>
+                          </a:lnTo>
+                          <a:lnTo>
+                            <a:pt x="167" y="12382"/>
+                          </a:lnTo>
+                          <a:close/>
+                        </a:path>
+                      </a:pathLst>
+                    </a:custGeom>
+                    <a:gradFill>
+                      <a:gsLst>
+                        <a:gs pos="0">
+                          <a:srgbClr val="E0EDBA"/>
+                        </a:gs>
+                        <a:gs pos="100000">
+                          <a:srgbClr val="DE87F1"/>
+                        </a:gs>
+                      </a:gsLst>
+                      <a:lin ang="13500032" scaled="0"/>
+                    </a:gradFill>
+                    <a:ln w="28575" cap="flat" cmpd="sng">
+                      <a:solidFill>
+                        <a:schemeClr val="dk2"/>
+                      </a:solidFill>
+                      <a:prstDash val="solid"/>
+                      <a:round/>
+                      <a:headEnd type="none" w="med" len="med"/>
+                      <a:tailEnd type="none" w="med" len="med"/>
+                    </a:ln>
+                  </p:spPr>
+                </p:sp>
+              </p:grpSp>
+              <p:grpSp>
+                <p:nvGrpSpPr>
+                  <p:cNvPr id="309" name="Google Shape;4216;p92">
+                    <a:extLst>
+                      <a:ext uri="{FF2B5EF4-FFF2-40B4-BE49-F238E27FC236}">
+                        <a16:creationId xmlns:a16="http://schemas.microsoft.com/office/drawing/2014/main" id="{0B8AD2E8-4CA9-4650-A0CF-ADC06F85DA7A}"/>
+                      </a:ext>
+                    </a:extLst>
+                  </p:cNvPr>
+                  <p:cNvGrpSpPr/>
+                  <p:nvPr/>
+                </p:nvGrpSpPr>
+                <p:grpSpPr>
+                  <a:xfrm>
+                    <a:off x="5668659" y="1714000"/>
+                    <a:ext cx="193488" cy="227433"/>
+                    <a:chOff x="5668659" y="1714000"/>
+                    <a:chExt cx="193488" cy="227433"/>
+                  </a:xfrm>
+                </p:grpSpPr>
+                <p:sp>
+                  <p:nvSpPr>
+                    <p:cNvPr id="310" name="Google Shape;4217;p92">
+                      <a:extLst>
+                        <a:ext uri="{FF2B5EF4-FFF2-40B4-BE49-F238E27FC236}">
+                          <a16:creationId xmlns:a16="http://schemas.microsoft.com/office/drawing/2014/main" id="{64B4C864-2FCC-4D0D-8F59-5357DCCBAC9B}"/>
+                        </a:ext>
+                      </a:extLst>
+                    </p:cNvPr>
+                    <p:cNvSpPr/>
+                    <p:nvPr/>
+                  </p:nvSpPr>
+                  <p:spPr>
+                    <a:xfrm>
+                      <a:off x="5673447" y="1714000"/>
+                      <a:ext cx="188700" cy="55200"/>
+                    </a:xfrm>
+                    <a:prstGeom prst="parallelogram">
+                      <a:avLst>
+                        <a:gd name="adj" fmla="val 94805"/>
+                      </a:avLst>
+                    </a:prstGeom>
+                    <a:gradFill>
+                      <a:gsLst>
+                        <a:gs pos="0">
+                          <a:srgbClr val="D8EDBA"/>
+                        </a:gs>
+                        <a:gs pos="100000">
+                          <a:srgbClr val="FE9696"/>
+                        </a:gs>
+                      </a:gsLst>
+                      <a:lin ang="13500032" scaled="0"/>
+                    </a:gradFill>
+                    <a:ln w="28575" cap="flat" cmpd="sng">
+                      <a:solidFill>
+                        <a:schemeClr val="dk2"/>
+                      </a:solidFill>
+                      <a:prstDash val="solid"/>
+                      <a:round/>
+                      <a:headEnd type="none" w="sm" len="sm"/>
+                      <a:tailEnd type="none" w="sm" len="sm"/>
+                    </a:ln>
+                  </p:spPr>
+                  <p:txBody>
+                    <a:bodyPr spcFirstLastPara="1" wrap="square" lIns="91425" tIns="91425" rIns="91425" bIns="91425" anchor="ctr" anchorCtr="0">
+                      <a:noAutofit/>
+                    </a:bodyPr>
+                    <a:lstStyle/>
+                    <a:p>
+                      <a:pPr marL="0" lvl="0" indent="0" algn="l" rtl="0">
+                        <a:spcBef>
+                          <a:spcPts val="0"/>
+                        </a:spcBef>
+                        <a:spcAft>
+                          <a:spcPts val="0"/>
+                        </a:spcAft>
+                        <a:buNone/>
+                      </a:pPr>
+                      <a:endParaRPr/>
+                    </a:p>
+                  </p:txBody>
+                </p:sp>
+                <p:sp>
+                  <p:nvSpPr>
+                    <p:cNvPr id="311" name="Google Shape;4218;p92">
+                      <a:extLst>
+                        <a:ext uri="{FF2B5EF4-FFF2-40B4-BE49-F238E27FC236}">
+                          <a16:creationId xmlns:a16="http://schemas.microsoft.com/office/drawing/2014/main" id="{279F11F8-79E5-4814-BBC0-B6E812C0D55C}"/>
+                        </a:ext>
+                      </a:extLst>
+                    </p:cNvPr>
+                    <p:cNvSpPr/>
+                    <p:nvPr/>
+                  </p:nvSpPr>
+                  <p:spPr>
+                    <a:xfrm>
+                      <a:off x="5668659" y="1775533"/>
+                      <a:ext cx="133800" cy="165900"/>
+                    </a:xfrm>
+                    <a:prstGeom prst="rect">
+                      <a:avLst/>
+                    </a:prstGeom>
+                    <a:gradFill>
+                      <a:gsLst>
+                        <a:gs pos="0">
+                          <a:srgbClr val="D8EDBA"/>
+                        </a:gs>
+                        <a:gs pos="100000">
+                          <a:srgbClr val="FE9696"/>
+                        </a:gs>
+                      </a:gsLst>
+                      <a:lin ang="13500032" scaled="0"/>
+                    </a:gradFill>
+                    <a:ln w="28575" cap="flat" cmpd="sng">
+                      <a:solidFill>
+                        <a:schemeClr val="dk2"/>
+                      </a:solidFill>
+                      <a:prstDash val="solid"/>
+                      <a:round/>
+                      <a:headEnd type="none" w="sm" len="sm"/>
+                      <a:tailEnd type="none" w="sm" len="sm"/>
+                    </a:ln>
+                  </p:spPr>
+                  <p:txBody>
+                    <a:bodyPr spcFirstLastPara="1" wrap="square" lIns="91425" tIns="91425" rIns="91425" bIns="91425" anchor="ctr" anchorCtr="0">
+                      <a:noAutofit/>
+                    </a:bodyPr>
+                    <a:lstStyle/>
+                    <a:p>
+                      <a:pPr marL="0" lvl="0" indent="0" algn="l" rtl="0">
+                        <a:spcBef>
+                          <a:spcPts val="0"/>
+                        </a:spcBef>
+                        <a:spcAft>
+                          <a:spcPts val="0"/>
+                        </a:spcAft>
+                        <a:buNone/>
+                      </a:pPr>
+                      <a:endParaRPr/>
+                    </a:p>
+                  </p:txBody>
+                </p:sp>
+              </p:grpSp>
+            </p:grpSp>
+            <p:grpSp>
+              <p:nvGrpSpPr>
+                <p:cNvPr id="285" name="Google Shape;4219;p92">
+                  <a:extLst>
+                    <a:ext uri="{FF2B5EF4-FFF2-40B4-BE49-F238E27FC236}">
+                      <a16:creationId xmlns:a16="http://schemas.microsoft.com/office/drawing/2014/main" id="{99C38C4E-A9F0-40A0-9506-EA1E1DF1AD86}"/>
+                    </a:ext>
+                  </a:extLst>
+                </p:cNvPr>
+                <p:cNvGrpSpPr/>
+                <p:nvPr/>
+              </p:nvGrpSpPr>
+              <p:grpSpPr>
+                <a:xfrm>
+                  <a:off x="608609" y="2511879"/>
+                  <a:ext cx="458224" cy="227991"/>
+                  <a:chOff x="5668659" y="1713442"/>
+                  <a:chExt cx="458224" cy="227991"/>
+                </a:xfrm>
+              </p:grpSpPr>
+              <p:grpSp>
+                <p:nvGrpSpPr>
+                  <p:cNvPr id="297" name="Google Shape;4220;p92">
+                    <a:extLst>
+                      <a:ext uri="{FF2B5EF4-FFF2-40B4-BE49-F238E27FC236}">
+                        <a16:creationId xmlns:a16="http://schemas.microsoft.com/office/drawing/2014/main" id="{FE2605A9-D40F-4C89-B489-C0AD9DEC7BE4}"/>
+                      </a:ext>
+                    </a:extLst>
+                  </p:cNvPr>
+                  <p:cNvGrpSpPr/>
+                  <p:nvPr/>
+                </p:nvGrpSpPr>
+                <p:grpSpPr>
+                  <a:xfrm>
+                    <a:off x="5802485" y="1713507"/>
+                    <a:ext cx="188679" cy="227926"/>
+                    <a:chOff x="5802485" y="1713507"/>
+                    <a:chExt cx="188679" cy="227926"/>
+                  </a:xfrm>
+                </p:grpSpPr>
+                <p:sp>
+                  <p:nvSpPr>
+                    <p:cNvPr id="305" name="Google Shape;4221;p92">
+                      <a:extLst>
+                        <a:ext uri="{FF2B5EF4-FFF2-40B4-BE49-F238E27FC236}">
+                          <a16:creationId xmlns:a16="http://schemas.microsoft.com/office/drawing/2014/main" id="{2F939D9F-6423-45C8-97EA-A27D98623552}"/>
+                        </a:ext>
+                      </a:extLst>
+                    </p:cNvPr>
+                    <p:cNvSpPr/>
+                    <p:nvPr/>
+                  </p:nvSpPr>
+                  <p:spPr>
+                    <a:xfrm>
+                      <a:off x="5802485" y="1775533"/>
+                      <a:ext cx="133800" cy="165900"/>
+                    </a:xfrm>
+                    <a:prstGeom prst="rect">
+                      <a:avLst/>
+                    </a:prstGeom>
+                    <a:gradFill>
+                      <a:gsLst>
+                        <a:gs pos="0">
+                          <a:srgbClr val="DBD4EB"/>
+                        </a:gs>
+                        <a:gs pos="100000">
+                          <a:srgbClr val="9180BB"/>
+                        </a:gs>
+                      </a:gsLst>
+                      <a:lin ang="16198662" scaled="0"/>
+                    </a:gradFill>
+                    <a:ln w="28575" cap="flat" cmpd="sng">
+                      <a:solidFill>
+                        <a:schemeClr val="dk2"/>
+                      </a:solidFill>
+                      <a:prstDash val="solid"/>
+                      <a:round/>
+                      <a:headEnd type="none" w="sm" len="sm"/>
+                      <a:tailEnd type="none" w="sm" len="sm"/>
+                    </a:ln>
+                  </p:spPr>
+                  <p:txBody>
+                    <a:bodyPr spcFirstLastPara="1" wrap="square" lIns="91425" tIns="91425" rIns="91425" bIns="91425" anchor="ctr" anchorCtr="0">
+                      <a:noAutofit/>
+                    </a:bodyPr>
+                    <a:lstStyle/>
+                    <a:p>
+                      <a:pPr marL="0" lvl="0" indent="0" algn="l" rtl="0">
+                        <a:spcBef>
+                          <a:spcPts val="0"/>
+                        </a:spcBef>
+                        <a:spcAft>
+                          <a:spcPts val="0"/>
+                        </a:spcAft>
+                        <a:buNone/>
+                      </a:pPr>
+                      <a:endParaRPr/>
+                    </a:p>
+                  </p:txBody>
+                </p:sp>
+                <p:sp>
+                  <p:nvSpPr>
+                    <p:cNvPr id="306" name="Google Shape;4222;p92">
+                      <a:extLst>
+                        <a:ext uri="{FF2B5EF4-FFF2-40B4-BE49-F238E27FC236}">
+                          <a16:creationId xmlns:a16="http://schemas.microsoft.com/office/drawing/2014/main" id="{10F29E0E-2258-4467-935A-964ECDE6E381}"/>
+                        </a:ext>
+                      </a:extLst>
+                    </p:cNvPr>
+                    <p:cNvSpPr/>
+                    <p:nvPr/>
+                  </p:nvSpPr>
+                  <p:spPr>
+                    <a:xfrm>
+                      <a:off x="5806065" y="1713507"/>
+                      <a:ext cx="185100" cy="55200"/>
+                    </a:xfrm>
+                    <a:prstGeom prst="parallelogram">
+                      <a:avLst>
+                        <a:gd name="adj" fmla="val 99657"/>
+                      </a:avLst>
+                    </a:prstGeom>
+                    <a:gradFill>
+                      <a:gsLst>
+                        <a:gs pos="0">
+                          <a:srgbClr val="DBD4EB"/>
+                        </a:gs>
+                        <a:gs pos="100000">
+                          <a:srgbClr val="9180BB"/>
+                        </a:gs>
+                      </a:gsLst>
+                      <a:lin ang="16198662" scaled="0"/>
+                    </a:gradFill>
+                    <a:ln w="28575" cap="flat" cmpd="sng">
+                      <a:solidFill>
+                        <a:schemeClr val="dk2"/>
+                      </a:solidFill>
+                      <a:prstDash val="solid"/>
+                      <a:round/>
+                      <a:headEnd type="none" w="sm" len="sm"/>
+                      <a:tailEnd type="none" w="sm" len="sm"/>
+                    </a:ln>
+                  </p:spPr>
+                  <p:txBody>
+                    <a:bodyPr spcFirstLastPara="1" wrap="square" lIns="91425" tIns="91425" rIns="91425" bIns="91425" anchor="ctr" anchorCtr="0">
+                      <a:noAutofit/>
+                    </a:bodyPr>
+                    <a:lstStyle/>
+                    <a:p>
+                      <a:pPr marL="0" lvl="0" indent="0" algn="l" rtl="0">
+                        <a:spcBef>
+                          <a:spcPts val="0"/>
+                        </a:spcBef>
+                        <a:spcAft>
+                          <a:spcPts val="0"/>
+                        </a:spcAft>
+                        <a:buNone/>
+                      </a:pPr>
+                      <a:endParaRPr/>
+                    </a:p>
+                  </p:txBody>
+                </p:sp>
+              </p:grpSp>
+              <p:grpSp>
+                <p:nvGrpSpPr>
+                  <p:cNvPr id="298" name="Google Shape;4223;p92">
+                    <a:extLst>
+                      <a:ext uri="{FF2B5EF4-FFF2-40B4-BE49-F238E27FC236}">
+                        <a16:creationId xmlns:a16="http://schemas.microsoft.com/office/drawing/2014/main" id="{23CF7572-9584-4646-9655-0AC27847CCA6}"/>
+                      </a:ext>
+                    </a:extLst>
+                  </p:cNvPr>
+                  <p:cNvGrpSpPr/>
+                  <p:nvPr/>
+                </p:nvGrpSpPr>
+                <p:grpSpPr>
+                  <a:xfrm>
+                    <a:off x="5936312" y="1713442"/>
+                    <a:ext cx="190570" cy="227991"/>
+                    <a:chOff x="5936312" y="1713442"/>
+                    <a:chExt cx="190570" cy="227991"/>
+                  </a:xfrm>
+                </p:grpSpPr>
+                <p:sp>
+                  <p:nvSpPr>
+                    <p:cNvPr id="302" name="Google Shape;4224;p92">
+                      <a:extLst>
+                        <a:ext uri="{FF2B5EF4-FFF2-40B4-BE49-F238E27FC236}">
+                          <a16:creationId xmlns:a16="http://schemas.microsoft.com/office/drawing/2014/main" id="{D7D26ACD-25F8-4817-91DE-2E117C969D68}"/>
+                        </a:ext>
+                      </a:extLst>
+                    </p:cNvPr>
+                    <p:cNvSpPr/>
+                    <p:nvPr/>
+                  </p:nvSpPr>
+                  <p:spPr>
+                    <a:xfrm>
+                      <a:off x="5936312" y="1775533"/>
+                      <a:ext cx="133800" cy="165900"/>
+                    </a:xfrm>
+                    <a:prstGeom prst="rect">
+                      <a:avLst/>
+                    </a:prstGeom>
+                    <a:gradFill>
+                      <a:gsLst>
+                        <a:gs pos="0">
+                          <a:srgbClr val="E0EDBA"/>
+                        </a:gs>
+                        <a:gs pos="100000">
+                          <a:srgbClr val="DE87F1"/>
+                        </a:gs>
+                      </a:gsLst>
+                      <a:lin ang="13500032" scaled="0"/>
+                    </a:gradFill>
+                    <a:ln w="28575" cap="flat" cmpd="sng">
+                      <a:solidFill>
+                        <a:schemeClr val="dk2"/>
+                      </a:solidFill>
+                      <a:prstDash val="solid"/>
+                      <a:round/>
+                      <a:headEnd type="none" w="sm" len="sm"/>
+                      <a:tailEnd type="none" w="sm" len="sm"/>
+                    </a:ln>
+                  </p:spPr>
+                  <p:txBody>
+                    <a:bodyPr spcFirstLastPara="1" wrap="square" lIns="91425" tIns="91425" rIns="91425" bIns="91425" anchor="ctr" anchorCtr="0">
+                      <a:noAutofit/>
+                    </a:bodyPr>
+                    <a:lstStyle/>
+                    <a:p>
+                      <a:pPr marL="0" lvl="0" indent="0" algn="l" rtl="0">
+                        <a:spcBef>
+                          <a:spcPts val="0"/>
+                        </a:spcBef>
+                        <a:spcAft>
+                          <a:spcPts val="0"/>
+                        </a:spcAft>
+                        <a:buNone/>
+                      </a:pPr>
+                      <a:endParaRPr/>
+                    </a:p>
+                  </p:txBody>
+                </p:sp>
+                <p:sp>
+                  <p:nvSpPr>
+                    <p:cNvPr id="303" name="Google Shape;4225;p92">
+                      <a:extLst>
+                        <a:ext uri="{FF2B5EF4-FFF2-40B4-BE49-F238E27FC236}">
+                          <a16:creationId xmlns:a16="http://schemas.microsoft.com/office/drawing/2014/main" id="{ED71C617-1DB5-4FDD-9AD9-E583C43F62AD}"/>
+                        </a:ext>
+                      </a:extLst>
+                    </p:cNvPr>
+                    <p:cNvSpPr/>
+                    <p:nvPr/>
+                  </p:nvSpPr>
+                  <p:spPr>
+                    <a:xfrm>
+                      <a:off x="5939251" y="1713442"/>
+                      <a:ext cx="185100" cy="55200"/>
+                    </a:xfrm>
+                    <a:prstGeom prst="parallelogram">
+                      <a:avLst>
+                        <a:gd name="adj" fmla="val 91890"/>
+                      </a:avLst>
+                    </a:prstGeom>
+                    <a:gradFill>
+                      <a:gsLst>
+                        <a:gs pos="0">
+                          <a:srgbClr val="E0EDBA"/>
+                        </a:gs>
+                        <a:gs pos="100000">
+                          <a:srgbClr val="DE87F1"/>
+                        </a:gs>
+                      </a:gsLst>
+                      <a:lin ang="13500032" scaled="0"/>
+                    </a:gradFill>
+                    <a:ln w="28575" cap="flat" cmpd="sng">
+                      <a:solidFill>
+                        <a:schemeClr val="dk2"/>
+                      </a:solidFill>
+                      <a:prstDash val="solid"/>
+                      <a:round/>
+                      <a:headEnd type="none" w="sm" len="sm"/>
+                      <a:tailEnd type="none" w="sm" len="sm"/>
+                    </a:ln>
+                  </p:spPr>
+                  <p:txBody>
+                    <a:bodyPr spcFirstLastPara="1" wrap="square" lIns="91425" tIns="91425" rIns="91425" bIns="91425" anchor="ctr" anchorCtr="0">
+                      <a:noAutofit/>
+                    </a:bodyPr>
+                    <a:lstStyle/>
+                    <a:p>
+                      <a:pPr marL="0" lvl="0" indent="0" algn="l" rtl="0">
+                        <a:spcBef>
+                          <a:spcPts val="0"/>
+                        </a:spcBef>
+                        <a:spcAft>
+                          <a:spcPts val="0"/>
+                        </a:spcAft>
+                        <a:buNone/>
+                      </a:pPr>
+                      <a:endParaRPr/>
+                    </a:p>
+                  </p:txBody>
+                </p:sp>
+                <p:sp>
+                  <p:nvSpPr>
+                    <p:cNvPr id="304" name="Google Shape;4226;p92">
+                      <a:extLst>
+                        <a:ext uri="{FF2B5EF4-FFF2-40B4-BE49-F238E27FC236}">
+                          <a16:creationId xmlns:a16="http://schemas.microsoft.com/office/drawing/2014/main" id="{6ABC882D-A597-40DD-B48B-1E6F88B07A52}"/>
+                        </a:ext>
+                      </a:extLst>
+                    </p:cNvPr>
+                    <p:cNvSpPr/>
+                    <p:nvPr/>
+                  </p:nvSpPr>
+                  <p:spPr>
+                    <a:xfrm>
+                      <a:off x="6072171" y="1714983"/>
+                      <a:ext cx="54712" cy="221916"/>
+                    </a:xfrm>
+                    <a:custGeom>
+                      <a:avLst/>
+                      <a:gdLst/>
+                      <a:ahLst/>
+                      <a:cxnLst/>
+                      <a:rect l="l" t="t" r="r" b="b"/>
+                      <a:pathLst>
+                        <a:path w="3501" h="12382" extrusionOk="0">
+                          <a:moveTo>
+                            <a:pt x="0" y="3453"/>
+                          </a:moveTo>
+                          <a:lnTo>
+                            <a:pt x="3501" y="0"/>
+                          </a:lnTo>
+                          <a:lnTo>
+                            <a:pt x="3501" y="9001"/>
+                          </a:lnTo>
+                          <a:lnTo>
+                            <a:pt x="167" y="12382"/>
+                          </a:lnTo>
+                          <a:close/>
+                        </a:path>
+                      </a:pathLst>
+                    </a:custGeom>
+                    <a:gradFill>
+                      <a:gsLst>
+                        <a:gs pos="0">
+                          <a:srgbClr val="E0EDBA"/>
+                        </a:gs>
+                        <a:gs pos="100000">
+                          <a:srgbClr val="DE87F1"/>
+                        </a:gs>
+                      </a:gsLst>
+                      <a:lin ang="13500032" scaled="0"/>
+                    </a:gradFill>
+                    <a:ln w="28575" cap="flat" cmpd="sng">
+                      <a:solidFill>
+                        <a:schemeClr val="dk2"/>
+                      </a:solidFill>
+                      <a:prstDash val="solid"/>
+                      <a:round/>
+                      <a:headEnd type="none" w="med" len="med"/>
+                      <a:tailEnd type="none" w="med" len="med"/>
+                    </a:ln>
+                  </p:spPr>
+                </p:sp>
+              </p:grpSp>
+              <p:grpSp>
+                <p:nvGrpSpPr>
+                  <p:cNvPr id="299" name="Google Shape;4227;p92">
+                    <a:extLst>
+                      <a:ext uri="{FF2B5EF4-FFF2-40B4-BE49-F238E27FC236}">
+                        <a16:creationId xmlns:a16="http://schemas.microsoft.com/office/drawing/2014/main" id="{4B250293-33B9-4053-BB0A-FE3DEFE5C84D}"/>
+                      </a:ext>
+                    </a:extLst>
+                  </p:cNvPr>
+                  <p:cNvGrpSpPr/>
+                  <p:nvPr/>
+                </p:nvGrpSpPr>
+                <p:grpSpPr>
+                  <a:xfrm>
+                    <a:off x="5668659" y="1714000"/>
+                    <a:ext cx="193488" cy="227433"/>
+                    <a:chOff x="5668659" y="1714000"/>
+                    <a:chExt cx="193488" cy="227433"/>
+                  </a:xfrm>
+                </p:grpSpPr>
+                <p:sp>
+                  <p:nvSpPr>
+                    <p:cNvPr id="300" name="Google Shape;4228;p92">
+                      <a:extLst>
+                        <a:ext uri="{FF2B5EF4-FFF2-40B4-BE49-F238E27FC236}">
+                          <a16:creationId xmlns:a16="http://schemas.microsoft.com/office/drawing/2014/main" id="{FD6FDE5F-032D-4B59-ADEC-9C05EC980C1F}"/>
+                        </a:ext>
+                      </a:extLst>
+                    </p:cNvPr>
+                    <p:cNvSpPr/>
+                    <p:nvPr/>
+                  </p:nvSpPr>
+                  <p:spPr>
+                    <a:xfrm>
+                      <a:off x="5673447" y="1714000"/>
+                      <a:ext cx="188700" cy="55200"/>
+                    </a:xfrm>
+                    <a:prstGeom prst="parallelogram">
+                      <a:avLst>
+                        <a:gd name="adj" fmla="val 94805"/>
+                      </a:avLst>
+                    </a:prstGeom>
+                    <a:gradFill>
+                      <a:gsLst>
+                        <a:gs pos="0">
+                          <a:srgbClr val="D8EDBA"/>
+                        </a:gs>
+                        <a:gs pos="100000">
+                          <a:srgbClr val="FE9696"/>
+                        </a:gs>
+                      </a:gsLst>
+                      <a:lin ang="13500032" scaled="0"/>
+                    </a:gradFill>
+                    <a:ln w="28575" cap="flat" cmpd="sng">
+                      <a:solidFill>
+                        <a:schemeClr val="dk2"/>
+                      </a:solidFill>
+                      <a:prstDash val="solid"/>
+                      <a:round/>
+                      <a:headEnd type="none" w="sm" len="sm"/>
+                      <a:tailEnd type="none" w="sm" len="sm"/>
+                    </a:ln>
+                  </p:spPr>
+                  <p:txBody>
+                    <a:bodyPr spcFirstLastPara="1" wrap="square" lIns="91425" tIns="91425" rIns="91425" bIns="91425" anchor="ctr" anchorCtr="0">
+                      <a:noAutofit/>
+                    </a:bodyPr>
+                    <a:lstStyle/>
+                    <a:p>
+                      <a:pPr marL="0" lvl="0" indent="0" algn="l" rtl="0">
+                        <a:spcBef>
+                          <a:spcPts val="0"/>
+                        </a:spcBef>
+                        <a:spcAft>
+                          <a:spcPts val="0"/>
+                        </a:spcAft>
+                        <a:buNone/>
+                      </a:pPr>
+                      <a:endParaRPr/>
+                    </a:p>
+                  </p:txBody>
+                </p:sp>
+                <p:sp>
+                  <p:nvSpPr>
+                    <p:cNvPr id="301" name="Google Shape;4229;p92">
+                      <a:extLst>
+                        <a:ext uri="{FF2B5EF4-FFF2-40B4-BE49-F238E27FC236}">
+                          <a16:creationId xmlns:a16="http://schemas.microsoft.com/office/drawing/2014/main" id="{759C39C7-C20A-47C0-BF2B-D6B774B5DF74}"/>
+                        </a:ext>
+                      </a:extLst>
+                    </p:cNvPr>
+                    <p:cNvSpPr/>
+                    <p:nvPr/>
+                  </p:nvSpPr>
+                  <p:spPr>
+                    <a:xfrm>
+                      <a:off x="5668659" y="1775533"/>
+                      <a:ext cx="133800" cy="165900"/>
+                    </a:xfrm>
+                    <a:prstGeom prst="rect">
+                      <a:avLst/>
+                    </a:prstGeom>
+                    <a:gradFill>
+                      <a:gsLst>
+                        <a:gs pos="0">
+                          <a:srgbClr val="D8EDBA"/>
+                        </a:gs>
+                        <a:gs pos="100000">
+                          <a:srgbClr val="FE9696"/>
+                        </a:gs>
+                      </a:gsLst>
+                      <a:lin ang="13500032" scaled="0"/>
+                    </a:gradFill>
+                    <a:ln w="28575" cap="flat" cmpd="sng">
+                      <a:solidFill>
+                        <a:schemeClr val="dk2"/>
+                      </a:solidFill>
+                      <a:prstDash val="solid"/>
+                      <a:round/>
+                      <a:headEnd type="none" w="sm" len="sm"/>
+                      <a:tailEnd type="none" w="sm" len="sm"/>
+                    </a:ln>
+                  </p:spPr>
+                  <p:txBody>
+                    <a:bodyPr spcFirstLastPara="1" wrap="square" lIns="91425" tIns="91425" rIns="91425" bIns="91425" anchor="ctr" anchorCtr="0">
+                      <a:noAutofit/>
+                    </a:bodyPr>
+                    <a:lstStyle/>
+                    <a:p>
+                      <a:pPr marL="0" lvl="0" indent="0" algn="l" rtl="0">
+                        <a:spcBef>
+                          <a:spcPts val="0"/>
+                        </a:spcBef>
+                        <a:spcAft>
+                          <a:spcPts val="0"/>
+                        </a:spcAft>
+                        <a:buNone/>
+                      </a:pPr>
+                      <a:endParaRPr/>
+                    </a:p>
+                  </p:txBody>
+                </p:sp>
+              </p:grpSp>
+            </p:grpSp>
+            <p:grpSp>
+              <p:nvGrpSpPr>
+                <p:cNvPr id="286" name="Google Shape;4230;p92">
+                  <a:extLst>
+                    <a:ext uri="{FF2B5EF4-FFF2-40B4-BE49-F238E27FC236}">
+                      <a16:creationId xmlns:a16="http://schemas.microsoft.com/office/drawing/2014/main" id="{76829B3F-437A-4F04-951B-8160223B05E6}"/>
+                    </a:ext>
+                  </a:extLst>
+                </p:cNvPr>
+                <p:cNvGrpSpPr/>
+                <p:nvPr/>
+              </p:nvGrpSpPr>
+              <p:grpSpPr>
+                <a:xfrm>
+                  <a:off x="608609" y="2370079"/>
+                  <a:ext cx="458224" cy="227991"/>
+                  <a:chOff x="5668659" y="1713442"/>
+                  <a:chExt cx="458224" cy="227991"/>
+                </a:xfrm>
+              </p:grpSpPr>
+              <p:grpSp>
+                <p:nvGrpSpPr>
+                  <p:cNvPr id="287" name="Google Shape;4231;p92">
+                    <a:extLst>
+                      <a:ext uri="{FF2B5EF4-FFF2-40B4-BE49-F238E27FC236}">
+                        <a16:creationId xmlns:a16="http://schemas.microsoft.com/office/drawing/2014/main" id="{058CA8D2-5764-4B15-8736-CF4B5159A925}"/>
+                      </a:ext>
+                    </a:extLst>
+                  </p:cNvPr>
+                  <p:cNvGrpSpPr/>
+                  <p:nvPr/>
+                </p:nvGrpSpPr>
+                <p:grpSpPr>
+                  <a:xfrm>
+                    <a:off x="5802485" y="1713507"/>
+                    <a:ext cx="188679" cy="227926"/>
+                    <a:chOff x="5802485" y="1713507"/>
+                    <a:chExt cx="188679" cy="227926"/>
+                  </a:xfrm>
+                </p:grpSpPr>
+                <p:sp>
+                  <p:nvSpPr>
+                    <p:cNvPr id="295" name="Google Shape;4232;p92">
+                      <a:extLst>
+                        <a:ext uri="{FF2B5EF4-FFF2-40B4-BE49-F238E27FC236}">
+                          <a16:creationId xmlns:a16="http://schemas.microsoft.com/office/drawing/2014/main" id="{A6B3B450-F4D0-48A4-AE13-EE251F2ADC9A}"/>
+                        </a:ext>
+                      </a:extLst>
+                    </p:cNvPr>
+                    <p:cNvSpPr/>
+                    <p:nvPr/>
+                  </p:nvSpPr>
+                  <p:spPr>
+                    <a:xfrm>
+                      <a:off x="5802485" y="1775533"/>
+                      <a:ext cx="133800" cy="165900"/>
+                    </a:xfrm>
+                    <a:prstGeom prst="rect">
+                      <a:avLst/>
+                    </a:prstGeom>
+                    <a:gradFill>
+                      <a:gsLst>
+                        <a:gs pos="0">
+                          <a:srgbClr val="DBD4EB"/>
+                        </a:gs>
+                        <a:gs pos="100000">
+                          <a:srgbClr val="9180BB"/>
+                        </a:gs>
+                      </a:gsLst>
+                      <a:lin ang="16198662" scaled="0"/>
+                    </a:gradFill>
+                    <a:ln w="28575" cap="flat" cmpd="sng">
+                      <a:solidFill>
+                        <a:schemeClr val="dk2"/>
+                      </a:solidFill>
+                      <a:prstDash val="solid"/>
+                      <a:round/>
+                      <a:headEnd type="none" w="sm" len="sm"/>
+                      <a:tailEnd type="none" w="sm" len="sm"/>
+                    </a:ln>
+                  </p:spPr>
+                  <p:txBody>
+                    <a:bodyPr spcFirstLastPara="1" wrap="square" lIns="91425" tIns="91425" rIns="91425" bIns="91425" anchor="ctr" anchorCtr="0">
+                      <a:noAutofit/>
+                    </a:bodyPr>
+                    <a:lstStyle/>
+                    <a:p>
+                      <a:pPr marL="0" lvl="0" indent="0" algn="l" rtl="0">
+                        <a:spcBef>
+                          <a:spcPts val="0"/>
+                        </a:spcBef>
+                        <a:spcAft>
+                          <a:spcPts val="0"/>
+                        </a:spcAft>
+                        <a:buNone/>
+                      </a:pPr>
+                      <a:endParaRPr/>
+                    </a:p>
+                  </p:txBody>
+                </p:sp>
+                <p:sp>
+                  <p:nvSpPr>
+                    <p:cNvPr id="296" name="Google Shape;4233;p92">
+                      <a:extLst>
+                        <a:ext uri="{FF2B5EF4-FFF2-40B4-BE49-F238E27FC236}">
+                          <a16:creationId xmlns:a16="http://schemas.microsoft.com/office/drawing/2014/main" id="{6A2E4A45-EB3A-42AB-AFB3-394C49B6F5DF}"/>
+                        </a:ext>
+                      </a:extLst>
+                    </p:cNvPr>
+                    <p:cNvSpPr/>
+                    <p:nvPr/>
+                  </p:nvSpPr>
+                  <p:spPr>
+                    <a:xfrm>
+                      <a:off x="5806065" y="1713507"/>
+                      <a:ext cx="185100" cy="55200"/>
+                    </a:xfrm>
+                    <a:prstGeom prst="parallelogram">
+                      <a:avLst>
+                        <a:gd name="adj" fmla="val 99657"/>
+                      </a:avLst>
+                    </a:prstGeom>
+                    <a:gradFill>
+                      <a:gsLst>
+                        <a:gs pos="0">
+                          <a:srgbClr val="DBD4EB"/>
+                        </a:gs>
+                        <a:gs pos="100000">
+                          <a:srgbClr val="9180BB"/>
+                        </a:gs>
+                      </a:gsLst>
+                      <a:lin ang="16198662" scaled="0"/>
+                    </a:gradFill>
+                    <a:ln w="28575" cap="flat" cmpd="sng">
+                      <a:solidFill>
+                        <a:schemeClr val="dk2"/>
+                      </a:solidFill>
+                      <a:prstDash val="solid"/>
+                      <a:round/>
+                      <a:headEnd type="none" w="sm" len="sm"/>
+                      <a:tailEnd type="none" w="sm" len="sm"/>
+                    </a:ln>
+                  </p:spPr>
+                  <p:txBody>
+                    <a:bodyPr spcFirstLastPara="1" wrap="square" lIns="91425" tIns="91425" rIns="91425" bIns="91425" anchor="ctr" anchorCtr="0">
+                      <a:noAutofit/>
+                    </a:bodyPr>
+                    <a:lstStyle/>
+                    <a:p>
+                      <a:pPr marL="0" lvl="0" indent="0" algn="l" rtl="0">
+                        <a:spcBef>
+                          <a:spcPts val="0"/>
+                        </a:spcBef>
+                        <a:spcAft>
+                          <a:spcPts val="0"/>
+                        </a:spcAft>
+                        <a:buNone/>
+                      </a:pPr>
+                      <a:endParaRPr/>
+                    </a:p>
+                  </p:txBody>
+                </p:sp>
+              </p:grpSp>
+              <p:grpSp>
+                <p:nvGrpSpPr>
+                  <p:cNvPr id="288" name="Google Shape;4234;p92">
+                    <a:extLst>
+                      <a:ext uri="{FF2B5EF4-FFF2-40B4-BE49-F238E27FC236}">
+                        <a16:creationId xmlns:a16="http://schemas.microsoft.com/office/drawing/2014/main" id="{6C3013E9-B654-4287-9993-00CA639678F8}"/>
+                      </a:ext>
+                    </a:extLst>
+                  </p:cNvPr>
+                  <p:cNvGrpSpPr/>
+                  <p:nvPr/>
+                </p:nvGrpSpPr>
+                <p:grpSpPr>
+                  <a:xfrm>
+                    <a:off x="5936312" y="1713442"/>
+                    <a:ext cx="190570" cy="227991"/>
+                    <a:chOff x="5936312" y="1713442"/>
+                    <a:chExt cx="190570" cy="227991"/>
+                  </a:xfrm>
+                </p:grpSpPr>
+                <p:sp>
+                  <p:nvSpPr>
+                    <p:cNvPr id="292" name="Google Shape;4235;p92">
+                      <a:extLst>
+                        <a:ext uri="{FF2B5EF4-FFF2-40B4-BE49-F238E27FC236}">
+                          <a16:creationId xmlns:a16="http://schemas.microsoft.com/office/drawing/2014/main" id="{D2B4FF10-C424-4AA9-8151-7481FFBD42FF}"/>
+                        </a:ext>
+                      </a:extLst>
+                    </p:cNvPr>
+                    <p:cNvSpPr/>
+                    <p:nvPr/>
+                  </p:nvSpPr>
+                  <p:spPr>
+                    <a:xfrm>
+                      <a:off x="5936312" y="1775533"/>
+                      <a:ext cx="133800" cy="165900"/>
+                    </a:xfrm>
+                    <a:prstGeom prst="rect">
+                      <a:avLst/>
+                    </a:prstGeom>
+                    <a:gradFill>
+                      <a:gsLst>
+                        <a:gs pos="0">
+                          <a:srgbClr val="E0EDBA"/>
+                        </a:gs>
+                        <a:gs pos="100000">
+                          <a:srgbClr val="DE87F1"/>
+                        </a:gs>
+                      </a:gsLst>
+                      <a:lin ang="13500032" scaled="0"/>
+                    </a:gradFill>
+                    <a:ln w="28575" cap="flat" cmpd="sng">
+                      <a:solidFill>
+                        <a:schemeClr val="dk2"/>
+                      </a:solidFill>
+                      <a:prstDash val="solid"/>
+                      <a:round/>
+                      <a:headEnd type="none" w="sm" len="sm"/>
+                      <a:tailEnd type="none" w="sm" len="sm"/>
+                    </a:ln>
+                  </p:spPr>
+                  <p:txBody>
+                    <a:bodyPr spcFirstLastPara="1" wrap="square" lIns="91425" tIns="91425" rIns="91425" bIns="91425" anchor="ctr" anchorCtr="0">
+                      <a:noAutofit/>
+                    </a:bodyPr>
+                    <a:lstStyle/>
+                    <a:p>
+                      <a:pPr marL="0" lvl="0" indent="0" algn="l" rtl="0">
+                        <a:spcBef>
+                          <a:spcPts val="0"/>
+                        </a:spcBef>
+                        <a:spcAft>
+                          <a:spcPts val="0"/>
+                        </a:spcAft>
+                        <a:buNone/>
+                      </a:pPr>
+                      <a:endParaRPr/>
+                    </a:p>
+                  </p:txBody>
+                </p:sp>
+                <p:sp>
+                  <p:nvSpPr>
+                    <p:cNvPr id="293" name="Google Shape;4236;p92">
+                      <a:extLst>
+                        <a:ext uri="{FF2B5EF4-FFF2-40B4-BE49-F238E27FC236}">
+                          <a16:creationId xmlns:a16="http://schemas.microsoft.com/office/drawing/2014/main" id="{F1442954-BE59-4B8E-8234-309070055CA2}"/>
+                        </a:ext>
+                      </a:extLst>
+                    </p:cNvPr>
+                    <p:cNvSpPr/>
+                    <p:nvPr/>
+                  </p:nvSpPr>
+                  <p:spPr>
+                    <a:xfrm>
+                      <a:off x="5939251" y="1713442"/>
+                      <a:ext cx="185100" cy="55200"/>
+                    </a:xfrm>
+                    <a:prstGeom prst="parallelogram">
+                      <a:avLst>
+                        <a:gd name="adj" fmla="val 91890"/>
+                      </a:avLst>
+                    </a:prstGeom>
+                    <a:gradFill>
+                      <a:gsLst>
+                        <a:gs pos="0">
+                          <a:srgbClr val="E0EDBA"/>
+                        </a:gs>
+                        <a:gs pos="100000">
+                          <a:srgbClr val="DE87F1"/>
+                        </a:gs>
+                      </a:gsLst>
+                      <a:lin ang="13500032" scaled="0"/>
+                    </a:gradFill>
+                    <a:ln w="28575" cap="flat" cmpd="sng">
+                      <a:solidFill>
+                        <a:schemeClr val="dk2"/>
+                      </a:solidFill>
+                      <a:prstDash val="solid"/>
+                      <a:round/>
+                      <a:headEnd type="none" w="sm" len="sm"/>
+                      <a:tailEnd type="none" w="sm" len="sm"/>
+                    </a:ln>
+                  </p:spPr>
+                  <p:txBody>
+                    <a:bodyPr spcFirstLastPara="1" wrap="square" lIns="91425" tIns="91425" rIns="91425" bIns="91425" anchor="ctr" anchorCtr="0">
+                      <a:noAutofit/>
+                    </a:bodyPr>
+                    <a:lstStyle/>
+                    <a:p>
+                      <a:pPr marL="0" lvl="0" indent="0" algn="l" rtl="0">
+                        <a:spcBef>
+                          <a:spcPts val="0"/>
+                        </a:spcBef>
+                        <a:spcAft>
+                          <a:spcPts val="0"/>
+                        </a:spcAft>
+                        <a:buNone/>
+                      </a:pPr>
+                      <a:endParaRPr/>
+                    </a:p>
+                  </p:txBody>
+                </p:sp>
+                <p:sp>
+                  <p:nvSpPr>
+                    <p:cNvPr id="294" name="Google Shape;4237;p92">
+                      <a:extLst>
+                        <a:ext uri="{FF2B5EF4-FFF2-40B4-BE49-F238E27FC236}">
+                          <a16:creationId xmlns:a16="http://schemas.microsoft.com/office/drawing/2014/main" id="{BC50D402-8491-44AC-AD5D-6ACEC1D8AD59}"/>
+                        </a:ext>
+                      </a:extLst>
+                    </p:cNvPr>
+                    <p:cNvSpPr/>
+                    <p:nvPr/>
+                  </p:nvSpPr>
+                  <p:spPr>
+                    <a:xfrm>
+                      <a:off x="6072171" y="1714983"/>
+                      <a:ext cx="54712" cy="221916"/>
+                    </a:xfrm>
+                    <a:custGeom>
+                      <a:avLst/>
+                      <a:gdLst/>
+                      <a:ahLst/>
+                      <a:cxnLst/>
+                      <a:rect l="l" t="t" r="r" b="b"/>
+                      <a:pathLst>
+                        <a:path w="3501" h="12382" extrusionOk="0">
+                          <a:moveTo>
+                            <a:pt x="0" y="3453"/>
+                          </a:moveTo>
+                          <a:lnTo>
+                            <a:pt x="3501" y="0"/>
+                          </a:lnTo>
+                          <a:lnTo>
+                            <a:pt x="3501" y="9001"/>
+                          </a:lnTo>
+                          <a:lnTo>
+                            <a:pt x="167" y="12382"/>
+                          </a:lnTo>
+                          <a:close/>
+                        </a:path>
+                      </a:pathLst>
+                    </a:custGeom>
+                    <a:gradFill>
+                      <a:gsLst>
+                        <a:gs pos="0">
+                          <a:srgbClr val="E0EDBA"/>
+                        </a:gs>
+                        <a:gs pos="100000">
+                          <a:srgbClr val="DE87F1"/>
+                        </a:gs>
+                      </a:gsLst>
+                      <a:lin ang="13500032" scaled="0"/>
+                    </a:gradFill>
+                    <a:ln w="28575" cap="flat" cmpd="sng">
+                      <a:solidFill>
+                        <a:schemeClr val="dk2"/>
+                      </a:solidFill>
+                      <a:prstDash val="solid"/>
+                      <a:round/>
+                      <a:headEnd type="none" w="med" len="med"/>
+                      <a:tailEnd type="none" w="med" len="med"/>
+                    </a:ln>
+                  </p:spPr>
+                </p:sp>
+              </p:grpSp>
+              <p:grpSp>
+                <p:nvGrpSpPr>
+                  <p:cNvPr id="289" name="Google Shape;4238;p92">
+                    <a:extLst>
+                      <a:ext uri="{FF2B5EF4-FFF2-40B4-BE49-F238E27FC236}">
+                        <a16:creationId xmlns:a16="http://schemas.microsoft.com/office/drawing/2014/main" id="{C1E2B3A6-437A-4EB1-9D0C-5156A65350F2}"/>
+                      </a:ext>
+                    </a:extLst>
+                  </p:cNvPr>
+                  <p:cNvGrpSpPr/>
+                  <p:nvPr/>
+                </p:nvGrpSpPr>
+                <p:grpSpPr>
+                  <a:xfrm>
+                    <a:off x="5668659" y="1714000"/>
+                    <a:ext cx="193488" cy="227433"/>
+                    <a:chOff x="5668659" y="1714000"/>
+                    <a:chExt cx="193488" cy="227433"/>
+                  </a:xfrm>
+                </p:grpSpPr>
+                <p:sp>
+                  <p:nvSpPr>
+                    <p:cNvPr id="290" name="Google Shape;4239;p92">
+                      <a:extLst>
+                        <a:ext uri="{FF2B5EF4-FFF2-40B4-BE49-F238E27FC236}">
+                          <a16:creationId xmlns:a16="http://schemas.microsoft.com/office/drawing/2014/main" id="{F562F58A-8AA6-45F7-B046-50FF57829407}"/>
+                        </a:ext>
+                      </a:extLst>
+                    </p:cNvPr>
+                    <p:cNvSpPr/>
+                    <p:nvPr/>
+                  </p:nvSpPr>
+                  <p:spPr>
+                    <a:xfrm>
+                      <a:off x="5673447" y="1714000"/>
+                      <a:ext cx="188700" cy="55200"/>
+                    </a:xfrm>
+                    <a:prstGeom prst="parallelogram">
+                      <a:avLst>
+                        <a:gd name="adj" fmla="val 94805"/>
+                      </a:avLst>
+                    </a:prstGeom>
+                    <a:gradFill>
+                      <a:gsLst>
+                        <a:gs pos="0">
+                          <a:srgbClr val="D8EDBA"/>
+                        </a:gs>
+                        <a:gs pos="100000">
+                          <a:srgbClr val="FE9696"/>
+                        </a:gs>
+                      </a:gsLst>
+                      <a:lin ang="13500032" scaled="0"/>
+                    </a:gradFill>
+                    <a:ln w="28575" cap="flat" cmpd="sng">
+                      <a:solidFill>
+                        <a:schemeClr val="dk2"/>
+                      </a:solidFill>
+                      <a:prstDash val="solid"/>
+                      <a:round/>
+                      <a:headEnd type="none" w="sm" len="sm"/>
+                      <a:tailEnd type="none" w="sm" len="sm"/>
+                    </a:ln>
+                  </p:spPr>
+                  <p:txBody>
+                    <a:bodyPr spcFirstLastPara="1" wrap="square" lIns="91425" tIns="91425" rIns="91425" bIns="91425" anchor="ctr" anchorCtr="0">
+                      <a:noAutofit/>
+                    </a:bodyPr>
+                    <a:lstStyle/>
+                    <a:p>
+                      <a:pPr marL="0" lvl="0" indent="0" algn="l" rtl="0">
+                        <a:spcBef>
+                          <a:spcPts val="0"/>
+                        </a:spcBef>
+                        <a:spcAft>
+                          <a:spcPts val="0"/>
+                        </a:spcAft>
+                        <a:buNone/>
+                      </a:pPr>
+                      <a:endParaRPr/>
+                    </a:p>
+                  </p:txBody>
+                </p:sp>
+                <p:sp>
+                  <p:nvSpPr>
+                    <p:cNvPr id="291" name="Google Shape;4240;p92">
+                      <a:extLst>
+                        <a:ext uri="{FF2B5EF4-FFF2-40B4-BE49-F238E27FC236}">
+                          <a16:creationId xmlns:a16="http://schemas.microsoft.com/office/drawing/2014/main" id="{6CEA331E-9438-4A10-9056-B8D2B2D556DD}"/>
+                        </a:ext>
+                      </a:extLst>
+                    </p:cNvPr>
+                    <p:cNvSpPr/>
+                    <p:nvPr/>
+                  </p:nvSpPr>
+                  <p:spPr>
+                    <a:xfrm>
+                      <a:off x="5668659" y="1775533"/>
+                      <a:ext cx="133800" cy="165900"/>
+                    </a:xfrm>
+                    <a:prstGeom prst="rect">
+                      <a:avLst/>
+                    </a:prstGeom>
+                    <a:gradFill>
+                      <a:gsLst>
+                        <a:gs pos="0">
+                          <a:srgbClr val="D8EDBA"/>
+                        </a:gs>
+                        <a:gs pos="100000">
+                          <a:srgbClr val="FE9696"/>
+                        </a:gs>
+                      </a:gsLst>
+                      <a:lin ang="13500032" scaled="0"/>
+                    </a:gradFill>
+                    <a:ln w="28575" cap="flat" cmpd="sng">
+                      <a:solidFill>
+                        <a:schemeClr val="dk2"/>
+                      </a:solidFill>
+                      <a:prstDash val="solid"/>
+                      <a:round/>
+                      <a:headEnd type="none" w="sm" len="sm"/>
+                      <a:tailEnd type="none" w="sm" len="sm"/>
+                    </a:ln>
+                  </p:spPr>
+                  <p:txBody>
+                    <a:bodyPr spcFirstLastPara="1" wrap="square" lIns="91425" tIns="91425" rIns="91425" bIns="91425" anchor="ctr" anchorCtr="0">
+                      <a:noAutofit/>
+                    </a:bodyPr>
+                    <a:lstStyle/>
+                    <a:p>
+                      <a:pPr marL="0" lvl="0" indent="0" algn="l" rtl="0">
+                        <a:spcBef>
+                          <a:spcPts val="0"/>
+                        </a:spcBef>
+                        <a:spcAft>
+                          <a:spcPts val="0"/>
+                        </a:spcAft>
+                        <a:buNone/>
+                      </a:pPr>
+                      <a:endParaRPr/>
+                    </a:p>
+                  </p:txBody>
+                </p:sp>
+              </p:grpSp>
+            </p:grpSp>
+          </p:grpSp>
+          <p:grpSp>
+            <p:nvGrpSpPr>
+              <p:cNvPr id="317" name="Google Shape;4207;p92">
+                <a:extLst>
+                  <a:ext uri="{FF2B5EF4-FFF2-40B4-BE49-F238E27FC236}">
+                    <a16:creationId xmlns:a16="http://schemas.microsoft.com/office/drawing/2014/main" id="{EFB87A47-BBC1-4DEC-A9A2-EA2C3A412C83}"/>
+                  </a:ext>
+                </a:extLst>
+              </p:cNvPr>
+              <p:cNvGrpSpPr/>
+              <p:nvPr/>
+            </p:nvGrpSpPr>
+            <p:grpSpPr>
+              <a:xfrm>
+                <a:off x="3405686" y="3077795"/>
+                <a:ext cx="1605799" cy="1679186"/>
+                <a:chOff x="608609" y="2370079"/>
+                <a:chExt cx="458224" cy="523616"/>
+              </a:xfrm>
+            </p:grpSpPr>
+            <p:grpSp>
+              <p:nvGrpSpPr>
+                <p:cNvPr id="318" name="Google Shape;4208;p92">
+                  <a:extLst>
+                    <a:ext uri="{FF2B5EF4-FFF2-40B4-BE49-F238E27FC236}">
+                      <a16:creationId xmlns:a16="http://schemas.microsoft.com/office/drawing/2014/main" id="{87781010-BB33-4DB9-8959-E27D15292119}"/>
+                    </a:ext>
+                  </a:extLst>
+                </p:cNvPr>
+                <p:cNvGrpSpPr/>
+                <p:nvPr/>
+              </p:nvGrpSpPr>
+              <p:grpSpPr>
+                <a:xfrm>
+                  <a:off x="608609" y="2665704"/>
+                  <a:ext cx="458224" cy="227991"/>
+                  <a:chOff x="5668659" y="1713442"/>
+                  <a:chExt cx="458224" cy="227991"/>
+                </a:xfrm>
+              </p:grpSpPr>
+              <p:grpSp>
+                <p:nvGrpSpPr>
+                  <p:cNvPr id="341" name="Google Shape;4209;p92">
+                    <a:extLst>
+                      <a:ext uri="{FF2B5EF4-FFF2-40B4-BE49-F238E27FC236}">
+                        <a16:creationId xmlns:a16="http://schemas.microsoft.com/office/drawing/2014/main" id="{59AFCBAB-35A9-4E46-8CBE-EB3D61D9E3EA}"/>
+                      </a:ext>
+                    </a:extLst>
+                  </p:cNvPr>
+                  <p:cNvGrpSpPr/>
+                  <p:nvPr/>
+                </p:nvGrpSpPr>
+                <p:grpSpPr>
+                  <a:xfrm>
+                    <a:off x="5802485" y="1713507"/>
+                    <a:ext cx="188679" cy="227926"/>
+                    <a:chOff x="5802485" y="1713507"/>
+                    <a:chExt cx="188679" cy="227926"/>
+                  </a:xfrm>
+                </p:grpSpPr>
+                <p:sp>
+                  <p:nvSpPr>
+                    <p:cNvPr id="349" name="Google Shape;4210;p92">
+                      <a:extLst>
+                        <a:ext uri="{FF2B5EF4-FFF2-40B4-BE49-F238E27FC236}">
+                          <a16:creationId xmlns:a16="http://schemas.microsoft.com/office/drawing/2014/main" id="{D821A242-F410-463D-AD7D-C70779B2EC13}"/>
+                        </a:ext>
+                      </a:extLst>
+                    </p:cNvPr>
+                    <p:cNvSpPr/>
+                    <p:nvPr/>
+                  </p:nvSpPr>
+                  <p:spPr>
+                    <a:xfrm>
+                      <a:off x="5802485" y="1775533"/>
+                      <a:ext cx="133800" cy="165900"/>
+                    </a:xfrm>
+                    <a:prstGeom prst="rect">
+                      <a:avLst/>
+                    </a:prstGeom>
+                    <a:gradFill>
+                      <a:gsLst>
+                        <a:gs pos="0">
+                          <a:srgbClr val="DBD4EB"/>
+                        </a:gs>
+                        <a:gs pos="100000">
+                          <a:srgbClr val="9180BB"/>
+                        </a:gs>
+                      </a:gsLst>
+                      <a:lin ang="16198662" scaled="0"/>
+                    </a:gradFill>
+                    <a:ln w="28575" cap="flat" cmpd="sng">
+                      <a:solidFill>
+                        <a:schemeClr val="dk2"/>
+                      </a:solidFill>
+                      <a:prstDash val="solid"/>
+                      <a:round/>
+                      <a:headEnd type="none" w="sm" len="sm"/>
+                      <a:tailEnd type="none" w="sm" len="sm"/>
+                    </a:ln>
+                  </p:spPr>
+                  <p:txBody>
+                    <a:bodyPr spcFirstLastPara="1" wrap="square" lIns="91425" tIns="91425" rIns="91425" bIns="91425" anchor="ctr" anchorCtr="0">
+                      <a:noAutofit/>
+                    </a:bodyPr>
+                    <a:lstStyle/>
+                    <a:p>
+                      <a:pPr marL="0" lvl="0" indent="0" algn="l" rtl="0">
+                        <a:spcBef>
+                          <a:spcPts val="0"/>
+                        </a:spcBef>
+                        <a:spcAft>
+                          <a:spcPts val="0"/>
+                        </a:spcAft>
+                        <a:buNone/>
+                      </a:pPr>
+                      <a:endParaRPr/>
+                    </a:p>
+                  </p:txBody>
+                </p:sp>
+                <p:sp>
+                  <p:nvSpPr>
+                    <p:cNvPr id="350" name="Google Shape;4211;p92">
+                      <a:extLst>
+                        <a:ext uri="{FF2B5EF4-FFF2-40B4-BE49-F238E27FC236}">
+                          <a16:creationId xmlns:a16="http://schemas.microsoft.com/office/drawing/2014/main" id="{592A20EB-7F52-4BDE-9A3E-1FDA4B03E3D6}"/>
+                        </a:ext>
+                      </a:extLst>
+                    </p:cNvPr>
+                    <p:cNvSpPr/>
+                    <p:nvPr/>
+                  </p:nvSpPr>
+                  <p:spPr>
+                    <a:xfrm>
+                      <a:off x="5806065" y="1713507"/>
+                      <a:ext cx="185100" cy="55200"/>
+                    </a:xfrm>
+                    <a:prstGeom prst="parallelogram">
+                      <a:avLst>
+                        <a:gd name="adj" fmla="val 99657"/>
+                      </a:avLst>
+                    </a:prstGeom>
+                    <a:gradFill>
+                      <a:gsLst>
+                        <a:gs pos="0">
+                          <a:srgbClr val="DBD4EB"/>
+                        </a:gs>
+                        <a:gs pos="100000">
+                          <a:srgbClr val="9180BB"/>
+                        </a:gs>
+                      </a:gsLst>
+                      <a:lin ang="16198662" scaled="0"/>
+                    </a:gradFill>
+                    <a:ln w="28575" cap="flat" cmpd="sng">
+                      <a:solidFill>
+                        <a:schemeClr val="dk2"/>
+                      </a:solidFill>
+                      <a:prstDash val="solid"/>
+                      <a:round/>
+                      <a:headEnd type="none" w="sm" len="sm"/>
+                      <a:tailEnd type="none" w="sm" len="sm"/>
+                    </a:ln>
+                  </p:spPr>
+                  <p:txBody>
+                    <a:bodyPr spcFirstLastPara="1" wrap="square" lIns="91425" tIns="91425" rIns="91425" bIns="91425" anchor="ctr" anchorCtr="0">
+                      <a:noAutofit/>
+                    </a:bodyPr>
+                    <a:lstStyle/>
+                    <a:p>
+                      <a:pPr marL="0" lvl="0" indent="0" algn="l" rtl="0">
+                        <a:spcBef>
+                          <a:spcPts val="0"/>
+                        </a:spcBef>
+                        <a:spcAft>
+                          <a:spcPts val="0"/>
+                        </a:spcAft>
+                        <a:buNone/>
+                      </a:pPr>
+                      <a:endParaRPr/>
+                    </a:p>
+                  </p:txBody>
+                </p:sp>
+              </p:grpSp>
+              <p:grpSp>
+                <p:nvGrpSpPr>
+                  <p:cNvPr id="342" name="Google Shape;4212;p92">
+                    <a:extLst>
+                      <a:ext uri="{FF2B5EF4-FFF2-40B4-BE49-F238E27FC236}">
+                        <a16:creationId xmlns:a16="http://schemas.microsoft.com/office/drawing/2014/main" id="{030397EC-3670-414E-894A-E2B894283A66}"/>
+                      </a:ext>
+                    </a:extLst>
+                  </p:cNvPr>
+                  <p:cNvGrpSpPr/>
+                  <p:nvPr/>
+                </p:nvGrpSpPr>
+                <p:grpSpPr>
+                  <a:xfrm>
+                    <a:off x="5936312" y="1713442"/>
+                    <a:ext cx="190570" cy="227991"/>
+                    <a:chOff x="5936312" y="1713442"/>
+                    <a:chExt cx="190570" cy="227991"/>
+                  </a:xfrm>
+                </p:grpSpPr>
+                <p:sp>
+                  <p:nvSpPr>
+                    <p:cNvPr id="346" name="Google Shape;4213;p92">
+                      <a:extLst>
+                        <a:ext uri="{FF2B5EF4-FFF2-40B4-BE49-F238E27FC236}">
+                          <a16:creationId xmlns:a16="http://schemas.microsoft.com/office/drawing/2014/main" id="{4D8A6ECE-F121-48D8-A813-AAA2DFD5C776}"/>
+                        </a:ext>
+                      </a:extLst>
+                    </p:cNvPr>
+                    <p:cNvSpPr/>
+                    <p:nvPr/>
+                  </p:nvSpPr>
+                  <p:spPr>
+                    <a:xfrm>
+                      <a:off x="5936312" y="1775533"/>
+                      <a:ext cx="133800" cy="165900"/>
+                    </a:xfrm>
+                    <a:prstGeom prst="rect">
+                      <a:avLst/>
+                    </a:prstGeom>
+                    <a:gradFill>
+                      <a:gsLst>
+                        <a:gs pos="0">
+                          <a:srgbClr val="E0EDBA"/>
+                        </a:gs>
+                        <a:gs pos="100000">
+                          <a:srgbClr val="DE87F1"/>
+                        </a:gs>
+                      </a:gsLst>
+                      <a:lin ang="13500032" scaled="0"/>
+                    </a:gradFill>
+                    <a:ln w="28575" cap="flat" cmpd="sng">
+                      <a:solidFill>
+                        <a:schemeClr val="dk2"/>
+                      </a:solidFill>
+                      <a:prstDash val="solid"/>
+                      <a:round/>
+                      <a:headEnd type="none" w="sm" len="sm"/>
+                      <a:tailEnd type="none" w="sm" len="sm"/>
+                    </a:ln>
+                  </p:spPr>
+                  <p:txBody>
+                    <a:bodyPr spcFirstLastPara="1" wrap="square" lIns="91425" tIns="91425" rIns="91425" bIns="91425" anchor="ctr" anchorCtr="0">
+                      <a:noAutofit/>
+                    </a:bodyPr>
+                    <a:lstStyle/>
+                    <a:p>
+                      <a:pPr marL="0" lvl="0" indent="0" algn="l" rtl="0">
+                        <a:spcBef>
+                          <a:spcPts val="0"/>
+                        </a:spcBef>
+                        <a:spcAft>
+                          <a:spcPts val="0"/>
+                        </a:spcAft>
+                        <a:buNone/>
+                      </a:pPr>
+                      <a:endParaRPr/>
+                    </a:p>
+                  </p:txBody>
+                </p:sp>
+                <p:sp>
+                  <p:nvSpPr>
+                    <p:cNvPr id="347" name="Google Shape;4214;p92">
+                      <a:extLst>
+                        <a:ext uri="{FF2B5EF4-FFF2-40B4-BE49-F238E27FC236}">
+                          <a16:creationId xmlns:a16="http://schemas.microsoft.com/office/drawing/2014/main" id="{D40956E8-A70D-44B5-8785-4B2F19AE2753}"/>
+                        </a:ext>
+                      </a:extLst>
+                    </p:cNvPr>
+                    <p:cNvSpPr/>
+                    <p:nvPr/>
+                  </p:nvSpPr>
+                  <p:spPr>
+                    <a:xfrm>
+                      <a:off x="5939251" y="1713442"/>
+                      <a:ext cx="185100" cy="55200"/>
+                    </a:xfrm>
+                    <a:prstGeom prst="parallelogram">
+                      <a:avLst>
+                        <a:gd name="adj" fmla="val 91890"/>
+                      </a:avLst>
+                    </a:prstGeom>
+                    <a:gradFill>
+                      <a:gsLst>
+                        <a:gs pos="0">
+                          <a:srgbClr val="E0EDBA"/>
+                        </a:gs>
+                        <a:gs pos="100000">
+                          <a:srgbClr val="DE87F1"/>
+                        </a:gs>
+                      </a:gsLst>
+                      <a:lin ang="13500032" scaled="0"/>
+                    </a:gradFill>
+                    <a:ln w="28575" cap="flat" cmpd="sng">
+                      <a:solidFill>
+                        <a:schemeClr val="dk2"/>
+                      </a:solidFill>
+                      <a:prstDash val="solid"/>
+                      <a:round/>
+                      <a:headEnd type="none" w="sm" len="sm"/>
+                      <a:tailEnd type="none" w="sm" len="sm"/>
+                    </a:ln>
+                  </p:spPr>
+                  <p:txBody>
+                    <a:bodyPr spcFirstLastPara="1" wrap="square" lIns="91425" tIns="91425" rIns="91425" bIns="91425" anchor="ctr" anchorCtr="0">
+                      <a:noAutofit/>
+                    </a:bodyPr>
+                    <a:lstStyle/>
+                    <a:p>
+                      <a:pPr marL="0" lvl="0" indent="0" algn="l" rtl="0">
+                        <a:spcBef>
+                          <a:spcPts val="0"/>
+                        </a:spcBef>
+                        <a:spcAft>
+                          <a:spcPts val="0"/>
+                        </a:spcAft>
+                        <a:buNone/>
+                      </a:pPr>
+                      <a:endParaRPr/>
+                    </a:p>
+                  </p:txBody>
+                </p:sp>
+                <p:sp>
+                  <p:nvSpPr>
+                    <p:cNvPr id="348" name="Google Shape;4215;p92">
+                      <a:extLst>
+                        <a:ext uri="{FF2B5EF4-FFF2-40B4-BE49-F238E27FC236}">
+                          <a16:creationId xmlns:a16="http://schemas.microsoft.com/office/drawing/2014/main" id="{5D4B5ED0-2D12-48EC-8F41-1FDB97B6CC09}"/>
+                        </a:ext>
+                      </a:extLst>
+                    </p:cNvPr>
+                    <p:cNvSpPr/>
+                    <p:nvPr/>
+                  </p:nvSpPr>
+                  <p:spPr>
+                    <a:xfrm>
+                      <a:off x="6072171" y="1714983"/>
+                      <a:ext cx="54712" cy="221916"/>
+                    </a:xfrm>
+                    <a:custGeom>
+                      <a:avLst/>
+                      <a:gdLst/>
+                      <a:ahLst/>
+                      <a:cxnLst/>
+                      <a:rect l="l" t="t" r="r" b="b"/>
+                      <a:pathLst>
+                        <a:path w="3501" h="12382" extrusionOk="0">
+                          <a:moveTo>
+                            <a:pt x="0" y="3453"/>
+                          </a:moveTo>
+                          <a:lnTo>
+                            <a:pt x="3501" y="0"/>
+                          </a:lnTo>
+                          <a:lnTo>
+                            <a:pt x="3501" y="9001"/>
+                          </a:lnTo>
+                          <a:lnTo>
+                            <a:pt x="167" y="12382"/>
+                          </a:lnTo>
+                          <a:close/>
+                        </a:path>
+                      </a:pathLst>
+                    </a:custGeom>
+                    <a:gradFill>
+                      <a:gsLst>
+                        <a:gs pos="0">
+                          <a:srgbClr val="E0EDBA"/>
+                        </a:gs>
+                        <a:gs pos="100000">
+                          <a:srgbClr val="DE87F1"/>
+                        </a:gs>
+                      </a:gsLst>
+                      <a:lin ang="13500032" scaled="0"/>
+                    </a:gradFill>
+                    <a:ln w="28575" cap="flat" cmpd="sng">
+                      <a:solidFill>
+                        <a:schemeClr val="dk2"/>
+                      </a:solidFill>
+                      <a:prstDash val="solid"/>
+                      <a:round/>
+                      <a:headEnd type="none" w="med" len="med"/>
+                      <a:tailEnd type="none" w="med" len="med"/>
+                    </a:ln>
+                  </p:spPr>
+                </p:sp>
+              </p:grpSp>
+              <p:grpSp>
+                <p:nvGrpSpPr>
+                  <p:cNvPr id="343" name="Google Shape;4216;p92">
+                    <a:extLst>
+                      <a:ext uri="{FF2B5EF4-FFF2-40B4-BE49-F238E27FC236}">
+                        <a16:creationId xmlns:a16="http://schemas.microsoft.com/office/drawing/2014/main" id="{9E3B6433-1CE3-491C-A35D-9F461CC6E503}"/>
+                      </a:ext>
+                    </a:extLst>
+                  </p:cNvPr>
+                  <p:cNvGrpSpPr/>
+                  <p:nvPr/>
+                </p:nvGrpSpPr>
+                <p:grpSpPr>
+                  <a:xfrm>
+                    <a:off x="5668659" y="1714000"/>
+                    <a:ext cx="193488" cy="227433"/>
+                    <a:chOff x="5668659" y="1714000"/>
+                    <a:chExt cx="193488" cy="227433"/>
+                  </a:xfrm>
+                </p:grpSpPr>
+                <p:sp>
+                  <p:nvSpPr>
+                    <p:cNvPr id="344" name="Google Shape;4217;p92">
+                      <a:extLst>
+                        <a:ext uri="{FF2B5EF4-FFF2-40B4-BE49-F238E27FC236}">
+                          <a16:creationId xmlns:a16="http://schemas.microsoft.com/office/drawing/2014/main" id="{B30E8F15-B24F-4144-A4BC-91F5CBE9F697}"/>
+                        </a:ext>
+                      </a:extLst>
+                    </p:cNvPr>
+                    <p:cNvSpPr/>
+                    <p:nvPr/>
+                  </p:nvSpPr>
+                  <p:spPr>
+                    <a:xfrm>
+                      <a:off x="5673447" y="1714000"/>
+                      <a:ext cx="188700" cy="55200"/>
+                    </a:xfrm>
+                    <a:prstGeom prst="parallelogram">
+                      <a:avLst>
+                        <a:gd name="adj" fmla="val 94805"/>
+                      </a:avLst>
+                    </a:prstGeom>
+                    <a:gradFill>
+                      <a:gsLst>
+                        <a:gs pos="0">
+                          <a:srgbClr val="D8EDBA"/>
+                        </a:gs>
+                        <a:gs pos="100000">
+                          <a:srgbClr val="FE9696"/>
+                        </a:gs>
+                      </a:gsLst>
+                      <a:lin ang="13500032" scaled="0"/>
+                    </a:gradFill>
+                    <a:ln w="28575" cap="flat" cmpd="sng">
+                      <a:solidFill>
+                        <a:schemeClr val="dk2"/>
+                      </a:solidFill>
+                      <a:prstDash val="solid"/>
+                      <a:round/>
+                      <a:headEnd type="none" w="sm" len="sm"/>
+                      <a:tailEnd type="none" w="sm" len="sm"/>
+                    </a:ln>
+                  </p:spPr>
+                  <p:txBody>
+                    <a:bodyPr spcFirstLastPara="1" wrap="square" lIns="91425" tIns="91425" rIns="91425" bIns="91425" anchor="ctr" anchorCtr="0">
+                      <a:noAutofit/>
+                    </a:bodyPr>
+                    <a:lstStyle/>
+                    <a:p>
+                      <a:pPr marL="0" lvl="0" indent="0" algn="l" rtl="0">
+                        <a:spcBef>
+                          <a:spcPts val="0"/>
+                        </a:spcBef>
+                        <a:spcAft>
+                          <a:spcPts val="0"/>
+                        </a:spcAft>
+                        <a:buNone/>
+                      </a:pPr>
+                      <a:endParaRPr/>
+                    </a:p>
+                  </p:txBody>
+                </p:sp>
+                <p:sp>
+                  <p:nvSpPr>
+                    <p:cNvPr id="345" name="Google Shape;4218;p92">
+                      <a:extLst>
+                        <a:ext uri="{FF2B5EF4-FFF2-40B4-BE49-F238E27FC236}">
+                          <a16:creationId xmlns:a16="http://schemas.microsoft.com/office/drawing/2014/main" id="{B5C84A9C-2CD0-4D40-8E51-DFA4E7090A8D}"/>
+                        </a:ext>
+                      </a:extLst>
+                    </p:cNvPr>
+                    <p:cNvSpPr/>
+                    <p:nvPr/>
+                  </p:nvSpPr>
+                  <p:spPr>
+                    <a:xfrm>
+                      <a:off x="5668659" y="1775533"/>
+                      <a:ext cx="133800" cy="165900"/>
+                    </a:xfrm>
+                    <a:prstGeom prst="rect">
+                      <a:avLst/>
+                    </a:prstGeom>
+                    <a:gradFill>
+                      <a:gsLst>
+                        <a:gs pos="0">
+                          <a:srgbClr val="D8EDBA"/>
+                        </a:gs>
+                        <a:gs pos="100000">
+                          <a:srgbClr val="FE9696"/>
+                        </a:gs>
+                      </a:gsLst>
+                      <a:lin ang="13500032" scaled="0"/>
+                    </a:gradFill>
+                    <a:ln w="28575" cap="flat" cmpd="sng">
+                      <a:solidFill>
+                        <a:schemeClr val="dk2"/>
+                      </a:solidFill>
+                      <a:prstDash val="solid"/>
+                      <a:round/>
+                      <a:headEnd type="none" w="sm" len="sm"/>
+                      <a:tailEnd type="none" w="sm" len="sm"/>
+                    </a:ln>
+                  </p:spPr>
+                  <p:txBody>
+                    <a:bodyPr spcFirstLastPara="1" wrap="square" lIns="91425" tIns="91425" rIns="91425" bIns="91425" anchor="ctr" anchorCtr="0">
+                      <a:noAutofit/>
+                    </a:bodyPr>
+                    <a:lstStyle/>
+                    <a:p>
+                      <a:pPr marL="0" lvl="0" indent="0" algn="l" rtl="0">
+                        <a:spcBef>
+                          <a:spcPts val="0"/>
+                        </a:spcBef>
+                        <a:spcAft>
+                          <a:spcPts val="0"/>
+                        </a:spcAft>
+                        <a:buNone/>
+                      </a:pPr>
+                      <a:endParaRPr/>
+                    </a:p>
+                  </p:txBody>
+                </p:sp>
+              </p:grpSp>
+            </p:grpSp>
+            <p:grpSp>
+              <p:nvGrpSpPr>
+                <p:cNvPr id="319" name="Google Shape;4219;p92">
+                  <a:extLst>
+                    <a:ext uri="{FF2B5EF4-FFF2-40B4-BE49-F238E27FC236}">
+                      <a16:creationId xmlns:a16="http://schemas.microsoft.com/office/drawing/2014/main" id="{1748C981-6EE0-423B-9801-B95454B68AB6}"/>
+                    </a:ext>
+                  </a:extLst>
+                </p:cNvPr>
+                <p:cNvGrpSpPr/>
+                <p:nvPr/>
+              </p:nvGrpSpPr>
+              <p:grpSpPr>
+                <a:xfrm>
+                  <a:off x="608609" y="2511879"/>
+                  <a:ext cx="458224" cy="227991"/>
+                  <a:chOff x="5668659" y="1713442"/>
+                  <a:chExt cx="458224" cy="227991"/>
+                </a:xfrm>
+              </p:grpSpPr>
+              <p:grpSp>
+                <p:nvGrpSpPr>
+                  <p:cNvPr id="331" name="Google Shape;4220;p92">
+                    <a:extLst>
+                      <a:ext uri="{FF2B5EF4-FFF2-40B4-BE49-F238E27FC236}">
+                        <a16:creationId xmlns:a16="http://schemas.microsoft.com/office/drawing/2014/main" id="{1D72A849-E88B-4715-A52F-CD07FB28A2F7}"/>
+                      </a:ext>
+                    </a:extLst>
+                  </p:cNvPr>
+                  <p:cNvGrpSpPr/>
+                  <p:nvPr/>
+                </p:nvGrpSpPr>
+                <p:grpSpPr>
+                  <a:xfrm>
+                    <a:off x="5802485" y="1713507"/>
+                    <a:ext cx="188679" cy="227926"/>
+                    <a:chOff x="5802485" y="1713507"/>
+                    <a:chExt cx="188679" cy="227926"/>
+                  </a:xfrm>
+                </p:grpSpPr>
+                <p:sp>
+                  <p:nvSpPr>
+                    <p:cNvPr id="339" name="Google Shape;4221;p92">
+                      <a:extLst>
+                        <a:ext uri="{FF2B5EF4-FFF2-40B4-BE49-F238E27FC236}">
+                          <a16:creationId xmlns:a16="http://schemas.microsoft.com/office/drawing/2014/main" id="{D4AE8EC1-4001-4C49-968D-8C6A82D6A811}"/>
+                        </a:ext>
+                      </a:extLst>
+                    </p:cNvPr>
+                    <p:cNvSpPr/>
+                    <p:nvPr/>
+                  </p:nvSpPr>
+                  <p:spPr>
+                    <a:xfrm>
+                      <a:off x="5802485" y="1775533"/>
+                      <a:ext cx="133800" cy="165900"/>
+                    </a:xfrm>
+                    <a:prstGeom prst="rect">
+                      <a:avLst/>
+                    </a:prstGeom>
+                    <a:gradFill>
+                      <a:gsLst>
+                        <a:gs pos="0">
+                          <a:srgbClr val="DBD4EB"/>
+                        </a:gs>
+                        <a:gs pos="100000">
+                          <a:srgbClr val="9180BB"/>
+                        </a:gs>
+                      </a:gsLst>
+                      <a:lin ang="16198662" scaled="0"/>
+                    </a:gradFill>
+                    <a:ln w="28575" cap="flat" cmpd="sng">
+                      <a:solidFill>
+                        <a:schemeClr val="dk2"/>
+                      </a:solidFill>
+                      <a:prstDash val="solid"/>
+                      <a:round/>
+                      <a:headEnd type="none" w="sm" len="sm"/>
+                      <a:tailEnd type="none" w="sm" len="sm"/>
+                    </a:ln>
+                  </p:spPr>
+                  <p:txBody>
+                    <a:bodyPr spcFirstLastPara="1" wrap="square" lIns="91425" tIns="91425" rIns="91425" bIns="91425" anchor="ctr" anchorCtr="0">
+                      <a:noAutofit/>
+                    </a:bodyPr>
+                    <a:lstStyle/>
+                    <a:p>
+                      <a:pPr marL="0" lvl="0" indent="0" algn="l" rtl="0">
+                        <a:spcBef>
+                          <a:spcPts val="0"/>
+                        </a:spcBef>
+                        <a:spcAft>
+                          <a:spcPts val="0"/>
+                        </a:spcAft>
+                        <a:buNone/>
+                      </a:pPr>
+                      <a:endParaRPr/>
+                    </a:p>
+                  </p:txBody>
+                </p:sp>
+                <p:sp>
+                  <p:nvSpPr>
+                    <p:cNvPr id="340" name="Google Shape;4222;p92">
+                      <a:extLst>
+                        <a:ext uri="{FF2B5EF4-FFF2-40B4-BE49-F238E27FC236}">
+                          <a16:creationId xmlns:a16="http://schemas.microsoft.com/office/drawing/2014/main" id="{4B503090-9D0F-4E5E-A331-21D39701437F}"/>
+                        </a:ext>
+                      </a:extLst>
+                    </p:cNvPr>
+                    <p:cNvSpPr/>
+                    <p:nvPr/>
+                  </p:nvSpPr>
+                  <p:spPr>
+                    <a:xfrm>
+                      <a:off x="5806065" y="1713507"/>
+                      <a:ext cx="185100" cy="55200"/>
+                    </a:xfrm>
+                    <a:prstGeom prst="parallelogram">
+                      <a:avLst>
+                        <a:gd name="adj" fmla="val 99657"/>
+                      </a:avLst>
+                    </a:prstGeom>
+                    <a:gradFill>
+                      <a:gsLst>
+                        <a:gs pos="0">
+                          <a:srgbClr val="DBD4EB"/>
+                        </a:gs>
+                        <a:gs pos="100000">
+                          <a:srgbClr val="9180BB"/>
+                        </a:gs>
+                      </a:gsLst>
+                      <a:lin ang="16198662" scaled="0"/>
+                    </a:gradFill>
+                    <a:ln w="28575" cap="flat" cmpd="sng">
+                      <a:solidFill>
+                        <a:schemeClr val="dk2"/>
+                      </a:solidFill>
+                      <a:prstDash val="solid"/>
+                      <a:round/>
+                      <a:headEnd type="none" w="sm" len="sm"/>
+                      <a:tailEnd type="none" w="sm" len="sm"/>
+                    </a:ln>
+                  </p:spPr>
+                  <p:txBody>
+                    <a:bodyPr spcFirstLastPara="1" wrap="square" lIns="91425" tIns="91425" rIns="91425" bIns="91425" anchor="ctr" anchorCtr="0">
+                      <a:noAutofit/>
+                    </a:bodyPr>
+                    <a:lstStyle/>
+                    <a:p>
+                      <a:pPr marL="0" lvl="0" indent="0" algn="l" rtl="0">
+                        <a:spcBef>
+                          <a:spcPts val="0"/>
+                        </a:spcBef>
+                        <a:spcAft>
+                          <a:spcPts val="0"/>
+                        </a:spcAft>
+                        <a:buNone/>
+                      </a:pPr>
+                      <a:endParaRPr/>
+                    </a:p>
+                  </p:txBody>
+                </p:sp>
+              </p:grpSp>
+              <p:grpSp>
+                <p:nvGrpSpPr>
+                  <p:cNvPr id="332" name="Google Shape;4223;p92">
+                    <a:extLst>
+                      <a:ext uri="{FF2B5EF4-FFF2-40B4-BE49-F238E27FC236}">
+                        <a16:creationId xmlns:a16="http://schemas.microsoft.com/office/drawing/2014/main" id="{1CED4964-3CC6-474D-BC57-7F93AA006AD0}"/>
+                      </a:ext>
+                    </a:extLst>
+                  </p:cNvPr>
+                  <p:cNvGrpSpPr/>
+                  <p:nvPr/>
+                </p:nvGrpSpPr>
+                <p:grpSpPr>
+                  <a:xfrm>
+                    <a:off x="5936312" y="1713442"/>
+                    <a:ext cx="190570" cy="227991"/>
+                    <a:chOff x="5936312" y="1713442"/>
+                    <a:chExt cx="190570" cy="227991"/>
+                  </a:xfrm>
+                </p:grpSpPr>
+                <p:sp>
+                  <p:nvSpPr>
+                    <p:cNvPr id="336" name="Google Shape;4224;p92">
+                      <a:extLst>
+                        <a:ext uri="{FF2B5EF4-FFF2-40B4-BE49-F238E27FC236}">
+                          <a16:creationId xmlns:a16="http://schemas.microsoft.com/office/drawing/2014/main" id="{4D91C3AE-2E8A-4879-A7D7-7B269802B4BD}"/>
+                        </a:ext>
+                      </a:extLst>
+                    </p:cNvPr>
+                    <p:cNvSpPr/>
+                    <p:nvPr/>
+                  </p:nvSpPr>
+                  <p:spPr>
+                    <a:xfrm>
+                      <a:off x="5936312" y="1775533"/>
+                      <a:ext cx="133800" cy="165900"/>
+                    </a:xfrm>
+                    <a:prstGeom prst="rect">
+                      <a:avLst/>
+                    </a:prstGeom>
+                    <a:gradFill>
+                      <a:gsLst>
+                        <a:gs pos="0">
+                          <a:srgbClr val="E0EDBA"/>
+                        </a:gs>
+                        <a:gs pos="100000">
+                          <a:srgbClr val="DE87F1"/>
+                        </a:gs>
+                      </a:gsLst>
+                      <a:lin ang="13500032" scaled="0"/>
+                    </a:gradFill>
+                    <a:ln w="28575" cap="flat" cmpd="sng">
+                      <a:solidFill>
+                        <a:schemeClr val="dk2"/>
+                      </a:solidFill>
+                      <a:prstDash val="solid"/>
+                      <a:round/>
+                      <a:headEnd type="none" w="sm" len="sm"/>
+                      <a:tailEnd type="none" w="sm" len="sm"/>
+                    </a:ln>
+                  </p:spPr>
+                  <p:txBody>
+                    <a:bodyPr spcFirstLastPara="1" wrap="square" lIns="91425" tIns="91425" rIns="91425" bIns="91425" anchor="ctr" anchorCtr="0">
+                      <a:noAutofit/>
+                    </a:bodyPr>
+                    <a:lstStyle/>
+                    <a:p>
+                      <a:pPr marL="0" lvl="0" indent="0" algn="l" rtl="0">
+                        <a:spcBef>
+                          <a:spcPts val="0"/>
+                        </a:spcBef>
+                        <a:spcAft>
+                          <a:spcPts val="0"/>
+                        </a:spcAft>
+                        <a:buNone/>
+                      </a:pPr>
+                      <a:endParaRPr/>
+                    </a:p>
+                  </p:txBody>
+                </p:sp>
+                <p:sp>
+                  <p:nvSpPr>
+                    <p:cNvPr id="337" name="Google Shape;4225;p92">
+                      <a:extLst>
+                        <a:ext uri="{FF2B5EF4-FFF2-40B4-BE49-F238E27FC236}">
+                          <a16:creationId xmlns:a16="http://schemas.microsoft.com/office/drawing/2014/main" id="{A662ED65-1964-46B8-8EF2-F2118C817F2F}"/>
+                        </a:ext>
+                      </a:extLst>
+                    </p:cNvPr>
+                    <p:cNvSpPr/>
+                    <p:nvPr/>
+                  </p:nvSpPr>
+                  <p:spPr>
+                    <a:xfrm>
+                      <a:off x="5939251" y="1713442"/>
+                      <a:ext cx="185100" cy="55200"/>
+                    </a:xfrm>
+                    <a:prstGeom prst="parallelogram">
+                      <a:avLst>
+                        <a:gd name="adj" fmla="val 91890"/>
+                      </a:avLst>
+                    </a:prstGeom>
+                    <a:gradFill>
+                      <a:gsLst>
+                        <a:gs pos="0">
+                          <a:srgbClr val="E0EDBA"/>
+                        </a:gs>
+                        <a:gs pos="100000">
+                          <a:srgbClr val="DE87F1"/>
+                        </a:gs>
+                      </a:gsLst>
+                      <a:lin ang="13500032" scaled="0"/>
+                    </a:gradFill>
+                    <a:ln w="28575" cap="flat" cmpd="sng">
+                      <a:solidFill>
+                        <a:schemeClr val="dk2"/>
+                      </a:solidFill>
+                      <a:prstDash val="solid"/>
+                      <a:round/>
+                      <a:headEnd type="none" w="sm" len="sm"/>
+                      <a:tailEnd type="none" w="sm" len="sm"/>
+                    </a:ln>
+                  </p:spPr>
+                  <p:txBody>
+                    <a:bodyPr spcFirstLastPara="1" wrap="square" lIns="91425" tIns="91425" rIns="91425" bIns="91425" anchor="ctr" anchorCtr="0">
+                      <a:noAutofit/>
+                    </a:bodyPr>
+                    <a:lstStyle/>
+                    <a:p>
+                      <a:pPr marL="0" lvl="0" indent="0" algn="l" rtl="0">
+                        <a:spcBef>
+                          <a:spcPts val="0"/>
+                        </a:spcBef>
+                        <a:spcAft>
+                          <a:spcPts val="0"/>
+                        </a:spcAft>
+                        <a:buNone/>
+                      </a:pPr>
+                      <a:endParaRPr/>
+                    </a:p>
+                  </p:txBody>
+                </p:sp>
+                <p:sp>
+                  <p:nvSpPr>
+                    <p:cNvPr id="338" name="Google Shape;4226;p92">
+                      <a:extLst>
+                        <a:ext uri="{FF2B5EF4-FFF2-40B4-BE49-F238E27FC236}">
+                          <a16:creationId xmlns:a16="http://schemas.microsoft.com/office/drawing/2014/main" id="{AE15C553-E2C5-40E5-8E43-FD1566D63775}"/>
+                        </a:ext>
+                      </a:extLst>
+                    </p:cNvPr>
+                    <p:cNvSpPr/>
+                    <p:nvPr/>
+                  </p:nvSpPr>
+                  <p:spPr>
+                    <a:xfrm>
+                      <a:off x="6072171" y="1714983"/>
+                      <a:ext cx="54712" cy="221916"/>
+                    </a:xfrm>
+                    <a:custGeom>
+                      <a:avLst/>
+                      <a:gdLst/>
+                      <a:ahLst/>
+                      <a:cxnLst/>
+                      <a:rect l="l" t="t" r="r" b="b"/>
+                      <a:pathLst>
+                        <a:path w="3501" h="12382" extrusionOk="0">
+                          <a:moveTo>
+                            <a:pt x="0" y="3453"/>
+                          </a:moveTo>
+                          <a:lnTo>
+                            <a:pt x="3501" y="0"/>
+                          </a:lnTo>
+                          <a:lnTo>
+                            <a:pt x="3501" y="9001"/>
+                          </a:lnTo>
+                          <a:lnTo>
+                            <a:pt x="167" y="12382"/>
+                          </a:lnTo>
+                          <a:close/>
+                        </a:path>
+                      </a:pathLst>
+                    </a:custGeom>
+                    <a:gradFill>
+                      <a:gsLst>
+                        <a:gs pos="0">
+                          <a:srgbClr val="E0EDBA"/>
+                        </a:gs>
+                        <a:gs pos="100000">
+                          <a:srgbClr val="DE87F1"/>
+                        </a:gs>
+                      </a:gsLst>
+                      <a:lin ang="13500032" scaled="0"/>
+                    </a:gradFill>
+                    <a:ln w="28575" cap="flat" cmpd="sng">
+                      <a:solidFill>
+                        <a:schemeClr val="dk2"/>
+                      </a:solidFill>
+                      <a:prstDash val="solid"/>
+                      <a:round/>
+                      <a:headEnd type="none" w="med" len="med"/>
+                      <a:tailEnd type="none" w="med" len="med"/>
+                    </a:ln>
+                  </p:spPr>
+                </p:sp>
+              </p:grpSp>
+              <p:grpSp>
+                <p:nvGrpSpPr>
+                  <p:cNvPr id="333" name="Google Shape;4227;p92">
+                    <a:extLst>
+                      <a:ext uri="{FF2B5EF4-FFF2-40B4-BE49-F238E27FC236}">
+                        <a16:creationId xmlns:a16="http://schemas.microsoft.com/office/drawing/2014/main" id="{BF2BDDE0-6CE2-439D-AB65-43991E07690A}"/>
+                      </a:ext>
+                    </a:extLst>
+                  </p:cNvPr>
+                  <p:cNvGrpSpPr/>
+                  <p:nvPr/>
+                </p:nvGrpSpPr>
+                <p:grpSpPr>
+                  <a:xfrm>
+                    <a:off x="5668659" y="1714000"/>
+                    <a:ext cx="193488" cy="227433"/>
+                    <a:chOff x="5668659" y="1714000"/>
+                    <a:chExt cx="193488" cy="227433"/>
+                  </a:xfrm>
+                </p:grpSpPr>
+                <p:sp>
+                  <p:nvSpPr>
+                    <p:cNvPr id="334" name="Google Shape;4228;p92">
+                      <a:extLst>
+                        <a:ext uri="{FF2B5EF4-FFF2-40B4-BE49-F238E27FC236}">
+                          <a16:creationId xmlns:a16="http://schemas.microsoft.com/office/drawing/2014/main" id="{28C0D058-E0D0-43DB-AEBD-76A7D9D580AE}"/>
+                        </a:ext>
+                      </a:extLst>
+                    </p:cNvPr>
+                    <p:cNvSpPr/>
+                    <p:nvPr/>
+                  </p:nvSpPr>
+                  <p:spPr>
+                    <a:xfrm>
+                      <a:off x="5673447" y="1714000"/>
+                      <a:ext cx="188700" cy="55200"/>
+                    </a:xfrm>
+                    <a:prstGeom prst="parallelogram">
+                      <a:avLst>
+                        <a:gd name="adj" fmla="val 94805"/>
+                      </a:avLst>
+                    </a:prstGeom>
+                    <a:gradFill>
+                      <a:gsLst>
+                        <a:gs pos="0">
+                          <a:srgbClr val="D8EDBA"/>
+                        </a:gs>
+                        <a:gs pos="100000">
+                          <a:srgbClr val="FE9696"/>
+                        </a:gs>
+                      </a:gsLst>
+                      <a:lin ang="13500032" scaled="0"/>
+                    </a:gradFill>
+                    <a:ln w="28575" cap="flat" cmpd="sng">
+                      <a:solidFill>
+                        <a:schemeClr val="dk2"/>
+                      </a:solidFill>
+                      <a:prstDash val="solid"/>
+                      <a:round/>
+                      <a:headEnd type="none" w="sm" len="sm"/>
+                      <a:tailEnd type="none" w="sm" len="sm"/>
+                    </a:ln>
+                  </p:spPr>
+                  <p:txBody>
+                    <a:bodyPr spcFirstLastPara="1" wrap="square" lIns="91425" tIns="91425" rIns="91425" bIns="91425" anchor="ctr" anchorCtr="0">
+                      <a:noAutofit/>
+                    </a:bodyPr>
+                    <a:lstStyle/>
+                    <a:p>
+                      <a:pPr marL="0" lvl="0" indent="0" algn="l" rtl="0">
+                        <a:spcBef>
+                          <a:spcPts val="0"/>
+                        </a:spcBef>
+                        <a:spcAft>
+                          <a:spcPts val="0"/>
+                        </a:spcAft>
+                        <a:buNone/>
+                      </a:pPr>
+                      <a:endParaRPr/>
+                    </a:p>
+                  </p:txBody>
+                </p:sp>
+                <p:sp>
+                  <p:nvSpPr>
+                    <p:cNvPr id="335" name="Google Shape;4229;p92">
+                      <a:extLst>
+                        <a:ext uri="{FF2B5EF4-FFF2-40B4-BE49-F238E27FC236}">
+                          <a16:creationId xmlns:a16="http://schemas.microsoft.com/office/drawing/2014/main" id="{D86F6317-20A6-4076-B9D0-1DAA923EA8A5}"/>
+                        </a:ext>
+                      </a:extLst>
+                    </p:cNvPr>
+                    <p:cNvSpPr/>
+                    <p:nvPr/>
+                  </p:nvSpPr>
+                  <p:spPr>
+                    <a:xfrm>
+                      <a:off x="5668659" y="1775533"/>
+                      <a:ext cx="133800" cy="165900"/>
+                    </a:xfrm>
+                    <a:prstGeom prst="rect">
+                      <a:avLst/>
+                    </a:prstGeom>
+                    <a:gradFill>
+                      <a:gsLst>
+                        <a:gs pos="0">
+                          <a:srgbClr val="D8EDBA"/>
+                        </a:gs>
+                        <a:gs pos="100000">
+                          <a:srgbClr val="FE9696"/>
+                        </a:gs>
+                      </a:gsLst>
+                      <a:lin ang="13500032" scaled="0"/>
+                    </a:gradFill>
+                    <a:ln w="28575" cap="flat" cmpd="sng">
+                      <a:solidFill>
+                        <a:schemeClr val="dk2"/>
+                      </a:solidFill>
+                      <a:prstDash val="solid"/>
+                      <a:round/>
+                      <a:headEnd type="none" w="sm" len="sm"/>
+                      <a:tailEnd type="none" w="sm" len="sm"/>
+                    </a:ln>
+                  </p:spPr>
+                  <p:txBody>
+                    <a:bodyPr spcFirstLastPara="1" wrap="square" lIns="91425" tIns="91425" rIns="91425" bIns="91425" anchor="ctr" anchorCtr="0">
+                      <a:noAutofit/>
+                    </a:bodyPr>
+                    <a:lstStyle/>
+                    <a:p>
+                      <a:pPr marL="0" lvl="0" indent="0" algn="l" rtl="0">
+                        <a:spcBef>
+                          <a:spcPts val="0"/>
+                        </a:spcBef>
+                        <a:spcAft>
+                          <a:spcPts val="0"/>
+                        </a:spcAft>
+                        <a:buNone/>
+                      </a:pPr>
+                      <a:endParaRPr/>
+                    </a:p>
+                  </p:txBody>
+                </p:sp>
+              </p:grpSp>
+            </p:grpSp>
+            <p:grpSp>
+              <p:nvGrpSpPr>
+                <p:cNvPr id="320" name="Google Shape;4230;p92">
+                  <a:extLst>
+                    <a:ext uri="{FF2B5EF4-FFF2-40B4-BE49-F238E27FC236}">
+                      <a16:creationId xmlns:a16="http://schemas.microsoft.com/office/drawing/2014/main" id="{1F7A16EB-B79E-4002-B7A8-7C38941A083D}"/>
+                    </a:ext>
+                  </a:extLst>
+                </p:cNvPr>
+                <p:cNvGrpSpPr/>
+                <p:nvPr/>
+              </p:nvGrpSpPr>
+              <p:grpSpPr>
+                <a:xfrm>
+                  <a:off x="608609" y="2370079"/>
+                  <a:ext cx="458224" cy="227991"/>
+                  <a:chOff x="5668659" y="1713442"/>
+                  <a:chExt cx="458224" cy="227991"/>
+                </a:xfrm>
+              </p:grpSpPr>
+              <p:grpSp>
+                <p:nvGrpSpPr>
+                  <p:cNvPr id="321" name="Google Shape;4231;p92">
+                    <a:extLst>
+                      <a:ext uri="{FF2B5EF4-FFF2-40B4-BE49-F238E27FC236}">
+                        <a16:creationId xmlns:a16="http://schemas.microsoft.com/office/drawing/2014/main" id="{359EC2C3-7215-44DA-B94B-33D03F47AF12}"/>
+                      </a:ext>
+                    </a:extLst>
+                  </p:cNvPr>
+                  <p:cNvGrpSpPr/>
+                  <p:nvPr/>
+                </p:nvGrpSpPr>
+                <p:grpSpPr>
+                  <a:xfrm>
+                    <a:off x="5802485" y="1713507"/>
+                    <a:ext cx="188679" cy="227926"/>
+                    <a:chOff x="5802485" y="1713507"/>
+                    <a:chExt cx="188679" cy="227926"/>
+                  </a:xfrm>
+                </p:grpSpPr>
+                <p:sp>
+                  <p:nvSpPr>
+                    <p:cNvPr id="329" name="Google Shape;4232;p92">
+                      <a:extLst>
+                        <a:ext uri="{FF2B5EF4-FFF2-40B4-BE49-F238E27FC236}">
+                          <a16:creationId xmlns:a16="http://schemas.microsoft.com/office/drawing/2014/main" id="{877A92AC-163D-42D7-B4C3-2B7CE9CB7223}"/>
+                        </a:ext>
+                      </a:extLst>
+                    </p:cNvPr>
+                    <p:cNvSpPr/>
+                    <p:nvPr/>
+                  </p:nvSpPr>
+                  <p:spPr>
+                    <a:xfrm>
+                      <a:off x="5802485" y="1775533"/>
+                      <a:ext cx="133800" cy="165900"/>
+                    </a:xfrm>
+                    <a:prstGeom prst="rect">
+                      <a:avLst/>
+                    </a:prstGeom>
+                    <a:gradFill>
+                      <a:gsLst>
+                        <a:gs pos="0">
+                          <a:srgbClr val="DBD4EB"/>
+                        </a:gs>
+                        <a:gs pos="100000">
+                          <a:srgbClr val="9180BB"/>
+                        </a:gs>
+                      </a:gsLst>
+                      <a:lin ang="16198662" scaled="0"/>
+                    </a:gradFill>
+                    <a:ln w="28575" cap="flat" cmpd="sng">
+                      <a:solidFill>
+                        <a:schemeClr val="dk2"/>
+                      </a:solidFill>
+                      <a:prstDash val="solid"/>
+                      <a:round/>
+                      <a:headEnd type="none" w="sm" len="sm"/>
+                      <a:tailEnd type="none" w="sm" len="sm"/>
+                    </a:ln>
+                  </p:spPr>
+                  <p:txBody>
+                    <a:bodyPr spcFirstLastPara="1" wrap="square" lIns="91425" tIns="91425" rIns="91425" bIns="91425" anchor="ctr" anchorCtr="0">
+                      <a:noAutofit/>
+                    </a:bodyPr>
+                    <a:lstStyle/>
+                    <a:p>
+                      <a:pPr marL="0" lvl="0" indent="0" algn="l" rtl="0">
+                        <a:spcBef>
+                          <a:spcPts val="0"/>
+                        </a:spcBef>
+                        <a:spcAft>
+                          <a:spcPts val="0"/>
+                        </a:spcAft>
+                        <a:buNone/>
+                      </a:pPr>
+                      <a:endParaRPr/>
+                    </a:p>
+                  </p:txBody>
+                </p:sp>
+                <p:sp>
+                  <p:nvSpPr>
+                    <p:cNvPr id="330" name="Google Shape;4233;p92">
+                      <a:extLst>
+                        <a:ext uri="{FF2B5EF4-FFF2-40B4-BE49-F238E27FC236}">
+                          <a16:creationId xmlns:a16="http://schemas.microsoft.com/office/drawing/2014/main" id="{42BB007F-53A6-426B-BD78-DC16200D919A}"/>
+                        </a:ext>
+                      </a:extLst>
+                    </p:cNvPr>
+                    <p:cNvSpPr/>
+                    <p:nvPr/>
+                  </p:nvSpPr>
+                  <p:spPr>
+                    <a:xfrm>
+                      <a:off x="5806065" y="1713507"/>
+                      <a:ext cx="185100" cy="55200"/>
+                    </a:xfrm>
+                    <a:prstGeom prst="parallelogram">
+                      <a:avLst>
+                        <a:gd name="adj" fmla="val 99657"/>
+                      </a:avLst>
+                    </a:prstGeom>
+                    <a:gradFill>
+                      <a:gsLst>
+                        <a:gs pos="0">
+                          <a:srgbClr val="DBD4EB"/>
+                        </a:gs>
+                        <a:gs pos="100000">
+                          <a:srgbClr val="9180BB"/>
+                        </a:gs>
+                      </a:gsLst>
+                      <a:lin ang="16198662" scaled="0"/>
+                    </a:gradFill>
+                    <a:ln w="28575" cap="flat" cmpd="sng">
+                      <a:solidFill>
+                        <a:schemeClr val="dk2"/>
+                      </a:solidFill>
+                      <a:prstDash val="solid"/>
+                      <a:round/>
+                      <a:headEnd type="none" w="sm" len="sm"/>
+                      <a:tailEnd type="none" w="sm" len="sm"/>
+                    </a:ln>
+                  </p:spPr>
+                  <p:txBody>
+                    <a:bodyPr spcFirstLastPara="1" wrap="square" lIns="91425" tIns="91425" rIns="91425" bIns="91425" anchor="ctr" anchorCtr="0">
+                      <a:noAutofit/>
+                    </a:bodyPr>
+                    <a:lstStyle/>
+                    <a:p>
+                      <a:pPr marL="0" lvl="0" indent="0" algn="l" rtl="0">
+                        <a:spcBef>
+                          <a:spcPts val="0"/>
+                        </a:spcBef>
+                        <a:spcAft>
+                          <a:spcPts val="0"/>
+                        </a:spcAft>
+                        <a:buNone/>
+                      </a:pPr>
+                      <a:endParaRPr/>
+                    </a:p>
+                  </p:txBody>
+                </p:sp>
+              </p:grpSp>
+              <p:grpSp>
+                <p:nvGrpSpPr>
+                  <p:cNvPr id="322" name="Google Shape;4234;p92">
+                    <a:extLst>
+                      <a:ext uri="{FF2B5EF4-FFF2-40B4-BE49-F238E27FC236}">
+                        <a16:creationId xmlns:a16="http://schemas.microsoft.com/office/drawing/2014/main" id="{9801E444-E8E4-478B-A222-C82009031AE6}"/>
+                      </a:ext>
+                    </a:extLst>
+                  </p:cNvPr>
+                  <p:cNvGrpSpPr/>
+                  <p:nvPr/>
+                </p:nvGrpSpPr>
+                <p:grpSpPr>
+                  <a:xfrm>
+                    <a:off x="5936312" y="1713442"/>
+                    <a:ext cx="190570" cy="227991"/>
+                    <a:chOff x="5936312" y="1713442"/>
+                    <a:chExt cx="190570" cy="227991"/>
+                  </a:xfrm>
+                </p:grpSpPr>
+                <p:sp>
+                  <p:nvSpPr>
+                    <p:cNvPr id="326" name="Google Shape;4235;p92">
+                      <a:extLst>
+                        <a:ext uri="{FF2B5EF4-FFF2-40B4-BE49-F238E27FC236}">
+                          <a16:creationId xmlns:a16="http://schemas.microsoft.com/office/drawing/2014/main" id="{5F2D75FD-9924-45D8-A4C4-A20196ACFFD1}"/>
+                        </a:ext>
+                      </a:extLst>
+                    </p:cNvPr>
+                    <p:cNvSpPr/>
+                    <p:nvPr/>
+                  </p:nvSpPr>
+                  <p:spPr>
+                    <a:xfrm>
+                      <a:off x="5936312" y="1775533"/>
+                      <a:ext cx="133800" cy="165900"/>
+                    </a:xfrm>
+                    <a:prstGeom prst="rect">
+                      <a:avLst/>
+                    </a:prstGeom>
+                    <a:gradFill>
+                      <a:gsLst>
+                        <a:gs pos="0">
+                          <a:srgbClr val="E0EDBA"/>
+                        </a:gs>
+                        <a:gs pos="100000">
+                          <a:srgbClr val="DE87F1"/>
+                        </a:gs>
+                      </a:gsLst>
+                      <a:lin ang="13500032" scaled="0"/>
+                    </a:gradFill>
+                    <a:ln w="28575" cap="flat" cmpd="sng">
+                      <a:solidFill>
+                        <a:schemeClr val="dk2"/>
+                      </a:solidFill>
+                      <a:prstDash val="solid"/>
+                      <a:round/>
+                      <a:headEnd type="none" w="sm" len="sm"/>
+                      <a:tailEnd type="none" w="sm" len="sm"/>
+                    </a:ln>
+                  </p:spPr>
+                  <p:txBody>
+                    <a:bodyPr spcFirstLastPara="1" wrap="square" lIns="91425" tIns="91425" rIns="91425" bIns="91425" anchor="ctr" anchorCtr="0">
+                      <a:noAutofit/>
+                    </a:bodyPr>
+                    <a:lstStyle/>
+                    <a:p>
+                      <a:pPr marL="0" lvl="0" indent="0" algn="l" rtl="0">
+                        <a:spcBef>
+                          <a:spcPts val="0"/>
+                        </a:spcBef>
+                        <a:spcAft>
+                          <a:spcPts val="0"/>
+                        </a:spcAft>
+                        <a:buNone/>
+                      </a:pPr>
+                      <a:endParaRPr/>
+                    </a:p>
+                  </p:txBody>
+                </p:sp>
+                <p:sp>
+                  <p:nvSpPr>
+                    <p:cNvPr id="327" name="Google Shape;4236;p92">
+                      <a:extLst>
+                        <a:ext uri="{FF2B5EF4-FFF2-40B4-BE49-F238E27FC236}">
+                          <a16:creationId xmlns:a16="http://schemas.microsoft.com/office/drawing/2014/main" id="{A9C5BF4A-7163-4DF9-B75F-0EC90DF2BE1F}"/>
+                        </a:ext>
+                      </a:extLst>
+                    </p:cNvPr>
+                    <p:cNvSpPr/>
+                    <p:nvPr/>
+                  </p:nvSpPr>
+                  <p:spPr>
+                    <a:xfrm>
+                      <a:off x="5939251" y="1713442"/>
+                      <a:ext cx="185100" cy="55200"/>
+                    </a:xfrm>
+                    <a:prstGeom prst="parallelogram">
+                      <a:avLst>
+                        <a:gd name="adj" fmla="val 91890"/>
+                      </a:avLst>
+                    </a:prstGeom>
+                    <a:gradFill>
+                      <a:gsLst>
+                        <a:gs pos="0">
+                          <a:srgbClr val="E0EDBA"/>
+                        </a:gs>
+                        <a:gs pos="100000">
+                          <a:srgbClr val="DE87F1"/>
+                        </a:gs>
+                      </a:gsLst>
+                      <a:lin ang="13500032" scaled="0"/>
+                    </a:gradFill>
+                    <a:ln w="28575" cap="flat" cmpd="sng">
+                      <a:solidFill>
+                        <a:schemeClr val="dk2"/>
+                      </a:solidFill>
+                      <a:prstDash val="solid"/>
+                      <a:round/>
+                      <a:headEnd type="none" w="sm" len="sm"/>
+                      <a:tailEnd type="none" w="sm" len="sm"/>
+                    </a:ln>
+                  </p:spPr>
+                  <p:txBody>
+                    <a:bodyPr spcFirstLastPara="1" wrap="square" lIns="91425" tIns="91425" rIns="91425" bIns="91425" anchor="ctr" anchorCtr="0">
+                      <a:noAutofit/>
+                    </a:bodyPr>
+                    <a:lstStyle/>
+                    <a:p>
+                      <a:pPr marL="0" lvl="0" indent="0" algn="l" rtl="0">
+                        <a:spcBef>
+                          <a:spcPts val="0"/>
+                        </a:spcBef>
+                        <a:spcAft>
+                          <a:spcPts val="0"/>
+                        </a:spcAft>
+                        <a:buNone/>
+                      </a:pPr>
+                      <a:endParaRPr/>
+                    </a:p>
+                  </p:txBody>
+                </p:sp>
+                <p:sp>
+                  <p:nvSpPr>
+                    <p:cNvPr id="328" name="Google Shape;4237;p92">
+                      <a:extLst>
+                        <a:ext uri="{FF2B5EF4-FFF2-40B4-BE49-F238E27FC236}">
+                          <a16:creationId xmlns:a16="http://schemas.microsoft.com/office/drawing/2014/main" id="{92F39A8E-28F5-44B1-AA95-D4241F0272F0}"/>
+                        </a:ext>
+                      </a:extLst>
+                    </p:cNvPr>
+                    <p:cNvSpPr/>
+                    <p:nvPr/>
+                  </p:nvSpPr>
+                  <p:spPr>
+                    <a:xfrm>
+                      <a:off x="6072171" y="1714983"/>
+                      <a:ext cx="54712" cy="221916"/>
+                    </a:xfrm>
+                    <a:custGeom>
+                      <a:avLst/>
+                      <a:gdLst/>
+                      <a:ahLst/>
+                      <a:cxnLst/>
+                      <a:rect l="l" t="t" r="r" b="b"/>
+                      <a:pathLst>
+                        <a:path w="3501" h="12382" extrusionOk="0">
+                          <a:moveTo>
+                            <a:pt x="0" y="3453"/>
+                          </a:moveTo>
+                          <a:lnTo>
+                            <a:pt x="3501" y="0"/>
+                          </a:lnTo>
+                          <a:lnTo>
+                            <a:pt x="3501" y="9001"/>
+                          </a:lnTo>
+                          <a:lnTo>
+                            <a:pt x="167" y="12382"/>
+                          </a:lnTo>
+                          <a:close/>
+                        </a:path>
+                      </a:pathLst>
+                    </a:custGeom>
+                    <a:gradFill>
+                      <a:gsLst>
+                        <a:gs pos="0">
+                          <a:srgbClr val="E0EDBA"/>
+                        </a:gs>
+                        <a:gs pos="100000">
+                          <a:srgbClr val="DE87F1"/>
+                        </a:gs>
+                      </a:gsLst>
+                      <a:lin ang="13500032" scaled="0"/>
+                    </a:gradFill>
+                    <a:ln w="28575" cap="flat" cmpd="sng">
+                      <a:solidFill>
+                        <a:schemeClr val="dk2"/>
+                      </a:solidFill>
+                      <a:prstDash val="solid"/>
+                      <a:round/>
+                      <a:headEnd type="none" w="med" len="med"/>
+                      <a:tailEnd type="none" w="med" len="med"/>
+                    </a:ln>
+                  </p:spPr>
+                </p:sp>
+              </p:grpSp>
+              <p:grpSp>
+                <p:nvGrpSpPr>
+                  <p:cNvPr id="323" name="Google Shape;4238;p92">
+                    <a:extLst>
+                      <a:ext uri="{FF2B5EF4-FFF2-40B4-BE49-F238E27FC236}">
+                        <a16:creationId xmlns:a16="http://schemas.microsoft.com/office/drawing/2014/main" id="{E8990896-A510-47EF-B8BA-5A79AF794C13}"/>
+                      </a:ext>
+                    </a:extLst>
+                  </p:cNvPr>
+                  <p:cNvGrpSpPr/>
+                  <p:nvPr/>
+                </p:nvGrpSpPr>
+                <p:grpSpPr>
+                  <a:xfrm>
+                    <a:off x="5668659" y="1714000"/>
+                    <a:ext cx="193488" cy="227433"/>
+                    <a:chOff x="5668659" y="1714000"/>
+                    <a:chExt cx="193488" cy="227433"/>
+                  </a:xfrm>
+                </p:grpSpPr>
+                <p:sp>
+                  <p:nvSpPr>
+                    <p:cNvPr id="324" name="Google Shape;4239;p92">
+                      <a:extLst>
+                        <a:ext uri="{FF2B5EF4-FFF2-40B4-BE49-F238E27FC236}">
+                          <a16:creationId xmlns:a16="http://schemas.microsoft.com/office/drawing/2014/main" id="{B7667280-61E1-42C2-90CB-9D13281A8561}"/>
+                        </a:ext>
+                      </a:extLst>
+                    </p:cNvPr>
+                    <p:cNvSpPr/>
+                    <p:nvPr/>
+                  </p:nvSpPr>
+                  <p:spPr>
+                    <a:xfrm>
+                      <a:off x="5673447" y="1714000"/>
+                      <a:ext cx="188700" cy="55200"/>
+                    </a:xfrm>
+                    <a:prstGeom prst="parallelogram">
+                      <a:avLst>
+                        <a:gd name="adj" fmla="val 94805"/>
+                      </a:avLst>
+                    </a:prstGeom>
+                    <a:gradFill>
+                      <a:gsLst>
+                        <a:gs pos="0">
+                          <a:srgbClr val="D8EDBA"/>
+                        </a:gs>
+                        <a:gs pos="100000">
+                          <a:srgbClr val="FE9696"/>
+                        </a:gs>
+                      </a:gsLst>
+                      <a:lin ang="13500032" scaled="0"/>
+                    </a:gradFill>
+                    <a:ln w="28575" cap="flat" cmpd="sng">
+                      <a:solidFill>
+                        <a:schemeClr val="dk2"/>
+                      </a:solidFill>
+                      <a:prstDash val="solid"/>
+                      <a:round/>
+                      <a:headEnd type="none" w="sm" len="sm"/>
+                      <a:tailEnd type="none" w="sm" len="sm"/>
+                    </a:ln>
+                  </p:spPr>
+                  <p:txBody>
+                    <a:bodyPr spcFirstLastPara="1" wrap="square" lIns="91425" tIns="91425" rIns="91425" bIns="91425" anchor="ctr" anchorCtr="0">
+                      <a:noAutofit/>
+                    </a:bodyPr>
+                    <a:lstStyle/>
+                    <a:p>
+                      <a:pPr marL="0" lvl="0" indent="0" algn="l" rtl="0">
+                        <a:spcBef>
+                          <a:spcPts val="0"/>
+                        </a:spcBef>
+                        <a:spcAft>
+                          <a:spcPts val="0"/>
+                        </a:spcAft>
+                        <a:buNone/>
+                      </a:pPr>
+                      <a:endParaRPr/>
+                    </a:p>
+                  </p:txBody>
+                </p:sp>
+                <p:sp>
+                  <p:nvSpPr>
+                    <p:cNvPr id="325" name="Google Shape;4240;p92">
+                      <a:extLst>
+                        <a:ext uri="{FF2B5EF4-FFF2-40B4-BE49-F238E27FC236}">
+                          <a16:creationId xmlns:a16="http://schemas.microsoft.com/office/drawing/2014/main" id="{D3554BDB-D0D7-4464-BA9C-BD610BF93CF4}"/>
+                        </a:ext>
+                      </a:extLst>
+                    </p:cNvPr>
+                    <p:cNvSpPr/>
+                    <p:nvPr/>
+                  </p:nvSpPr>
+                  <p:spPr>
+                    <a:xfrm>
+                      <a:off x="5668659" y="1775533"/>
+                      <a:ext cx="133800" cy="165900"/>
+                    </a:xfrm>
+                    <a:prstGeom prst="rect">
+                      <a:avLst/>
+                    </a:prstGeom>
+                    <a:gradFill>
+                      <a:gsLst>
+                        <a:gs pos="0">
+                          <a:srgbClr val="D8EDBA"/>
+                        </a:gs>
+                        <a:gs pos="100000">
+                          <a:srgbClr val="FE9696"/>
+                        </a:gs>
+                      </a:gsLst>
+                      <a:lin ang="13500032" scaled="0"/>
+                    </a:gradFill>
+                    <a:ln w="28575" cap="flat" cmpd="sng">
+                      <a:solidFill>
+                        <a:schemeClr val="dk2"/>
+                      </a:solidFill>
+                      <a:prstDash val="solid"/>
+                      <a:round/>
+                      <a:headEnd type="none" w="sm" len="sm"/>
+                      <a:tailEnd type="none" w="sm" len="sm"/>
+                    </a:ln>
+                  </p:spPr>
+                  <p:txBody>
+                    <a:bodyPr spcFirstLastPara="1" wrap="square" lIns="91425" tIns="91425" rIns="91425" bIns="91425" anchor="ctr" anchorCtr="0">
+                      <a:noAutofit/>
+                    </a:bodyPr>
+                    <a:lstStyle/>
+                    <a:p>
+                      <a:pPr marL="0" lvl="0" indent="0" algn="l" rtl="0">
+                        <a:spcBef>
+                          <a:spcPts val="0"/>
+                        </a:spcBef>
+                        <a:spcAft>
+                          <a:spcPts val="0"/>
+                        </a:spcAft>
+                        <a:buNone/>
+                      </a:pPr>
+                      <a:endParaRPr/>
+                    </a:p>
+                  </p:txBody>
+                </p:sp>
+              </p:grpSp>
+            </p:grpSp>
+          </p:grpSp>
+        </p:grpSp>
+        <p:grpSp>
+          <p:nvGrpSpPr>
+            <p:cNvPr id="372" name="组合 371">
+              <a:extLst>
+                <a:ext uri="{FF2B5EF4-FFF2-40B4-BE49-F238E27FC236}">
+                  <a16:creationId xmlns:a16="http://schemas.microsoft.com/office/drawing/2014/main" id="{A5114DF7-16E8-445C-AB45-D545F8F90918}"/>
+                </a:ext>
+              </a:extLst>
+            </p:cNvPr>
+            <p:cNvGrpSpPr/>
+            <p:nvPr/>
+          </p:nvGrpSpPr>
+          <p:grpSpPr>
+            <a:xfrm>
+              <a:off x="4910167" y="2046834"/>
+              <a:ext cx="2081326" cy="500072"/>
+              <a:chOff x="6060571" y="1800553"/>
+              <a:chExt cx="2081326" cy="500072"/>
+            </a:xfrm>
+          </p:grpSpPr>
+          <p:grpSp>
+            <p:nvGrpSpPr>
+              <p:cNvPr id="247" name="组合 246">
+                <a:extLst>
+                  <a:ext uri="{FF2B5EF4-FFF2-40B4-BE49-F238E27FC236}">
+                    <a16:creationId xmlns:a16="http://schemas.microsoft.com/office/drawing/2014/main" id="{6A4EF407-EDE9-4C0C-8B5A-C413B59AF907}"/>
+                  </a:ext>
+                </a:extLst>
+              </p:cNvPr>
+              <p:cNvGrpSpPr/>
+              <p:nvPr/>
+            </p:nvGrpSpPr>
+            <p:grpSpPr>
+              <a:xfrm>
+                <a:off x="6060571" y="1800553"/>
+                <a:ext cx="1717953" cy="500072"/>
+                <a:chOff x="7217392" y="2680108"/>
+                <a:chExt cx="1717953" cy="500072"/>
+              </a:xfrm>
+            </p:grpSpPr>
+            <p:sp>
+              <p:nvSpPr>
+                <p:cNvPr id="178" name="矩形: 圆角 177">
+                  <a:extLst>
+                    <a:ext uri="{FF2B5EF4-FFF2-40B4-BE49-F238E27FC236}">
+                      <a16:creationId xmlns:a16="http://schemas.microsoft.com/office/drawing/2014/main" id="{AD605D58-6A72-4F4A-8197-36A8BE182F86}"/>
+                    </a:ext>
+                  </a:extLst>
+                </p:cNvPr>
+                <p:cNvSpPr/>
+                <p:nvPr/>
+              </p:nvSpPr>
+              <p:spPr>
+                <a:xfrm>
+                  <a:off x="7217392" y="2697245"/>
+                  <a:ext cx="942433" cy="482935"/>
+                </a:xfrm>
+                <a:prstGeom prst="roundRect">
+                  <a:avLst/>
+                </a:prstGeom>
+                <a:solidFill>
+                  <a:srgbClr val="969696">
+                    <a:alpha val="50196"/>
+                  </a:srgbClr>
+                </a:solidFill>
+              </p:spPr>
+              <p:style>
+                <a:lnRef idx="2">
+                  <a:schemeClr val="accent1">
+                    <a:shade val="50000"/>
+                  </a:schemeClr>
+                </a:lnRef>
+                <a:fillRef idx="1">
+                  <a:schemeClr val="accent1"/>
+                </a:fillRef>
+                <a:effectRef idx="0">
+                  <a:schemeClr val="accent1"/>
+                </a:effectRef>
+                <a:fontRef idx="minor">
+                  <a:schemeClr val="lt1"/>
+                </a:fontRef>
+              </p:style>
+              <p:txBody>
+                <a:bodyPr rtlCol="0" anchor="ctr"/>
+                <a:lstStyle/>
+                <a:p>
+                  <a:pPr algn="ctr"/>
+                  <a:r>
+                    <a:rPr lang="en-US" altLang="zh-CN" sz="1000" dirty="0">
+                      <a:solidFill>
+                        <a:schemeClr val="tx1"/>
+                      </a:solidFill>
+                      <a:latin typeface="Calibri" panose="020F0502020204030204" pitchFamily="34" charset="0"/>
+                      <a:cs typeface="Calibri" panose="020F0502020204030204" pitchFamily="34" charset="0"/>
+                    </a:rPr>
+                    <a:t>Key </a:t>
+                  </a:r>
+                </a:p>
+                <a:p>
+                  <a:pPr algn="ctr"/>
+                  <a:r>
+                    <a:rPr lang="en-US" altLang="zh-CN" sz="1000" dirty="0">
+                      <a:solidFill>
+                        <a:schemeClr val="tx1"/>
+                      </a:solidFill>
+                      <a:latin typeface="Calibri" panose="020F0502020204030204" pitchFamily="34" charset="0"/>
+                      <a:cs typeface="Calibri" panose="020F0502020204030204" pitchFamily="34" charset="0"/>
+                    </a:rPr>
+                    <a:t>Projector</a:t>
+                  </a:r>
+                  <a:endParaRPr lang="zh-CN" altLang="en-US" sz="1000" dirty="0">
+                    <a:solidFill>
+                      <a:schemeClr val="tx1"/>
+                    </a:solidFill>
+                    <a:latin typeface="Calibri" panose="020F0502020204030204" pitchFamily="34" charset="0"/>
+                    <a:cs typeface="Calibri" panose="020F0502020204030204" pitchFamily="34" charset="0"/>
+                  </a:endParaRPr>
+                </a:p>
+              </p:txBody>
+            </p:sp>
+            <p:sp>
+              <p:nvSpPr>
+                <p:cNvPr id="179" name="立方体 178">
+                  <a:extLst>
+                    <a:ext uri="{FF2B5EF4-FFF2-40B4-BE49-F238E27FC236}">
+                      <a16:creationId xmlns:a16="http://schemas.microsoft.com/office/drawing/2014/main" id="{11879D5C-6AA0-4182-889C-8B369480484C}"/>
+                    </a:ext>
+                  </a:extLst>
+                </p:cNvPr>
+                <p:cNvSpPr/>
+                <p:nvPr/>
+              </p:nvSpPr>
+              <p:spPr>
+                <a:xfrm>
+                  <a:off x="8409288" y="2680108"/>
+                  <a:ext cx="180587" cy="491278"/>
+                </a:xfrm>
+                <a:prstGeom prst="cube">
+                  <a:avLst>
+                    <a:gd name="adj" fmla="val 82396"/>
+                  </a:avLst>
+                </a:prstGeom>
+                <a:solidFill>
+                  <a:srgbClr val="7030A0"/>
+                </a:solidFill>
+                <a:scene3d>
+                  <a:camera prst="isometricOffAxis2Left"/>
+                  <a:lightRig rig="threePt" dir="t"/>
+                </a:scene3d>
+              </p:spPr>
+              <p:style>
+                <a:lnRef idx="2">
+                  <a:schemeClr val="accent1">
+                    <a:shade val="50000"/>
+                  </a:schemeClr>
+                </a:lnRef>
+                <a:fillRef idx="1">
+                  <a:schemeClr val="accent1"/>
+                </a:fillRef>
+                <a:effectRef idx="0">
+                  <a:schemeClr val="accent1"/>
+                </a:effectRef>
+                <a:fontRef idx="minor">
+                  <a:schemeClr val="lt1"/>
+                </a:fontRef>
+              </p:style>
+              <p:txBody>
+                <a:bodyPr rot="0" spcFirstLastPara="0" vertOverflow="overflow" horzOverflow="overflow" vert="horz" wrap="square" lIns="91440" tIns="45720" rIns="91440" bIns="45720" numCol="1" spcCol="0" rtlCol="0" fromWordArt="0" anchor="ctr" anchorCtr="0" forceAA="0" compatLnSpc="1">
+                  <a:prstTxWarp prst="textNoShape">
+                    <a:avLst/>
+                  </a:prstTxWarp>
+                  <a:noAutofit/>
+                </a:bodyPr>
+                <a:lstStyle/>
+                <a:p>
+                  <a:pPr algn="ctr"/>
+                  <a:endParaRPr lang="zh-CN" altLang="en-US" dirty="0"/>
+                </a:p>
+              </p:txBody>
+            </p:sp>
+            <p:cxnSp>
+              <p:nvCxnSpPr>
+                <p:cNvPr id="180" name="直接箭头连接符 179">
+                  <a:extLst>
+                    <a:ext uri="{FF2B5EF4-FFF2-40B4-BE49-F238E27FC236}">
+                      <a16:creationId xmlns:a16="http://schemas.microsoft.com/office/drawing/2014/main" id="{30860F0F-06D4-48CC-941B-D67103CB5339}"/>
+                    </a:ext>
+                  </a:extLst>
+                </p:cNvPr>
+                <p:cNvCxnSpPr>
+                  <a:cxnSpLocks/>
+                </p:cNvCxnSpPr>
+                <p:nvPr/>
+              </p:nvCxnSpPr>
+              <p:spPr>
+                <a:xfrm flipV="1">
+                  <a:off x="8182536" y="2925747"/>
+                  <a:ext cx="175733" cy="9283"/>
+                </a:xfrm>
+                <a:prstGeom prst="straightConnector1">
+                  <a:avLst/>
+                </a:prstGeom>
+                <a:ln>
+                  <a:tailEnd type="triangle"/>
+                </a:ln>
+              </p:spPr>
+              <p:style>
+                <a:lnRef idx="1">
+                  <a:schemeClr val="dk1"/>
+                </a:lnRef>
+                <a:fillRef idx="0">
+                  <a:schemeClr val="dk1"/>
+                </a:fillRef>
+                <a:effectRef idx="0">
+                  <a:schemeClr val="dk1"/>
+                </a:effectRef>
+                <a:fontRef idx="minor">
+                  <a:schemeClr val="tx1"/>
+                </a:fontRef>
+              </p:style>
+            </p:cxnSp>
+            <p:sp>
+              <p:nvSpPr>
+                <p:cNvPr id="181" name="文本框 180">
+                  <a:extLst>
+                    <a:ext uri="{FF2B5EF4-FFF2-40B4-BE49-F238E27FC236}">
+                      <a16:creationId xmlns:a16="http://schemas.microsoft.com/office/drawing/2014/main" id="{CAA071DC-5324-4787-BCAB-FBE9EEC4F48C}"/>
+                    </a:ext>
+                  </a:extLst>
+                </p:cNvPr>
+                <p:cNvSpPr txBox="1"/>
+                <p:nvPr/>
+              </p:nvSpPr>
+              <p:spPr>
+                <a:xfrm>
+                  <a:off x="8579478" y="2811920"/>
+                  <a:ext cx="355867" cy="246221"/>
+                </a:xfrm>
+                <a:prstGeom prst="rect">
+                  <a:avLst/>
+                </a:prstGeom>
+                <a:noFill/>
+              </p:spPr>
+              <p:txBody>
+                <a:bodyPr wrap="square" rtlCol="0">
+                  <a:spAutoFit/>
+                </a:bodyPr>
+                <a:lstStyle/>
+                <a:p>
+                  <a:r>
+                    <a:rPr lang="en-US" altLang="zh-CN" sz="1000" dirty="0">
+                      <a:latin typeface="Calibri" panose="020F0502020204030204" pitchFamily="34" charset="0"/>
+                      <a:ea typeface="Cambria Math" panose="02040503050406030204" pitchFamily="18" charset="0"/>
+                      <a:cs typeface="Calibri" panose="020F0502020204030204" pitchFamily="34" charset="0"/>
+                    </a:rPr>
+                    <a:t>K</a:t>
+                  </a:r>
+                  <a:endParaRPr lang="zh-CN" altLang="en-US" sz="1000" dirty="0">
+                    <a:latin typeface="Calibri" panose="020F0502020204030204" pitchFamily="34" charset="0"/>
+                    <a:cs typeface="Calibri" panose="020F0502020204030204" pitchFamily="34" charset="0"/>
+                  </a:endParaRPr>
+                </a:p>
+              </p:txBody>
+            </p:sp>
+          </p:grpSp>
+          <p:sp>
+            <p:nvSpPr>
+              <p:cNvPr id="362" name="流程图: 汇总连接 361">
+                <a:extLst>
+                  <a:ext uri="{FF2B5EF4-FFF2-40B4-BE49-F238E27FC236}">
+                    <a16:creationId xmlns:a16="http://schemas.microsoft.com/office/drawing/2014/main" id="{53D92CF3-8E55-42C7-B52C-92E7B779DB0E}"/>
+                  </a:ext>
+                </a:extLst>
+              </p:cNvPr>
+              <p:cNvSpPr/>
+              <p:nvPr/>
+            </p:nvSpPr>
+            <p:spPr>
+              <a:xfrm>
+                <a:off x="7906058" y="1948883"/>
+                <a:ext cx="235839" cy="246221"/>
+              </a:xfrm>
+              <a:prstGeom prst="flowChartSummingJunction">
+                <a:avLst/>
+              </a:prstGeom>
+            </p:spPr>
+            <p:style>
+              <a:lnRef idx="2">
+                <a:schemeClr val="accent1">
+                  <a:shade val="50000"/>
+                </a:schemeClr>
+              </a:lnRef>
+              <a:fillRef idx="1">
+                <a:schemeClr val="accent1"/>
+              </a:fillRef>
+              <a:effectRef idx="0">
+                <a:schemeClr val="accent1"/>
+              </a:effectRef>
+              <a:fontRef idx="minor">
+                <a:schemeClr val="lt1"/>
+              </a:fontRef>
+            </p:style>
+            <p:txBody>
+              <a:bodyPr rtlCol="0" anchor="ctr"/>
+              <a:lstStyle/>
+              <a:p>
+                <a:pPr algn="ctr"/>
+                <a:endParaRPr lang="zh-CN" altLang="en-US"/>
+              </a:p>
+            </p:txBody>
+          </p:sp>
+        </p:grpSp>
+        <p:sp>
+          <p:nvSpPr>
+            <p:cNvPr id="365" name="矩形: 圆角 364">
+              <a:extLst>
+                <a:ext uri="{FF2B5EF4-FFF2-40B4-BE49-F238E27FC236}">
+                  <a16:creationId xmlns:a16="http://schemas.microsoft.com/office/drawing/2014/main" id="{44F9F224-991C-413C-8A10-1960EFAE695D}"/>
+                </a:ext>
+              </a:extLst>
+            </p:cNvPr>
+            <p:cNvSpPr/>
+            <p:nvPr/>
+          </p:nvSpPr>
+          <p:spPr>
+            <a:xfrm>
+              <a:off x="9405623" y="4511827"/>
+              <a:ext cx="942434" cy="279658"/>
+            </a:xfrm>
+            <a:prstGeom prst="roundRect">
+              <a:avLst/>
+            </a:prstGeom>
+            <a:gradFill flip="none" rotWithShape="1">
+              <a:gsLst>
+                <a:gs pos="0">
+                  <a:schemeClr val="accent5">
+                    <a:lumMod val="75000"/>
+                    <a:tint val="66000"/>
+                    <a:satMod val="160000"/>
+                  </a:schemeClr>
+                </a:gs>
+                <a:gs pos="50000">
+                  <a:schemeClr val="accent5">
+                    <a:lumMod val="75000"/>
+                    <a:tint val="44500"/>
+                    <a:satMod val="160000"/>
+                  </a:schemeClr>
+                </a:gs>
+                <a:gs pos="100000">
+                  <a:schemeClr val="accent5">
+                    <a:lumMod val="75000"/>
+                    <a:tint val="23500"/>
+                    <a:satMod val="160000"/>
+                  </a:schemeClr>
+                </a:gs>
+              </a:gsLst>
+              <a:lin ang="13500000" scaled="1"/>
+              <a:tileRect/>
+            </a:gradFill>
+          </p:spPr>
+          <p:style>
+            <a:lnRef idx="2">
+              <a:schemeClr val="accent1">
+                <a:shade val="50000"/>
+              </a:schemeClr>
+            </a:lnRef>
+            <a:fillRef idx="1">
+              <a:schemeClr val="accent1"/>
+            </a:fillRef>
+            <a:effectRef idx="0">
+              <a:schemeClr val="accent1"/>
+            </a:effectRef>
+            <a:fontRef idx="minor">
+              <a:schemeClr val="lt1"/>
+            </a:fontRef>
+          </p:style>
+          <p:txBody>
+            <a:bodyPr rot="0" spcFirstLastPara="0" vertOverflow="overflow" horzOverflow="overflow" vert="horz" wrap="square" lIns="91440" tIns="45720" rIns="91440" bIns="45720" numCol="1" spcCol="0" rtlCol="0" fromWordArt="0" anchor="ctr" anchorCtr="0" forceAA="0" compatLnSpc="1">
+              <a:prstTxWarp prst="textNoShape">
+                <a:avLst/>
+              </a:prstTxWarp>
+              <a:noAutofit/>
+            </a:bodyPr>
+            <a:lstStyle/>
+            <a:p>
+              <a:pPr algn="ctr"/>
+              <a:r>
+                <a:rPr lang="en-US" altLang="zh-CN" sz="1000" dirty="0">
+                  <a:solidFill>
+                    <a:schemeClr val="tx1"/>
+                  </a:solidFill>
+                  <a:latin typeface="Calibri" panose="020F0502020204030204" pitchFamily="34" charset="0"/>
+                  <a:cs typeface="Calibri" panose="020F0502020204030204" pitchFamily="34" charset="0"/>
+                </a:rPr>
+                <a:t>Update Block</a:t>
+              </a:r>
+            </a:p>
+          </p:txBody>
+        </p:sp>
+        <p:cxnSp>
+          <p:nvCxnSpPr>
+            <p:cNvPr id="368" name="直接箭头连接符 367">
+              <a:extLst>
+                <a:ext uri="{FF2B5EF4-FFF2-40B4-BE49-F238E27FC236}">
+                  <a16:creationId xmlns:a16="http://schemas.microsoft.com/office/drawing/2014/main" id="{31355AF5-D3E3-4CFC-AEEF-FC99ABBF21B7}"/>
+                </a:ext>
+              </a:extLst>
+            </p:cNvPr>
+            <p:cNvCxnSpPr>
+              <a:endCxn id="181" idx="3"/>
+            </p:cNvCxnSpPr>
+            <p:nvPr/>
+          </p:nvCxnSpPr>
+          <p:spPr>
+            <a:xfrm>
+              <a:off x="6450186" y="2301756"/>
+              <a:ext cx="177934" cy="1"/>
+            </a:xfrm>
+            <a:prstGeom prst="straightConnector1">
+              <a:avLst/>
+            </a:prstGeom>
+            <a:ln>
+              <a:tailEnd type="triangle"/>
+            </a:ln>
+          </p:spPr>
+          <p:style>
+            <a:lnRef idx="1">
+              <a:schemeClr val="dk1"/>
+            </a:lnRef>
+            <a:fillRef idx="0">
+              <a:schemeClr val="dk1"/>
+            </a:fillRef>
+            <a:effectRef idx="0">
+              <a:schemeClr val="dk1"/>
+            </a:effectRef>
+            <a:fontRef idx="minor">
+              <a:schemeClr val="tx1"/>
+            </a:fontRef>
+          </p:style>
+        </p:cxnSp>
+        <p:sp>
+          <p:nvSpPr>
+            <p:cNvPr id="371" name="箭头: 下 370">
+              <a:extLst>
+                <a:ext uri="{FF2B5EF4-FFF2-40B4-BE49-F238E27FC236}">
+                  <a16:creationId xmlns:a16="http://schemas.microsoft.com/office/drawing/2014/main" id="{2DD5F3A1-3943-44EF-BD5E-C038AC20543D}"/>
+                </a:ext>
+              </a:extLst>
+            </p:cNvPr>
+            <p:cNvSpPr/>
+            <p:nvPr/>
+          </p:nvSpPr>
+          <p:spPr>
+            <a:xfrm rot="16200000">
+              <a:off x="7097485" y="2226165"/>
+              <a:ext cx="207833" cy="210318"/>
+            </a:xfrm>
+            <a:prstGeom prst="downArrow">
+              <a:avLst/>
+            </a:prstGeom>
+            <a:gradFill flip="none" rotWithShape="1">
+              <a:gsLst>
+                <a:gs pos="0">
+                  <a:srgbClr val="0070C0">
+                    <a:tint val="66000"/>
+                    <a:satMod val="160000"/>
+                  </a:srgbClr>
+                </a:gs>
+                <a:gs pos="50000">
+                  <a:srgbClr val="0070C0">
+                    <a:tint val="44500"/>
+                    <a:satMod val="160000"/>
+                  </a:srgbClr>
+                </a:gs>
+                <a:gs pos="100000">
+                  <a:srgbClr val="0070C0">
+                    <a:tint val="23500"/>
+                    <a:satMod val="160000"/>
+                  </a:srgbClr>
+                </a:gs>
+              </a:gsLst>
+              <a:path path="circle">
+                <a:fillToRect l="100000" b="100000"/>
+              </a:path>
+              <a:tileRect t="-100000" r="-100000"/>
+            </a:gradFill>
+          </p:spPr>
+          <p:style>
+            <a:lnRef idx="2">
+              <a:schemeClr val="accent1">
+                <a:shade val="50000"/>
+              </a:schemeClr>
+            </a:lnRef>
+            <a:fillRef idx="1">
+              <a:schemeClr val="accent1"/>
+            </a:fillRef>
+            <a:effectRef idx="0">
+              <a:schemeClr val="accent1"/>
+            </a:effectRef>
+            <a:fontRef idx="minor">
+              <a:schemeClr val="lt1"/>
+            </a:fontRef>
+          </p:style>
+          <p:txBody>
+            <a:bodyPr rtlCol="0" anchor="ctr"/>
+            <a:lstStyle/>
+            <a:p>
+              <a:pPr algn="ctr"/>
+              <a:endParaRPr lang="zh-CN" altLang="en-US"/>
+            </a:p>
+          </p:txBody>
+        </p:sp>
+        <p:sp>
+          <p:nvSpPr>
+            <p:cNvPr id="375" name="流程图: 汇总连接 374">
+              <a:extLst>
+                <a:ext uri="{FF2B5EF4-FFF2-40B4-BE49-F238E27FC236}">
+                  <a16:creationId xmlns:a16="http://schemas.microsoft.com/office/drawing/2014/main" id="{4E122697-1E61-4BD1-8854-4CCB6D436FEF}"/>
+                </a:ext>
+              </a:extLst>
+            </p:cNvPr>
+            <p:cNvSpPr/>
+            <p:nvPr/>
+          </p:nvSpPr>
+          <p:spPr>
+            <a:xfrm>
+              <a:off x="7570428" y="3009171"/>
+              <a:ext cx="235839" cy="246221"/>
+            </a:xfrm>
+            <a:prstGeom prst="flowChartSummingJunction">
+              <a:avLst/>
+            </a:prstGeom>
+            <a:solidFill>
+              <a:schemeClr val="bg1">
+                <a:lumMod val="75000"/>
+              </a:schemeClr>
+            </a:solidFill>
+          </p:spPr>
+          <p:style>
+            <a:lnRef idx="2">
+              <a:schemeClr val="accent1">
+                <a:shade val="50000"/>
+              </a:schemeClr>
+            </a:lnRef>
+            <a:fillRef idx="1">
+              <a:schemeClr val="accent1"/>
+            </a:fillRef>
+            <a:effectRef idx="0">
+              <a:schemeClr val="accent1"/>
+            </a:effectRef>
+            <a:fontRef idx="minor">
+              <a:schemeClr val="lt1"/>
+            </a:fontRef>
+          </p:style>
+          <p:txBody>
+            <a:bodyPr rtlCol="0" anchor="ctr"/>
+            <a:lstStyle/>
+            <a:p>
+              <a:pPr algn="ctr"/>
+              <a:endParaRPr lang="zh-CN" altLang="en-US"/>
+            </a:p>
+          </p:txBody>
+        </p:sp>
+        <p:cxnSp>
+          <p:nvCxnSpPr>
+            <p:cNvPr id="377" name="连接符: 肘形 376">
+              <a:extLst>
+                <a:ext uri="{FF2B5EF4-FFF2-40B4-BE49-F238E27FC236}">
+                  <a16:creationId xmlns:a16="http://schemas.microsoft.com/office/drawing/2014/main" id="{D1196653-235D-45F8-A686-BD32E4802F3F}"/>
+                </a:ext>
+              </a:extLst>
+            </p:cNvPr>
+            <p:cNvCxnSpPr>
+              <a:cxnSpLocks/>
+              <a:stCxn id="55" idx="3"/>
+            </p:cNvCxnSpPr>
+            <p:nvPr/>
+          </p:nvCxnSpPr>
+          <p:spPr>
+            <a:xfrm flipV="1">
+              <a:off x="7314681" y="3369773"/>
+              <a:ext cx="362405" cy="1250654"/>
+            </a:xfrm>
+            <a:prstGeom prst="bentConnector2">
+              <a:avLst/>
+            </a:prstGeom>
+            <a:ln>
+              <a:tailEnd type="triangle"/>
+            </a:ln>
+          </p:spPr>
+          <p:style>
+            <a:lnRef idx="1">
+              <a:schemeClr val="dk1"/>
+            </a:lnRef>
+            <a:fillRef idx="0">
+              <a:schemeClr val="dk1"/>
+            </a:fillRef>
+            <a:effectRef idx="0">
+              <a:schemeClr val="dk1"/>
+            </a:effectRef>
+            <a:fontRef idx="minor">
+              <a:schemeClr val="tx1"/>
+            </a:fontRef>
+          </p:style>
+        </p:cxnSp>
+        <p:sp>
+          <p:nvSpPr>
+            <p:cNvPr id="383" name="箭头: 下 382">
+              <a:extLst>
+                <a:ext uri="{FF2B5EF4-FFF2-40B4-BE49-F238E27FC236}">
+                  <a16:creationId xmlns:a16="http://schemas.microsoft.com/office/drawing/2014/main" id="{AE28F305-1A67-423B-9088-097A619A3BE8}"/>
+                </a:ext>
+              </a:extLst>
+            </p:cNvPr>
+            <p:cNvSpPr/>
+            <p:nvPr/>
+          </p:nvSpPr>
+          <p:spPr>
+            <a:xfrm>
+              <a:off x="7568052" y="2762320"/>
+              <a:ext cx="207833" cy="210318"/>
+            </a:xfrm>
+            <a:prstGeom prst="downArrow">
+              <a:avLst/>
+            </a:prstGeom>
+            <a:gradFill flip="none" rotWithShape="1">
+              <a:gsLst>
+                <a:gs pos="0">
+                  <a:srgbClr val="0070C0">
+                    <a:tint val="66000"/>
+                    <a:satMod val="160000"/>
+                  </a:srgbClr>
+                </a:gs>
+                <a:gs pos="50000">
+                  <a:srgbClr val="0070C0">
+                    <a:tint val="44500"/>
+                    <a:satMod val="160000"/>
+                  </a:srgbClr>
+                </a:gs>
+                <a:gs pos="100000">
+                  <a:srgbClr val="0070C0">
+                    <a:tint val="23500"/>
+                    <a:satMod val="160000"/>
+                  </a:srgbClr>
+                </a:gs>
+              </a:gsLst>
+              <a:path path="circle">
+                <a:fillToRect l="100000" b="100000"/>
+              </a:path>
+              <a:tileRect t="-100000" r="-100000"/>
+            </a:gradFill>
+          </p:spPr>
+          <p:style>
+            <a:lnRef idx="2">
+              <a:schemeClr val="accent1">
+                <a:shade val="50000"/>
+              </a:schemeClr>
+            </a:lnRef>
+            <a:fillRef idx="1">
+              <a:schemeClr val="accent1"/>
+            </a:fillRef>
+            <a:effectRef idx="0">
+              <a:schemeClr val="accent1"/>
+            </a:effectRef>
+            <a:fontRef idx="minor">
+              <a:schemeClr val="lt1"/>
+            </a:fontRef>
+          </p:style>
+          <p:txBody>
+            <a:bodyPr rtlCol="0" anchor="ctr"/>
+            <a:lstStyle/>
+            <a:p>
+              <a:pPr algn="ctr"/>
+              <a:endParaRPr lang="zh-CN" altLang="en-US"/>
+            </a:p>
+          </p:txBody>
+        </p:sp>
+        <mc:AlternateContent xmlns:mc="http://schemas.openxmlformats.org/markup-compatibility/2006">
+          <mc:Choice xmlns:a14="http://schemas.microsoft.com/office/drawing/2010/main" Requires="a14">
+            <p:sp>
+              <p:nvSpPr>
+                <p:cNvPr id="384" name="文本框 383">
+                  <a:extLst>
+                    <a:ext uri="{FF2B5EF4-FFF2-40B4-BE49-F238E27FC236}">
+                      <a16:creationId xmlns:a16="http://schemas.microsoft.com/office/drawing/2014/main" id="{0508ADB4-2262-44E8-A658-1E5E638D7EE9}"/>
+                    </a:ext>
+                  </a:extLst>
+                </p:cNvPr>
+                <p:cNvSpPr txBox="1"/>
+                <p:nvPr/>
+              </p:nvSpPr>
+              <p:spPr>
+                <a:xfrm>
+                  <a:off x="7853896" y="2672511"/>
+                  <a:ext cx="1436503" cy="246221"/>
+                </a:xfrm>
+                <a:prstGeom prst="rect">
+                  <a:avLst/>
+                </a:prstGeom>
+                <a:noFill/>
+              </p:spPr>
+              <p:txBody>
+                <a:bodyPr wrap="square" rtlCol="0">
+                  <a:spAutoFit/>
+                </a:bodyPr>
+                <a:lstStyle/>
+                <a:p>
+                  <a:r>
+                    <a:rPr lang="en-US" altLang="zh-CN" sz="1000" dirty="0">
+                      <a:latin typeface="Calibri" panose="020F0502020204030204" pitchFamily="34" charset="0"/>
+                      <a:ea typeface="Cambria Math" panose="02040503050406030204" pitchFamily="18" charset="0"/>
+                      <a:cs typeface="Calibri" panose="020F0502020204030204" pitchFamily="34" charset="0"/>
+                    </a:rPr>
+                    <a:t>Augmented feature</a:t>
+                  </a:r>
+                  <a:r>
+                    <a:rPr lang="en-US" altLang="zh-CN" sz="1000" dirty="0">
+                      <a:latin typeface="Avenir Next LT Pro Light" panose="020B0304020202020204" pitchFamily="34" charset="0"/>
+                      <a:ea typeface="Cambria Math" panose="02040503050406030204" pitchFamily="18" charset="0"/>
+                      <a:cs typeface="Calibri" panose="020F0502020204030204" pitchFamily="34" charset="0"/>
+                    </a:rPr>
+                    <a:t> </a:t>
+                  </a:r>
+                  <a14:m>
+                    <m:oMath xmlns:m="http://schemas.openxmlformats.org/officeDocument/2006/math">
+                      <m:sSub>
+                        <m:sSubPr>
+                          <m:ctrlPr>
+                            <a:rPr lang="en-US" altLang="zh-CN" sz="1000" i="1">
+                              <a:latin typeface="Cambria Math" panose="02040503050406030204" pitchFamily="18" charset="0"/>
+                              <a:ea typeface="Cambria Math" panose="02040503050406030204" pitchFamily="18" charset="0"/>
+                              <a:cs typeface="Calibri" panose="020F0502020204030204" pitchFamily="34" charset="0"/>
+                            </a:rPr>
+                          </m:ctrlPr>
+                        </m:sSubPr>
+                        <m:e>
+                          <m:r>
+                            <a:rPr lang="en-US" altLang="zh-CN" sz="1000" i="1">
+                              <a:latin typeface="Cambria Math" panose="02040503050406030204" pitchFamily="18" charset="0"/>
+                              <a:ea typeface="Cambria Math" panose="02040503050406030204" pitchFamily="18" charset="0"/>
+                              <a:cs typeface="Calibri" panose="020F0502020204030204" pitchFamily="34" charset="0"/>
+                            </a:rPr>
+                            <m:t>𝑓</m:t>
+                          </m:r>
+                        </m:e>
+                        <m:sub>
+                          <m:r>
+                            <a:rPr lang="en-US" altLang="zh-CN" sz="1000" b="0" i="1" smtClean="0">
+                              <a:latin typeface="Cambria Math" panose="02040503050406030204" pitchFamily="18" charset="0"/>
+                              <a:ea typeface="Cambria Math" panose="02040503050406030204" pitchFamily="18" charset="0"/>
+                              <a:cs typeface="Calibri" panose="020F0502020204030204" pitchFamily="34" charset="0"/>
+                            </a:rPr>
+                            <m:t>𝑡</m:t>
+                          </m:r>
+                        </m:sub>
+                      </m:sSub>
+                    </m:oMath>
+                  </a14:m>
+                  <a:endParaRPr lang="zh-CN" altLang="en-US" sz="1000" dirty="0">
+                    <a:latin typeface="Calibri" panose="020F0502020204030204" pitchFamily="34" charset="0"/>
+                    <a:cs typeface="Calibri" panose="020F0502020204030204" pitchFamily="34" charset="0"/>
+                  </a:endParaRPr>
+                </a:p>
+              </p:txBody>
+            </p:sp>
+          </mc:Choice>
+          <mc:Fallback>
+            <p:sp>
+              <p:nvSpPr>
+                <p:cNvPr id="384" name="文本框 383">
+                  <a:extLst>
+                    <a:ext uri="{FF2B5EF4-FFF2-40B4-BE49-F238E27FC236}">
+                      <a16:creationId xmlns:a16="http://schemas.microsoft.com/office/drawing/2014/main" id="{0508ADB4-2262-44E8-A658-1E5E638D7EE9}"/>
+                    </a:ext>
+                  </a:extLst>
+                </p:cNvPr>
+                <p:cNvSpPr txBox="1">
+                  <a:spLocks noRot="1" noChangeAspect="1" noMove="1" noResize="1" noEditPoints="1" noAdjustHandles="1" noChangeArrowheads="1" noChangeShapeType="1" noTextEdit="1"/>
+                </p:cNvSpPr>
+                <p:nvPr/>
+              </p:nvSpPr>
+              <p:spPr>
+                <a:xfrm>
+                  <a:off x="7853896" y="2672511"/>
+                  <a:ext cx="1436503" cy="246221"/>
+                </a:xfrm>
+                <a:prstGeom prst="rect">
+                  <a:avLst/>
+                </a:prstGeom>
+                <a:blipFill>
+                  <a:blip r:embed="rId12"/>
+                  <a:stretch>
+                    <a:fillRect b="-14634"/>
+                  </a:stretch>
+                </a:blipFill>
+              </p:spPr>
+              <p:txBody>
+                <a:bodyPr/>
+                <a:lstStyle/>
+                <a:p>
+                  <a:r>
+                    <a:rPr lang="zh-CN" altLang="en-US">
+                      <a:noFill/>
+                    </a:rPr>
+                    <a:t> </a:t>
+                  </a:r>
+                </a:p>
+              </p:txBody>
+            </p:sp>
+          </mc:Fallback>
+        </mc:AlternateContent>
+        <p:cxnSp>
+          <p:nvCxnSpPr>
+            <p:cNvPr id="394" name="直接箭头连接符 393">
+              <a:extLst>
+                <a:ext uri="{FF2B5EF4-FFF2-40B4-BE49-F238E27FC236}">
+                  <a16:creationId xmlns:a16="http://schemas.microsoft.com/office/drawing/2014/main" id="{984138E3-F474-4535-9F88-75562A2D4601}"/>
+                </a:ext>
+              </a:extLst>
+            </p:cNvPr>
+            <p:cNvCxnSpPr>
+              <a:cxnSpLocks/>
+            </p:cNvCxnSpPr>
+            <p:nvPr/>
+          </p:nvCxnSpPr>
+          <p:spPr>
+            <a:xfrm>
+              <a:off x="904736" y="2727105"/>
+              <a:ext cx="289731" cy="0"/>
+            </a:xfrm>
+            <a:prstGeom prst="straightConnector1">
+              <a:avLst/>
+            </a:prstGeom>
+            <a:ln>
+              <a:tailEnd type="triangle"/>
+            </a:ln>
+          </p:spPr>
+          <p:style>
+            <a:lnRef idx="1">
+              <a:schemeClr val="dk1"/>
+            </a:lnRef>
+            <a:fillRef idx="0">
+              <a:schemeClr val="dk1"/>
+            </a:fillRef>
+            <a:effectRef idx="0">
+              <a:schemeClr val="dk1"/>
+            </a:effectRef>
+            <a:fontRef idx="minor">
+              <a:schemeClr val="tx1"/>
+            </a:fontRef>
+          </p:style>
+        </p:cxnSp>
+        <p:cxnSp>
+          <p:nvCxnSpPr>
+            <p:cNvPr id="395" name="直接箭头连接符 394">
+              <a:extLst>
+                <a:ext uri="{FF2B5EF4-FFF2-40B4-BE49-F238E27FC236}">
+                  <a16:creationId xmlns:a16="http://schemas.microsoft.com/office/drawing/2014/main" id="{3A77CCF1-5E30-486B-9371-EAA2630CF8FE}"/>
+                </a:ext>
+              </a:extLst>
+            </p:cNvPr>
+            <p:cNvCxnSpPr>
+              <a:cxnSpLocks/>
+            </p:cNvCxnSpPr>
+            <p:nvPr/>
+          </p:nvCxnSpPr>
+          <p:spPr>
+            <a:xfrm>
+              <a:off x="864263" y="4452170"/>
+              <a:ext cx="289731" cy="0"/>
+            </a:xfrm>
+            <a:prstGeom prst="straightConnector1">
+              <a:avLst/>
+            </a:prstGeom>
+            <a:ln>
+              <a:tailEnd type="triangle"/>
+            </a:ln>
+          </p:spPr>
+          <p:style>
+            <a:lnRef idx="1">
+              <a:schemeClr val="dk1"/>
+            </a:lnRef>
+            <a:fillRef idx="0">
+              <a:schemeClr val="dk1"/>
+            </a:fillRef>
+            <a:effectRef idx="0">
+              <a:schemeClr val="dk1"/>
+            </a:effectRef>
+            <a:fontRef idx="minor">
+              <a:schemeClr val="tx1"/>
+            </a:fontRef>
+          </p:style>
+        </p:cxnSp>
+        <p:sp>
+          <p:nvSpPr>
+            <p:cNvPr id="401" name="立方体 400">
+              <a:extLst>
+                <a:ext uri="{FF2B5EF4-FFF2-40B4-BE49-F238E27FC236}">
+                  <a16:creationId xmlns:a16="http://schemas.microsoft.com/office/drawing/2014/main" id="{7D577976-E3BC-49D3-B056-C886D59C18BF}"/>
+                </a:ext>
+              </a:extLst>
+            </p:cNvPr>
+            <p:cNvSpPr/>
+            <p:nvPr/>
+          </p:nvSpPr>
+          <p:spPr>
+            <a:xfrm>
+              <a:off x="8192564" y="2879097"/>
+              <a:ext cx="180587" cy="491278"/>
+            </a:xfrm>
+            <a:prstGeom prst="cube">
+              <a:avLst>
+                <a:gd name="adj" fmla="val 82396"/>
+              </a:avLst>
+            </a:prstGeom>
+            <a:solidFill>
+              <a:schemeClr val="accent2"/>
+            </a:solidFill>
+            <a:scene3d>
+              <a:camera prst="isometricOffAxis2Left"/>
+              <a:lightRig rig="threePt" dir="t"/>
+            </a:scene3d>
+          </p:spPr>
+          <p:style>
+            <a:lnRef idx="2">
+              <a:schemeClr val="accent1">
+                <a:shade val="50000"/>
+              </a:schemeClr>
+            </a:lnRef>
+            <a:fillRef idx="1">
+              <a:schemeClr val="accent1"/>
+            </a:fillRef>
+            <a:effectRef idx="0">
+              <a:schemeClr val="accent1"/>
+            </a:effectRef>
+            <a:fontRef idx="minor">
+              <a:schemeClr val="lt1"/>
+            </a:fontRef>
+          </p:style>
+          <p:txBody>
+            <a:bodyPr rot="0" spcFirstLastPara="0" vertOverflow="overflow" horzOverflow="overflow" vert="horz" wrap="square" lIns="91440" tIns="45720" rIns="91440" bIns="45720" numCol="1" spcCol="0" rtlCol="0" fromWordArt="0" anchor="ctr" anchorCtr="0" forceAA="0" compatLnSpc="1">
+              <a:prstTxWarp prst="textNoShape">
+                <a:avLst/>
+              </a:prstTxWarp>
+              <a:noAutofit/>
+            </a:bodyPr>
+            <a:lstStyle/>
+            <a:p>
+              <a:pPr algn="ctr"/>
+              <a:endParaRPr lang="zh-CN" altLang="en-US" dirty="0"/>
+            </a:p>
+          </p:txBody>
+        </p:sp>
+        <p:sp>
+          <p:nvSpPr>
+            <p:cNvPr id="402" name="箭头: 下 401">
+              <a:extLst>
+                <a:ext uri="{FF2B5EF4-FFF2-40B4-BE49-F238E27FC236}">
+                  <a16:creationId xmlns:a16="http://schemas.microsoft.com/office/drawing/2014/main" id="{DAC0E9B9-EEC8-473D-96B9-9AF1E7EB1640}"/>
+                </a:ext>
+              </a:extLst>
+            </p:cNvPr>
+            <p:cNvSpPr/>
+            <p:nvPr/>
+          </p:nvSpPr>
+          <p:spPr>
+            <a:xfrm rot="16200000">
+              <a:off x="7910395" y="3052827"/>
+              <a:ext cx="207833" cy="210318"/>
+            </a:xfrm>
+            <a:prstGeom prst="downArrow">
+              <a:avLst/>
+            </a:prstGeom>
+            <a:gradFill flip="none" rotWithShape="1">
+              <a:gsLst>
+                <a:gs pos="0">
+                  <a:srgbClr val="0070C0">
+                    <a:tint val="66000"/>
+                    <a:satMod val="160000"/>
+                  </a:srgbClr>
+                </a:gs>
+                <a:gs pos="50000">
+                  <a:srgbClr val="0070C0">
+                    <a:tint val="44500"/>
+                    <a:satMod val="160000"/>
+                  </a:srgbClr>
+                </a:gs>
+                <a:gs pos="100000">
+                  <a:srgbClr val="0070C0">
+                    <a:tint val="23500"/>
+                    <a:satMod val="160000"/>
+                  </a:srgbClr>
+                </a:gs>
+              </a:gsLst>
+              <a:path path="circle">
+                <a:fillToRect l="100000" b="100000"/>
+              </a:path>
+              <a:tileRect t="-100000" r="-100000"/>
+            </a:gradFill>
+          </p:spPr>
+          <p:style>
+            <a:lnRef idx="2">
+              <a:schemeClr val="accent1">
+                <a:shade val="50000"/>
+              </a:schemeClr>
+            </a:lnRef>
+            <a:fillRef idx="1">
+              <a:schemeClr val="accent1"/>
+            </a:fillRef>
+            <a:effectRef idx="0">
+              <a:schemeClr val="accent1"/>
+            </a:effectRef>
+            <a:fontRef idx="minor">
+              <a:schemeClr val="lt1"/>
+            </a:fontRef>
+          </p:style>
+          <p:txBody>
+            <a:bodyPr rtlCol="0" anchor="ctr"/>
+            <a:lstStyle/>
+            <a:p>
+              <a:pPr algn="ctr"/>
+              <a:endParaRPr lang="zh-CN" altLang="en-US"/>
+            </a:p>
+          </p:txBody>
+        </p:sp>
+        <p:cxnSp>
+          <p:nvCxnSpPr>
+            <p:cNvPr id="404" name="直接箭头连接符 403">
+              <a:extLst>
+                <a:ext uri="{FF2B5EF4-FFF2-40B4-BE49-F238E27FC236}">
+                  <a16:creationId xmlns:a16="http://schemas.microsoft.com/office/drawing/2014/main" id="{0EFBEC53-F5F9-49B0-9279-7D218D1D445B}"/>
+                </a:ext>
+              </a:extLst>
+            </p:cNvPr>
+            <p:cNvCxnSpPr>
+              <a:cxnSpLocks/>
+            </p:cNvCxnSpPr>
+            <p:nvPr/>
+          </p:nvCxnSpPr>
+          <p:spPr>
+            <a:xfrm>
+              <a:off x="8270464" y="3369773"/>
+              <a:ext cx="0" cy="1120053"/>
+            </a:xfrm>
+            <a:prstGeom prst="straightConnector1">
+              <a:avLst/>
+            </a:prstGeom>
+            <a:ln>
+              <a:tailEnd type="triangle"/>
+            </a:ln>
+          </p:spPr>
+          <p:style>
+            <a:lnRef idx="1">
+              <a:schemeClr val="dk1"/>
+            </a:lnRef>
+            <a:fillRef idx="0">
+              <a:schemeClr val="dk1"/>
+            </a:fillRef>
+            <a:effectRef idx="0">
+              <a:schemeClr val="dk1"/>
+            </a:effectRef>
+            <a:fontRef idx="minor">
+              <a:schemeClr val="tx1"/>
+            </a:fontRef>
+          </p:style>
+        </p:cxnSp>
+        <p:cxnSp>
+          <p:nvCxnSpPr>
+            <p:cNvPr id="409" name="直接箭头连接符 408">
+              <a:extLst>
+                <a:ext uri="{FF2B5EF4-FFF2-40B4-BE49-F238E27FC236}">
+                  <a16:creationId xmlns:a16="http://schemas.microsoft.com/office/drawing/2014/main" id="{FE1EB607-814F-4631-B000-71EDC530AB13}"/>
+                </a:ext>
+              </a:extLst>
+            </p:cNvPr>
+            <p:cNvCxnSpPr>
+              <a:cxnSpLocks/>
+            </p:cNvCxnSpPr>
+            <p:nvPr/>
+          </p:nvCxnSpPr>
+          <p:spPr>
+            <a:xfrm>
+              <a:off x="7304748" y="4724855"/>
+              <a:ext cx="791822" cy="8242"/>
+            </a:xfrm>
+            <a:prstGeom prst="straightConnector1">
+              <a:avLst/>
+            </a:prstGeom>
+            <a:ln>
+              <a:tailEnd type="triangle"/>
+            </a:ln>
+          </p:spPr>
+          <p:style>
+            <a:lnRef idx="1">
+              <a:schemeClr val="dk1"/>
+            </a:lnRef>
+            <a:fillRef idx="0">
+              <a:schemeClr val="dk1"/>
+            </a:fillRef>
+            <a:effectRef idx="0">
+              <a:schemeClr val="dk1"/>
+            </a:effectRef>
+            <a:fontRef idx="minor">
+              <a:schemeClr val="tx1"/>
+            </a:fontRef>
+          </p:style>
+        </p:cxnSp>
+        <p:cxnSp>
+          <p:nvCxnSpPr>
+            <p:cNvPr id="421" name="Google Shape;6817;p130">
+              <a:extLst>
+                <a:ext uri="{FF2B5EF4-FFF2-40B4-BE49-F238E27FC236}">
+                  <a16:creationId xmlns:a16="http://schemas.microsoft.com/office/drawing/2014/main" id="{CB78E5E0-E36E-44C8-A380-461C5E88776A}"/>
+                </a:ext>
+              </a:extLst>
+            </p:cNvPr>
+            <p:cNvCxnSpPr>
+              <a:cxnSpLocks/>
+            </p:cNvCxnSpPr>
+            <p:nvPr/>
+          </p:nvCxnSpPr>
+          <p:spPr>
+            <a:xfrm flipV="1">
+              <a:off x="5542675" y="1123794"/>
+              <a:ext cx="3753900" cy="30369"/>
+            </a:xfrm>
+            <a:prstGeom prst="straightConnector1">
+              <a:avLst/>
+            </a:prstGeom>
+            <a:noFill/>
+            <a:ln w="9525" cap="flat" cmpd="sng">
+              <a:solidFill>
+                <a:schemeClr val="tx1"/>
+              </a:solidFill>
+              <a:prstDash val="dash"/>
+              <a:round/>
+              <a:headEnd type="none" w="med" len="med"/>
+              <a:tailEnd type="triangle" w="med" len="med"/>
+            </a:ln>
+          </p:spPr>
+        </p:cxnSp>
+        <p:sp>
+          <p:nvSpPr>
+            <p:cNvPr id="425" name="立方体 424">
+              <a:extLst>
+                <a:ext uri="{FF2B5EF4-FFF2-40B4-BE49-F238E27FC236}">
+                  <a16:creationId xmlns:a16="http://schemas.microsoft.com/office/drawing/2014/main" id="{59C8B067-1B58-4AA6-BEC9-F01F08CD809B}"/>
+                </a:ext>
+              </a:extLst>
+            </p:cNvPr>
+            <p:cNvSpPr/>
+            <p:nvPr/>
+          </p:nvSpPr>
+          <p:spPr>
+            <a:xfrm>
+              <a:off x="8728048" y="4410612"/>
+              <a:ext cx="180587" cy="491278"/>
+            </a:xfrm>
+            <a:prstGeom prst="cube">
+              <a:avLst>
+                <a:gd name="adj" fmla="val 82396"/>
+              </a:avLst>
+            </a:prstGeom>
+            <a:solidFill>
+              <a:schemeClr val="accent2"/>
+            </a:solidFill>
+            <a:scene3d>
+              <a:camera prst="isometricOffAxis2Left"/>
+              <a:lightRig rig="threePt" dir="t"/>
+            </a:scene3d>
+          </p:spPr>
+          <p:style>
+            <a:lnRef idx="2">
+              <a:schemeClr val="accent1">
+                <a:shade val="50000"/>
+              </a:schemeClr>
+            </a:lnRef>
+            <a:fillRef idx="1">
+              <a:schemeClr val="accent1"/>
+            </a:fillRef>
+            <a:effectRef idx="0">
+              <a:schemeClr val="accent1"/>
+            </a:effectRef>
+            <a:fontRef idx="minor">
+              <a:schemeClr val="lt1"/>
+            </a:fontRef>
+          </p:style>
+          <p:txBody>
+            <a:bodyPr rot="0" spcFirstLastPara="0" vertOverflow="overflow" horzOverflow="overflow" vert="horz" wrap="square" lIns="91440" tIns="45720" rIns="91440" bIns="45720" numCol="1" spcCol="0" rtlCol="0" fromWordArt="0" anchor="ctr" anchorCtr="0" forceAA="0" compatLnSpc="1">
+              <a:prstTxWarp prst="textNoShape">
+                <a:avLst/>
+              </a:prstTxWarp>
+              <a:noAutofit/>
+            </a:bodyPr>
+            <a:lstStyle/>
+            <a:p>
+              <a:pPr algn="ctr"/>
+              <a:endParaRPr lang="zh-CN" altLang="en-US" dirty="0"/>
+            </a:p>
+          </p:txBody>
+        </p:sp>
+        <p:sp>
+          <p:nvSpPr>
+            <p:cNvPr id="426" name="立方体 425">
+              <a:extLst>
+                <a:ext uri="{FF2B5EF4-FFF2-40B4-BE49-F238E27FC236}">
+                  <a16:creationId xmlns:a16="http://schemas.microsoft.com/office/drawing/2014/main" id="{251CDC3D-CFDA-4C5C-AA72-9CF9D2A6BAD0}"/>
+                </a:ext>
+              </a:extLst>
+            </p:cNvPr>
+            <p:cNvSpPr/>
+            <p:nvPr/>
+          </p:nvSpPr>
+          <p:spPr>
+            <a:xfrm>
+              <a:off x="8807786" y="4411776"/>
+              <a:ext cx="180587" cy="491278"/>
+            </a:xfrm>
+            <a:prstGeom prst="cube">
+              <a:avLst>
+                <a:gd name="adj" fmla="val 82396"/>
+              </a:avLst>
+            </a:prstGeom>
+            <a:solidFill>
+              <a:schemeClr val="accent4">
+                <a:lumMod val="60000"/>
+                <a:lumOff val="40000"/>
+              </a:schemeClr>
+            </a:solidFill>
+            <a:scene3d>
+              <a:camera prst="isometricOffAxis2Left"/>
+              <a:lightRig rig="threePt" dir="t"/>
+            </a:scene3d>
+          </p:spPr>
+          <p:style>
+            <a:lnRef idx="2">
+              <a:schemeClr val="accent1">
+                <a:shade val="50000"/>
+              </a:schemeClr>
+            </a:lnRef>
+            <a:fillRef idx="1">
+              <a:schemeClr val="accent1"/>
+            </a:fillRef>
+            <a:effectRef idx="0">
+              <a:schemeClr val="accent1"/>
+            </a:effectRef>
+            <a:fontRef idx="minor">
+              <a:schemeClr val="lt1"/>
+            </a:fontRef>
+          </p:style>
+          <p:txBody>
+            <a:bodyPr rot="0" spcFirstLastPara="0" vertOverflow="overflow" horzOverflow="overflow" vert="horz" wrap="square" lIns="91440" tIns="45720" rIns="91440" bIns="45720" numCol="1" spcCol="0" rtlCol="0" fromWordArt="0" anchor="ctr" anchorCtr="0" forceAA="0" compatLnSpc="1">
+              <a:prstTxWarp prst="textNoShape">
+                <a:avLst/>
+              </a:prstTxWarp>
+              <a:noAutofit/>
+            </a:bodyPr>
+            <a:lstStyle/>
+            <a:p>
+              <a:pPr algn="ctr"/>
+              <a:endParaRPr lang="zh-CN" altLang="en-US" dirty="0"/>
+            </a:p>
+          </p:txBody>
+        </p:sp>
+        <p:cxnSp>
+          <p:nvCxnSpPr>
+            <p:cNvPr id="427" name="Google Shape;6817;p130">
+              <a:extLst>
+                <a:ext uri="{FF2B5EF4-FFF2-40B4-BE49-F238E27FC236}">
+                  <a16:creationId xmlns:a16="http://schemas.microsoft.com/office/drawing/2014/main" id="{5DF44AB4-D550-4149-A423-8668BE4E87A1}"/>
+                </a:ext>
+              </a:extLst>
+            </p:cNvPr>
+            <p:cNvCxnSpPr>
+              <a:cxnSpLocks/>
+            </p:cNvCxnSpPr>
+            <p:nvPr/>
+          </p:nvCxnSpPr>
+          <p:spPr>
+            <a:xfrm>
+              <a:off x="9026473" y="4653510"/>
+              <a:ext cx="291861" cy="0"/>
+            </a:xfrm>
+            <a:prstGeom prst="straightConnector1">
+              <a:avLst/>
+            </a:prstGeom>
+            <a:noFill/>
+            <a:ln w="9525" cap="flat" cmpd="sng">
+              <a:solidFill>
+                <a:schemeClr val="tx1"/>
+              </a:solidFill>
+              <a:prstDash val="dash"/>
+              <a:round/>
+              <a:headEnd type="none" w="med" len="med"/>
+              <a:tailEnd type="triangle" w="med" len="med"/>
+            </a:ln>
+          </p:spPr>
+        </p:cxnSp>
+        <p:sp>
+          <p:nvSpPr>
+            <p:cNvPr id="430" name="箭头: 下 429">
+              <a:extLst>
+                <a:ext uri="{FF2B5EF4-FFF2-40B4-BE49-F238E27FC236}">
+                  <a16:creationId xmlns:a16="http://schemas.microsoft.com/office/drawing/2014/main" id="{02A4CE20-F9EE-47B4-AA21-527394EBC850}"/>
+                </a:ext>
+              </a:extLst>
+            </p:cNvPr>
+            <p:cNvSpPr/>
+            <p:nvPr/>
+          </p:nvSpPr>
+          <p:spPr>
+            <a:xfrm rot="16200000">
+              <a:off x="8466569" y="4554129"/>
+              <a:ext cx="207833" cy="210318"/>
+            </a:xfrm>
+            <a:prstGeom prst="downArrow">
+              <a:avLst/>
+            </a:prstGeom>
+            <a:gradFill flip="none" rotWithShape="1">
+              <a:gsLst>
+                <a:gs pos="0">
+                  <a:srgbClr val="0070C0">
+                    <a:tint val="66000"/>
+                    <a:satMod val="160000"/>
+                  </a:srgbClr>
+                </a:gs>
+                <a:gs pos="50000">
+                  <a:srgbClr val="0070C0">
+                    <a:tint val="44500"/>
+                    <a:satMod val="160000"/>
+                  </a:srgbClr>
+                </a:gs>
+                <a:gs pos="100000">
+                  <a:srgbClr val="0070C0">
+                    <a:tint val="23500"/>
+                    <a:satMod val="160000"/>
+                  </a:srgbClr>
+                </a:gs>
+              </a:gsLst>
+              <a:path path="circle">
+                <a:fillToRect l="100000" b="100000"/>
+              </a:path>
+              <a:tileRect t="-100000" r="-100000"/>
+            </a:gradFill>
+          </p:spPr>
+          <p:style>
+            <a:lnRef idx="2">
+              <a:schemeClr val="accent1">
+                <a:shade val="50000"/>
+              </a:schemeClr>
+            </a:lnRef>
+            <a:fillRef idx="1">
+              <a:schemeClr val="accent1"/>
+            </a:fillRef>
+            <a:effectRef idx="0">
+              <a:schemeClr val="accent1"/>
+            </a:effectRef>
+            <a:fontRef idx="minor">
+              <a:schemeClr val="lt1"/>
+            </a:fontRef>
+          </p:style>
+          <p:txBody>
+            <a:bodyPr rtlCol="0" anchor="ctr"/>
+            <a:lstStyle/>
+            <a:p>
+              <a:pPr algn="ctr"/>
+              <a:endParaRPr lang="zh-CN" altLang="en-US"/>
+            </a:p>
+          </p:txBody>
+        </p:sp>
+        <mc:AlternateContent xmlns:mc="http://schemas.openxmlformats.org/markup-compatibility/2006">
+          <mc:Choice xmlns:a14="http://schemas.microsoft.com/office/drawing/2010/main" Requires="a14">
+            <p:sp>
+              <p:nvSpPr>
+                <p:cNvPr id="431" name="文本框 430">
+                  <a:extLst>
+                    <a:ext uri="{FF2B5EF4-FFF2-40B4-BE49-F238E27FC236}">
+                      <a16:creationId xmlns:a16="http://schemas.microsoft.com/office/drawing/2014/main" id="{DE29CACD-3A74-4006-B078-D2AC12FFF1E9}"/>
+                    </a:ext>
+                  </a:extLst>
+                </p:cNvPr>
+                <p:cNvSpPr txBox="1"/>
+                <p:nvPr/>
+              </p:nvSpPr>
+              <p:spPr>
+                <a:xfrm>
+                  <a:off x="8442804" y="4875282"/>
+                  <a:ext cx="1436503" cy="246221"/>
+                </a:xfrm>
+                <a:prstGeom prst="rect">
+                  <a:avLst/>
+                </a:prstGeom>
+                <a:noFill/>
+              </p:spPr>
+              <p:txBody>
+                <a:bodyPr wrap="square" rtlCol="0">
+                  <a:spAutoFit/>
+                </a:bodyPr>
+                <a:lstStyle/>
+                <a:p>
+                  <a:r>
+                    <a:rPr lang="en-US" altLang="zh-CN" sz="1000" dirty="0">
+                      <a:latin typeface="Calibri" panose="020F0502020204030204" pitchFamily="34" charset="0"/>
+                      <a:ea typeface="Cambria Math" panose="02040503050406030204" pitchFamily="18" charset="0"/>
+                      <a:cs typeface="Calibri" panose="020F0502020204030204" pitchFamily="34" charset="0"/>
+                    </a:rPr>
+                    <a:t>Aggregated feature</a:t>
+                  </a:r>
+                  <a:r>
+                    <a:rPr lang="en-US" altLang="zh-CN" sz="1000" dirty="0">
+                      <a:latin typeface="Avenir Next LT Pro Light" panose="020B0304020202020204" pitchFamily="34" charset="0"/>
+                      <a:ea typeface="Cambria Math" panose="02040503050406030204" pitchFamily="18" charset="0"/>
+                      <a:cs typeface="Calibri" panose="020F0502020204030204" pitchFamily="34" charset="0"/>
+                    </a:rPr>
+                    <a:t> </a:t>
+                  </a:r>
+                  <a14:m>
+                    <m:oMath xmlns:m="http://schemas.openxmlformats.org/officeDocument/2006/math">
+                      <m:sSub>
+                        <m:sSubPr>
+                          <m:ctrlPr>
+                            <a:rPr lang="en-US" altLang="zh-CN" sz="1000" i="1">
+                              <a:latin typeface="Cambria Math" panose="02040503050406030204" pitchFamily="18" charset="0"/>
+                              <a:ea typeface="Cambria Math" panose="02040503050406030204" pitchFamily="18" charset="0"/>
+                              <a:cs typeface="Calibri" panose="020F0502020204030204" pitchFamily="34" charset="0"/>
+                            </a:rPr>
+                          </m:ctrlPr>
+                        </m:sSubPr>
+                        <m:e>
+                          <m:r>
+                            <a:rPr lang="en-US" altLang="zh-CN" sz="1000" i="1">
+                              <a:latin typeface="Cambria Math" panose="02040503050406030204" pitchFamily="18" charset="0"/>
+                              <a:ea typeface="Cambria Math" panose="02040503050406030204" pitchFamily="18" charset="0"/>
+                              <a:cs typeface="Calibri" panose="020F0502020204030204" pitchFamily="34" charset="0"/>
+                            </a:rPr>
+                            <m:t>𝑓</m:t>
+                          </m:r>
+                        </m:e>
+                        <m:sub>
+                          <m:r>
+                            <a:rPr lang="en-US" altLang="zh-CN" sz="1000" i="1">
+                              <a:latin typeface="Cambria Math" panose="02040503050406030204" pitchFamily="18" charset="0"/>
+                              <a:ea typeface="Cambria Math" panose="02040503050406030204" pitchFamily="18" charset="0"/>
+                              <a:cs typeface="Calibri" panose="020F0502020204030204" pitchFamily="34" charset="0"/>
+                            </a:rPr>
+                            <m:t>𝑡</m:t>
+                          </m:r>
+                        </m:sub>
+                      </m:sSub>
+                    </m:oMath>
+                  </a14:m>
+                  <a:endParaRPr lang="zh-CN" altLang="en-US" sz="1000" dirty="0">
+                    <a:latin typeface="Calibri" panose="020F0502020204030204" pitchFamily="34" charset="0"/>
+                    <a:cs typeface="Calibri" panose="020F0502020204030204" pitchFamily="34" charset="0"/>
+                  </a:endParaRPr>
+                </a:p>
+              </p:txBody>
+            </p:sp>
+          </mc:Choice>
+          <mc:Fallback>
+            <p:sp>
+              <p:nvSpPr>
+                <p:cNvPr id="431" name="文本框 430">
+                  <a:extLst>
+                    <a:ext uri="{FF2B5EF4-FFF2-40B4-BE49-F238E27FC236}">
+                      <a16:creationId xmlns:a16="http://schemas.microsoft.com/office/drawing/2014/main" id="{DE29CACD-3A74-4006-B078-D2AC12FFF1E9}"/>
+                    </a:ext>
+                  </a:extLst>
+                </p:cNvPr>
+                <p:cNvSpPr txBox="1">
+                  <a:spLocks noRot="1" noChangeAspect="1" noMove="1" noResize="1" noEditPoints="1" noAdjustHandles="1" noChangeArrowheads="1" noChangeShapeType="1" noTextEdit="1"/>
+                </p:cNvSpPr>
+                <p:nvPr/>
+              </p:nvSpPr>
+              <p:spPr>
+                <a:xfrm>
+                  <a:off x="8442804" y="4875282"/>
+                  <a:ext cx="1436503" cy="246221"/>
+                </a:xfrm>
+                <a:prstGeom prst="rect">
+                  <a:avLst/>
+                </a:prstGeom>
+                <a:blipFill>
+                  <a:blip r:embed="rId13"/>
+                  <a:stretch>
+                    <a:fillRect b="-15000"/>
+                  </a:stretch>
+                </a:blipFill>
+              </p:spPr>
+              <p:txBody>
+                <a:bodyPr/>
+                <a:lstStyle/>
+                <a:p>
+                  <a:r>
+                    <a:rPr lang="zh-CN" altLang="en-US">
+                      <a:noFill/>
+                    </a:rPr>
+                    <a:t> </a:t>
+                  </a:r>
+                </a:p>
+              </p:txBody>
+            </p:sp>
+          </mc:Fallback>
+        </mc:AlternateContent>
+        <p:cxnSp>
+          <p:nvCxnSpPr>
+            <p:cNvPr id="514" name="连接符: 肘形 513">
+              <a:extLst>
+                <a:ext uri="{FF2B5EF4-FFF2-40B4-BE49-F238E27FC236}">
+                  <a16:creationId xmlns:a16="http://schemas.microsoft.com/office/drawing/2014/main" id="{0D0AA77C-C105-4FE5-B842-FD48C1FA3B83}"/>
+                </a:ext>
+              </a:extLst>
+            </p:cNvPr>
+            <p:cNvCxnSpPr>
+              <a:cxnSpLocks/>
+            </p:cNvCxnSpPr>
+            <p:nvPr/>
+          </p:nvCxnSpPr>
+          <p:spPr>
+            <a:xfrm>
+              <a:off x="3990639" y="2710623"/>
+              <a:ext cx="328713" cy="1640394"/>
+            </a:xfrm>
+            <a:prstGeom prst="bentConnector3">
+              <a:avLst>
+                <a:gd name="adj1" fmla="val 50000"/>
+              </a:avLst>
+            </a:prstGeom>
+            <a:ln>
+              <a:prstDash val="dash"/>
+              <a:tailEnd type="triangle"/>
+            </a:ln>
+          </p:spPr>
+          <p:style>
+            <a:lnRef idx="1">
+              <a:schemeClr val="dk1"/>
+            </a:lnRef>
+            <a:fillRef idx="0">
+              <a:schemeClr val="dk1"/>
+            </a:fillRef>
+            <a:effectRef idx="0">
+              <a:schemeClr val="dk1"/>
+            </a:effectRef>
+            <a:fontRef idx="minor">
+              <a:schemeClr val="tx1"/>
+            </a:fontRef>
+          </p:style>
+        </p:cxnSp>
+        <p:cxnSp>
+          <p:nvCxnSpPr>
+            <p:cNvPr id="526" name="Google Shape;6817;p130">
+              <a:extLst>
+                <a:ext uri="{FF2B5EF4-FFF2-40B4-BE49-F238E27FC236}">
+                  <a16:creationId xmlns:a16="http://schemas.microsoft.com/office/drawing/2014/main" id="{1CFA0B89-6976-4937-BA73-6F54F4504AD3}"/>
+                </a:ext>
+              </a:extLst>
+            </p:cNvPr>
+            <p:cNvCxnSpPr>
+              <a:cxnSpLocks/>
+            </p:cNvCxnSpPr>
+            <p:nvPr/>
+          </p:nvCxnSpPr>
+          <p:spPr>
+            <a:xfrm>
+              <a:off x="3973066" y="4489826"/>
+              <a:ext cx="346286" cy="0"/>
+            </a:xfrm>
+            <a:prstGeom prst="straightConnector1">
+              <a:avLst/>
+            </a:prstGeom>
+            <a:noFill/>
+            <a:ln w="9525" cap="flat" cmpd="sng">
+              <a:solidFill>
+                <a:schemeClr val="tx1"/>
+              </a:solidFill>
+              <a:prstDash val="dash"/>
+              <a:round/>
+              <a:headEnd type="none" w="med" len="med"/>
+              <a:tailEnd type="triangle" w="med" len="med"/>
+            </a:ln>
+          </p:spPr>
+        </p:cxnSp>
+        <p:cxnSp>
+          <p:nvCxnSpPr>
+            <p:cNvPr id="544" name="直接箭头连接符 543">
+              <a:extLst>
+                <a:ext uri="{FF2B5EF4-FFF2-40B4-BE49-F238E27FC236}">
+                  <a16:creationId xmlns:a16="http://schemas.microsoft.com/office/drawing/2014/main" id="{DFC3FEFC-A56B-4C49-9E7E-8BF4ED408948}"/>
+                </a:ext>
+              </a:extLst>
+            </p:cNvPr>
+            <p:cNvCxnSpPr>
+              <a:cxnSpLocks/>
+            </p:cNvCxnSpPr>
+            <p:nvPr/>
+          </p:nvCxnSpPr>
+          <p:spPr>
+            <a:xfrm flipH="1" flipV="1">
+              <a:off x="6880274" y="2556741"/>
+              <a:ext cx="4584" cy="948551"/>
+            </a:xfrm>
+            <a:prstGeom prst="straightConnector1">
+              <a:avLst/>
+            </a:prstGeom>
+            <a:ln>
+              <a:tailEnd type="triangle"/>
+            </a:ln>
+          </p:spPr>
+          <p:style>
+            <a:lnRef idx="1">
+              <a:schemeClr val="dk1"/>
+            </a:lnRef>
+            <a:fillRef idx="0">
+              <a:schemeClr val="dk1"/>
+            </a:fillRef>
+            <a:effectRef idx="0">
+              <a:schemeClr val="dk1"/>
+            </a:effectRef>
+            <a:fontRef idx="minor">
+              <a:schemeClr val="tx1"/>
+            </a:fontRef>
+          </p:style>
+        </p:cxnSp>
+        <p:sp>
+          <p:nvSpPr>
+            <p:cNvPr id="557" name="文本框 556">
+              <a:extLst>
+                <a:ext uri="{FF2B5EF4-FFF2-40B4-BE49-F238E27FC236}">
+                  <a16:creationId xmlns:a16="http://schemas.microsoft.com/office/drawing/2014/main" id="{00877A56-8164-42BF-983F-9FF326988A5A}"/>
+                </a:ext>
+              </a:extLst>
+            </p:cNvPr>
+            <p:cNvSpPr txBox="1"/>
+            <p:nvPr/>
+          </p:nvSpPr>
+          <p:spPr>
+            <a:xfrm>
+              <a:off x="6260679" y="4968244"/>
+              <a:ext cx="1461628" cy="246221"/>
+            </a:xfrm>
+            <a:prstGeom prst="rect">
+              <a:avLst/>
+            </a:prstGeom>
+            <a:noFill/>
+          </p:spPr>
+          <p:txBody>
+            <a:bodyPr wrap="square" rtlCol="0">
+              <a:spAutoFit/>
+            </a:bodyPr>
+            <a:lstStyle/>
+            <a:p>
+              <a:r>
+                <a:rPr lang="en-US" altLang="zh-CN" sz="1000" dirty="0">
+                  <a:latin typeface="Calibri" panose="020F0502020204030204" pitchFamily="34" charset="0"/>
+                  <a:cs typeface="Calibri" panose="020F0502020204030204" pitchFamily="34" charset="0"/>
+                </a:rPr>
+                <a:t>motion feature fusion</a:t>
+              </a:r>
+              <a:endParaRPr lang="zh-CN" altLang="en-US" sz="1000" dirty="0">
+                <a:latin typeface="Calibri" panose="020F0502020204030204" pitchFamily="34" charset="0"/>
+                <a:cs typeface="Calibri" panose="020F0502020204030204" pitchFamily="34" charset="0"/>
+              </a:endParaRPr>
+            </a:p>
+          </p:txBody>
+        </p:sp>
+      </p:grpSp>
+    </p:spTree>
+    <p:extLst>
+      <p:ext uri="{BB962C8B-B14F-4D97-AF65-F5344CB8AC3E}">
+        <p14:creationId xmlns:p14="http://schemas.microsoft.com/office/powerpoint/2010/main" val="4279511260"/>
+      </p:ext>
+    </p:extLst>
+  </p:cSld>
+  <p:clrMapOvr>
+    <a:masterClrMapping/>
+  </p:clrMapOvr>
+</p:sld>
+</file>
+
+<file path=ppt/slides/slide3.xml><?xml version="1.0" encoding="utf-8"?>
+<p:sld xmlns:a="http://schemas.openxmlformats.org/drawingml/2006/main" xmlns:r="http://schemas.openxmlformats.org/officeDocument/2006/relationships" xmlns:p="http://schemas.openxmlformats.org/presentationml/2006/main">
+  <p:cSld>
+    <p:spTree>
+      <p:nvGrpSpPr>
+        <p:cNvPr id="1" name=""/>
+        <p:cNvGrpSpPr/>
+        <p:nvPr/>
+      </p:nvGrpSpPr>
+      <p:grpSpPr>
+        <a:xfrm>
+          <a:off x="0" y="0"/>
+          <a:ext cx="0" cy="0"/>
+          <a:chOff x="0" y="0"/>
+          <a:chExt cx="0" cy="0"/>
+        </a:xfrm>
+      </p:grpSpPr>
       <p:sp>
         <p:nvSpPr>
           <p:cNvPr id="4" name="矩形 3">
@@ -6744,36 +16602,6 @@
     <p:extLst>
       <p:ext uri="{BB962C8B-B14F-4D97-AF65-F5344CB8AC3E}">
         <p14:creationId xmlns:p14="http://schemas.microsoft.com/office/powerpoint/2010/main" val="1980876772"/>
-      </p:ext>
-    </p:extLst>
-  </p:cSld>
-  <p:clrMapOvr>
-    <a:masterClrMapping/>
-  </p:clrMapOvr>
-</p:sld>
-</file>
-
-<file path=ppt/slides/slide3.xml><?xml version="1.0" encoding="utf-8"?>
-<p:sld xmlns:a="http://schemas.openxmlformats.org/drawingml/2006/main" xmlns:r="http://schemas.openxmlformats.org/officeDocument/2006/relationships" xmlns:p="http://schemas.openxmlformats.org/presentationml/2006/main">
-  <p:cSld>
-    <p:spTree>
-      <p:nvGrpSpPr>
-        <p:cNvPr id="1" name=""/>
-        <p:cNvGrpSpPr/>
-        <p:nvPr/>
-      </p:nvGrpSpPr>
-      <p:grpSpPr>
-        <a:xfrm>
-          <a:off x="0" y="0"/>
-          <a:ext cx="0" cy="0"/>
-          <a:chOff x="0" y="0"/>
-          <a:chExt cx="0" cy="0"/>
-        </a:xfrm>
-      </p:grpSpPr>
-    </p:spTree>
-    <p:extLst>
-      <p:ext uri="{BB962C8B-B14F-4D97-AF65-F5344CB8AC3E}">
-        <p14:creationId xmlns:p14="http://schemas.microsoft.com/office/powerpoint/2010/main" val="4279511260"/>
       </p:ext>
     </p:extLst>
   </p:cSld>
